--- a/db/mongodb/2017/materials/MongoDB_CH5_Using_in_nodeJS.pptx
+++ b/db/mongodb/2017/materials/MongoDB_CH5_Using_in_nodeJS.pptx
@@ -8,16 +8,24 @@
     <p:sldMasterId id="2147483652" r:id="rId7"/>
   </p:sldMasterIdLst>
   <p:notesMasterIdLst>
-    <p:notesMasterId r:id="rId15"/>
+    <p:notesMasterId r:id="rId23"/>
   </p:notesMasterIdLst>
   <p:sldIdLst>
     <p:sldId id="281" r:id="rId8"/>
     <p:sldId id="379" r:id="rId9"/>
     <p:sldId id="380" r:id="rId10"/>
     <p:sldId id="528" r:id="rId11"/>
-    <p:sldId id="462" r:id="rId12"/>
-    <p:sldId id="264" r:id="rId13"/>
-    <p:sldId id="265" r:id="rId14"/>
+    <p:sldId id="529" r:id="rId12"/>
+    <p:sldId id="530" r:id="rId13"/>
+    <p:sldId id="532" r:id="rId14"/>
+    <p:sldId id="531" r:id="rId15"/>
+    <p:sldId id="533" r:id="rId16"/>
+    <p:sldId id="534" r:id="rId17"/>
+    <p:sldId id="535" r:id="rId18"/>
+    <p:sldId id="536" r:id="rId19"/>
+    <p:sldId id="462" r:id="rId20"/>
+    <p:sldId id="264" r:id="rId21"/>
+    <p:sldId id="265" r:id="rId22"/>
   </p:sldIdLst>
   <p:sldSz cx="9144000" cy="6858000" type="screen4x3"/>
   <p:notesSz cx="6858000" cy="9144000"/>
@@ -118,7 +126,7 @@
   </p:defaultTextStyle>
   <p:extLst>
     <p:ext uri="{EFAFB233-063F-42B5-8137-9DF3F51BA10A}">
-      <p15:sldGuideLst xmlns="" xmlns:p15="http://schemas.microsoft.com/office/powerpoint/2012/main">
+      <p15:sldGuideLst xmlns:p15="http://schemas.microsoft.com/office/powerpoint/2012/main" xmlns="">
         <p15:guide id="1" orient="horz" pos="2160">
           <p15:clr>
             <a:srgbClr val="A4A3A4"/>
@@ -218,7 +226,7 @@
             <a:fld id="{97373330-0875-4F54-B846-34A9C5D83194}" type="datetimeFigureOut">
               <a:rPr lang="en-US" smtClean="0"/>
               <a:pPr/>
-              <a:t>7/30/2017</a:t>
+              <a:t>7/31/2017</a:t>
             </a:fld>
             <a:endParaRPr lang="en-US"/>
           </a:p>
@@ -6242,6 +6250,765 @@
 </p:sld>
 </file>
 
+<file path=ppt/slides/slide10.xml><?xml version="1.0" encoding="utf-8"?>
+<p:sld xmlns:a="http://schemas.openxmlformats.org/drawingml/2006/main" xmlns:r="http://schemas.openxmlformats.org/officeDocument/2006/relationships" xmlns:p="http://schemas.openxmlformats.org/presentationml/2006/main">
+  <p:cSld>
+    <p:spTree>
+      <p:nvGrpSpPr>
+        <p:cNvPr id="1" name=""/>
+        <p:cNvGrpSpPr/>
+        <p:nvPr/>
+      </p:nvGrpSpPr>
+      <p:grpSpPr>
+        <a:xfrm>
+          <a:off x="0" y="0"/>
+          <a:ext cx="0" cy="0"/>
+          <a:chOff x="0" y="0"/>
+          <a:chExt cx="0" cy="0"/>
+        </a:xfrm>
+      </p:grpSpPr>
+      <p:sp>
+        <p:nvSpPr>
+          <p:cNvPr id="2" name="Text Placeholder 1"/>
+          <p:cNvSpPr>
+            <a:spLocks noGrp="1"/>
+          </p:cNvSpPr>
+          <p:nvPr>
+            <p:ph type="body" sz="quarter" idx="13"/>
+          </p:nvPr>
+        </p:nvSpPr>
+        <p:spPr/>
+        <p:txBody>
+          <a:bodyPr/>
+          <a:lstStyle/>
+          <a:p>
+            <a:r>
+              <a:rPr lang="en-US" dirty="0" smtClean="0"/>
+              <a:t>3</a:t>
+            </a:r>
+            <a:endParaRPr lang="en-US" dirty="0"/>
+          </a:p>
+        </p:txBody>
+      </p:sp>
+      <p:sp>
+        <p:nvSpPr>
+          <p:cNvPr id="3" name="Text Placeholder 2"/>
+          <p:cNvSpPr>
+            <a:spLocks noGrp="1"/>
+          </p:cNvSpPr>
+          <p:nvPr>
+            <p:ph type="body" sz="quarter" idx="14"/>
+          </p:nvPr>
+        </p:nvSpPr>
+        <p:spPr/>
+        <p:txBody>
+          <a:bodyPr/>
+          <a:lstStyle/>
+          <a:p>
+            <a:r>
+              <a:rPr lang="en-US" altLang="zh-CN" dirty="0" smtClean="0"/>
+              <a:t>Quick-start</a:t>
+            </a:r>
+            <a:endParaRPr lang="en-US" altLang="zh-CN" dirty="0"/>
+          </a:p>
+        </p:txBody>
+      </p:sp>
+      <p:sp>
+        <p:nvSpPr>
+          <p:cNvPr id="22" name="TextBox 21"/>
+          <p:cNvSpPr txBox="1"/>
+          <p:nvPr/>
+        </p:nvSpPr>
+        <p:spPr>
+          <a:xfrm>
+            <a:off x="186116" y="1219200"/>
+            <a:ext cx="5833683" cy="523220"/>
+          </a:xfrm>
+          <a:prstGeom prst="rect">
+            <a:avLst/>
+          </a:prstGeom>
+          <a:noFill/>
+        </p:spPr>
+        <p:txBody>
+          <a:bodyPr wrap="square" rtlCol="0">
+            <a:spAutoFit/>
+          </a:bodyPr>
+          <a:lstStyle/>
+          <a:p>
+            <a:r>
+              <a:rPr lang="en-US" altLang="zh-CN" sz="2800" dirty="0" smtClean="0"/>
+              <a:t>Step 4: Create document from Model</a:t>
+            </a:r>
+          </a:p>
+        </p:txBody>
+      </p:sp>
+      <p:pic>
+        <p:nvPicPr>
+          <p:cNvPr id="3074" name="Picture 2"/>
+          <p:cNvPicPr>
+            <a:picLocks noChangeAspect="1" noChangeArrowheads="1"/>
+          </p:cNvPicPr>
+          <p:nvPr/>
+        </p:nvPicPr>
+        <p:blipFill>
+          <a:blip r:embed="rId2">
+            <a:extLst>
+              <a:ext uri="{28A0092B-C50C-407E-A947-70E740481C1C}">
+                <a14:useLocalDpi xmlns:a14="http://schemas.microsoft.com/office/drawing/2010/main" val="0"/>
+              </a:ext>
+            </a:extLst>
+          </a:blip>
+          <a:srcRect/>
+          <a:stretch>
+            <a:fillRect/>
+          </a:stretch>
+        </p:blipFill>
+        <p:spPr bwMode="auto">
+          <a:xfrm>
+            <a:off x="186115" y="1742420"/>
+            <a:ext cx="6620451" cy="1610380"/>
+          </a:xfrm>
+          <a:prstGeom prst="rect">
+            <a:avLst/>
+          </a:prstGeom>
+          <a:noFill/>
+          <a:ln>
+            <a:noFill/>
+          </a:ln>
+          <a:effectLst/>
+          <a:extLst>
+            <a:ext uri="{909E8E84-426E-40DD-AFC4-6F175D3DCCD1}">
+              <a14:hiddenFill xmlns:a14="http://schemas.microsoft.com/office/drawing/2010/main">
+                <a:solidFill>
+                  <a:schemeClr val="accent1"/>
+                </a:solidFill>
+              </a14:hiddenFill>
+            </a:ext>
+            <a:ext uri="{91240B29-F687-4F45-9708-019B960494DF}">
+              <a14:hiddenLine xmlns:a14="http://schemas.microsoft.com/office/drawing/2010/main" w="9525">
+                <a:solidFill>
+                  <a:schemeClr val="tx1"/>
+                </a:solidFill>
+                <a:miter lim="800000"/>
+                <a:headEnd/>
+                <a:tailEnd/>
+              </a14:hiddenLine>
+            </a:ext>
+            <a:ext uri="{AF507438-7753-43E0-B8FC-AC1667EBCBE1}">
+              <a14:hiddenEffects xmlns:a14="http://schemas.microsoft.com/office/drawing/2010/main">
+                <a:effectLst>
+                  <a:outerShdw dist="35921" dir="2700000" algn="ctr" rotWithShape="0">
+                    <a:schemeClr val="bg2"/>
+                  </a:outerShdw>
+                </a:effectLst>
+              </a14:hiddenEffects>
+            </a:ext>
+          </a:extLst>
+        </p:spPr>
+      </p:pic>
+      <p:pic>
+        <p:nvPicPr>
+          <p:cNvPr id="3075" name="Picture 3"/>
+          <p:cNvPicPr>
+            <a:picLocks noChangeAspect="1" noChangeArrowheads="1"/>
+          </p:cNvPicPr>
+          <p:nvPr/>
+        </p:nvPicPr>
+        <p:blipFill>
+          <a:blip r:embed="rId3">
+            <a:extLst>
+              <a:ext uri="{28A0092B-C50C-407E-A947-70E740481C1C}">
+                <a14:useLocalDpi xmlns:a14="http://schemas.microsoft.com/office/drawing/2010/main" val="0"/>
+              </a:ext>
+            </a:extLst>
+          </a:blip>
+          <a:srcRect/>
+          <a:stretch>
+            <a:fillRect/>
+          </a:stretch>
+        </p:blipFill>
+        <p:spPr bwMode="auto">
+          <a:xfrm>
+            <a:off x="209043" y="4191000"/>
+            <a:ext cx="6649720" cy="1676400"/>
+          </a:xfrm>
+          <a:prstGeom prst="rect">
+            <a:avLst/>
+          </a:prstGeom>
+          <a:noFill/>
+          <a:ln>
+            <a:noFill/>
+          </a:ln>
+          <a:effectLst/>
+          <a:extLst>
+            <a:ext uri="{909E8E84-426E-40DD-AFC4-6F175D3DCCD1}">
+              <a14:hiddenFill xmlns:a14="http://schemas.microsoft.com/office/drawing/2010/main">
+                <a:solidFill>
+                  <a:schemeClr val="accent1"/>
+                </a:solidFill>
+              </a14:hiddenFill>
+            </a:ext>
+            <a:ext uri="{91240B29-F687-4F45-9708-019B960494DF}">
+              <a14:hiddenLine xmlns:a14="http://schemas.microsoft.com/office/drawing/2010/main" w="9525">
+                <a:solidFill>
+                  <a:schemeClr val="tx1"/>
+                </a:solidFill>
+                <a:miter lim="800000"/>
+                <a:headEnd/>
+                <a:tailEnd/>
+              </a14:hiddenLine>
+            </a:ext>
+            <a:ext uri="{AF507438-7753-43E0-B8FC-AC1667EBCBE1}">
+              <a14:hiddenEffects xmlns:a14="http://schemas.microsoft.com/office/drawing/2010/main">
+                <a:effectLst>
+                  <a:outerShdw dist="35921" dir="2700000" algn="ctr" rotWithShape="0">
+                    <a:schemeClr val="bg2"/>
+                  </a:outerShdw>
+                </a:effectLst>
+              </a14:hiddenEffects>
+            </a:ext>
+          </a:extLst>
+        </p:spPr>
+      </p:pic>
+      <p:sp>
+        <p:nvSpPr>
+          <p:cNvPr id="9" name="TextBox 8"/>
+          <p:cNvSpPr txBox="1"/>
+          <p:nvPr/>
+        </p:nvSpPr>
+        <p:spPr>
+          <a:xfrm>
+            <a:off x="209043" y="3505200"/>
+            <a:ext cx="5833683" cy="523220"/>
+          </a:xfrm>
+          <a:prstGeom prst="rect">
+            <a:avLst/>
+          </a:prstGeom>
+          <a:noFill/>
+        </p:spPr>
+        <p:txBody>
+          <a:bodyPr wrap="square" rtlCol="0">
+            <a:spAutoFit/>
+          </a:bodyPr>
+          <a:lstStyle/>
+          <a:p>
+            <a:r>
+              <a:rPr lang="en-US" altLang="zh-CN" sz="2800" dirty="0" smtClean="0"/>
+              <a:t>Step 5: Save document to DB</a:t>
+            </a:r>
+          </a:p>
+        </p:txBody>
+      </p:sp>
+    </p:spTree>
+    <p:extLst>
+      <p:ext uri="{BB962C8B-B14F-4D97-AF65-F5344CB8AC3E}">
+        <p14:creationId xmlns:p14="http://schemas.microsoft.com/office/powerpoint/2010/main" val="726418753"/>
+      </p:ext>
+    </p:extLst>
+  </p:cSld>
+  <p:clrMapOvr>
+    <a:masterClrMapping/>
+  </p:clrMapOvr>
+  <p:timing>
+    <p:tnLst>
+      <p:par>
+        <p:cTn id="1" dur="indefinite" restart="never" nodeType="tmRoot"/>
+      </p:par>
+    </p:tnLst>
+  </p:timing>
+</p:sld>
+</file>
+
+<file path=ppt/slides/slide11.xml><?xml version="1.0" encoding="utf-8"?>
+<p:sld xmlns:a="http://schemas.openxmlformats.org/drawingml/2006/main" xmlns:r="http://schemas.openxmlformats.org/officeDocument/2006/relationships" xmlns:p="http://schemas.openxmlformats.org/presentationml/2006/main">
+  <p:cSld>
+    <p:spTree>
+      <p:nvGrpSpPr>
+        <p:cNvPr id="1" name=""/>
+        <p:cNvGrpSpPr/>
+        <p:nvPr/>
+      </p:nvGrpSpPr>
+      <p:grpSpPr>
+        <a:xfrm>
+          <a:off x="0" y="0"/>
+          <a:ext cx="0" cy="0"/>
+          <a:chOff x="0" y="0"/>
+          <a:chExt cx="0" cy="0"/>
+        </a:xfrm>
+      </p:grpSpPr>
+      <p:sp>
+        <p:nvSpPr>
+          <p:cNvPr id="2" name="Text Placeholder 1"/>
+          <p:cNvSpPr>
+            <a:spLocks noGrp="1"/>
+          </p:cNvSpPr>
+          <p:nvPr>
+            <p:ph type="body" sz="quarter" idx="13"/>
+          </p:nvPr>
+        </p:nvSpPr>
+        <p:spPr/>
+        <p:txBody>
+          <a:bodyPr/>
+          <a:lstStyle/>
+          <a:p>
+            <a:r>
+              <a:rPr lang="en-US" dirty="0" smtClean="0"/>
+              <a:t>3</a:t>
+            </a:r>
+            <a:endParaRPr lang="en-US" dirty="0"/>
+          </a:p>
+        </p:txBody>
+      </p:sp>
+      <p:sp>
+        <p:nvSpPr>
+          <p:cNvPr id="3" name="Text Placeholder 2"/>
+          <p:cNvSpPr>
+            <a:spLocks noGrp="1"/>
+          </p:cNvSpPr>
+          <p:nvPr>
+            <p:ph type="body" sz="quarter" idx="14"/>
+          </p:nvPr>
+        </p:nvSpPr>
+        <p:spPr/>
+        <p:txBody>
+          <a:bodyPr/>
+          <a:lstStyle/>
+          <a:p>
+            <a:r>
+              <a:rPr lang="en-US" altLang="zh-CN" dirty="0" smtClean="0"/>
+              <a:t>Quick-start</a:t>
+            </a:r>
+            <a:endParaRPr lang="en-US" altLang="zh-CN" dirty="0"/>
+          </a:p>
+        </p:txBody>
+      </p:sp>
+      <p:sp>
+        <p:nvSpPr>
+          <p:cNvPr id="22" name="TextBox 21"/>
+          <p:cNvSpPr txBox="1"/>
+          <p:nvPr/>
+        </p:nvSpPr>
+        <p:spPr>
+          <a:xfrm>
+            <a:off x="186116" y="1219200"/>
+            <a:ext cx="5833683" cy="523220"/>
+          </a:xfrm>
+          <a:prstGeom prst="rect">
+            <a:avLst/>
+          </a:prstGeom>
+          <a:noFill/>
+        </p:spPr>
+        <p:txBody>
+          <a:bodyPr wrap="square" rtlCol="0">
+            <a:spAutoFit/>
+          </a:bodyPr>
+          <a:lstStyle/>
+          <a:p>
+            <a:r>
+              <a:rPr lang="en-US" altLang="zh-CN" sz="2800" dirty="0" smtClean="0"/>
+              <a:t>Step 6: Find inserted document</a:t>
+            </a:r>
+          </a:p>
+        </p:txBody>
+      </p:sp>
+      <p:pic>
+        <p:nvPicPr>
+          <p:cNvPr id="4098" name="Picture 2"/>
+          <p:cNvPicPr>
+            <a:picLocks noChangeAspect="1" noChangeArrowheads="1"/>
+          </p:cNvPicPr>
+          <p:nvPr/>
+        </p:nvPicPr>
+        <p:blipFill>
+          <a:blip r:embed="rId2">
+            <a:extLst>
+              <a:ext uri="{28A0092B-C50C-407E-A947-70E740481C1C}">
+                <a14:useLocalDpi xmlns:a14="http://schemas.microsoft.com/office/drawing/2010/main" val="0"/>
+              </a:ext>
+            </a:extLst>
+          </a:blip>
+          <a:srcRect/>
+          <a:stretch>
+            <a:fillRect/>
+          </a:stretch>
+        </p:blipFill>
+        <p:spPr bwMode="auto">
+          <a:xfrm>
+            <a:off x="304800" y="1764672"/>
+            <a:ext cx="5566054" cy="2959727"/>
+          </a:xfrm>
+          <a:prstGeom prst="rect">
+            <a:avLst/>
+          </a:prstGeom>
+          <a:noFill/>
+          <a:ln>
+            <a:noFill/>
+          </a:ln>
+          <a:effectLst/>
+          <a:extLst>
+            <a:ext uri="{909E8E84-426E-40DD-AFC4-6F175D3DCCD1}">
+              <a14:hiddenFill xmlns:a14="http://schemas.microsoft.com/office/drawing/2010/main">
+                <a:solidFill>
+                  <a:schemeClr val="accent1"/>
+                </a:solidFill>
+              </a14:hiddenFill>
+            </a:ext>
+            <a:ext uri="{91240B29-F687-4F45-9708-019B960494DF}">
+              <a14:hiddenLine xmlns:a14="http://schemas.microsoft.com/office/drawing/2010/main" w="9525">
+                <a:solidFill>
+                  <a:schemeClr val="tx1"/>
+                </a:solidFill>
+                <a:miter lim="800000"/>
+                <a:headEnd/>
+                <a:tailEnd/>
+              </a14:hiddenLine>
+            </a:ext>
+            <a:ext uri="{AF507438-7753-43E0-B8FC-AC1667EBCBE1}">
+              <a14:hiddenEffects xmlns:a14="http://schemas.microsoft.com/office/drawing/2010/main">
+                <a:effectLst>
+                  <a:outerShdw dist="35921" dir="2700000" algn="ctr" rotWithShape="0">
+                    <a:schemeClr val="bg2"/>
+                  </a:outerShdw>
+                </a:effectLst>
+              </a14:hiddenEffects>
+            </a:ext>
+          </a:extLst>
+        </p:spPr>
+      </p:pic>
+      <p:pic>
+        <p:nvPicPr>
+          <p:cNvPr id="4099" name="Picture 3"/>
+          <p:cNvPicPr>
+            <a:picLocks noChangeAspect="1" noChangeArrowheads="1"/>
+          </p:cNvPicPr>
+          <p:nvPr/>
+        </p:nvPicPr>
+        <p:blipFill>
+          <a:blip r:embed="rId3">
+            <a:extLst>
+              <a:ext uri="{28A0092B-C50C-407E-A947-70E740481C1C}">
+                <a14:useLocalDpi xmlns:a14="http://schemas.microsoft.com/office/drawing/2010/main" val="0"/>
+              </a:ext>
+            </a:extLst>
+          </a:blip>
+          <a:srcRect/>
+          <a:stretch>
+            <a:fillRect/>
+          </a:stretch>
+        </p:blipFill>
+        <p:spPr bwMode="auto">
+          <a:xfrm>
+            <a:off x="0" y="5181600"/>
+            <a:ext cx="9067800" cy="990600"/>
+          </a:xfrm>
+          <a:prstGeom prst="rect">
+            <a:avLst/>
+          </a:prstGeom>
+          <a:noFill/>
+          <a:ln>
+            <a:noFill/>
+          </a:ln>
+          <a:effectLst/>
+          <a:extLst>
+            <a:ext uri="{909E8E84-426E-40DD-AFC4-6F175D3DCCD1}">
+              <a14:hiddenFill xmlns:a14="http://schemas.microsoft.com/office/drawing/2010/main">
+                <a:solidFill>
+                  <a:schemeClr val="accent1"/>
+                </a:solidFill>
+              </a14:hiddenFill>
+            </a:ext>
+            <a:ext uri="{91240B29-F687-4F45-9708-019B960494DF}">
+              <a14:hiddenLine xmlns:a14="http://schemas.microsoft.com/office/drawing/2010/main" w="9525">
+                <a:solidFill>
+                  <a:schemeClr val="tx1"/>
+                </a:solidFill>
+                <a:miter lim="800000"/>
+                <a:headEnd/>
+                <a:tailEnd/>
+              </a14:hiddenLine>
+            </a:ext>
+            <a:ext uri="{AF507438-7753-43E0-B8FC-AC1667EBCBE1}">
+              <a14:hiddenEffects xmlns:a14="http://schemas.microsoft.com/office/drawing/2010/main">
+                <a:effectLst>
+                  <a:outerShdw dist="35921" dir="2700000" algn="ctr" rotWithShape="0">
+                    <a:schemeClr val="bg2"/>
+                  </a:outerShdw>
+                </a:effectLst>
+              </a14:hiddenEffects>
+            </a:ext>
+          </a:extLst>
+        </p:spPr>
+      </p:pic>
+    </p:spTree>
+    <p:extLst>
+      <p:ext uri="{BB962C8B-B14F-4D97-AF65-F5344CB8AC3E}">
+        <p14:creationId xmlns:p14="http://schemas.microsoft.com/office/powerpoint/2010/main" val="726418753"/>
+      </p:ext>
+    </p:extLst>
+  </p:cSld>
+  <p:clrMapOvr>
+    <a:masterClrMapping/>
+  </p:clrMapOvr>
+  <p:timing>
+    <p:tnLst>
+      <p:par>
+        <p:cTn id="1" dur="indefinite" restart="never" nodeType="tmRoot"/>
+      </p:par>
+    </p:tnLst>
+  </p:timing>
+</p:sld>
+</file>
+
+<file path=ppt/slides/slide12.xml><?xml version="1.0" encoding="utf-8"?>
+<p:sld xmlns:a="http://schemas.openxmlformats.org/drawingml/2006/main" xmlns:r="http://schemas.openxmlformats.org/officeDocument/2006/relationships" xmlns:p="http://schemas.openxmlformats.org/presentationml/2006/main">
+  <p:cSld>
+    <p:spTree>
+      <p:nvGrpSpPr>
+        <p:cNvPr id="1" name=""/>
+        <p:cNvGrpSpPr/>
+        <p:nvPr/>
+      </p:nvGrpSpPr>
+      <p:grpSpPr>
+        <a:xfrm>
+          <a:off x="0" y="0"/>
+          <a:ext cx="0" cy="0"/>
+          <a:chOff x="0" y="0"/>
+          <a:chExt cx="0" cy="0"/>
+        </a:xfrm>
+      </p:grpSpPr>
+      <p:sp>
+        <p:nvSpPr>
+          <p:cNvPr id="2" name="Text Placeholder 1"/>
+          <p:cNvSpPr>
+            <a:spLocks noGrp="1"/>
+          </p:cNvSpPr>
+          <p:nvPr>
+            <p:ph type="body" sz="quarter" idx="14"/>
+          </p:nvPr>
+        </p:nvSpPr>
+        <p:spPr>
+          <a:xfrm>
+            <a:off x="1031081" y="1712742"/>
+            <a:ext cx="6019800" cy="646331"/>
+          </a:xfrm>
+        </p:spPr>
+        <p:txBody>
+          <a:bodyPr/>
+          <a:lstStyle/>
+          <a:p>
+            <a:r>
+              <a:rPr lang="en-US" altLang="zh-CN" dirty="0" smtClean="0"/>
+              <a:t>Schema</a:t>
+            </a:r>
+            <a:endParaRPr lang="en-US" altLang="zh-CN" dirty="0"/>
+          </a:p>
+        </p:txBody>
+      </p:sp>
+      <p:sp>
+        <p:nvSpPr>
+          <p:cNvPr id="3" name="Text Placeholder 2"/>
+          <p:cNvSpPr>
+            <a:spLocks noGrp="1"/>
+          </p:cNvSpPr>
+          <p:nvPr>
+            <p:ph type="body" sz="quarter" idx="11"/>
+          </p:nvPr>
+        </p:nvSpPr>
+        <p:spPr/>
+        <p:txBody>
+          <a:bodyPr/>
+          <a:lstStyle/>
+          <a:p>
+            <a:r>
+              <a:rPr lang="en-US" dirty="0" smtClean="0"/>
+              <a:t>4</a:t>
+            </a:r>
+            <a:endParaRPr lang="en-US" dirty="0"/>
+          </a:p>
+        </p:txBody>
+      </p:sp>
+    </p:spTree>
+    <p:extLst>
+      <p:ext uri="{BB962C8B-B14F-4D97-AF65-F5344CB8AC3E}">
+        <p14:creationId xmlns:p14="http://schemas.microsoft.com/office/powerpoint/2010/main" val="28942678"/>
+      </p:ext>
+    </p:extLst>
+  </p:cSld>
+  <p:clrMapOvr>
+    <a:masterClrMapping/>
+  </p:clrMapOvr>
+  <p:timing>
+    <p:tnLst>
+      <p:par>
+        <p:cTn id="1" dur="indefinite" restart="never" nodeType="tmRoot"/>
+      </p:par>
+    </p:tnLst>
+  </p:timing>
+</p:sld>
+</file>
+
+<file path=ppt/slides/slide13.xml><?xml version="1.0" encoding="utf-8"?>
+<p:sld xmlns:a="http://schemas.openxmlformats.org/drawingml/2006/main" xmlns:r="http://schemas.openxmlformats.org/officeDocument/2006/relationships" xmlns:p="http://schemas.openxmlformats.org/presentationml/2006/main">
+  <p:cSld>
+    <p:spTree>
+      <p:nvGrpSpPr>
+        <p:cNvPr id="1" name=""/>
+        <p:cNvGrpSpPr/>
+        <p:nvPr/>
+      </p:nvGrpSpPr>
+      <p:grpSpPr>
+        <a:xfrm>
+          <a:off x="0" y="0"/>
+          <a:ext cx="0" cy="0"/>
+          <a:chOff x="0" y="0"/>
+          <a:chExt cx="0" cy="0"/>
+        </a:xfrm>
+      </p:grpSpPr>
+      <p:sp>
+        <p:nvSpPr>
+          <p:cNvPr id="2" name="Text Placeholder 1"/>
+          <p:cNvSpPr>
+            <a:spLocks noGrp="1"/>
+          </p:cNvSpPr>
+          <p:nvPr>
+            <p:ph type="body" sz="quarter" idx="14"/>
+          </p:nvPr>
+        </p:nvSpPr>
+        <p:spPr>
+          <a:xfrm>
+            <a:off x="1031080" y="1712742"/>
+            <a:ext cx="7122319" cy="1754326"/>
+          </a:xfrm>
+        </p:spPr>
+        <p:txBody>
+          <a:bodyPr/>
+          <a:lstStyle/>
+          <a:p>
+            <a:r>
+              <a:rPr lang="en-US">
+                <a:hlinkClick r:id="rId2"/>
+              </a:rPr>
+              <a:t>http://</a:t>
+            </a:r>
+            <a:r>
+              <a:rPr lang="en-US" smtClean="0">
+                <a:hlinkClick r:id="rId2"/>
+              </a:rPr>
+              <a:t>mongoosejs.com/docs/index.html</a:t>
+            </a:r>
+            <a:endParaRPr lang="en-US" smtClean="0"/>
+          </a:p>
+          <a:p>
+            <a:endParaRPr lang="en-US" dirty="0"/>
+          </a:p>
+        </p:txBody>
+      </p:sp>
+      <p:sp>
+        <p:nvSpPr>
+          <p:cNvPr id="3" name="Text Placeholder 2"/>
+          <p:cNvSpPr>
+            <a:spLocks noGrp="1"/>
+          </p:cNvSpPr>
+          <p:nvPr>
+            <p:ph type="body" sz="quarter" idx="11"/>
+          </p:nvPr>
+        </p:nvSpPr>
+        <p:spPr/>
+        <p:txBody>
+          <a:bodyPr/>
+          <a:lstStyle/>
+          <a:p>
+            <a:r>
+              <a:rPr lang="en-US" dirty="0"/>
+              <a:t>@</a:t>
+            </a:r>
+          </a:p>
+        </p:txBody>
+      </p:sp>
+    </p:spTree>
+    <p:extLst>
+      <p:ext uri="{BB962C8B-B14F-4D97-AF65-F5344CB8AC3E}">
+        <p14:creationId xmlns:p14="http://schemas.microsoft.com/office/powerpoint/2010/main" val="425277737"/>
+      </p:ext>
+    </p:extLst>
+  </p:cSld>
+  <p:clrMapOvr>
+    <a:masterClrMapping/>
+  </p:clrMapOvr>
+  <p:timing>
+    <p:tnLst>
+      <p:par>
+        <p:cTn id="1" dur="indefinite" restart="never" nodeType="tmRoot"/>
+      </p:par>
+    </p:tnLst>
+  </p:timing>
+</p:sld>
+</file>
+
+<file path=ppt/slides/slide14.xml><?xml version="1.0" encoding="utf-8"?>
+<p:sld xmlns:a="http://schemas.openxmlformats.org/drawingml/2006/main" xmlns:r="http://schemas.openxmlformats.org/officeDocument/2006/relationships" xmlns:p="http://schemas.openxmlformats.org/presentationml/2006/main">
+  <p:cSld>
+    <p:spTree>
+      <p:nvGrpSpPr>
+        <p:cNvPr id="1" name=""/>
+        <p:cNvGrpSpPr/>
+        <p:nvPr/>
+      </p:nvGrpSpPr>
+      <p:grpSpPr>
+        <a:xfrm>
+          <a:off x="0" y="0"/>
+          <a:ext cx="0" cy="0"/>
+          <a:chOff x="0" y="0"/>
+          <a:chExt cx="0" cy="0"/>
+        </a:xfrm>
+      </p:grpSpPr>
+    </p:spTree>
+  </p:cSld>
+  <p:clrMapOvr>
+    <a:masterClrMapping/>
+  </p:clrMapOvr>
+  <p:timing>
+    <p:tnLst>
+      <p:par>
+        <p:cTn id="1" dur="indefinite" restart="never" nodeType="tmRoot"/>
+      </p:par>
+    </p:tnLst>
+  </p:timing>
+</p:sld>
+</file>
+
+<file path=ppt/slides/slide15.xml><?xml version="1.0" encoding="utf-8"?>
+<p:sld xmlns:a="http://schemas.openxmlformats.org/drawingml/2006/main" xmlns:r="http://schemas.openxmlformats.org/officeDocument/2006/relationships" xmlns:p="http://schemas.openxmlformats.org/presentationml/2006/main">
+  <p:cSld>
+    <p:spTree>
+      <p:nvGrpSpPr>
+        <p:cNvPr id="1" name=""/>
+        <p:cNvGrpSpPr/>
+        <p:nvPr/>
+      </p:nvGrpSpPr>
+      <p:grpSpPr>
+        <a:xfrm>
+          <a:off x="0" y="0"/>
+          <a:ext cx="0" cy="0"/>
+          <a:chOff x="0" y="0"/>
+          <a:chExt cx="0" cy="0"/>
+        </a:xfrm>
+      </p:grpSpPr>
+    </p:spTree>
+  </p:cSld>
+  <p:clrMapOvr>
+    <a:masterClrMapping/>
+  </p:clrMapOvr>
+  <p:timing>
+    <p:tnLst>
+      <p:par>
+        <p:cTn id="1" dur="indefinite" restart="never" nodeType="tmRoot"/>
+      </p:par>
+    </p:tnLst>
+  </p:timing>
+</p:sld>
+</file>
+
 <file path=ppt/slides/slide2.xml><?xml version="1.0" encoding="utf-8"?>
 <p:sld xmlns:a="http://schemas.openxmlformats.org/drawingml/2006/main" xmlns:r="http://schemas.openxmlformats.org/officeDocument/2006/relationships" xmlns:p="http://schemas.openxmlformats.org/presentationml/2006/main">
   <p:cSld>
@@ -6417,8 +7184,8 @@
           <a:lstStyle/>
           <a:p>
             <a:r>
-              <a:rPr lang="en-US" altLang="zh-CN" sz="2800" dirty="0"/>
-              <a:t>Usage</a:t>
+              <a:rPr lang="en-US" altLang="zh-CN" sz="2800" dirty="0" smtClean="0"/>
+              <a:t>Quick-start</a:t>
             </a:r>
             <a:endParaRPr lang="en-US" sz="2800" dirty="0"/>
           </a:p>
@@ -6448,6 +7215,174 @@
               <a:rPr lang="en-US" dirty="0"/>
               <a:t>3</a:t>
             </a:r>
+          </a:p>
+        </p:txBody>
+      </p:sp>
+      <p:sp>
+        <p:nvSpPr>
+          <p:cNvPr id="10" name="Text Placeholder 6"/>
+          <p:cNvSpPr>
+            <a:spLocks noGrp="1"/>
+          </p:cNvSpPr>
+          <p:nvPr>
+            <p:ph type="body" sz="quarter" idx="17"/>
+          </p:nvPr>
+        </p:nvSpPr>
+        <p:spPr>
+          <a:xfrm>
+            <a:off x="1981200" y="3352800"/>
+            <a:ext cx="6019800" cy="523220"/>
+          </a:xfrm>
+        </p:spPr>
+        <p:txBody>
+          <a:bodyPr/>
+          <a:lstStyle/>
+          <a:p>
+            <a:r>
+              <a:rPr lang="en-US" altLang="zh-CN" sz="2800" dirty="0"/>
+              <a:t>Schema</a:t>
+            </a:r>
+            <a:endParaRPr lang="en-US" sz="2800" dirty="0"/>
+          </a:p>
+        </p:txBody>
+      </p:sp>
+      <p:sp>
+        <p:nvSpPr>
+          <p:cNvPr id="11" name="Text Placeholder 7"/>
+          <p:cNvSpPr>
+            <a:spLocks noGrp="1"/>
+          </p:cNvSpPr>
+          <p:nvPr>
+            <p:ph type="body" sz="quarter" idx="18"/>
+          </p:nvPr>
+        </p:nvSpPr>
+        <p:spPr>
+          <a:xfrm>
+            <a:off x="1447435" y="3429000"/>
+            <a:ext cx="381365" cy="381000"/>
+          </a:xfrm>
+        </p:spPr>
+        <p:txBody>
+          <a:bodyPr/>
+          <a:lstStyle/>
+          <a:p>
+            <a:r>
+              <a:rPr lang="en-US" dirty="0" smtClean="0"/>
+              <a:t>4</a:t>
+            </a:r>
+            <a:endParaRPr lang="en-US" dirty="0"/>
+          </a:p>
+        </p:txBody>
+      </p:sp>
+      <p:sp>
+        <p:nvSpPr>
+          <p:cNvPr id="12" name="Text Placeholder 6"/>
+          <p:cNvSpPr>
+            <a:spLocks noGrp="1"/>
+          </p:cNvSpPr>
+          <p:nvPr>
+            <p:ph type="body" sz="quarter" idx="17"/>
+          </p:nvPr>
+        </p:nvSpPr>
+        <p:spPr>
+          <a:xfrm>
+            <a:off x="1981200" y="3962400"/>
+            <a:ext cx="6019800" cy="523220"/>
+          </a:xfrm>
+        </p:spPr>
+        <p:txBody>
+          <a:bodyPr/>
+          <a:lstStyle/>
+          <a:p>
+            <a:r>
+              <a:rPr lang="en-US" altLang="zh-CN" sz="2800" dirty="0" smtClean="0"/>
+              <a:t>Model</a:t>
+            </a:r>
+            <a:endParaRPr lang="en-US" sz="2800" dirty="0"/>
+          </a:p>
+        </p:txBody>
+      </p:sp>
+      <p:sp>
+        <p:nvSpPr>
+          <p:cNvPr id="13" name="Text Placeholder 7"/>
+          <p:cNvSpPr>
+            <a:spLocks noGrp="1"/>
+          </p:cNvSpPr>
+          <p:nvPr>
+            <p:ph type="body" sz="quarter" idx="18"/>
+          </p:nvPr>
+        </p:nvSpPr>
+        <p:spPr>
+          <a:xfrm>
+            <a:off x="1447435" y="4038600"/>
+            <a:ext cx="381365" cy="381000"/>
+          </a:xfrm>
+        </p:spPr>
+        <p:txBody>
+          <a:bodyPr/>
+          <a:lstStyle/>
+          <a:p>
+            <a:r>
+              <a:rPr lang="en-US" dirty="0" smtClean="0"/>
+              <a:t>5</a:t>
+            </a:r>
+            <a:endParaRPr lang="en-US" dirty="0"/>
+          </a:p>
+        </p:txBody>
+      </p:sp>
+      <p:sp>
+        <p:nvSpPr>
+          <p:cNvPr id="14" name="Text Placeholder 6"/>
+          <p:cNvSpPr>
+            <a:spLocks noGrp="1"/>
+          </p:cNvSpPr>
+          <p:nvPr>
+            <p:ph type="body" sz="quarter" idx="17"/>
+          </p:nvPr>
+        </p:nvSpPr>
+        <p:spPr>
+          <a:xfrm>
+            <a:off x="1981200" y="4572000"/>
+            <a:ext cx="6019800" cy="523220"/>
+          </a:xfrm>
+        </p:spPr>
+        <p:txBody>
+          <a:bodyPr/>
+          <a:lstStyle/>
+          <a:p>
+            <a:r>
+              <a:rPr lang="en-US" altLang="zh-CN" sz="2800" dirty="0"/>
+              <a:t>Middleware</a:t>
+            </a:r>
+            <a:endParaRPr lang="en-US" sz="2800" dirty="0"/>
+          </a:p>
+        </p:txBody>
+      </p:sp>
+      <p:sp>
+        <p:nvSpPr>
+          <p:cNvPr id="15" name="Text Placeholder 7"/>
+          <p:cNvSpPr>
+            <a:spLocks noGrp="1"/>
+          </p:cNvSpPr>
+          <p:nvPr>
+            <p:ph type="body" sz="quarter" idx="18"/>
+          </p:nvPr>
+        </p:nvSpPr>
+        <p:spPr>
+          <a:xfrm>
+            <a:off x="1447435" y="4648200"/>
+            <a:ext cx="381365" cy="381000"/>
+          </a:xfrm>
+        </p:spPr>
+        <p:txBody>
+          <a:bodyPr/>
+          <a:lstStyle/>
+          <a:p>
+            <a:r>
+              <a:rPr lang="en-US" dirty="0" smtClean="0"/>
+              <a:t>6</a:t>
+            </a:r>
+            <a:endParaRPr lang="en-US" dirty="0"/>
           </a:p>
         </p:txBody>
       </p:sp>
@@ -6507,7 +7442,6 @@
               <a:rPr lang="en-US" altLang="zh-CN" dirty="0"/>
               <a:t>Installation of mongoose</a:t>
             </a:r>
-            <a:endParaRPr lang="en-US" altLang="zh-CN" dirty="0"/>
           </a:p>
         </p:txBody>
       </p:sp>
@@ -6803,6 +7737,12 @@
           <a:prstGeom prst="rect">
             <a:avLst/>
           </a:prstGeom>
+          <a:solidFill>
+            <a:schemeClr val="accent3">
+              <a:lumMod val="20000"/>
+              <a:lumOff val="80000"/>
+            </a:schemeClr>
+          </a:solidFill>
         </p:spPr>
         <p:style>
           <a:lnRef idx="2">
@@ -6893,8 +7833,8 @@
         </p:nvSpPr>
         <p:spPr>
           <a:xfrm>
-            <a:off x="1031080" y="1712742"/>
-            <a:ext cx="7122319" cy="1754326"/>
+            <a:off x="1031081" y="1712742"/>
+            <a:ext cx="6019800" cy="646331"/>
           </a:xfrm>
         </p:spPr>
         <p:txBody>
@@ -6902,27 +7842,10 @@
           <a:lstStyle/>
           <a:p>
             <a:r>
-              <a:rPr lang="en-US">
-                <a:hlinkClick r:id="rId2"/>
-              </a:rPr>
-              <a:t>http</a:t>
-            </a:r>
-            <a:r>
-              <a:rPr lang="en-US">
-                <a:hlinkClick r:id="rId2"/>
-              </a:rPr>
-              <a:t>://</a:t>
-            </a:r>
-            <a:r>
-              <a:rPr lang="en-US" smtClean="0">
-                <a:hlinkClick r:id="rId2"/>
-              </a:rPr>
-              <a:t>mongoosejs.com/docs/index.html</a:t>
-            </a:r>
-            <a:endParaRPr lang="en-US" smtClean="0"/>
-          </a:p>
-          <a:p>
-            <a:endParaRPr lang="en-US" dirty="0"/>
+              <a:rPr lang="en-US" altLang="zh-CN" dirty="0"/>
+              <a:t>Concepts of mongoose</a:t>
+            </a:r>
+            <a:endParaRPr lang="en-US" altLang="zh-CN" dirty="0"/>
           </a:p>
         </p:txBody>
       </p:sp>
@@ -6942,16 +7865,17 @@
           <a:lstStyle/>
           <a:p>
             <a:r>
-              <a:rPr lang="en-US" dirty="0"/>
-              <a:t>@</a:t>
-            </a:r>
+              <a:rPr lang="en-US" dirty="0" smtClean="0"/>
+              <a:t>2</a:t>
+            </a:r>
+            <a:endParaRPr lang="en-US" dirty="0"/>
           </a:p>
         </p:txBody>
       </p:sp>
     </p:spTree>
     <p:extLst>
       <p:ext uri="{BB962C8B-B14F-4D97-AF65-F5344CB8AC3E}">
-        <p14:creationId xmlns:p14="http://schemas.microsoft.com/office/powerpoint/2010/main" val="425277737"/>
+        <p14:creationId xmlns:p14="http://schemas.microsoft.com/office/powerpoint/2010/main" val="1379442688"/>
       </p:ext>
     </p:extLst>
   </p:cSld>
@@ -6985,7 +7909,753 @@
           <a:chExt cx="0" cy="0"/>
         </a:xfrm>
       </p:grpSpPr>
+      <p:sp>
+        <p:nvSpPr>
+          <p:cNvPr id="2" name="Text Placeholder 1"/>
+          <p:cNvSpPr>
+            <a:spLocks noGrp="1"/>
+          </p:cNvSpPr>
+          <p:nvPr>
+            <p:ph type="body" sz="quarter" idx="13"/>
+          </p:nvPr>
+        </p:nvSpPr>
+        <p:spPr/>
+        <p:txBody>
+          <a:bodyPr/>
+          <a:lstStyle/>
+          <a:p>
+            <a:r>
+              <a:rPr lang="en-US" dirty="0" smtClean="0"/>
+              <a:t>2</a:t>
+            </a:r>
+            <a:endParaRPr lang="en-US" dirty="0"/>
+          </a:p>
+        </p:txBody>
+      </p:sp>
+      <p:sp>
+        <p:nvSpPr>
+          <p:cNvPr id="3" name="Text Placeholder 2"/>
+          <p:cNvSpPr>
+            <a:spLocks noGrp="1"/>
+          </p:cNvSpPr>
+          <p:nvPr>
+            <p:ph type="body" sz="quarter" idx="14"/>
+          </p:nvPr>
+        </p:nvSpPr>
+        <p:spPr/>
+        <p:txBody>
+          <a:bodyPr/>
+          <a:lstStyle/>
+          <a:p>
+            <a:r>
+              <a:rPr lang="en-US" altLang="zh-CN" dirty="0"/>
+              <a:t>Concepts of mongoose</a:t>
+            </a:r>
+          </a:p>
+          <a:p>
+            <a:endParaRPr lang="en-US" dirty="0"/>
+          </a:p>
+        </p:txBody>
+      </p:sp>
+      <p:sp>
+        <p:nvSpPr>
+          <p:cNvPr id="4" name="TextBox 3"/>
+          <p:cNvSpPr txBox="1"/>
+          <p:nvPr/>
+        </p:nvSpPr>
+        <p:spPr>
+          <a:xfrm>
+            <a:off x="172630" y="1524000"/>
+            <a:ext cx="1828800" cy="707886"/>
+          </a:xfrm>
+          <a:prstGeom prst="rect">
+            <a:avLst/>
+          </a:prstGeom>
+          <a:solidFill>
+            <a:schemeClr val="accent3">
+              <a:lumMod val="20000"/>
+              <a:lumOff val="80000"/>
+            </a:schemeClr>
+          </a:solidFill>
+        </p:spPr>
+        <p:style>
+          <a:lnRef idx="2">
+            <a:schemeClr val="accent1"/>
+          </a:lnRef>
+          <a:fillRef idx="1">
+            <a:schemeClr val="lt1"/>
+          </a:fillRef>
+          <a:effectRef idx="0">
+            <a:schemeClr val="accent1"/>
+          </a:effectRef>
+          <a:fontRef idx="minor">
+            <a:schemeClr val="dk1"/>
+          </a:fontRef>
+        </p:style>
+        <p:txBody>
+          <a:bodyPr wrap="square" rtlCol="0">
+            <a:spAutoFit/>
+          </a:bodyPr>
+          <a:lstStyle/>
+          <a:p>
+            <a:r>
+              <a:rPr lang="en-US" altLang="zh-CN" sz="4000" dirty="0" smtClean="0"/>
+              <a:t>Schema</a:t>
+            </a:r>
+            <a:endParaRPr lang="zh-CN" altLang="en-US" sz="4000" dirty="0"/>
+          </a:p>
+        </p:txBody>
+      </p:sp>
+      <p:sp>
+        <p:nvSpPr>
+          <p:cNvPr id="6" name="TextBox 5"/>
+          <p:cNvSpPr txBox="1"/>
+          <p:nvPr/>
+        </p:nvSpPr>
+        <p:spPr>
+          <a:xfrm>
+            <a:off x="3505200" y="1526697"/>
+            <a:ext cx="1524000" cy="707886"/>
+          </a:xfrm>
+          <a:prstGeom prst="rect">
+            <a:avLst/>
+          </a:prstGeom>
+          <a:solidFill>
+            <a:schemeClr val="accent3">
+              <a:lumMod val="20000"/>
+              <a:lumOff val="80000"/>
+            </a:schemeClr>
+          </a:solidFill>
+        </p:spPr>
+        <p:style>
+          <a:lnRef idx="2">
+            <a:schemeClr val="accent1"/>
+          </a:lnRef>
+          <a:fillRef idx="1">
+            <a:schemeClr val="lt1"/>
+          </a:fillRef>
+          <a:effectRef idx="0">
+            <a:schemeClr val="accent1"/>
+          </a:effectRef>
+          <a:fontRef idx="minor">
+            <a:schemeClr val="dk1"/>
+          </a:fontRef>
+        </p:style>
+        <p:txBody>
+          <a:bodyPr wrap="square" rtlCol="0">
+            <a:spAutoFit/>
+          </a:bodyPr>
+          <a:lstStyle/>
+          <a:p>
+            <a:r>
+              <a:rPr lang="en-US" altLang="zh-CN" sz="4000" dirty="0" smtClean="0"/>
+              <a:t>Model</a:t>
+            </a:r>
+            <a:endParaRPr lang="zh-CN" altLang="en-US" sz="4000" dirty="0"/>
+          </a:p>
+        </p:txBody>
+      </p:sp>
+      <p:sp>
+        <p:nvSpPr>
+          <p:cNvPr id="7" name="TextBox 6"/>
+          <p:cNvSpPr txBox="1"/>
+          <p:nvPr/>
+        </p:nvSpPr>
+        <p:spPr>
+          <a:xfrm>
+            <a:off x="6400800" y="1526697"/>
+            <a:ext cx="2438400" cy="707886"/>
+          </a:xfrm>
+          <a:prstGeom prst="rect">
+            <a:avLst/>
+          </a:prstGeom>
+          <a:solidFill>
+            <a:schemeClr val="accent3">
+              <a:lumMod val="20000"/>
+              <a:lumOff val="80000"/>
+            </a:schemeClr>
+          </a:solidFill>
+        </p:spPr>
+        <p:style>
+          <a:lnRef idx="2">
+            <a:schemeClr val="accent1"/>
+          </a:lnRef>
+          <a:fillRef idx="1">
+            <a:schemeClr val="lt1"/>
+          </a:fillRef>
+          <a:effectRef idx="0">
+            <a:schemeClr val="accent1"/>
+          </a:effectRef>
+          <a:fontRef idx="minor">
+            <a:schemeClr val="dk1"/>
+          </a:fontRef>
+        </p:style>
+        <p:txBody>
+          <a:bodyPr wrap="square" rtlCol="0">
+            <a:spAutoFit/>
+          </a:bodyPr>
+          <a:lstStyle/>
+          <a:p>
+            <a:r>
+              <a:rPr lang="en-US" altLang="zh-CN" sz="4000" dirty="0" smtClean="0"/>
+              <a:t>Document</a:t>
+            </a:r>
+            <a:endParaRPr lang="zh-CN" altLang="en-US" sz="4000" dirty="0"/>
+          </a:p>
+        </p:txBody>
+      </p:sp>
+      <p:sp>
+        <p:nvSpPr>
+          <p:cNvPr id="9" name="TextBox 8"/>
+          <p:cNvSpPr txBox="1"/>
+          <p:nvPr/>
+        </p:nvSpPr>
+        <p:spPr>
+          <a:xfrm>
+            <a:off x="172630" y="3693423"/>
+            <a:ext cx="1828800" cy="1569660"/>
+          </a:xfrm>
+          <a:prstGeom prst="rect">
+            <a:avLst/>
+          </a:prstGeom>
+          <a:solidFill>
+            <a:schemeClr val="accent6">
+              <a:lumMod val="40000"/>
+              <a:lumOff val="60000"/>
+            </a:schemeClr>
+          </a:solidFill>
+          <a:ln>
+            <a:prstDash val="dash"/>
+          </a:ln>
+        </p:spPr>
+        <p:style>
+          <a:lnRef idx="2">
+            <a:schemeClr val="accent1"/>
+          </a:lnRef>
+          <a:fillRef idx="1">
+            <a:schemeClr val="lt1"/>
+          </a:fillRef>
+          <a:effectRef idx="0">
+            <a:schemeClr val="accent1"/>
+          </a:effectRef>
+          <a:fontRef idx="minor">
+            <a:schemeClr val="dk1"/>
+          </a:fontRef>
+        </p:style>
+        <p:txBody>
+          <a:bodyPr wrap="square" rtlCol="0">
+            <a:spAutoFit/>
+          </a:bodyPr>
+          <a:lstStyle/>
+          <a:p>
+            <a:r>
+              <a:rPr lang="en-US" altLang="zh-CN" sz="3200" dirty="0" smtClean="0"/>
+              <a:t>Structure</a:t>
+            </a:r>
+          </a:p>
+          <a:p>
+            <a:r>
+              <a:rPr lang="en-US" altLang="zh-CN" sz="3200" dirty="0" smtClean="0"/>
+              <a:t>Definition-</a:t>
+            </a:r>
+            <a:r>
+              <a:rPr lang="en-US" altLang="zh-CN" sz="3200" dirty="0"/>
+              <a:t> </a:t>
+            </a:r>
+            <a:r>
+              <a:rPr lang="en-US" altLang="zh-CN" sz="3200" dirty="0" smtClean="0"/>
+              <a:t>fields</a:t>
+            </a:r>
+            <a:endParaRPr lang="zh-CN" altLang="en-US" sz="3200" dirty="0"/>
+          </a:p>
+        </p:txBody>
+      </p:sp>
+      <p:sp>
+        <p:nvSpPr>
+          <p:cNvPr id="10" name="TextBox 9"/>
+          <p:cNvSpPr txBox="1"/>
+          <p:nvPr/>
+        </p:nvSpPr>
+        <p:spPr>
+          <a:xfrm>
+            <a:off x="3200400" y="3695529"/>
+            <a:ext cx="2133600" cy="584775"/>
+          </a:xfrm>
+          <a:prstGeom prst="rect">
+            <a:avLst/>
+          </a:prstGeom>
+          <a:solidFill>
+            <a:schemeClr val="accent6">
+              <a:lumMod val="40000"/>
+              <a:lumOff val="60000"/>
+            </a:schemeClr>
+          </a:solidFill>
+          <a:ln>
+            <a:prstDash val="dash"/>
+          </a:ln>
+        </p:spPr>
+        <p:style>
+          <a:lnRef idx="2">
+            <a:schemeClr val="accent1"/>
+          </a:lnRef>
+          <a:fillRef idx="1">
+            <a:schemeClr val="lt1"/>
+          </a:fillRef>
+          <a:effectRef idx="0">
+            <a:schemeClr val="accent1"/>
+          </a:effectRef>
+          <a:fontRef idx="minor">
+            <a:schemeClr val="dk1"/>
+          </a:fontRef>
+        </p:style>
+        <p:txBody>
+          <a:bodyPr wrap="square" rtlCol="0">
+            <a:spAutoFit/>
+          </a:bodyPr>
+          <a:lstStyle/>
+          <a:p>
+            <a:r>
+              <a:rPr lang="en-US" altLang="zh-CN" sz="3200" dirty="0" smtClean="0"/>
+              <a:t>constructor</a:t>
+            </a:r>
+            <a:endParaRPr lang="zh-CN" altLang="en-US" sz="3200" dirty="0"/>
+          </a:p>
+        </p:txBody>
+      </p:sp>
+      <p:sp>
+        <p:nvSpPr>
+          <p:cNvPr id="11" name="TextBox 10"/>
+          <p:cNvSpPr txBox="1"/>
+          <p:nvPr/>
+        </p:nvSpPr>
+        <p:spPr>
+          <a:xfrm>
+            <a:off x="6553200" y="3713062"/>
+            <a:ext cx="2133600" cy="584775"/>
+          </a:xfrm>
+          <a:prstGeom prst="rect">
+            <a:avLst/>
+          </a:prstGeom>
+          <a:solidFill>
+            <a:schemeClr val="accent6">
+              <a:lumMod val="40000"/>
+              <a:lumOff val="60000"/>
+            </a:schemeClr>
+          </a:solidFill>
+          <a:ln>
+            <a:prstDash val="dash"/>
+          </a:ln>
+        </p:spPr>
+        <p:style>
+          <a:lnRef idx="2">
+            <a:schemeClr val="accent1"/>
+          </a:lnRef>
+          <a:fillRef idx="1">
+            <a:schemeClr val="lt1"/>
+          </a:fillRef>
+          <a:effectRef idx="0">
+            <a:schemeClr val="accent1"/>
+          </a:effectRef>
+          <a:fontRef idx="minor">
+            <a:schemeClr val="dk1"/>
+          </a:fontRef>
+        </p:style>
+        <p:txBody>
+          <a:bodyPr wrap="square" rtlCol="0">
+            <a:spAutoFit/>
+          </a:bodyPr>
+          <a:lstStyle/>
+          <a:p>
+            <a:r>
+              <a:rPr lang="en-US" altLang="zh-CN" sz="3200" dirty="0"/>
+              <a:t>instances</a:t>
+            </a:r>
+            <a:endParaRPr lang="zh-CN" altLang="en-US" sz="3200" dirty="0"/>
+          </a:p>
+        </p:txBody>
+      </p:sp>
+      <p:cxnSp>
+        <p:nvCxnSpPr>
+          <p:cNvPr id="13" name="直接箭头连接符 12"/>
+          <p:cNvCxnSpPr>
+            <a:stCxn id="4" idx="3"/>
+            <a:endCxn id="6" idx="1"/>
+          </p:cNvCxnSpPr>
+          <p:nvPr/>
+        </p:nvCxnSpPr>
+        <p:spPr>
+          <a:xfrm>
+            <a:off x="2001430" y="1877943"/>
+            <a:ext cx="1503770" cy="2697"/>
+          </a:xfrm>
+          <a:prstGeom prst="straightConnector1">
+            <a:avLst/>
+          </a:prstGeom>
+          <a:ln w="38100">
+            <a:tailEnd type="arrow"/>
+          </a:ln>
+        </p:spPr>
+        <p:style>
+          <a:lnRef idx="1">
+            <a:schemeClr val="accent1"/>
+          </a:lnRef>
+          <a:fillRef idx="0">
+            <a:schemeClr val="accent1"/>
+          </a:fillRef>
+          <a:effectRef idx="0">
+            <a:schemeClr val="accent1"/>
+          </a:effectRef>
+          <a:fontRef idx="minor">
+            <a:schemeClr val="tx1"/>
+          </a:fontRef>
+        </p:style>
+      </p:cxnSp>
+      <p:sp>
+        <p:nvSpPr>
+          <p:cNvPr id="14" name="TextBox 13"/>
+          <p:cNvSpPr txBox="1"/>
+          <p:nvPr/>
+        </p:nvSpPr>
+        <p:spPr>
+          <a:xfrm>
+            <a:off x="2057400" y="1341268"/>
+            <a:ext cx="1371600" cy="523220"/>
+          </a:xfrm>
+          <a:prstGeom prst="rect">
+            <a:avLst/>
+          </a:prstGeom>
+          <a:noFill/>
+        </p:spPr>
+        <p:txBody>
+          <a:bodyPr wrap="square" rtlCol="0">
+            <a:spAutoFit/>
+          </a:bodyPr>
+          <a:lstStyle/>
+          <a:p>
+            <a:r>
+              <a:rPr lang="en-US" altLang="zh-CN" sz="2800" dirty="0"/>
+              <a:t>Compile</a:t>
+            </a:r>
+            <a:endParaRPr lang="zh-CN" altLang="en-US" sz="2800" dirty="0"/>
+          </a:p>
+        </p:txBody>
+      </p:sp>
+      <p:cxnSp>
+        <p:nvCxnSpPr>
+          <p:cNvPr id="15" name="直接箭头连接符 14"/>
+          <p:cNvCxnSpPr>
+            <a:endCxn id="7" idx="1"/>
+          </p:cNvCxnSpPr>
+          <p:nvPr/>
+        </p:nvCxnSpPr>
+        <p:spPr>
+          <a:xfrm>
+            <a:off x="5029200" y="1880640"/>
+            <a:ext cx="1371600" cy="0"/>
+          </a:xfrm>
+          <a:prstGeom prst="straightConnector1">
+            <a:avLst/>
+          </a:prstGeom>
+          <a:ln w="38100">
+            <a:tailEnd type="arrow"/>
+          </a:ln>
+        </p:spPr>
+        <p:style>
+          <a:lnRef idx="1">
+            <a:schemeClr val="accent1"/>
+          </a:lnRef>
+          <a:fillRef idx="0">
+            <a:schemeClr val="accent1"/>
+          </a:fillRef>
+          <a:effectRef idx="0">
+            <a:schemeClr val="accent1"/>
+          </a:effectRef>
+          <a:fontRef idx="minor">
+            <a:schemeClr val="tx1"/>
+          </a:fontRef>
+        </p:style>
+      </p:cxnSp>
+      <p:sp>
+        <p:nvSpPr>
+          <p:cNvPr id="17" name="TextBox 16"/>
+          <p:cNvSpPr txBox="1"/>
+          <p:nvPr/>
+        </p:nvSpPr>
+        <p:spPr>
+          <a:xfrm>
+            <a:off x="5369065" y="1357420"/>
+            <a:ext cx="1371600" cy="523220"/>
+          </a:xfrm>
+          <a:prstGeom prst="rect">
+            <a:avLst/>
+          </a:prstGeom>
+          <a:noFill/>
+        </p:spPr>
+        <p:txBody>
+          <a:bodyPr wrap="square" rtlCol="0">
+            <a:spAutoFit/>
+          </a:bodyPr>
+          <a:lstStyle/>
+          <a:p>
+            <a:r>
+              <a:rPr lang="en-US" altLang="zh-CN" sz="2800" dirty="0" smtClean="0"/>
+              <a:t>new</a:t>
+            </a:r>
+            <a:endParaRPr lang="zh-CN" altLang="en-US" sz="2800" dirty="0"/>
+          </a:p>
+        </p:txBody>
+      </p:sp>
+      <p:cxnSp>
+        <p:nvCxnSpPr>
+          <p:cNvPr id="18" name="直接箭头连接符 17"/>
+          <p:cNvCxnSpPr>
+            <a:stCxn id="9" idx="0"/>
+            <a:endCxn id="4" idx="2"/>
+          </p:cNvCxnSpPr>
+          <p:nvPr/>
+        </p:nvCxnSpPr>
+        <p:spPr>
+          <a:xfrm flipV="1">
+            <a:off x="1087030" y="2231886"/>
+            <a:ext cx="0" cy="1461537"/>
+          </a:xfrm>
+          <a:prstGeom prst="straightConnector1">
+            <a:avLst/>
+          </a:prstGeom>
+          <a:ln w="38100">
+            <a:prstDash val="sysDash"/>
+            <a:tailEnd type="arrow"/>
+          </a:ln>
+        </p:spPr>
+        <p:style>
+          <a:lnRef idx="1">
+            <a:schemeClr val="accent1"/>
+          </a:lnRef>
+          <a:fillRef idx="0">
+            <a:schemeClr val="accent1"/>
+          </a:fillRef>
+          <a:effectRef idx="0">
+            <a:schemeClr val="accent1"/>
+          </a:effectRef>
+          <a:fontRef idx="minor">
+            <a:schemeClr val="tx1"/>
+          </a:fontRef>
+        </p:style>
+      </p:cxnSp>
+      <p:cxnSp>
+        <p:nvCxnSpPr>
+          <p:cNvPr id="21" name="直接箭头连接符 20"/>
+          <p:cNvCxnSpPr>
+            <a:stCxn id="10" idx="0"/>
+            <a:endCxn id="6" idx="2"/>
+          </p:cNvCxnSpPr>
+          <p:nvPr/>
+        </p:nvCxnSpPr>
+        <p:spPr>
+          <a:xfrm flipV="1">
+            <a:off x="4267200" y="2234583"/>
+            <a:ext cx="0" cy="1460946"/>
+          </a:xfrm>
+          <a:prstGeom prst="straightConnector1">
+            <a:avLst/>
+          </a:prstGeom>
+          <a:ln w="38100">
+            <a:prstDash val="sysDash"/>
+            <a:tailEnd type="arrow"/>
+          </a:ln>
+        </p:spPr>
+        <p:style>
+          <a:lnRef idx="1">
+            <a:schemeClr val="accent1"/>
+          </a:lnRef>
+          <a:fillRef idx="0">
+            <a:schemeClr val="accent1"/>
+          </a:fillRef>
+          <a:effectRef idx="0">
+            <a:schemeClr val="accent1"/>
+          </a:effectRef>
+          <a:fontRef idx="minor">
+            <a:schemeClr val="tx1"/>
+          </a:fontRef>
+        </p:style>
+      </p:cxnSp>
+      <p:cxnSp>
+        <p:nvCxnSpPr>
+          <p:cNvPr id="24" name="直接箭头连接符 23"/>
+          <p:cNvCxnSpPr>
+            <a:stCxn id="11" idx="0"/>
+            <a:endCxn id="7" idx="2"/>
+          </p:cNvCxnSpPr>
+          <p:nvPr/>
+        </p:nvCxnSpPr>
+        <p:spPr>
+          <a:xfrm flipV="1">
+            <a:off x="7620000" y="2234583"/>
+            <a:ext cx="0" cy="1478479"/>
+          </a:xfrm>
+          <a:prstGeom prst="straightConnector1">
+            <a:avLst/>
+          </a:prstGeom>
+          <a:ln w="38100">
+            <a:prstDash val="sysDash"/>
+            <a:tailEnd type="arrow"/>
+          </a:ln>
+        </p:spPr>
+        <p:style>
+          <a:lnRef idx="1">
+            <a:schemeClr val="accent1"/>
+          </a:lnRef>
+          <a:fillRef idx="0">
+            <a:schemeClr val="accent1"/>
+          </a:fillRef>
+          <a:effectRef idx="0">
+            <a:schemeClr val="accent1"/>
+          </a:effectRef>
+          <a:fontRef idx="minor">
+            <a:schemeClr val="tx1"/>
+          </a:fontRef>
+        </p:style>
+      </p:cxnSp>
+      <p:sp>
+        <p:nvSpPr>
+          <p:cNvPr id="27" name="TextBox 26"/>
+          <p:cNvSpPr txBox="1"/>
+          <p:nvPr/>
+        </p:nvSpPr>
+        <p:spPr>
+          <a:xfrm>
+            <a:off x="3124200" y="4355142"/>
+            <a:ext cx="2286000" cy="1815882"/>
+          </a:xfrm>
+          <a:prstGeom prst="rect">
+            <a:avLst/>
+          </a:prstGeom>
+          <a:noFill/>
+        </p:spPr>
+        <p:txBody>
+          <a:bodyPr wrap="square" rtlCol="0">
+            <a:spAutoFit/>
+          </a:bodyPr>
+          <a:lstStyle/>
+          <a:p>
+            <a:r>
+              <a:rPr lang="en-US" altLang="zh-CN" sz="2800" dirty="0" smtClean="0"/>
+              <a:t>.</a:t>
+            </a:r>
+            <a:r>
+              <a:rPr lang="en-US" altLang="zh-CN" sz="2800" dirty="0" err="1" smtClean="0"/>
+              <a:t>insertMany</a:t>
+            </a:r>
+            <a:r>
+              <a:rPr lang="en-US" altLang="zh-CN" sz="2800" dirty="0" smtClean="0"/>
+              <a:t>()</a:t>
+            </a:r>
+          </a:p>
+          <a:p>
+            <a:r>
+              <a:rPr lang="en-US" altLang="zh-CN" sz="2800" dirty="0" smtClean="0"/>
+              <a:t>.find()</a:t>
+            </a:r>
+          </a:p>
+          <a:p>
+            <a:r>
+              <a:rPr lang="en-US" altLang="zh-CN" sz="2800" dirty="0" smtClean="0"/>
+              <a:t>.remove()</a:t>
+            </a:r>
+          </a:p>
+          <a:p>
+            <a:r>
+              <a:rPr lang="en-US" altLang="zh-CN" sz="2800" dirty="0" smtClean="0"/>
+              <a:t>…</a:t>
+            </a:r>
+            <a:endParaRPr lang="zh-CN" altLang="en-US" sz="2800" dirty="0"/>
+          </a:p>
+        </p:txBody>
+      </p:sp>
+      <p:sp>
+        <p:nvSpPr>
+          <p:cNvPr id="28" name="TextBox 27"/>
+          <p:cNvSpPr txBox="1"/>
+          <p:nvPr/>
+        </p:nvSpPr>
+        <p:spPr>
+          <a:xfrm>
+            <a:off x="6477000" y="4382776"/>
+            <a:ext cx="2286000" cy="954107"/>
+          </a:xfrm>
+          <a:prstGeom prst="rect">
+            <a:avLst/>
+          </a:prstGeom>
+          <a:noFill/>
+        </p:spPr>
+        <p:txBody>
+          <a:bodyPr wrap="square" rtlCol="0">
+            <a:spAutoFit/>
+          </a:bodyPr>
+          <a:lstStyle/>
+          <a:p>
+            <a:r>
+              <a:rPr lang="en-US" altLang="zh-CN" sz="2800" dirty="0" smtClean="0"/>
+              <a:t>.save()</a:t>
+            </a:r>
+          </a:p>
+          <a:p>
+            <a:r>
+              <a:rPr lang="en-US" altLang="zh-CN" sz="2800" dirty="0" smtClean="0"/>
+              <a:t>…</a:t>
+            </a:r>
+            <a:endParaRPr lang="zh-CN" altLang="en-US" sz="2800" dirty="0"/>
+          </a:p>
+        </p:txBody>
+      </p:sp>
+      <p:sp>
+        <p:nvSpPr>
+          <p:cNvPr id="29" name="TextBox 28"/>
+          <p:cNvSpPr txBox="1"/>
+          <p:nvPr/>
+        </p:nvSpPr>
+        <p:spPr>
+          <a:xfrm>
+            <a:off x="76200" y="5336883"/>
+            <a:ext cx="2286000" cy="1384995"/>
+          </a:xfrm>
+          <a:prstGeom prst="rect">
+            <a:avLst/>
+          </a:prstGeom>
+          <a:noFill/>
+        </p:spPr>
+        <p:txBody>
+          <a:bodyPr wrap="square" rtlCol="0">
+            <a:spAutoFit/>
+          </a:bodyPr>
+          <a:lstStyle/>
+          <a:p>
+            <a:r>
+              <a:rPr lang="en-US" altLang="zh-CN" sz="2800" dirty="0" smtClean="0"/>
+              <a:t>validators</a:t>
+            </a:r>
+          </a:p>
+          <a:p>
+            <a:r>
+              <a:rPr lang="en-US" altLang="zh-CN" sz="2800" dirty="0" smtClean="0"/>
+              <a:t>hooks</a:t>
+            </a:r>
+          </a:p>
+          <a:p>
+            <a:r>
+              <a:rPr lang="en-US" altLang="zh-CN" sz="2800" dirty="0" smtClean="0"/>
+              <a:t>…</a:t>
+            </a:r>
+            <a:endParaRPr lang="zh-CN" altLang="en-US" sz="2800" dirty="0"/>
+          </a:p>
+        </p:txBody>
+      </p:sp>
     </p:spTree>
+    <p:extLst>
+      <p:ext uri="{BB962C8B-B14F-4D97-AF65-F5344CB8AC3E}">
+        <p14:creationId xmlns:p14="http://schemas.microsoft.com/office/powerpoint/2010/main" val="469553900"/>
+      </p:ext>
+    </p:extLst>
   </p:cSld>
   <p:clrMapOvr>
     <a:masterClrMapping/>
@@ -7017,7 +8687,564 @@
           <a:chExt cx="0" cy="0"/>
         </a:xfrm>
       </p:grpSpPr>
+      <p:sp>
+        <p:nvSpPr>
+          <p:cNvPr id="2" name="Text Placeholder 1"/>
+          <p:cNvSpPr>
+            <a:spLocks noGrp="1"/>
+          </p:cNvSpPr>
+          <p:nvPr>
+            <p:ph type="body" sz="quarter" idx="14"/>
+          </p:nvPr>
+        </p:nvSpPr>
+        <p:spPr>
+          <a:xfrm>
+            <a:off x="1031081" y="1712742"/>
+            <a:ext cx="6019800" cy="646331"/>
+          </a:xfrm>
+        </p:spPr>
+        <p:txBody>
+          <a:bodyPr/>
+          <a:lstStyle/>
+          <a:p>
+            <a:r>
+              <a:rPr lang="en-US" altLang="zh-CN" dirty="0" smtClean="0"/>
+              <a:t>Quick-start</a:t>
+            </a:r>
+            <a:endParaRPr lang="en-US" altLang="zh-CN" dirty="0"/>
+          </a:p>
+        </p:txBody>
+      </p:sp>
+      <p:sp>
+        <p:nvSpPr>
+          <p:cNvPr id="3" name="Text Placeholder 2"/>
+          <p:cNvSpPr>
+            <a:spLocks noGrp="1"/>
+          </p:cNvSpPr>
+          <p:nvPr>
+            <p:ph type="body" sz="quarter" idx="11"/>
+          </p:nvPr>
+        </p:nvSpPr>
+        <p:spPr/>
+        <p:txBody>
+          <a:bodyPr/>
+          <a:lstStyle/>
+          <a:p>
+            <a:r>
+              <a:rPr lang="en-US" dirty="0" smtClean="0"/>
+              <a:t>3</a:t>
+            </a:r>
+            <a:endParaRPr lang="en-US" dirty="0"/>
+          </a:p>
+        </p:txBody>
+      </p:sp>
     </p:spTree>
+    <p:extLst>
+      <p:ext uri="{BB962C8B-B14F-4D97-AF65-F5344CB8AC3E}">
+        <p14:creationId xmlns:p14="http://schemas.microsoft.com/office/powerpoint/2010/main" val="601591362"/>
+      </p:ext>
+    </p:extLst>
+  </p:cSld>
+  <p:clrMapOvr>
+    <a:masterClrMapping/>
+  </p:clrMapOvr>
+  <p:timing>
+    <p:tnLst>
+      <p:par>
+        <p:cTn id="1" dur="indefinite" restart="never" nodeType="tmRoot"/>
+      </p:par>
+    </p:tnLst>
+  </p:timing>
+</p:sld>
+</file>
+
+<file path=ppt/slides/slide8.xml><?xml version="1.0" encoding="utf-8"?>
+<p:sld xmlns:a="http://schemas.openxmlformats.org/drawingml/2006/main" xmlns:r="http://schemas.openxmlformats.org/officeDocument/2006/relationships" xmlns:p="http://schemas.openxmlformats.org/presentationml/2006/main">
+  <p:cSld>
+    <p:spTree>
+      <p:nvGrpSpPr>
+        <p:cNvPr id="1" name=""/>
+        <p:cNvGrpSpPr/>
+        <p:nvPr/>
+      </p:nvGrpSpPr>
+      <p:grpSpPr>
+        <a:xfrm>
+          <a:off x="0" y="0"/>
+          <a:ext cx="0" cy="0"/>
+          <a:chOff x="0" y="0"/>
+          <a:chExt cx="0" cy="0"/>
+        </a:xfrm>
+      </p:grpSpPr>
+      <p:sp>
+        <p:nvSpPr>
+          <p:cNvPr id="2" name="Text Placeholder 1"/>
+          <p:cNvSpPr>
+            <a:spLocks noGrp="1"/>
+          </p:cNvSpPr>
+          <p:nvPr>
+            <p:ph type="body" sz="quarter" idx="13"/>
+          </p:nvPr>
+        </p:nvSpPr>
+        <p:spPr/>
+        <p:txBody>
+          <a:bodyPr/>
+          <a:lstStyle/>
+          <a:p>
+            <a:r>
+              <a:rPr lang="en-US" dirty="0" smtClean="0"/>
+              <a:t>3</a:t>
+            </a:r>
+            <a:endParaRPr lang="en-US" dirty="0"/>
+          </a:p>
+        </p:txBody>
+      </p:sp>
+      <p:sp>
+        <p:nvSpPr>
+          <p:cNvPr id="3" name="Text Placeholder 2"/>
+          <p:cNvSpPr>
+            <a:spLocks noGrp="1"/>
+          </p:cNvSpPr>
+          <p:nvPr>
+            <p:ph type="body" sz="quarter" idx="14"/>
+          </p:nvPr>
+        </p:nvSpPr>
+        <p:spPr/>
+        <p:txBody>
+          <a:bodyPr/>
+          <a:lstStyle/>
+          <a:p>
+            <a:r>
+              <a:rPr lang="en-US" altLang="zh-CN" dirty="0" smtClean="0"/>
+              <a:t>Quick-start</a:t>
+            </a:r>
+            <a:endParaRPr lang="en-US" altLang="zh-CN" dirty="0"/>
+          </a:p>
+        </p:txBody>
+      </p:sp>
+      <p:pic>
+        <p:nvPicPr>
+          <p:cNvPr id="1026" name="Picture 2"/>
+          <p:cNvPicPr>
+            <a:picLocks noChangeAspect="1" noChangeArrowheads="1"/>
+          </p:cNvPicPr>
+          <p:nvPr/>
+        </p:nvPicPr>
+        <p:blipFill>
+          <a:blip r:embed="rId2">
+            <a:extLst>
+              <a:ext uri="{28A0092B-C50C-407E-A947-70E740481C1C}">
+                <a14:useLocalDpi xmlns:a14="http://schemas.microsoft.com/office/drawing/2010/main" val="0"/>
+              </a:ext>
+            </a:extLst>
+          </a:blip>
+          <a:srcRect/>
+          <a:stretch>
+            <a:fillRect/>
+          </a:stretch>
+        </p:blipFill>
+        <p:spPr bwMode="auto">
+          <a:xfrm>
+            <a:off x="304800" y="1828800"/>
+            <a:ext cx="6771452" cy="4648200"/>
+          </a:xfrm>
+          <a:prstGeom prst="rect">
+            <a:avLst/>
+          </a:prstGeom>
+          <a:noFill/>
+          <a:ln>
+            <a:noFill/>
+          </a:ln>
+          <a:effectLst/>
+          <a:extLst>
+            <a:ext uri="{909E8E84-426E-40DD-AFC4-6F175D3DCCD1}">
+              <a14:hiddenFill xmlns:a14="http://schemas.microsoft.com/office/drawing/2010/main">
+                <a:solidFill>
+                  <a:schemeClr val="accent1"/>
+                </a:solidFill>
+              </a14:hiddenFill>
+            </a:ext>
+            <a:ext uri="{91240B29-F687-4F45-9708-019B960494DF}">
+              <a14:hiddenLine xmlns:a14="http://schemas.microsoft.com/office/drawing/2010/main" w="9525">
+                <a:solidFill>
+                  <a:schemeClr val="tx1"/>
+                </a:solidFill>
+                <a:miter lim="800000"/>
+                <a:headEnd/>
+                <a:tailEnd/>
+              </a14:hiddenLine>
+            </a:ext>
+            <a:ext uri="{AF507438-7753-43E0-B8FC-AC1667EBCBE1}">
+              <a14:hiddenEffects xmlns:a14="http://schemas.microsoft.com/office/drawing/2010/main">
+                <a:effectLst>
+                  <a:outerShdw dist="35921" dir="2700000" algn="ctr" rotWithShape="0">
+                    <a:schemeClr val="bg2"/>
+                  </a:outerShdw>
+                </a:effectLst>
+              </a14:hiddenEffects>
+            </a:ext>
+          </a:extLst>
+        </p:spPr>
+      </p:pic>
+      <p:sp>
+        <p:nvSpPr>
+          <p:cNvPr id="22" name="TextBox 21"/>
+          <p:cNvSpPr txBox="1"/>
+          <p:nvPr/>
+        </p:nvSpPr>
+        <p:spPr>
+          <a:xfrm>
+            <a:off x="186116" y="1219200"/>
+            <a:ext cx="5833683" cy="523220"/>
+          </a:xfrm>
+          <a:prstGeom prst="rect">
+            <a:avLst/>
+          </a:prstGeom>
+          <a:noFill/>
+        </p:spPr>
+        <p:txBody>
+          <a:bodyPr wrap="square" rtlCol="0">
+            <a:spAutoFit/>
+          </a:bodyPr>
+          <a:lstStyle/>
+          <a:p>
+            <a:r>
+              <a:rPr lang="en-US" altLang="zh-CN" sz="2800" dirty="0" smtClean="0"/>
+              <a:t>Step 1</a:t>
+            </a:r>
+            <a:r>
+              <a:rPr lang="en-US" altLang="zh-CN" sz="2800" dirty="0"/>
+              <a:t>: Establish DB connection</a:t>
+            </a:r>
+            <a:endParaRPr lang="en-US" altLang="zh-CN" sz="2800" dirty="0" smtClean="0"/>
+          </a:p>
+        </p:txBody>
+      </p:sp>
+      <p:sp>
+        <p:nvSpPr>
+          <p:cNvPr id="5" name="矩形 4"/>
+          <p:cNvSpPr/>
+          <p:nvPr/>
+        </p:nvSpPr>
+        <p:spPr>
+          <a:xfrm>
+            <a:off x="381000" y="2667000"/>
+            <a:ext cx="6477000" cy="1485900"/>
+          </a:xfrm>
+          <a:prstGeom prst="rect">
+            <a:avLst/>
+          </a:prstGeom>
+          <a:noFill/>
+          <a:ln w="38100">
+            <a:solidFill>
+              <a:srgbClr val="FFFF00"/>
+            </a:solidFill>
+            <a:prstDash val="sysDash"/>
+          </a:ln>
+        </p:spPr>
+        <p:style>
+          <a:lnRef idx="2">
+            <a:schemeClr val="accent1">
+              <a:shade val="50000"/>
+            </a:schemeClr>
+          </a:lnRef>
+          <a:fillRef idx="1">
+            <a:schemeClr val="accent1"/>
+          </a:fillRef>
+          <a:effectRef idx="0">
+            <a:schemeClr val="accent1"/>
+          </a:effectRef>
+          <a:fontRef idx="minor">
+            <a:schemeClr val="lt1"/>
+          </a:fontRef>
+        </p:style>
+        <p:txBody>
+          <a:bodyPr rtlCol="0" anchor="ctr"/>
+          <a:lstStyle/>
+          <a:p>
+            <a:pPr algn="ctr"/>
+            <a:endParaRPr lang="zh-CN" altLang="en-US">
+              <a:solidFill>
+                <a:srgbClr val="FF0000"/>
+              </a:solidFill>
+            </a:endParaRPr>
+          </a:p>
+        </p:txBody>
+      </p:sp>
+    </p:spTree>
+    <p:extLst>
+      <p:ext uri="{BB962C8B-B14F-4D97-AF65-F5344CB8AC3E}">
+        <p14:creationId xmlns:p14="http://schemas.microsoft.com/office/powerpoint/2010/main" val="460687163"/>
+      </p:ext>
+    </p:extLst>
+  </p:cSld>
+  <p:clrMapOvr>
+    <a:masterClrMapping/>
+  </p:clrMapOvr>
+  <p:timing>
+    <p:tnLst>
+      <p:par>
+        <p:cTn id="1" dur="indefinite" restart="never" nodeType="tmRoot"/>
+      </p:par>
+    </p:tnLst>
+  </p:timing>
+</p:sld>
+</file>
+
+<file path=ppt/slides/slide9.xml><?xml version="1.0" encoding="utf-8"?>
+<p:sld xmlns:a="http://schemas.openxmlformats.org/drawingml/2006/main" xmlns:r="http://schemas.openxmlformats.org/officeDocument/2006/relationships" xmlns:p="http://schemas.openxmlformats.org/presentationml/2006/main">
+  <p:cSld>
+    <p:spTree>
+      <p:nvGrpSpPr>
+        <p:cNvPr id="1" name=""/>
+        <p:cNvGrpSpPr/>
+        <p:nvPr/>
+      </p:nvGrpSpPr>
+      <p:grpSpPr>
+        <a:xfrm>
+          <a:off x="0" y="0"/>
+          <a:ext cx="0" cy="0"/>
+          <a:chOff x="0" y="0"/>
+          <a:chExt cx="0" cy="0"/>
+        </a:xfrm>
+      </p:grpSpPr>
+      <p:sp>
+        <p:nvSpPr>
+          <p:cNvPr id="2" name="Text Placeholder 1"/>
+          <p:cNvSpPr>
+            <a:spLocks noGrp="1"/>
+          </p:cNvSpPr>
+          <p:nvPr>
+            <p:ph type="body" sz="quarter" idx="13"/>
+          </p:nvPr>
+        </p:nvSpPr>
+        <p:spPr/>
+        <p:txBody>
+          <a:bodyPr/>
+          <a:lstStyle/>
+          <a:p>
+            <a:r>
+              <a:rPr lang="en-US" dirty="0" smtClean="0"/>
+              <a:t>3</a:t>
+            </a:r>
+            <a:endParaRPr lang="en-US" dirty="0"/>
+          </a:p>
+        </p:txBody>
+      </p:sp>
+      <p:sp>
+        <p:nvSpPr>
+          <p:cNvPr id="3" name="Text Placeholder 2"/>
+          <p:cNvSpPr>
+            <a:spLocks noGrp="1"/>
+          </p:cNvSpPr>
+          <p:nvPr>
+            <p:ph type="body" sz="quarter" idx="14"/>
+          </p:nvPr>
+        </p:nvSpPr>
+        <p:spPr/>
+        <p:txBody>
+          <a:bodyPr/>
+          <a:lstStyle/>
+          <a:p>
+            <a:r>
+              <a:rPr lang="en-US" altLang="zh-CN" dirty="0" smtClean="0"/>
+              <a:t>Quick-start</a:t>
+            </a:r>
+            <a:endParaRPr lang="en-US" altLang="zh-CN" dirty="0"/>
+          </a:p>
+        </p:txBody>
+      </p:sp>
+      <p:sp>
+        <p:nvSpPr>
+          <p:cNvPr id="22" name="TextBox 21"/>
+          <p:cNvSpPr txBox="1"/>
+          <p:nvPr/>
+        </p:nvSpPr>
+        <p:spPr>
+          <a:xfrm>
+            <a:off x="186116" y="1219200"/>
+            <a:ext cx="5833683" cy="523220"/>
+          </a:xfrm>
+          <a:prstGeom prst="rect">
+            <a:avLst/>
+          </a:prstGeom>
+          <a:noFill/>
+        </p:spPr>
+        <p:txBody>
+          <a:bodyPr wrap="square" rtlCol="0">
+            <a:spAutoFit/>
+          </a:bodyPr>
+          <a:lstStyle/>
+          <a:p>
+            <a:r>
+              <a:rPr lang="en-US" altLang="zh-CN" sz="2800" dirty="0" smtClean="0"/>
+              <a:t>Step 2: Define schema</a:t>
+            </a:r>
+          </a:p>
+        </p:txBody>
+      </p:sp>
+      <p:pic>
+        <p:nvPicPr>
+          <p:cNvPr id="2050" name="Picture 2"/>
+          <p:cNvPicPr>
+            <a:picLocks noChangeAspect="1" noChangeArrowheads="1"/>
+          </p:cNvPicPr>
+          <p:nvPr/>
+        </p:nvPicPr>
+        <p:blipFill>
+          <a:blip r:embed="rId2">
+            <a:extLst>
+              <a:ext uri="{28A0092B-C50C-407E-A947-70E740481C1C}">
+                <a14:useLocalDpi xmlns:a14="http://schemas.microsoft.com/office/drawing/2010/main" val="0"/>
+              </a:ext>
+            </a:extLst>
+          </a:blip>
+          <a:srcRect/>
+          <a:stretch>
+            <a:fillRect/>
+          </a:stretch>
+        </p:blipFill>
+        <p:spPr bwMode="auto">
+          <a:xfrm>
+            <a:off x="304800" y="1742420"/>
+            <a:ext cx="7848600" cy="2088160"/>
+          </a:xfrm>
+          <a:prstGeom prst="rect">
+            <a:avLst/>
+          </a:prstGeom>
+          <a:noFill/>
+          <a:ln>
+            <a:noFill/>
+          </a:ln>
+          <a:effectLst/>
+          <a:extLst>
+            <a:ext uri="{909E8E84-426E-40DD-AFC4-6F175D3DCCD1}">
+              <a14:hiddenFill xmlns:a14="http://schemas.microsoft.com/office/drawing/2010/main">
+                <a:solidFill>
+                  <a:schemeClr val="accent1"/>
+                </a:solidFill>
+              </a14:hiddenFill>
+            </a:ext>
+            <a:ext uri="{91240B29-F687-4F45-9708-019B960494DF}">
+              <a14:hiddenLine xmlns:a14="http://schemas.microsoft.com/office/drawing/2010/main" w="9525">
+                <a:solidFill>
+                  <a:schemeClr val="tx1"/>
+                </a:solidFill>
+                <a:miter lim="800000"/>
+                <a:headEnd/>
+                <a:tailEnd/>
+              </a14:hiddenLine>
+            </a:ext>
+            <a:ext uri="{AF507438-7753-43E0-B8FC-AC1667EBCBE1}">
+              <a14:hiddenEffects xmlns:a14="http://schemas.microsoft.com/office/drawing/2010/main">
+                <a:effectLst>
+                  <a:outerShdw dist="35921" dir="2700000" algn="ctr" rotWithShape="0">
+                    <a:schemeClr val="bg2"/>
+                  </a:outerShdw>
+                </a:effectLst>
+              </a14:hiddenEffects>
+            </a:ext>
+          </a:extLst>
+        </p:spPr>
+      </p:pic>
+      <p:sp>
+        <p:nvSpPr>
+          <p:cNvPr id="8" name="TextBox 7"/>
+          <p:cNvSpPr txBox="1"/>
+          <p:nvPr/>
+        </p:nvSpPr>
+        <p:spPr>
+          <a:xfrm>
+            <a:off x="277827" y="3962400"/>
+            <a:ext cx="5833683" cy="523220"/>
+          </a:xfrm>
+          <a:prstGeom prst="rect">
+            <a:avLst/>
+          </a:prstGeom>
+          <a:noFill/>
+        </p:spPr>
+        <p:txBody>
+          <a:bodyPr wrap="square" rtlCol="0">
+            <a:spAutoFit/>
+          </a:bodyPr>
+          <a:lstStyle/>
+          <a:p>
+            <a:r>
+              <a:rPr lang="en-US" altLang="zh-CN" sz="2800" dirty="0" smtClean="0"/>
+              <a:t>Step 3: Compile Schema into Model</a:t>
+            </a:r>
+          </a:p>
+        </p:txBody>
+      </p:sp>
+      <p:pic>
+        <p:nvPicPr>
+          <p:cNvPr id="2051" name="Picture 3"/>
+          <p:cNvPicPr>
+            <a:picLocks noChangeAspect="1" noChangeArrowheads="1"/>
+          </p:cNvPicPr>
+          <p:nvPr/>
+        </p:nvPicPr>
+        <p:blipFill>
+          <a:blip r:embed="rId3">
+            <a:extLst>
+              <a:ext uri="{28A0092B-C50C-407E-A947-70E740481C1C}">
+                <a14:useLocalDpi xmlns:a14="http://schemas.microsoft.com/office/drawing/2010/main" val="0"/>
+              </a:ext>
+            </a:extLst>
+          </a:blip>
+          <a:srcRect/>
+          <a:stretch>
+            <a:fillRect/>
+          </a:stretch>
+        </p:blipFill>
+        <p:spPr bwMode="auto">
+          <a:xfrm>
+            <a:off x="70806" y="4508210"/>
+            <a:ext cx="9064428" cy="533400"/>
+          </a:xfrm>
+          <a:prstGeom prst="rect">
+            <a:avLst/>
+          </a:prstGeom>
+          <a:noFill/>
+          <a:ln>
+            <a:noFill/>
+          </a:ln>
+          <a:effectLst/>
+          <a:extLst>
+            <a:ext uri="{909E8E84-426E-40DD-AFC4-6F175D3DCCD1}">
+              <a14:hiddenFill xmlns:a14="http://schemas.microsoft.com/office/drawing/2010/main">
+                <a:solidFill>
+                  <a:schemeClr val="accent1"/>
+                </a:solidFill>
+              </a14:hiddenFill>
+            </a:ext>
+            <a:ext uri="{91240B29-F687-4F45-9708-019B960494DF}">
+              <a14:hiddenLine xmlns:a14="http://schemas.microsoft.com/office/drawing/2010/main" w="9525">
+                <a:solidFill>
+                  <a:schemeClr val="tx1"/>
+                </a:solidFill>
+                <a:miter lim="800000"/>
+                <a:headEnd/>
+                <a:tailEnd/>
+              </a14:hiddenLine>
+            </a:ext>
+            <a:ext uri="{AF507438-7753-43E0-B8FC-AC1667EBCBE1}">
+              <a14:hiddenEffects xmlns:a14="http://schemas.microsoft.com/office/drawing/2010/main">
+                <a:effectLst>
+                  <a:outerShdw dist="35921" dir="2700000" algn="ctr" rotWithShape="0">
+                    <a:schemeClr val="bg2"/>
+                  </a:outerShdw>
+                </a:effectLst>
+              </a14:hiddenEffects>
+            </a:ext>
+          </a:extLst>
+        </p:spPr>
+      </p:pic>
+    </p:spTree>
+    <p:extLst>
+      <p:ext uri="{BB962C8B-B14F-4D97-AF65-F5344CB8AC3E}">
+        <p14:creationId xmlns:p14="http://schemas.microsoft.com/office/powerpoint/2010/main" val="726418753"/>
+      </p:ext>
+    </p:extLst>
   </p:cSld>
   <p:clrMapOvr>
     <a:masterClrMapping/>
@@ -8448,6 +10675,21 @@
 </file>
 
 <file path=customXml/item1.xml><?xml version="1.0" encoding="utf-8"?>
+<p:properties xmlns:p="http://schemas.microsoft.com/office/2006/metadata/properties" xmlns:xsi="http://www.w3.org/2001/XMLSchema-instance">
+  <documentManagement/>
+</p:properties>
+</file>
+
+<file path=customXml/item2.xml><?xml version="1.0" encoding="utf-8"?>
+<?mso-contentType ?>
+<FormTemplates xmlns="http://schemas.microsoft.com/sharepoint/v3/contenttype/forms">
+  <Display>DocumentLibraryForm</Display>
+  <Edit>DocumentLibraryForm</Edit>
+  <New>DocumentLibraryForm</New>
+</FormTemplates>
+</file>
+
+<file path=customXml/item3.xml><?xml version="1.0" encoding="utf-8"?>
 <ct:contentTypeSchema xmlns:ct="http://schemas.microsoft.com/office/2006/metadata/contentType" xmlns:ma="http://schemas.microsoft.com/office/2006/metadata/properties/metaAttributes" ct:_="" ma:_="" ma:contentTypeName="Document" ma:contentTypeID="0x010100EF3E94E2ACCF6D4EAE5CDD73AD546E17" ma:contentTypeVersion="0" ma:contentTypeDescription="Create a new document." ma:contentTypeScope="" ma:versionID="bb1449a0cfc4203701bc69f953314dcb">
   <xsd:schema xmlns:xsd="http://www.w3.org/2001/XMLSchema" xmlns:p="http://schemas.microsoft.com/office/2006/metadata/properties" targetNamespace="http://schemas.microsoft.com/office/2006/metadata/properties" ma:root="true" ma:fieldsID="4aeb20c0e3442673af7ee10786458764">
     <xsd:element name="properties">
@@ -8496,32 +10738,16 @@
 </ct:contentTypeSchema>
 </file>
 
-<file path=customXml/item2.xml><?xml version="1.0" encoding="utf-8"?>
-<?mso-contentType ?>
-<FormTemplates xmlns="http://schemas.microsoft.com/sharepoint/v3/contenttype/forms">
-  <Display>DocumentLibraryForm</Display>
-  <Edit>DocumentLibraryForm</Edit>
-  <New>DocumentLibraryForm</New>
-</FormTemplates>
-</file>
-
-<file path=customXml/item3.xml><?xml version="1.0" encoding="utf-8"?>
-<p:properties xmlns:p="http://schemas.microsoft.com/office/2006/metadata/properties" xmlns:xsi="http://www.w3.org/2001/XMLSchema-instance">
-  <documentManagement/>
-</p:properties>
-</file>
-
 <file path=customXml/itemProps1.xml><?xml version="1.0" encoding="utf-8"?>
-<ds:datastoreItem xmlns:ds="http://schemas.openxmlformats.org/officeDocument/2006/customXml" ds:itemID="{1FBAA56A-8348-4CD3-A624-434B0E404A2E}">
+<ds:datastoreItem xmlns:ds="http://schemas.openxmlformats.org/officeDocument/2006/customXml" ds:itemID="{BC974159-165D-43A7-BAC0-2BE7E1872CAD}">
   <ds:schemaRefs>
-    <ds:schemaRef ds:uri="http://schemas.microsoft.com/office/2006/metadata/contentType"/>
-    <ds:schemaRef ds:uri="http://schemas.microsoft.com/office/2006/metadata/properties/metaAttributes"/>
-    <ds:schemaRef ds:uri="http://www.w3.org/2001/XMLSchema"/>
+    <ds:schemaRef ds:uri="http://purl.org/dc/elements/1.1/"/>
+    <ds:schemaRef ds:uri="http://schemas.microsoft.com/office/2006/documentManagement/types"/>
+    <ds:schemaRef ds:uri="http://purl.org/dc/terms/"/>
     <ds:schemaRef ds:uri="http://schemas.microsoft.com/office/2006/metadata/properties"/>
     <ds:schemaRef ds:uri="http://schemas.openxmlformats.org/package/2006/metadata/core-properties"/>
-    <ds:schemaRef ds:uri="http://purl.org/dc/elements/1.1/"/>
-    <ds:schemaRef ds:uri="http://purl.org/dc/terms/"/>
-    <ds:schemaRef ds:uri="http://schemas.microsoft.com/office/internal/2005/internalDocumentation"/>
+    <ds:schemaRef ds:uri="http://www.w3.org/XML/1998/namespace"/>
+    <ds:schemaRef ds:uri="http://purl.org/dc/dcmitype/"/>
   </ds:schemaRefs>
 </ds:datastoreItem>
 </file>
@@ -8535,15 +10761,16 @@
 </file>
 
 <file path=customXml/itemProps3.xml><?xml version="1.0" encoding="utf-8"?>
-<ds:datastoreItem xmlns:ds="http://schemas.openxmlformats.org/officeDocument/2006/customXml" ds:itemID="{BC974159-165D-43A7-BAC0-2BE7E1872CAD}">
+<ds:datastoreItem xmlns:ds="http://schemas.openxmlformats.org/officeDocument/2006/customXml" ds:itemID="{1FBAA56A-8348-4CD3-A624-434B0E404A2E}">
   <ds:schemaRefs>
-    <ds:schemaRef ds:uri="http://purl.org/dc/elements/1.1/"/>
-    <ds:schemaRef ds:uri="http://schemas.microsoft.com/office/2006/documentManagement/types"/>
-    <ds:schemaRef ds:uri="http://purl.org/dc/terms/"/>
+    <ds:schemaRef ds:uri="http://schemas.microsoft.com/office/2006/metadata/contentType"/>
+    <ds:schemaRef ds:uri="http://schemas.microsoft.com/office/2006/metadata/properties/metaAttributes"/>
+    <ds:schemaRef ds:uri="http://www.w3.org/2001/XMLSchema"/>
     <ds:schemaRef ds:uri="http://schemas.microsoft.com/office/2006/metadata/properties"/>
     <ds:schemaRef ds:uri="http://schemas.openxmlformats.org/package/2006/metadata/core-properties"/>
-    <ds:schemaRef ds:uri="http://www.w3.org/XML/1998/namespace"/>
-    <ds:schemaRef ds:uri="http://purl.org/dc/dcmitype/"/>
+    <ds:schemaRef ds:uri="http://purl.org/dc/elements/1.1/"/>
+    <ds:schemaRef ds:uri="http://purl.org/dc/terms/"/>
+    <ds:schemaRef ds:uri="http://schemas.microsoft.com/office/internal/2005/internalDocumentation"/>
   </ds:schemaRefs>
 </ds:datastoreItem>
 </file>
--- a/db/mongodb/2017/materials/MongoDB_CH5_Using_in_nodeJS.pptx
+++ b/db/mongodb/2017/materials/MongoDB_CH5_Using_in_nodeJS.pptx
@@ -8,7 +8,7 @@
     <p:sldMasterId id="2147483652" r:id="rId7"/>
   </p:sldMasterIdLst>
   <p:notesMasterIdLst>
-    <p:notesMasterId r:id="rId23"/>
+    <p:notesMasterId r:id="rId34"/>
   </p:notesMasterIdLst>
   <p:sldIdLst>
     <p:sldId id="281" r:id="rId8"/>
@@ -23,9 +23,20 @@
     <p:sldId id="534" r:id="rId17"/>
     <p:sldId id="535" r:id="rId18"/>
     <p:sldId id="536" r:id="rId19"/>
-    <p:sldId id="462" r:id="rId20"/>
-    <p:sldId id="264" r:id="rId21"/>
-    <p:sldId id="265" r:id="rId22"/>
+    <p:sldId id="538" r:id="rId20"/>
+    <p:sldId id="539" r:id="rId21"/>
+    <p:sldId id="540" r:id="rId22"/>
+    <p:sldId id="541" r:id="rId23"/>
+    <p:sldId id="542" r:id="rId24"/>
+    <p:sldId id="543" r:id="rId25"/>
+    <p:sldId id="544" r:id="rId26"/>
+    <p:sldId id="545" r:id="rId27"/>
+    <p:sldId id="546" r:id="rId28"/>
+    <p:sldId id="547" r:id="rId29"/>
+    <p:sldId id="548" r:id="rId30"/>
+    <p:sldId id="462" r:id="rId31"/>
+    <p:sldId id="264" r:id="rId32"/>
+    <p:sldId id="265" r:id="rId33"/>
   </p:sldIdLst>
   <p:sldSz cx="9144000" cy="6858000" type="screen4x3"/>
   <p:notesSz cx="6858000" cy="9144000"/>
@@ -126,7 +137,7 @@
   </p:defaultTextStyle>
   <p:extLst>
     <p:ext uri="{EFAFB233-063F-42B5-8137-9DF3F51BA10A}">
-      <p15:sldGuideLst xmlns:p15="http://schemas.microsoft.com/office/powerpoint/2012/main" xmlns="">
+      <p15:sldGuideLst xmlns:p15="http://schemas.microsoft.com/office/powerpoint/2012/main">
         <p15:guide id="1" orient="horz" pos="2160">
           <p15:clr>
             <a:srgbClr val="A4A3A4"/>
@@ -226,7 +237,7 @@
             <a:fld id="{97373330-0875-4F54-B846-34A9C5D83194}" type="datetimeFigureOut">
               <a:rPr lang="en-US" smtClean="0"/>
               <a:pPr/>
-              <a:t>7/31/2017</a:t>
+              <a:t>8/1/2017</a:t>
             </a:fld>
             <a:endParaRPr lang="en-US"/>
           </a:p>
@@ -6149,18 +6160,17 @@
               <a:buNone/>
             </a:pPr>
             <a:r>
-              <a:rPr lang="en-US" sz="2800" dirty="0" smtClean="0"/>
+              <a:rPr lang="en-US" sz="2800" dirty="0"/>
               <a:t>Using </a:t>
             </a:r>
             <a:r>
-              <a:rPr lang="en-US" sz="2800" dirty="0" err="1" smtClean="0"/>
+              <a:rPr lang="en-US" sz="2800" dirty="0" err="1"/>
               <a:t>MongoDB</a:t>
             </a:r>
             <a:r>
-              <a:rPr lang="en-US" sz="2800" dirty="0" smtClean="0"/>
+              <a:rPr lang="en-US" sz="2800" dirty="0"/>
               <a:t> in Node.JS</a:t>
             </a:r>
-            <a:endParaRPr lang="en-US" sz="2800" dirty="0"/>
           </a:p>
         </p:txBody>
       </p:sp>
@@ -6283,10 +6293,9 @@
           <a:lstStyle/>
           <a:p>
             <a:r>
-              <a:rPr lang="en-US" dirty="0" smtClean="0"/>
+              <a:rPr lang="en-US" dirty="0"/>
               <a:t>3</a:t>
             </a:r>
-            <a:endParaRPr lang="en-US" dirty="0"/>
           </a:p>
         </p:txBody>
       </p:sp>
@@ -6306,10 +6315,9 @@
           <a:lstStyle/>
           <a:p>
             <a:r>
-              <a:rPr lang="en-US" altLang="zh-CN" dirty="0" smtClean="0"/>
+              <a:rPr lang="en-US" altLang="zh-CN" dirty="0"/>
               <a:t>Quick-start</a:t>
             </a:r>
-            <a:endParaRPr lang="en-US" altLang="zh-CN" dirty="0"/>
           </a:p>
         </p:txBody>
       </p:sp>
@@ -6336,7 +6344,7 @@
           <a:lstStyle/>
           <a:p>
             <a:r>
-              <a:rPr lang="en-US" altLang="zh-CN" sz="2800" dirty="0" smtClean="0"/>
+              <a:rPr lang="en-US" altLang="zh-CN" sz="2800" dirty="0"/>
               <a:t>Step 4: Create document from Model</a:t>
             </a:r>
           </a:p>
@@ -6493,7 +6501,7 @@
           <a:lstStyle/>
           <a:p>
             <a:r>
-              <a:rPr lang="en-US" altLang="zh-CN" sz="2800" dirty="0" smtClean="0"/>
+              <a:rPr lang="en-US" altLang="zh-CN" sz="2800" dirty="0"/>
               <a:t>Step 5: Save document to DB</a:t>
             </a:r>
           </a:p>
@@ -6509,13 +6517,6 @@
   <p:clrMapOvr>
     <a:masterClrMapping/>
   </p:clrMapOvr>
-  <p:timing>
-    <p:tnLst>
-      <p:par>
-        <p:cTn id="1" dur="indefinite" restart="never" nodeType="tmRoot"/>
-      </p:par>
-    </p:tnLst>
-  </p:timing>
 </p:sld>
 </file>
 
@@ -6552,10 +6553,9 @@
           <a:lstStyle/>
           <a:p>
             <a:r>
-              <a:rPr lang="en-US" dirty="0" smtClean="0"/>
+              <a:rPr lang="en-US" dirty="0"/>
               <a:t>3</a:t>
             </a:r>
-            <a:endParaRPr lang="en-US" dirty="0"/>
           </a:p>
         </p:txBody>
       </p:sp>
@@ -6575,10 +6575,9 @@
           <a:lstStyle/>
           <a:p>
             <a:r>
-              <a:rPr lang="en-US" altLang="zh-CN" dirty="0" smtClean="0"/>
+              <a:rPr lang="en-US" altLang="zh-CN" dirty="0"/>
               <a:t>Quick-start</a:t>
             </a:r>
-            <a:endParaRPr lang="en-US" altLang="zh-CN" dirty="0"/>
           </a:p>
         </p:txBody>
       </p:sp>
@@ -6605,7 +6604,7 @@
           <a:lstStyle/>
           <a:p>
             <a:r>
-              <a:rPr lang="en-US" altLang="zh-CN" sz="2800" dirty="0" smtClean="0"/>
+              <a:rPr lang="en-US" altLang="zh-CN" sz="2800" dirty="0"/>
               <a:t>Step 6: Find inserted document</a:t>
             </a:r>
           </a:p>
@@ -6749,13 +6748,6 @@
   <p:clrMapOvr>
     <a:masterClrMapping/>
   </p:clrMapOvr>
-  <p:timing>
-    <p:tnLst>
-      <p:par>
-        <p:cTn id="1" dur="indefinite" restart="never" nodeType="tmRoot"/>
-      </p:par>
-    </p:tnLst>
-  </p:timing>
 </p:sld>
 </file>
 
@@ -6797,10 +6789,9 @@
           <a:lstStyle/>
           <a:p>
             <a:r>
-              <a:rPr lang="en-US" altLang="zh-CN" dirty="0" smtClean="0"/>
+              <a:rPr lang="en-US" altLang="zh-CN" dirty="0"/>
               <a:t>Schema</a:t>
             </a:r>
-            <a:endParaRPr lang="en-US" altLang="zh-CN" dirty="0"/>
           </a:p>
         </p:txBody>
       </p:sp>
@@ -6820,10 +6811,9 @@
           <a:lstStyle/>
           <a:p>
             <a:r>
-              <a:rPr lang="en-US" dirty="0" smtClean="0"/>
+              <a:rPr lang="en-US" dirty="0"/>
               <a:t>4</a:t>
             </a:r>
-            <a:endParaRPr lang="en-US" dirty="0"/>
           </a:p>
         </p:txBody>
       </p:sp>
@@ -6837,13 +6827,6 @@
   <p:clrMapOvr>
     <a:masterClrMapping/>
   </p:clrMapOvr>
-  <p:timing>
-    <p:tnLst>
-      <p:par>
-        <p:cTn id="1" dur="indefinite" restart="never" nodeType="tmRoot"/>
-      </p:par>
-    </p:tnLst>
-  </p:timing>
 </p:sld>
 </file>
 
@@ -6871,6 +6854,5134 @@
             <a:spLocks noGrp="1"/>
           </p:cNvSpPr>
           <p:nvPr>
+            <p:ph type="body" sz="quarter" idx="13"/>
+          </p:nvPr>
+        </p:nvSpPr>
+        <p:spPr/>
+        <p:txBody>
+          <a:bodyPr/>
+          <a:lstStyle/>
+          <a:p>
+            <a:r>
+              <a:rPr lang="en-US" dirty="0"/>
+              <a:t>4</a:t>
+            </a:r>
+          </a:p>
+        </p:txBody>
+      </p:sp>
+      <p:sp>
+        <p:nvSpPr>
+          <p:cNvPr id="3" name="Text Placeholder 2"/>
+          <p:cNvSpPr>
+            <a:spLocks noGrp="1"/>
+          </p:cNvSpPr>
+          <p:nvPr>
+            <p:ph type="body" sz="quarter" idx="14"/>
+          </p:nvPr>
+        </p:nvSpPr>
+        <p:spPr/>
+        <p:txBody>
+          <a:bodyPr/>
+          <a:lstStyle/>
+          <a:p>
+            <a:r>
+              <a:rPr lang="en-US" altLang="zh-CN" dirty="0"/>
+              <a:t>Schema</a:t>
+            </a:r>
+            <a:endParaRPr lang="en-US" dirty="0"/>
+          </a:p>
+          <a:p>
+            <a:endParaRPr lang="en-US" dirty="0"/>
+          </a:p>
+        </p:txBody>
+      </p:sp>
+      <p:sp>
+        <p:nvSpPr>
+          <p:cNvPr id="8" name="TextBox 2"/>
+          <p:cNvSpPr txBox="1">
+            <a:spLocks noChangeArrowheads="1"/>
+          </p:cNvSpPr>
+          <p:nvPr/>
+        </p:nvSpPr>
+        <p:spPr bwMode="auto">
+          <a:xfrm>
+            <a:off x="0" y="1143000"/>
+            <a:ext cx="9144000" cy="5078313"/>
+          </a:xfrm>
+          <a:prstGeom prst="rect">
+            <a:avLst/>
+          </a:prstGeom>
+          <a:noFill/>
+          <a:ln>
+            <a:noFill/>
+          </a:ln>
+          <a:extLst>
+            <a:ext uri="{909E8E84-426E-40DD-AFC4-6F175D3DCCD1}">
+              <a14:hiddenFill xmlns:a14="http://schemas.microsoft.com/office/drawing/2010/main">
+                <a:solidFill>
+                  <a:srgbClr val="FFFFFF"/>
+                </a:solidFill>
+              </a14:hiddenFill>
+            </a:ext>
+            <a:ext uri="{91240B29-F687-4F45-9708-019B960494DF}">
+              <a14:hiddenLine xmlns:a14="http://schemas.microsoft.com/office/drawing/2010/main" w="9525">
+                <a:solidFill>
+                  <a:srgbClr val="000000"/>
+                </a:solidFill>
+                <a:miter lim="800000"/>
+                <a:headEnd/>
+                <a:tailEnd/>
+              </a14:hiddenLine>
+            </a:ext>
+          </a:extLst>
+        </p:spPr>
+        <p:txBody>
+          <a:bodyPr wrap="square">
+            <a:spAutoFit/>
+          </a:bodyPr>
+          <a:lstStyle>
+            <a:lvl1pPr marL="571500" indent="-571500" eaLnBrk="0" hangingPunct="0">
+              <a:defRPr>
+                <a:solidFill>
+                  <a:schemeClr val="tx1"/>
+                </a:solidFill>
+                <a:latin typeface="Arial" panose="020B0604020202020204" pitchFamily="34" charset="0"/>
+                <a:ea typeface="宋体" panose="02010600030101010101" pitchFamily="2" charset="-122"/>
+              </a:defRPr>
+            </a:lvl1pPr>
+            <a:lvl2pPr marL="742950" indent="-285750" eaLnBrk="0" hangingPunct="0">
+              <a:defRPr>
+                <a:solidFill>
+                  <a:schemeClr val="tx1"/>
+                </a:solidFill>
+                <a:latin typeface="Arial" panose="020B0604020202020204" pitchFamily="34" charset="0"/>
+                <a:ea typeface="宋体" panose="02010600030101010101" pitchFamily="2" charset="-122"/>
+              </a:defRPr>
+            </a:lvl2pPr>
+            <a:lvl3pPr marL="1143000" indent="-228600" eaLnBrk="0" hangingPunct="0">
+              <a:defRPr>
+                <a:solidFill>
+                  <a:schemeClr val="tx1"/>
+                </a:solidFill>
+                <a:latin typeface="Arial" panose="020B0604020202020204" pitchFamily="34" charset="0"/>
+                <a:ea typeface="宋体" panose="02010600030101010101" pitchFamily="2" charset="-122"/>
+              </a:defRPr>
+            </a:lvl3pPr>
+            <a:lvl4pPr marL="1600200" indent="-228600" eaLnBrk="0" hangingPunct="0">
+              <a:defRPr>
+                <a:solidFill>
+                  <a:schemeClr val="tx1"/>
+                </a:solidFill>
+                <a:latin typeface="Arial" panose="020B0604020202020204" pitchFamily="34" charset="0"/>
+                <a:ea typeface="宋体" panose="02010600030101010101" pitchFamily="2" charset="-122"/>
+              </a:defRPr>
+            </a:lvl4pPr>
+            <a:lvl5pPr marL="2057400" indent="-228600" eaLnBrk="0" hangingPunct="0">
+              <a:defRPr>
+                <a:solidFill>
+                  <a:schemeClr val="tx1"/>
+                </a:solidFill>
+                <a:latin typeface="Arial" panose="020B0604020202020204" pitchFamily="34" charset="0"/>
+                <a:ea typeface="宋体" panose="02010600030101010101" pitchFamily="2" charset="-122"/>
+              </a:defRPr>
+            </a:lvl5pPr>
+            <a:lvl6pPr marL="2514600" indent="-228600" eaLnBrk="0" fontAlgn="base" hangingPunct="0">
+              <a:spcBef>
+                <a:spcPct val="0"/>
+              </a:spcBef>
+              <a:spcAft>
+                <a:spcPct val="0"/>
+              </a:spcAft>
+              <a:defRPr>
+                <a:solidFill>
+                  <a:schemeClr val="tx1"/>
+                </a:solidFill>
+                <a:latin typeface="Arial" panose="020B0604020202020204" pitchFamily="34" charset="0"/>
+                <a:ea typeface="宋体" panose="02010600030101010101" pitchFamily="2" charset="-122"/>
+              </a:defRPr>
+            </a:lvl6pPr>
+            <a:lvl7pPr marL="2971800" indent="-228600" eaLnBrk="0" fontAlgn="base" hangingPunct="0">
+              <a:spcBef>
+                <a:spcPct val="0"/>
+              </a:spcBef>
+              <a:spcAft>
+                <a:spcPct val="0"/>
+              </a:spcAft>
+              <a:defRPr>
+                <a:solidFill>
+                  <a:schemeClr val="tx1"/>
+                </a:solidFill>
+                <a:latin typeface="Arial" panose="020B0604020202020204" pitchFamily="34" charset="0"/>
+                <a:ea typeface="宋体" panose="02010600030101010101" pitchFamily="2" charset="-122"/>
+              </a:defRPr>
+            </a:lvl7pPr>
+            <a:lvl8pPr marL="3429000" indent="-228600" eaLnBrk="0" fontAlgn="base" hangingPunct="0">
+              <a:spcBef>
+                <a:spcPct val="0"/>
+              </a:spcBef>
+              <a:spcAft>
+                <a:spcPct val="0"/>
+              </a:spcAft>
+              <a:defRPr>
+                <a:solidFill>
+                  <a:schemeClr val="tx1"/>
+                </a:solidFill>
+                <a:latin typeface="Arial" panose="020B0604020202020204" pitchFamily="34" charset="0"/>
+                <a:ea typeface="宋体" panose="02010600030101010101" pitchFamily="2" charset="-122"/>
+              </a:defRPr>
+            </a:lvl8pPr>
+            <a:lvl9pPr marL="3886200" indent="-228600" eaLnBrk="0" fontAlgn="base" hangingPunct="0">
+              <a:spcBef>
+                <a:spcPct val="0"/>
+              </a:spcBef>
+              <a:spcAft>
+                <a:spcPct val="0"/>
+              </a:spcAft>
+              <a:defRPr>
+                <a:solidFill>
+                  <a:schemeClr val="tx1"/>
+                </a:solidFill>
+                <a:latin typeface="Arial" panose="020B0604020202020204" pitchFamily="34" charset="0"/>
+                <a:ea typeface="宋体" panose="02010600030101010101" pitchFamily="2" charset="-122"/>
+              </a:defRPr>
+            </a:lvl9pPr>
+          </a:lstStyle>
+          <a:p>
+            <a:r>
+              <a:rPr lang="en-US" sz="3600" dirty="0"/>
+              <a:t>The permitted Schema Types are</a:t>
+            </a:r>
+          </a:p>
+          <a:p>
+            <a:pPr>
+              <a:buFont typeface="Arial" panose="020B0604020202020204" pitchFamily="34" charset="0"/>
+              <a:buChar char="•"/>
+            </a:pPr>
+            <a:r>
+              <a:rPr lang="en-US" sz="3600" dirty="0"/>
+              <a:t>String</a:t>
+            </a:r>
+          </a:p>
+          <a:p>
+            <a:pPr>
+              <a:buFont typeface="Arial" panose="020B0604020202020204" pitchFamily="34" charset="0"/>
+              <a:buChar char="•"/>
+            </a:pPr>
+            <a:r>
+              <a:rPr lang="en-US" sz="3600" dirty="0"/>
+              <a:t>Number</a:t>
+            </a:r>
+          </a:p>
+          <a:p>
+            <a:pPr>
+              <a:buFont typeface="Arial" panose="020B0604020202020204" pitchFamily="34" charset="0"/>
+              <a:buChar char="•"/>
+            </a:pPr>
+            <a:r>
+              <a:rPr lang="en-US" sz="3600" dirty="0"/>
+              <a:t>Date</a:t>
+            </a:r>
+          </a:p>
+          <a:p>
+            <a:pPr>
+              <a:buFont typeface="Arial" panose="020B0604020202020204" pitchFamily="34" charset="0"/>
+              <a:buChar char="•"/>
+            </a:pPr>
+            <a:r>
+              <a:rPr lang="en-US" sz="3600" dirty="0"/>
+              <a:t>Buffer</a:t>
+            </a:r>
+          </a:p>
+          <a:p>
+            <a:pPr>
+              <a:buFont typeface="Arial" panose="020B0604020202020204" pitchFamily="34" charset="0"/>
+              <a:buChar char="•"/>
+            </a:pPr>
+            <a:r>
+              <a:rPr lang="en-US" sz="3600" dirty="0"/>
+              <a:t>Boolean</a:t>
+            </a:r>
+          </a:p>
+          <a:p>
+            <a:pPr>
+              <a:buFont typeface="Arial" panose="020B0604020202020204" pitchFamily="34" charset="0"/>
+              <a:buChar char="•"/>
+            </a:pPr>
+            <a:r>
+              <a:rPr lang="en-US" sz="3600" dirty="0"/>
+              <a:t>Mixed		</a:t>
+            </a:r>
+            <a:r>
+              <a:rPr lang="en-US" sz="3600" b="1" dirty="0">
+                <a:solidFill>
+                  <a:srgbClr val="2D75BC"/>
+                </a:solidFill>
+              </a:rPr>
+              <a:t>// Any type</a:t>
+            </a:r>
+          </a:p>
+          <a:p>
+            <a:pPr>
+              <a:buFont typeface="Arial" panose="020B0604020202020204" pitchFamily="34" charset="0"/>
+              <a:buChar char="•"/>
+            </a:pPr>
+            <a:r>
+              <a:rPr lang="en-US" sz="3600" dirty="0" err="1"/>
+              <a:t>ObjectId</a:t>
+            </a:r>
+            <a:endParaRPr lang="en-US" sz="3600" dirty="0"/>
+          </a:p>
+          <a:p>
+            <a:pPr>
+              <a:buFont typeface="Arial" panose="020B0604020202020204" pitchFamily="34" charset="0"/>
+              <a:buChar char="•"/>
+            </a:pPr>
+            <a:r>
+              <a:rPr lang="en-US" sz="3600" dirty="0"/>
+              <a:t>Array</a:t>
+            </a:r>
+            <a:endParaRPr lang="en-US" dirty="0"/>
+          </a:p>
+        </p:txBody>
+      </p:sp>
+    </p:spTree>
+    <p:extLst>
+      <p:ext uri="{BB962C8B-B14F-4D97-AF65-F5344CB8AC3E}">
+        <p14:creationId xmlns:p14="http://schemas.microsoft.com/office/powerpoint/2010/main" val="3573400390"/>
+      </p:ext>
+    </p:extLst>
+  </p:cSld>
+  <p:clrMapOvr>
+    <a:masterClrMapping/>
+  </p:clrMapOvr>
+</p:sld>
+</file>
+
+<file path=ppt/slides/slide14.xml><?xml version="1.0" encoding="utf-8"?>
+<p:sld xmlns:a="http://schemas.openxmlformats.org/drawingml/2006/main" xmlns:r="http://schemas.openxmlformats.org/officeDocument/2006/relationships" xmlns:p="http://schemas.openxmlformats.org/presentationml/2006/main">
+  <p:cSld>
+    <p:spTree>
+      <p:nvGrpSpPr>
+        <p:cNvPr id="1" name=""/>
+        <p:cNvGrpSpPr/>
+        <p:nvPr/>
+      </p:nvGrpSpPr>
+      <p:grpSpPr>
+        <a:xfrm>
+          <a:off x="0" y="0"/>
+          <a:ext cx="0" cy="0"/>
+          <a:chOff x="0" y="0"/>
+          <a:chExt cx="0" cy="0"/>
+        </a:xfrm>
+      </p:grpSpPr>
+      <p:sp>
+        <p:nvSpPr>
+          <p:cNvPr id="2" name="Text Placeholder 1"/>
+          <p:cNvSpPr>
+            <a:spLocks noGrp="1"/>
+          </p:cNvSpPr>
+          <p:nvPr>
+            <p:ph type="body" sz="quarter" idx="13"/>
+          </p:nvPr>
+        </p:nvSpPr>
+        <p:spPr/>
+        <p:txBody>
+          <a:bodyPr/>
+          <a:lstStyle/>
+          <a:p>
+            <a:r>
+              <a:rPr lang="en-US" dirty="0"/>
+              <a:t>4</a:t>
+            </a:r>
+          </a:p>
+        </p:txBody>
+      </p:sp>
+      <p:sp>
+        <p:nvSpPr>
+          <p:cNvPr id="3" name="Text Placeholder 2"/>
+          <p:cNvSpPr>
+            <a:spLocks noGrp="1"/>
+          </p:cNvSpPr>
+          <p:nvPr>
+            <p:ph type="body" sz="quarter" idx="14"/>
+          </p:nvPr>
+        </p:nvSpPr>
+        <p:spPr/>
+        <p:txBody>
+          <a:bodyPr/>
+          <a:lstStyle/>
+          <a:p>
+            <a:r>
+              <a:rPr lang="en-US" altLang="zh-CN" dirty="0"/>
+              <a:t>Schema</a:t>
+            </a:r>
+            <a:endParaRPr lang="en-US" dirty="0"/>
+          </a:p>
+          <a:p>
+            <a:endParaRPr lang="en-US" dirty="0"/>
+          </a:p>
+        </p:txBody>
+      </p:sp>
+      <p:sp>
+        <p:nvSpPr>
+          <p:cNvPr id="8" name="TextBox 2"/>
+          <p:cNvSpPr txBox="1">
+            <a:spLocks noChangeArrowheads="1"/>
+          </p:cNvSpPr>
+          <p:nvPr/>
+        </p:nvSpPr>
+        <p:spPr bwMode="auto">
+          <a:xfrm>
+            <a:off x="0" y="1143000"/>
+            <a:ext cx="9144000" cy="1200329"/>
+          </a:xfrm>
+          <a:prstGeom prst="rect">
+            <a:avLst/>
+          </a:prstGeom>
+          <a:noFill/>
+          <a:ln>
+            <a:noFill/>
+          </a:ln>
+          <a:extLst>
+            <a:ext uri="{909E8E84-426E-40DD-AFC4-6F175D3DCCD1}">
+              <a14:hiddenFill xmlns:a14="http://schemas.microsoft.com/office/drawing/2010/main">
+                <a:solidFill>
+                  <a:srgbClr val="FFFFFF"/>
+                </a:solidFill>
+              </a14:hiddenFill>
+            </a:ext>
+            <a:ext uri="{91240B29-F687-4F45-9708-019B960494DF}">
+              <a14:hiddenLine xmlns:a14="http://schemas.microsoft.com/office/drawing/2010/main" w="9525">
+                <a:solidFill>
+                  <a:srgbClr val="000000"/>
+                </a:solidFill>
+                <a:miter lim="800000"/>
+                <a:headEnd/>
+                <a:tailEnd/>
+              </a14:hiddenLine>
+            </a:ext>
+          </a:extLst>
+        </p:spPr>
+        <p:txBody>
+          <a:bodyPr wrap="square">
+            <a:spAutoFit/>
+          </a:bodyPr>
+          <a:lstStyle>
+            <a:lvl1pPr marL="571500" indent="-571500" eaLnBrk="0" hangingPunct="0">
+              <a:defRPr>
+                <a:solidFill>
+                  <a:schemeClr val="tx1"/>
+                </a:solidFill>
+                <a:latin typeface="Arial" panose="020B0604020202020204" pitchFamily="34" charset="0"/>
+                <a:ea typeface="宋体" panose="02010600030101010101" pitchFamily="2" charset="-122"/>
+              </a:defRPr>
+            </a:lvl1pPr>
+            <a:lvl2pPr marL="742950" indent="-285750" eaLnBrk="0" hangingPunct="0">
+              <a:defRPr>
+                <a:solidFill>
+                  <a:schemeClr val="tx1"/>
+                </a:solidFill>
+                <a:latin typeface="Arial" panose="020B0604020202020204" pitchFamily="34" charset="0"/>
+                <a:ea typeface="宋体" panose="02010600030101010101" pitchFamily="2" charset="-122"/>
+              </a:defRPr>
+            </a:lvl2pPr>
+            <a:lvl3pPr marL="1143000" indent="-228600" eaLnBrk="0" hangingPunct="0">
+              <a:defRPr>
+                <a:solidFill>
+                  <a:schemeClr val="tx1"/>
+                </a:solidFill>
+                <a:latin typeface="Arial" panose="020B0604020202020204" pitchFamily="34" charset="0"/>
+                <a:ea typeface="宋体" panose="02010600030101010101" pitchFamily="2" charset="-122"/>
+              </a:defRPr>
+            </a:lvl3pPr>
+            <a:lvl4pPr marL="1600200" indent="-228600" eaLnBrk="0" hangingPunct="0">
+              <a:defRPr>
+                <a:solidFill>
+                  <a:schemeClr val="tx1"/>
+                </a:solidFill>
+                <a:latin typeface="Arial" panose="020B0604020202020204" pitchFamily="34" charset="0"/>
+                <a:ea typeface="宋体" panose="02010600030101010101" pitchFamily="2" charset="-122"/>
+              </a:defRPr>
+            </a:lvl4pPr>
+            <a:lvl5pPr marL="2057400" indent="-228600" eaLnBrk="0" hangingPunct="0">
+              <a:defRPr>
+                <a:solidFill>
+                  <a:schemeClr val="tx1"/>
+                </a:solidFill>
+                <a:latin typeface="Arial" panose="020B0604020202020204" pitchFamily="34" charset="0"/>
+                <a:ea typeface="宋体" panose="02010600030101010101" pitchFamily="2" charset="-122"/>
+              </a:defRPr>
+            </a:lvl5pPr>
+            <a:lvl6pPr marL="2514600" indent="-228600" eaLnBrk="0" fontAlgn="base" hangingPunct="0">
+              <a:spcBef>
+                <a:spcPct val="0"/>
+              </a:spcBef>
+              <a:spcAft>
+                <a:spcPct val="0"/>
+              </a:spcAft>
+              <a:defRPr>
+                <a:solidFill>
+                  <a:schemeClr val="tx1"/>
+                </a:solidFill>
+                <a:latin typeface="Arial" panose="020B0604020202020204" pitchFamily="34" charset="0"/>
+                <a:ea typeface="宋体" panose="02010600030101010101" pitchFamily="2" charset="-122"/>
+              </a:defRPr>
+            </a:lvl6pPr>
+            <a:lvl7pPr marL="2971800" indent="-228600" eaLnBrk="0" fontAlgn="base" hangingPunct="0">
+              <a:spcBef>
+                <a:spcPct val="0"/>
+              </a:spcBef>
+              <a:spcAft>
+                <a:spcPct val="0"/>
+              </a:spcAft>
+              <a:defRPr>
+                <a:solidFill>
+                  <a:schemeClr val="tx1"/>
+                </a:solidFill>
+                <a:latin typeface="Arial" panose="020B0604020202020204" pitchFamily="34" charset="0"/>
+                <a:ea typeface="宋体" panose="02010600030101010101" pitchFamily="2" charset="-122"/>
+              </a:defRPr>
+            </a:lvl7pPr>
+            <a:lvl8pPr marL="3429000" indent="-228600" eaLnBrk="0" fontAlgn="base" hangingPunct="0">
+              <a:spcBef>
+                <a:spcPct val="0"/>
+              </a:spcBef>
+              <a:spcAft>
+                <a:spcPct val="0"/>
+              </a:spcAft>
+              <a:defRPr>
+                <a:solidFill>
+                  <a:schemeClr val="tx1"/>
+                </a:solidFill>
+                <a:latin typeface="Arial" panose="020B0604020202020204" pitchFamily="34" charset="0"/>
+                <a:ea typeface="宋体" panose="02010600030101010101" pitchFamily="2" charset="-122"/>
+              </a:defRPr>
+            </a:lvl8pPr>
+            <a:lvl9pPr marL="3886200" indent="-228600" eaLnBrk="0" fontAlgn="base" hangingPunct="0">
+              <a:spcBef>
+                <a:spcPct val="0"/>
+              </a:spcBef>
+              <a:spcAft>
+                <a:spcPct val="0"/>
+              </a:spcAft>
+              <a:defRPr>
+                <a:solidFill>
+                  <a:schemeClr val="tx1"/>
+                </a:solidFill>
+                <a:latin typeface="Arial" panose="020B0604020202020204" pitchFamily="34" charset="0"/>
+                <a:ea typeface="宋体" panose="02010600030101010101" pitchFamily="2" charset="-122"/>
+              </a:defRPr>
+            </a:lvl9pPr>
+          </a:lstStyle>
+          <a:p>
+            <a:r>
+              <a:rPr lang="en-US" sz="3600" dirty="0"/>
+              <a:t>(1)How to define a schema?</a:t>
+            </a:r>
+          </a:p>
+          <a:p>
+            <a:r>
+              <a:rPr lang="en-US" sz="3600" dirty="0"/>
+              <a:t>Most formal:</a:t>
+            </a:r>
+          </a:p>
+        </p:txBody>
+      </p:sp>
+      <p:pic>
+        <p:nvPicPr>
+          <p:cNvPr id="5" name="Picture 4"/>
+          <p:cNvPicPr>
+            <a:picLocks noChangeAspect="1"/>
+          </p:cNvPicPr>
+          <p:nvPr/>
+        </p:nvPicPr>
+        <p:blipFill>
+          <a:blip r:embed="rId2"/>
+          <a:stretch>
+            <a:fillRect/>
+          </a:stretch>
+        </p:blipFill>
+        <p:spPr>
+          <a:xfrm>
+            <a:off x="152399" y="2722781"/>
+            <a:ext cx="8963913" cy="3678019"/>
+          </a:xfrm>
+          <a:prstGeom prst="rect">
+            <a:avLst/>
+          </a:prstGeom>
+        </p:spPr>
+      </p:pic>
+      <p:sp>
+        <p:nvSpPr>
+          <p:cNvPr id="7" name="矩形 4"/>
+          <p:cNvSpPr/>
+          <p:nvPr/>
+        </p:nvSpPr>
+        <p:spPr>
+          <a:xfrm>
+            <a:off x="1295400" y="4038600"/>
+            <a:ext cx="7744712" cy="1905000"/>
+          </a:xfrm>
+          <a:prstGeom prst="rect">
+            <a:avLst/>
+          </a:prstGeom>
+          <a:noFill/>
+          <a:ln w="38100">
+            <a:solidFill>
+              <a:srgbClr val="FFFF00"/>
+            </a:solidFill>
+            <a:prstDash val="sysDash"/>
+          </a:ln>
+        </p:spPr>
+        <p:style>
+          <a:lnRef idx="2">
+            <a:schemeClr val="accent1">
+              <a:shade val="50000"/>
+            </a:schemeClr>
+          </a:lnRef>
+          <a:fillRef idx="1">
+            <a:schemeClr val="accent1"/>
+          </a:fillRef>
+          <a:effectRef idx="0">
+            <a:schemeClr val="accent1"/>
+          </a:effectRef>
+          <a:fontRef idx="minor">
+            <a:schemeClr val="lt1"/>
+          </a:fontRef>
+        </p:style>
+        <p:txBody>
+          <a:bodyPr rtlCol="0" anchor="ctr"/>
+          <a:lstStyle/>
+          <a:p>
+            <a:pPr algn="ctr"/>
+            <a:endParaRPr lang="zh-CN" altLang="en-US">
+              <a:solidFill>
+                <a:srgbClr val="FF0000"/>
+              </a:solidFill>
+            </a:endParaRPr>
+          </a:p>
+        </p:txBody>
+      </p:sp>
+    </p:spTree>
+    <p:extLst>
+      <p:ext uri="{BB962C8B-B14F-4D97-AF65-F5344CB8AC3E}">
+        <p14:creationId xmlns:p14="http://schemas.microsoft.com/office/powerpoint/2010/main" val="1549242653"/>
+      </p:ext>
+    </p:extLst>
+  </p:cSld>
+  <p:clrMapOvr>
+    <a:masterClrMapping/>
+  </p:clrMapOvr>
+  <p:timing>
+    <p:tnLst>
+      <p:par>
+        <p:cTn id="1" dur="indefinite" restart="never" nodeType="tmRoot">
+          <p:childTnLst>
+            <p:seq concurrent="1" nextAc="seek">
+              <p:cTn id="2" dur="indefinite" nodeType="mainSeq">
+                <p:childTnLst>
+                  <p:par>
+                    <p:cTn id="3" fill="hold">
+                      <p:stCondLst>
+                        <p:cond delay="indefinite"/>
+                      </p:stCondLst>
+                      <p:childTnLst>
+                        <p:par>
+                          <p:cTn id="4" fill="hold">
+                            <p:stCondLst>
+                              <p:cond delay="0"/>
+                            </p:stCondLst>
+                            <p:childTnLst>
+                              <p:par>
+                                <p:cTn id="5" presetID="10" presetClass="entr" presetSubtype="0" fill="hold" grpId="0" nodeType="clickEffect">
+                                  <p:stCondLst>
+                                    <p:cond delay="0"/>
+                                  </p:stCondLst>
+                                  <p:childTnLst>
+                                    <p:set>
+                                      <p:cBhvr>
+                                        <p:cTn id="6" dur="1" fill="hold">
+                                          <p:stCondLst>
+                                            <p:cond delay="0"/>
+                                          </p:stCondLst>
+                                        </p:cTn>
+                                        <p:tgtEl>
+                                          <p:spTgt spid="7"/>
+                                        </p:tgtEl>
+                                        <p:attrNameLst>
+                                          <p:attrName>style.visibility</p:attrName>
+                                        </p:attrNameLst>
+                                      </p:cBhvr>
+                                      <p:to>
+                                        <p:strVal val="visible"/>
+                                      </p:to>
+                                    </p:set>
+                                    <p:animEffect transition="in" filter="fade">
+                                      <p:cBhvr>
+                                        <p:cTn id="7" dur="500"/>
+                                        <p:tgtEl>
+                                          <p:spTgt spid="7"/>
+                                        </p:tgtEl>
+                                      </p:cBhvr>
+                                    </p:animEffect>
+                                  </p:childTnLst>
+                                </p:cTn>
+                              </p:par>
+                            </p:childTnLst>
+                          </p:cTn>
+                        </p:par>
+                      </p:childTnLst>
+                    </p:cTn>
+                  </p:par>
+                </p:childTnLst>
+              </p:cTn>
+              <p:prevCondLst>
+                <p:cond evt="onPrev" delay="0">
+                  <p:tgtEl>
+                    <p:sldTgt/>
+                  </p:tgtEl>
+                </p:cond>
+              </p:prevCondLst>
+              <p:nextCondLst>
+                <p:cond evt="onNext" delay="0">
+                  <p:tgtEl>
+                    <p:sldTgt/>
+                  </p:tgtEl>
+                </p:cond>
+              </p:nextCondLst>
+            </p:seq>
+          </p:childTnLst>
+        </p:cTn>
+      </p:par>
+    </p:tnLst>
+    <p:bldLst>
+      <p:bldP spid="7" grpId="0" animBg="1"/>
+    </p:bldLst>
+  </p:timing>
+</p:sld>
+</file>
+
+<file path=ppt/slides/slide15.xml><?xml version="1.0" encoding="utf-8"?>
+<p:sld xmlns:a="http://schemas.openxmlformats.org/drawingml/2006/main" xmlns:r="http://schemas.openxmlformats.org/officeDocument/2006/relationships" xmlns:p="http://schemas.openxmlformats.org/presentationml/2006/main">
+  <p:cSld>
+    <p:spTree>
+      <p:nvGrpSpPr>
+        <p:cNvPr id="1" name=""/>
+        <p:cNvGrpSpPr/>
+        <p:nvPr/>
+      </p:nvGrpSpPr>
+      <p:grpSpPr>
+        <a:xfrm>
+          <a:off x="0" y="0"/>
+          <a:ext cx="0" cy="0"/>
+          <a:chOff x="0" y="0"/>
+          <a:chExt cx="0" cy="0"/>
+        </a:xfrm>
+      </p:grpSpPr>
+      <p:sp>
+        <p:nvSpPr>
+          <p:cNvPr id="2" name="Text Placeholder 1"/>
+          <p:cNvSpPr>
+            <a:spLocks noGrp="1"/>
+          </p:cNvSpPr>
+          <p:nvPr>
+            <p:ph type="body" sz="quarter" idx="13"/>
+          </p:nvPr>
+        </p:nvSpPr>
+        <p:spPr/>
+        <p:txBody>
+          <a:bodyPr/>
+          <a:lstStyle/>
+          <a:p>
+            <a:r>
+              <a:rPr lang="en-US" dirty="0"/>
+              <a:t>4</a:t>
+            </a:r>
+          </a:p>
+        </p:txBody>
+      </p:sp>
+      <p:sp>
+        <p:nvSpPr>
+          <p:cNvPr id="3" name="Text Placeholder 2"/>
+          <p:cNvSpPr>
+            <a:spLocks noGrp="1"/>
+          </p:cNvSpPr>
+          <p:nvPr>
+            <p:ph type="body" sz="quarter" idx="14"/>
+          </p:nvPr>
+        </p:nvSpPr>
+        <p:spPr/>
+        <p:txBody>
+          <a:bodyPr/>
+          <a:lstStyle/>
+          <a:p>
+            <a:r>
+              <a:rPr lang="en-US" altLang="zh-CN" dirty="0"/>
+              <a:t>Schema</a:t>
+            </a:r>
+            <a:endParaRPr lang="en-US" dirty="0"/>
+          </a:p>
+          <a:p>
+            <a:endParaRPr lang="en-US" dirty="0"/>
+          </a:p>
+        </p:txBody>
+      </p:sp>
+      <p:sp>
+        <p:nvSpPr>
+          <p:cNvPr id="8" name="TextBox 2"/>
+          <p:cNvSpPr txBox="1">
+            <a:spLocks noChangeArrowheads="1"/>
+          </p:cNvSpPr>
+          <p:nvPr/>
+        </p:nvSpPr>
+        <p:spPr bwMode="auto">
+          <a:xfrm>
+            <a:off x="0" y="1143000"/>
+            <a:ext cx="9144000" cy="1200329"/>
+          </a:xfrm>
+          <a:prstGeom prst="rect">
+            <a:avLst/>
+          </a:prstGeom>
+          <a:noFill/>
+          <a:ln>
+            <a:noFill/>
+          </a:ln>
+          <a:extLst>
+            <a:ext uri="{909E8E84-426E-40DD-AFC4-6F175D3DCCD1}">
+              <a14:hiddenFill xmlns:a14="http://schemas.microsoft.com/office/drawing/2010/main">
+                <a:solidFill>
+                  <a:srgbClr val="FFFFFF"/>
+                </a:solidFill>
+              </a14:hiddenFill>
+            </a:ext>
+            <a:ext uri="{91240B29-F687-4F45-9708-019B960494DF}">
+              <a14:hiddenLine xmlns:a14="http://schemas.microsoft.com/office/drawing/2010/main" w="9525">
+                <a:solidFill>
+                  <a:srgbClr val="000000"/>
+                </a:solidFill>
+                <a:miter lim="800000"/>
+                <a:headEnd/>
+                <a:tailEnd/>
+              </a14:hiddenLine>
+            </a:ext>
+          </a:extLst>
+        </p:spPr>
+        <p:txBody>
+          <a:bodyPr wrap="square">
+            <a:spAutoFit/>
+          </a:bodyPr>
+          <a:lstStyle>
+            <a:lvl1pPr marL="571500" indent="-571500" eaLnBrk="0" hangingPunct="0">
+              <a:defRPr>
+                <a:solidFill>
+                  <a:schemeClr val="tx1"/>
+                </a:solidFill>
+                <a:latin typeface="Arial" panose="020B0604020202020204" pitchFamily="34" charset="0"/>
+                <a:ea typeface="宋体" panose="02010600030101010101" pitchFamily="2" charset="-122"/>
+              </a:defRPr>
+            </a:lvl1pPr>
+            <a:lvl2pPr marL="742950" indent="-285750" eaLnBrk="0" hangingPunct="0">
+              <a:defRPr>
+                <a:solidFill>
+                  <a:schemeClr val="tx1"/>
+                </a:solidFill>
+                <a:latin typeface="Arial" panose="020B0604020202020204" pitchFamily="34" charset="0"/>
+                <a:ea typeface="宋体" panose="02010600030101010101" pitchFamily="2" charset="-122"/>
+              </a:defRPr>
+            </a:lvl2pPr>
+            <a:lvl3pPr marL="1143000" indent="-228600" eaLnBrk="0" hangingPunct="0">
+              <a:defRPr>
+                <a:solidFill>
+                  <a:schemeClr val="tx1"/>
+                </a:solidFill>
+                <a:latin typeface="Arial" panose="020B0604020202020204" pitchFamily="34" charset="0"/>
+                <a:ea typeface="宋体" panose="02010600030101010101" pitchFamily="2" charset="-122"/>
+              </a:defRPr>
+            </a:lvl3pPr>
+            <a:lvl4pPr marL="1600200" indent="-228600" eaLnBrk="0" hangingPunct="0">
+              <a:defRPr>
+                <a:solidFill>
+                  <a:schemeClr val="tx1"/>
+                </a:solidFill>
+                <a:latin typeface="Arial" panose="020B0604020202020204" pitchFamily="34" charset="0"/>
+                <a:ea typeface="宋体" panose="02010600030101010101" pitchFamily="2" charset="-122"/>
+              </a:defRPr>
+            </a:lvl4pPr>
+            <a:lvl5pPr marL="2057400" indent="-228600" eaLnBrk="0" hangingPunct="0">
+              <a:defRPr>
+                <a:solidFill>
+                  <a:schemeClr val="tx1"/>
+                </a:solidFill>
+                <a:latin typeface="Arial" panose="020B0604020202020204" pitchFamily="34" charset="0"/>
+                <a:ea typeface="宋体" panose="02010600030101010101" pitchFamily="2" charset="-122"/>
+              </a:defRPr>
+            </a:lvl5pPr>
+            <a:lvl6pPr marL="2514600" indent="-228600" eaLnBrk="0" fontAlgn="base" hangingPunct="0">
+              <a:spcBef>
+                <a:spcPct val="0"/>
+              </a:spcBef>
+              <a:spcAft>
+                <a:spcPct val="0"/>
+              </a:spcAft>
+              <a:defRPr>
+                <a:solidFill>
+                  <a:schemeClr val="tx1"/>
+                </a:solidFill>
+                <a:latin typeface="Arial" panose="020B0604020202020204" pitchFamily="34" charset="0"/>
+                <a:ea typeface="宋体" panose="02010600030101010101" pitchFamily="2" charset="-122"/>
+              </a:defRPr>
+            </a:lvl6pPr>
+            <a:lvl7pPr marL="2971800" indent="-228600" eaLnBrk="0" fontAlgn="base" hangingPunct="0">
+              <a:spcBef>
+                <a:spcPct val="0"/>
+              </a:spcBef>
+              <a:spcAft>
+                <a:spcPct val="0"/>
+              </a:spcAft>
+              <a:defRPr>
+                <a:solidFill>
+                  <a:schemeClr val="tx1"/>
+                </a:solidFill>
+                <a:latin typeface="Arial" panose="020B0604020202020204" pitchFamily="34" charset="0"/>
+                <a:ea typeface="宋体" panose="02010600030101010101" pitchFamily="2" charset="-122"/>
+              </a:defRPr>
+            </a:lvl7pPr>
+            <a:lvl8pPr marL="3429000" indent="-228600" eaLnBrk="0" fontAlgn="base" hangingPunct="0">
+              <a:spcBef>
+                <a:spcPct val="0"/>
+              </a:spcBef>
+              <a:spcAft>
+                <a:spcPct val="0"/>
+              </a:spcAft>
+              <a:defRPr>
+                <a:solidFill>
+                  <a:schemeClr val="tx1"/>
+                </a:solidFill>
+                <a:latin typeface="Arial" panose="020B0604020202020204" pitchFamily="34" charset="0"/>
+                <a:ea typeface="宋体" panose="02010600030101010101" pitchFamily="2" charset="-122"/>
+              </a:defRPr>
+            </a:lvl8pPr>
+            <a:lvl9pPr marL="3886200" indent="-228600" eaLnBrk="0" fontAlgn="base" hangingPunct="0">
+              <a:spcBef>
+                <a:spcPct val="0"/>
+              </a:spcBef>
+              <a:spcAft>
+                <a:spcPct val="0"/>
+              </a:spcAft>
+              <a:defRPr>
+                <a:solidFill>
+                  <a:schemeClr val="tx1"/>
+                </a:solidFill>
+                <a:latin typeface="Arial" panose="020B0604020202020204" pitchFamily="34" charset="0"/>
+                <a:ea typeface="宋体" panose="02010600030101010101" pitchFamily="2" charset="-122"/>
+              </a:defRPr>
+            </a:lvl9pPr>
+          </a:lstStyle>
+          <a:p>
+            <a:r>
+              <a:rPr lang="en-US" sz="3600" dirty="0"/>
+              <a:t>(1)How to define a schema?</a:t>
+            </a:r>
+          </a:p>
+          <a:p>
+            <a:r>
+              <a:rPr lang="en-US" sz="3600" dirty="0"/>
+              <a:t>Another form:</a:t>
+            </a:r>
+          </a:p>
+        </p:txBody>
+      </p:sp>
+      <p:pic>
+        <p:nvPicPr>
+          <p:cNvPr id="4" name="Picture 3"/>
+          <p:cNvPicPr>
+            <a:picLocks noChangeAspect="1"/>
+          </p:cNvPicPr>
+          <p:nvPr/>
+        </p:nvPicPr>
+        <p:blipFill>
+          <a:blip r:embed="rId2"/>
+          <a:stretch>
+            <a:fillRect/>
+          </a:stretch>
+        </p:blipFill>
+        <p:spPr>
+          <a:xfrm>
+            <a:off x="152399" y="2343329"/>
+            <a:ext cx="8894787" cy="3600271"/>
+          </a:xfrm>
+          <a:prstGeom prst="rect">
+            <a:avLst/>
+          </a:prstGeom>
+        </p:spPr>
+      </p:pic>
+      <p:sp>
+        <p:nvSpPr>
+          <p:cNvPr id="7" name="矩形 4"/>
+          <p:cNvSpPr/>
+          <p:nvPr/>
+        </p:nvSpPr>
+        <p:spPr>
+          <a:xfrm>
+            <a:off x="1447800" y="3124200"/>
+            <a:ext cx="7516112" cy="2133599"/>
+          </a:xfrm>
+          <a:prstGeom prst="rect">
+            <a:avLst/>
+          </a:prstGeom>
+          <a:noFill/>
+          <a:ln w="38100">
+            <a:solidFill>
+              <a:srgbClr val="FFFF00"/>
+            </a:solidFill>
+            <a:prstDash val="sysDash"/>
+          </a:ln>
+        </p:spPr>
+        <p:style>
+          <a:lnRef idx="2">
+            <a:schemeClr val="accent1">
+              <a:shade val="50000"/>
+            </a:schemeClr>
+          </a:lnRef>
+          <a:fillRef idx="1">
+            <a:schemeClr val="accent1"/>
+          </a:fillRef>
+          <a:effectRef idx="0">
+            <a:schemeClr val="accent1"/>
+          </a:effectRef>
+          <a:fontRef idx="minor">
+            <a:schemeClr val="lt1"/>
+          </a:fontRef>
+        </p:style>
+        <p:txBody>
+          <a:bodyPr rtlCol="0" anchor="ctr"/>
+          <a:lstStyle/>
+          <a:p>
+            <a:pPr algn="ctr"/>
+            <a:endParaRPr lang="zh-CN" altLang="en-US">
+              <a:solidFill>
+                <a:srgbClr val="FF0000"/>
+              </a:solidFill>
+            </a:endParaRPr>
+          </a:p>
+        </p:txBody>
+      </p:sp>
+    </p:spTree>
+    <p:extLst>
+      <p:ext uri="{BB962C8B-B14F-4D97-AF65-F5344CB8AC3E}">
+        <p14:creationId xmlns:p14="http://schemas.microsoft.com/office/powerpoint/2010/main" val="4016597376"/>
+      </p:ext>
+    </p:extLst>
+  </p:cSld>
+  <p:clrMapOvr>
+    <a:masterClrMapping/>
+  </p:clrMapOvr>
+  <p:timing>
+    <p:tnLst>
+      <p:par>
+        <p:cTn id="1" dur="indefinite" restart="never" nodeType="tmRoot">
+          <p:childTnLst>
+            <p:seq concurrent="1" nextAc="seek">
+              <p:cTn id="2" dur="indefinite" nodeType="mainSeq">
+                <p:childTnLst>
+                  <p:par>
+                    <p:cTn id="3" fill="hold">
+                      <p:stCondLst>
+                        <p:cond delay="indefinite"/>
+                      </p:stCondLst>
+                      <p:childTnLst>
+                        <p:par>
+                          <p:cTn id="4" fill="hold">
+                            <p:stCondLst>
+                              <p:cond delay="0"/>
+                            </p:stCondLst>
+                            <p:childTnLst>
+                              <p:par>
+                                <p:cTn id="5" presetID="10" presetClass="entr" presetSubtype="0" fill="hold" grpId="0" nodeType="clickEffect">
+                                  <p:stCondLst>
+                                    <p:cond delay="0"/>
+                                  </p:stCondLst>
+                                  <p:childTnLst>
+                                    <p:set>
+                                      <p:cBhvr>
+                                        <p:cTn id="6" dur="1" fill="hold">
+                                          <p:stCondLst>
+                                            <p:cond delay="0"/>
+                                          </p:stCondLst>
+                                        </p:cTn>
+                                        <p:tgtEl>
+                                          <p:spTgt spid="7"/>
+                                        </p:tgtEl>
+                                        <p:attrNameLst>
+                                          <p:attrName>style.visibility</p:attrName>
+                                        </p:attrNameLst>
+                                      </p:cBhvr>
+                                      <p:to>
+                                        <p:strVal val="visible"/>
+                                      </p:to>
+                                    </p:set>
+                                    <p:animEffect transition="in" filter="fade">
+                                      <p:cBhvr>
+                                        <p:cTn id="7" dur="500"/>
+                                        <p:tgtEl>
+                                          <p:spTgt spid="7"/>
+                                        </p:tgtEl>
+                                      </p:cBhvr>
+                                    </p:animEffect>
+                                  </p:childTnLst>
+                                </p:cTn>
+                              </p:par>
+                            </p:childTnLst>
+                          </p:cTn>
+                        </p:par>
+                      </p:childTnLst>
+                    </p:cTn>
+                  </p:par>
+                </p:childTnLst>
+              </p:cTn>
+              <p:prevCondLst>
+                <p:cond evt="onPrev" delay="0">
+                  <p:tgtEl>
+                    <p:sldTgt/>
+                  </p:tgtEl>
+                </p:cond>
+              </p:prevCondLst>
+              <p:nextCondLst>
+                <p:cond evt="onNext" delay="0">
+                  <p:tgtEl>
+                    <p:sldTgt/>
+                  </p:tgtEl>
+                </p:cond>
+              </p:nextCondLst>
+            </p:seq>
+          </p:childTnLst>
+        </p:cTn>
+      </p:par>
+    </p:tnLst>
+    <p:bldLst>
+      <p:bldP spid="7" grpId="0" animBg="1"/>
+    </p:bldLst>
+  </p:timing>
+</p:sld>
+</file>
+
+<file path=ppt/slides/slide16.xml><?xml version="1.0" encoding="utf-8"?>
+<p:sld xmlns:a="http://schemas.openxmlformats.org/drawingml/2006/main" xmlns:r="http://schemas.openxmlformats.org/officeDocument/2006/relationships" xmlns:p="http://schemas.openxmlformats.org/presentationml/2006/main">
+  <p:cSld>
+    <p:spTree>
+      <p:nvGrpSpPr>
+        <p:cNvPr id="1" name=""/>
+        <p:cNvGrpSpPr/>
+        <p:nvPr/>
+      </p:nvGrpSpPr>
+      <p:grpSpPr>
+        <a:xfrm>
+          <a:off x="0" y="0"/>
+          <a:ext cx="0" cy="0"/>
+          <a:chOff x="0" y="0"/>
+          <a:chExt cx="0" cy="0"/>
+        </a:xfrm>
+      </p:grpSpPr>
+      <p:sp>
+        <p:nvSpPr>
+          <p:cNvPr id="2" name="Text Placeholder 1"/>
+          <p:cNvSpPr>
+            <a:spLocks noGrp="1"/>
+          </p:cNvSpPr>
+          <p:nvPr>
+            <p:ph type="body" sz="quarter" idx="13"/>
+          </p:nvPr>
+        </p:nvSpPr>
+        <p:spPr/>
+        <p:txBody>
+          <a:bodyPr/>
+          <a:lstStyle/>
+          <a:p>
+            <a:r>
+              <a:rPr lang="en-US" dirty="0"/>
+              <a:t>4</a:t>
+            </a:r>
+          </a:p>
+        </p:txBody>
+      </p:sp>
+      <p:sp>
+        <p:nvSpPr>
+          <p:cNvPr id="3" name="Text Placeholder 2"/>
+          <p:cNvSpPr>
+            <a:spLocks noGrp="1"/>
+          </p:cNvSpPr>
+          <p:nvPr>
+            <p:ph type="body" sz="quarter" idx="14"/>
+          </p:nvPr>
+        </p:nvSpPr>
+        <p:spPr/>
+        <p:txBody>
+          <a:bodyPr/>
+          <a:lstStyle/>
+          <a:p>
+            <a:r>
+              <a:rPr lang="en-US" altLang="zh-CN" dirty="0"/>
+              <a:t>Schema</a:t>
+            </a:r>
+            <a:endParaRPr lang="en-US" dirty="0"/>
+          </a:p>
+          <a:p>
+            <a:endParaRPr lang="en-US" dirty="0"/>
+          </a:p>
+        </p:txBody>
+      </p:sp>
+      <p:sp>
+        <p:nvSpPr>
+          <p:cNvPr id="8" name="TextBox 2"/>
+          <p:cNvSpPr txBox="1">
+            <a:spLocks noChangeArrowheads="1"/>
+          </p:cNvSpPr>
+          <p:nvPr/>
+        </p:nvSpPr>
+        <p:spPr bwMode="auto">
+          <a:xfrm>
+            <a:off x="0" y="1143000"/>
+            <a:ext cx="9144000" cy="1200329"/>
+          </a:xfrm>
+          <a:prstGeom prst="rect">
+            <a:avLst/>
+          </a:prstGeom>
+          <a:noFill/>
+          <a:ln>
+            <a:noFill/>
+          </a:ln>
+          <a:extLst>
+            <a:ext uri="{909E8E84-426E-40DD-AFC4-6F175D3DCCD1}">
+              <a14:hiddenFill xmlns:a14="http://schemas.microsoft.com/office/drawing/2010/main">
+                <a:solidFill>
+                  <a:srgbClr val="FFFFFF"/>
+                </a:solidFill>
+              </a14:hiddenFill>
+            </a:ext>
+            <a:ext uri="{91240B29-F687-4F45-9708-019B960494DF}">
+              <a14:hiddenLine xmlns:a14="http://schemas.microsoft.com/office/drawing/2010/main" w="9525">
+                <a:solidFill>
+                  <a:srgbClr val="000000"/>
+                </a:solidFill>
+                <a:miter lim="800000"/>
+                <a:headEnd/>
+                <a:tailEnd/>
+              </a14:hiddenLine>
+            </a:ext>
+          </a:extLst>
+        </p:spPr>
+        <p:txBody>
+          <a:bodyPr wrap="square">
+            <a:spAutoFit/>
+          </a:bodyPr>
+          <a:lstStyle>
+            <a:lvl1pPr marL="571500" indent="-571500" eaLnBrk="0" hangingPunct="0">
+              <a:defRPr>
+                <a:solidFill>
+                  <a:schemeClr val="tx1"/>
+                </a:solidFill>
+                <a:latin typeface="Arial" panose="020B0604020202020204" pitchFamily="34" charset="0"/>
+                <a:ea typeface="宋体" panose="02010600030101010101" pitchFamily="2" charset="-122"/>
+              </a:defRPr>
+            </a:lvl1pPr>
+            <a:lvl2pPr marL="742950" indent="-285750" eaLnBrk="0" hangingPunct="0">
+              <a:defRPr>
+                <a:solidFill>
+                  <a:schemeClr val="tx1"/>
+                </a:solidFill>
+                <a:latin typeface="Arial" panose="020B0604020202020204" pitchFamily="34" charset="0"/>
+                <a:ea typeface="宋体" panose="02010600030101010101" pitchFamily="2" charset="-122"/>
+              </a:defRPr>
+            </a:lvl2pPr>
+            <a:lvl3pPr marL="1143000" indent="-228600" eaLnBrk="0" hangingPunct="0">
+              <a:defRPr>
+                <a:solidFill>
+                  <a:schemeClr val="tx1"/>
+                </a:solidFill>
+                <a:latin typeface="Arial" panose="020B0604020202020204" pitchFamily="34" charset="0"/>
+                <a:ea typeface="宋体" panose="02010600030101010101" pitchFamily="2" charset="-122"/>
+              </a:defRPr>
+            </a:lvl3pPr>
+            <a:lvl4pPr marL="1600200" indent="-228600" eaLnBrk="0" hangingPunct="0">
+              <a:defRPr>
+                <a:solidFill>
+                  <a:schemeClr val="tx1"/>
+                </a:solidFill>
+                <a:latin typeface="Arial" panose="020B0604020202020204" pitchFamily="34" charset="0"/>
+                <a:ea typeface="宋体" panose="02010600030101010101" pitchFamily="2" charset="-122"/>
+              </a:defRPr>
+            </a:lvl4pPr>
+            <a:lvl5pPr marL="2057400" indent="-228600" eaLnBrk="0" hangingPunct="0">
+              <a:defRPr>
+                <a:solidFill>
+                  <a:schemeClr val="tx1"/>
+                </a:solidFill>
+                <a:latin typeface="Arial" panose="020B0604020202020204" pitchFamily="34" charset="0"/>
+                <a:ea typeface="宋体" panose="02010600030101010101" pitchFamily="2" charset="-122"/>
+              </a:defRPr>
+            </a:lvl5pPr>
+            <a:lvl6pPr marL="2514600" indent="-228600" eaLnBrk="0" fontAlgn="base" hangingPunct="0">
+              <a:spcBef>
+                <a:spcPct val="0"/>
+              </a:spcBef>
+              <a:spcAft>
+                <a:spcPct val="0"/>
+              </a:spcAft>
+              <a:defRPr>
+                <a:solidFill>
+                  <a:schemeClr val="tx1"/>
+                </a:solidFill>
+                <a:latin typeface="Arial" panose="020B0604020202020204" pitchFamily="34" charset="0"/>
+                <a:ea typeface="宋体" panose="02010600030101010101" pitchFamily="2" charset="-122"/>
+              </a:defRPr>
+            </a:lvl6pPr>
+            <a:lvl7pPr marL="2971800" indent="-228600" eaLnBrk="0" fontAlgn="base" hangingPunct="0">
+              <a:spcBef>
+                <a:spcPct val="0"/>
+              </a:spcBef>
+              <a:spcAft>
+                <a:spcPct val="0"/>
+              </a:spcAft>
+              <a:defRPr>
+                <a:solidFill>
+                  <a:schemeClr val="tx1"/>
+                </a:solidFill>
+                <a:latin typeface="Arial" panose="020B0604020202020204" pitchFamily="34" charset="0"/>
+                <a:ea typeface="宋体" panose="02010600030101010101" pitchFamily="2" charset="-122"/>
+              </a:defRPr>
+            </a:lvl7pPr>
+            <a:lvl8pPr marL="3429000" indent="-228600" eaLnBrk="0" fontAlgn="base" hangingPunct="0">
+              <a:spcBef>
+                <a:spcPct val="0"/>
+              </a:spcBef>
+              <a:spcAft>
+                <a:spcPct val="0"/>
+              </a:spcAft>
+              <a:defRPr>
+                <a:solidFill>
+                  <a:schemeClr val="tx1"/>
+                </a:solidFill>
+                <a:latin typeface="Arial" panose="020B0604020202020204" pitchFamily="34" charset="0"/>
+                <a:ea typeface="宋体" panose="02010600030101010101" pitchFamily="2" charset="-122"/>
+              </a:defRPr>
+            </a:lvl8pPr>
+            <a:lvl9pPr marL="3886200" indent="-228600" eaLnBrk="0" fontAlgn="base" hangingPunct="0">
+              <a:spcBef>
+                <a:spcPct val="0"/>
+              </a:spcBef>
+              <a:spcAft>
+                <a:spcPct val="0"/>
+              </a:spcAft>
+              <a:defRPr>
+                <a:solidFill>
+                  <a:schemeClr val="tx1"/>
+                </a:solidFill>
+                <a:latin typeface="Arial" panose="020B0604020202020204" pitchFamily="34" charset="0"/>
+                <a:ea typeface="宋体" panose="02010600030101010101" pitchFamily="2" charset="-122"/>
+              </a:defRPr>
+            </a:lvl9pPr>
+          </a:lstStyle>
+          <a:p>
+            <a:r>
+              <a:rPr lang="en-US" sz="3600" dirty="0"/>
+              <a:t>(1)How to define a schema?</a:t>
+            </a:r>
+          </a:p>
+          <a:p>
+            <a:r>
+              <a:rPr lang="en-US" sz="3600" dirty="0"/>
+              <a:t>More simpler form:</a:t>
+            </a:r>
+          </a:p>
+        </p:txBody>
+      </p:sp>
+      <p:pic>
+        <p:nvPicPr>
+          <p:cNvPr id="5" name="Picture 4"/>
+          <p:cNvPicPr>
+            <a:picLocks noChangeAspect="1"/>
+          </p:cNvPicPr>
+          <p:nvPr/>
+        </p:nvPicPr>
+        <p:blipFill>
+          <a:blip r:embed="rId2"/>
+          <a:stretch>
+            <a:fillRect/>
+          </a:stretch>
+        </p:blipFill>
+        <p:spPr>
+          <a:xfrm>
+            <a:off x="152400" y="2343328"/>
+            <a:ext cx="8686800" cy="3752697"/>
+          </a:xfrm>
+          <a:prstGeom prst="rect">
+            <a:avLst/>
+          </a:prstGeom>
+        </p:spPr>
+      </p:pic>
+      <p:sp>
+        <p:nvSpPr>
+          <p:cNvPr id="7" name="矩形 4"/>
+          <p:cNvSpPr/>
+          <p:nvPr/>
+        </p:nvSpPr>
+        <p:spPr>
+          <a:xfrm>
+            <a:off x="1351663" y="3124200"/>
+            <a:ext cx="4820537" cy="2209800"/>
+          </a:xfrm>
+          <a:prstGeom prst="rect">
+            <a:avLst/>
+          </a:prstGeom>
+          <a:noFill/>
+          <a:ln w="38100">
+            <a:solidFill>
+              <a:srgbClr val="FFFF00"/>
+            </a:solidFill>
+            <a:prstDash val="sysDash"/>
+          </a:ln>
+        </p:spPr>
+        <p:style>
+          <a:lnRef idx="2">
+            <a:schemeClr val="accent1">
+              <a:shade val="50000"/>
+            </a:schemeClr>
+          </a:lnRef>
+          <a:fillRef idx="1">
+            <a:schemeClr val="accent1"/>
+          </a:fillRef>
+          <a:effectRef idx="0">
+            <a:schemeClr val="accent1"/>
+          </a:effectRef>
+          <a:fontRef idx="minor">
+            <a:schemeClr val="lt1"/>
+          </a:fontRef>
+        </p:style>
+        <p:txBody>
+          <a:bodyPr rtlCol="0" anchor="ctr"/>
+          <a:lstStyle/>
+          <a:p>
+            <a:pPr algn="ctr"/>
+            <a:endParaRPr lang="zh-CN" altLang="en-US">
+              <a:solidFill>
+                <a:srgbClr val="FF0000"/>
+              </a:solidFill>
+            </a:endParaRPr>
+          </a:p>
+        </p:txBody>
+      </p:sp>
+    </p:spTree>
+    <p:extLst>
+      <p:ext uri="{BB962C8B-B14F-4D97-AF65-F5344CB8AC3E}">
+        <p14:creationId xmlns:p14="http://schemas.microsoft.com/office/powerpoint/2010/main" val="1063390098"/>
+      </p:ext>
+    </p:extLst>
+  </p:cSld>
+  <p:clrMapOvr>
+    <a:masterClrMapping/>
+  </p:clrMapOvr>
+  <p:timing>
+    <p:tnLst>
+      <p:par>
+        <p:cTn id="1" dur="indefinite" restart="never" nodeType="tmRoot">
+          <p:childTnLst>
+            <p:seq concurrent="1" nextAc="seek">
+              <p:cTn id="2" dur="indefinite" nodeType="mainSeq">
+                <p:childTnLst>
+                  <p:par>
+                    <p:cTn id="3" fill="hold">
+                      <p:stCondLst>
+                        <p:cond delay="indefinite"/>
+                      </p:stCondLst>
+                      <p:childTnLst>
+                        <p:par>
+                          <p:cTn id="4" fill="hold">
+                            <p:stCondLst>
+                              <p:cond delay="0"/>
+                            </p:stCondLst>
+                            <p:childTnLst>
+                              <p:par>
+                                <p:cTn id="5" presetID="10" presetClass="entr" presetSubtype="0" fill="hold" grpId="0" nodeType="clickEffect">
+                                  <p:stCondLst>
+                                    <p:cond delay="0"/>
+                                  </p:stCondLst>
+                                  <p:childTnLst>
+                                    <p:set>
+                                      <p:cBhvr>
+                                        <p:cTn id="6" dur="1" fill="hold">
+                                          <p:stCondLst>
+                                            <p:cond delay="0"/>
+                                          </p:stCondLst>
+                                        </p:cTn>
+                                        <p:tgtEl>
+                                          <p:spTgt spid="7"/>
+                                        </p:tgtEl>
+                                        <p:attrNameLst>
+                                          <p:attrName>style.visibility</p:attrName>
+                                        </p:attrNameLst>
+                                      </p:cBhvr>
+                                      <p:to>
+                                        <p:strVal val="visible"/>
+                                      </p:to>
+                                    </p:set>
+                                    <p:animEffect transition="in" filter="fade">
+                                      <p:cBhvr>
+                                        <p:cTn id="7" dur="500"/>
+                                        <p:tgtEl>
+                                          <p:spTgt spid="7"/>
+                                        </p:tgtEl>
+                                      </p:cBhvr>
+                                    </p:animEffect>
+                                  </p:childTnLst>
+                                </p:cTn>
+                              </p:par>
+                            </p:childTnLst>
+                          </p:cTn>
+                        </p:par>
+                      </p:childTnLst>
+                    </p:cTn>
+                  </p:par>
+                </p:childTnLst>
+              </p:cTn>
+              <p:prevCondLst>
+                <p:cond evt="onPrev" delay="0">
+                  <p:tgtEl>
+                    <p:sldTgt/>
+                  </p:tgtEl>
+                </p:cond>
+              </p:prevCondLst>
+              <p:nextCondLst>
+                <p:cond evt="onNext" delay="0">
+                  <p:tgtEl>
+                    <p:sldTgt/>
+                  </p:tgtEl>
+                </p:cond>
+              </p:nextCondLst>
+            </p:seq>
+          </p:childTnLst>
+        </p:cTn>
+      </p:par>
+    </p:tnLst>
+    <p:bldLst>
+      <p:bldP spid="7" grpId="0" animBg="1"/>
+    </p:bldLst>
+  </p:timing>
+</p:sld>
+</file>
+
+<file path=ppt/slides/slide17.xml><?xml version="1.0" encoding="utf-8"?>
+<p:sld xmlns:a="http://schemas.openxmlformats.org/drawingml/2006/main" xmlns:r="http://schemas.openxmlformats.org/officeDocument/2006/relationships" xmlns:p="http://schemas.openxmlformats.org/presentationml/2006/main">
+  <p:cSld>
+    <p:spTree>
+      <p:nvGrpSpPr>
+        <p:cNvPr id="1" name=""/>
+        <p:cNvGrpSpPr/>
+        <p:nvPr/>
+      </p:nvGrpSpPr>
+      <p:grpSpPr>
+        <a:xfrm>
+          <a:off x="0" y="0"/>
+          <a:ext cx="0" cy="0"/>
+          <a:chOff x="0" y="0"/>
+          <a:chExt cx="0" cy="0"/>
+        </a:xfrm>
+      </p:grpSpPr>
+      <p:sp>
+        <p:nvSpPr>
+          <p:cNvPr id="2" name="Text Placeholder 1"/>
+          <p:cNvSpPr>
+            <a:spLocks noGrp="1"/>
+          </p:cNvSpPr>
+          <p:nvPr>
+            <p:ph type="body" sz="quarter" idx="13"/>
+          </p:nvPr>
+        </p:nvSpPr>
+        <p:spPr/>
+        <p:txBody>
+          <a:bodyPr/>
+          <a:lstStyle/>
+          <a:p>
+            <a:r>
+              <a:rPr lang="en-US" dirty="0"/>
+              <a:t>4</a:t>
+            </a:r>
+          </a:p>
+        </p:txBody>
+      </p:sp>
+      <p:sp>
+        <p:nvSpPr>
+          <p:cNvPr id="3" name="Text Placeholder 2"/>
+          <p:cNvSpPr>
+            <a:spLocks noGrp="1"/>
+          </p:cNvSpPr>
+          <p:nvPr>
+            <p:ph type="body" sz="quarter" idx="14"/>
+          </p:nvPr>
+        </p:nvSpPr>
+        <p:spPr/>
+        <p:txBody>
+          <a:bodyPr/>
+          <a:lstStyle/>
+          <a:p>
+            <a:r>
+              <a:rPr lang="en-US" altLang="zh-CN" dirty="0"/>
+              <a:t>Schema</a:t>
+            </a:r>
+            <a:endParaRPr lang="en-US" dirty="0"/>
+          </a:p>
+          <a:p>
+            <a:endParaRPr lang="en-US" dirty="0"/>
+          </a:p>
+        </p:txBody>
+      </p:sp>
+      <p:sp>
+        <p:nvSpPr>
+          <p:cNvPr id="8" name="TextBox 2"/>
+          <p:cNvSpPr txBox="1">
+            <a:spLocks noChangeArrowheads="1"/>
+          </p:cNvSpPr>
+          <p:nvPr/>
+        </p:nvSpPr>
+        <p:spPr bwMode="auto">
+          <a:xfrm>
+            <a:off x="0" y="1143000"/>
+            <a:ext cx="9144000" cy="646331"/>
+          </a:xfrm>
+          <a:prstGeom prst="rect">
+            <a:avLst/>
+          </a:prstGeom>
+          <a:noFill/>
+          <a:ln>
+            <a:noFill/>
+          </a:ln>
+          <a:extLst>
+            <a:ext uri="{909E8E84-426E-40DD-AFC4-6F175D3DCCD1}">
+              <a14:hiddenFill xmlns:a14="http://schemas.microsoft.com/office/drawing/2010/main">
+                <a:solidFill>
+                  <a:srgbClr val="FFFFFF"/>
+                </a:solidFill>
+              </a14:hiddenFill>
+            </a:ext>
+            <a:ext uri="{91240B29-F687-4F45-9708-019B960494DF}">
+              <a14:hiddenLine xmlns:a14="http://schemas.microsoft.com/office/drawing/2010/main" w="9525">
+                <a:solidFill>
+                  <a:srgbClr val="000000"/>
+                </a:solidFill>
+                <a:miter lim="800000"/>
+                <a:headEnd/>
+                <a:tailEnd/>
+              </a14:hiddenLine>
+            </a:ext>
+          </a:extLst>
+        </p:spPr>
+        <p:txBody>
+          <a:bodyPr wrap="square">
+            <a:spAutoFit/>
+          </a:bodyPr>
+          <a:lstStyle>
+            <a:lvl1pPr marL="571500" indent="-571500" eaLnBrk="0" hangingPunct="0">
+              <a:defRPr>
+                <a:solidFill>
+                  <a:schemeClr val="tx1"/>
+                </a:solidFill>
+                <a:latin typeface="Arial" panose="020B0604020202020204" pitchFamily="34" charset="0"/>
+                <a:ea typeface="宋体" panose="02010600030101010101" pitchFamily="2" charset="-122"/>
+              </a:defRPr>
+            </a:lvl1pPr>
+            <a:lvl2pPr marL="742950" indent="-285750" eaLnBrk="0" hangingPunct="0">
+              <a:defRPr>
+                <a:solidFill>
+                  <a:schemeClr val="tx1"/>
+                </a:solidFill>
+                <a:latin typeface="Arial" panose="020B0604020202020204" pitchFamily="34" charset="0"/>
+                <a:ea typeface="宋体" panose="02010600030101010101" pitchFamily="2" charset="-122"/>
+              </a:defRPr>
+            </a:lvl2pPr>
+            <a:lvl3pPr marL="1143000" indent="-228600" eaLnBrk="0" hangingPunct="0">
+              <a:defRPr>
+                <a:solidFill>
+                  <a:schemeClr val="tx1"/>
+                </a:solidFill>
+                <a:latin typeface="Arial" panose="020B0604020202020204" pitchFamily="34" charset="0"/>
+                <a:ea typeface="宋体" panose="02010600030101010101" pitchFamily="2" charset="-122"/>
+              </a:defRPr>
+            </a:lvl3pPr>
+            <a:lvl4pPr marL="1600200" indent="-228600" eaLnBrk="0" hangingPunct="0">
+              <a:defRPr>
+                <a:solidFill>
+                  <a:schemeClr val="tx1"/>
+                </a:solidFill>
+                <a:latin typeface="Arial" panose="020B0604020202020204" pitchFamily="34" charset="0"/>
+                <a:ea typeface="宋体" panose="02010600030101010101" pitchFamily="2" charset="-122"/>
+              </a:defRPr>
+            </a:lvl4pPr>
+            <a:lvl5pPr marL="2057400" indent="-228600" eaLnBrk="0" hangingPunct="0">
+              <a:defRPr>
+                <a:solidFill>
+                  <a:schemeClr val="tx1"/>
+                </a:solidFill>
+                <a:latin typeface="Arial" panose="020B0604020202020204" pitchFamily="34" charset="0"/>
+                <a:ea typeface="宋体" panose="02010600030101010101" pitchFamily="2" charset="-122"/>
+              </a:defRPr>
+            </a:lvl5pPr>
+            <a:lvl6pPr marL="2514600" indent="-228600" eaLnBrk="0" fontAlgn="base" hangingPunct="0">
+              <a:spcBef>
+                <a:spcPct val="0"/>
+              </a:spcBef>
+              <a:spcAft>
+                <a:spcPct val="0"/>
+              </a:spcAft>
+              <a:defRPr>
+                <a:solidFill>
+                  <a:schemeClr val="tx1"/>
+                </a:solidFill>
+                <a:latin typeface="Arial" panose="020B0604020202020204" pitchFamily="34" charset="0"/>
+                <a:ea typeface="宋体" panose="02010600030101010101" pitchFamily="2" charset="-122"/>
+              </a:defRPr>
+            </a:lvl6pPr>
+            <a:lvl7pPr marL="2971800" indent="-228600" eaLnBrk="0" fontAlgn="base" hangingPunct="0">
+              <a:spcBef>
+                <a:spcPct val="0"/>
+              </a:spcBef>
+              <a:spcAft>
+                <a:spcPct val="0"/>
+              </a:spcAft>
+              <a:defRPr>
+                <a:solidFill>
+                  <a:schemeClr val="tx1"/>
+                </a:solidFill>
+                <a:latin typeface="Arial" panose="020B0604020202020204" pitchFamily="34" charset="0"/>
+                <a:ea typeface="宋体" panose="02010600030101010101" pitchFamily="2" charset="-122"/>
+              </a:defRPr>
+            </a:lvl7pPr>
+            <a:lvl8pPr marL="3429000" indent="-228600" eaLnBrk="0" fontAlgn="base" hangingPunct="0">
+              <a:spcBef>
+                <a:spcPct val="0"/>
+              </a:spcBef>
+              <a:spcAft>
+                <a:spcPct val="0"/>
+              </a:spcAft>
+              <a:defRPr>
+                <a:solidFill>
+                  <a:schemeClr val="tx1"/>
+                </a:solidFill>
+                <a:latin typeface="Arial" panose="020B0604020202020204" pitchFamily="34" charset="0"/>
+                <a:ea typeface="宋体" panose="02010600030101010101" pitchFamily="2" charset="-122"/>
+              </a:defRPr>
+            </a:lvl8pPr>
+            <a:lvl9pPr marL="3886200" indent="-228600" eaLnBrk="0" fontAlgn="base" hangingPunct="0">
+              <a:spcBef>
+                <a:spcPct val="0"/>
+              </a:spcBef>
+              <a:spcAft>
+                <a:spcPct val="0"/>
+              </a:spcAft>
+              <a:defRPr>
+                <a:solidFill>
+                  <a:schemeClr val="tx1"/>
+                </a:solidFill>
+                <a:latin typeface="Arial" panose="020B0604020202020204" pitchFamily="34" charset="0"/>
+                <a:ea typeface="宋体" panose="02010600030101010101" pitchFamily="2" charset="-122"/>
+              </a:defRPr>
+            </a:lvl9pPr>
+          </a:lstStyle>
+          <a:p>
+            <a:r>
+              <a:rPr lang="en-US" sz="3600" dirty="0"/>
+              <a:t>(2)Built-in validators in schema:</a:t>
+            </a:r>
+          </a:p>
+        </p:txBody>
+      </p:sp>
+      <p:pic>
+        <p:nvPicPr>
+          <p:cNvPr id="4" name="Picture 3"/>
+          <p:cNvPicPr>
+            <a:picLocks noChangeAspect="1"/>
+          </p:cNvPicPr>
+          <p:nvPr/>
+        </p:nvPicPr>
+        <p:blipFill>
+          <a:blip r:embed="rId2"/>
+          <a:stretch>
+            <a:fillRect/>
+          </a:stretch>
+        </p:blipFill>
+        <p:spPr>
+          <a:xfrm>
+            <a:off x="152401" y="1789331"/>
+            <a:ext cx="8839200" cy="2477869"/>
+          </a:xfrm>
+          <a:prstGeom prst="rect">
+            <a:avLst/>
+          </a:prstGeom>
+        </p:spPr>
+      </p:pic>
+      <p:sp>
+        <p:nvSpPr>
+          <p:cNvPr id="7" name="矩形 4"/>
+          <p:cNvSpPr/>
+          <p:nvPr/>
+        </p:nvSpPr>
+        <p:spPr>
+          <a:xfrm>
+            <a:off x="5334000" y="2362200"/>
+            <a:ext cx="3581400" cy="914400"/>
+          </a:xfrm>
+          <a:prstGeom prst="rect">
+            <a:avLst/>
+          </a:prstGeom>
+          <a:noFill/>
+          <a:ln w="38100">
+            <a:solidFill>
+              <a:srgbClr val="FFFF00"/>
+            </a:solidFill>
+            <a:prstDash val="sysDash"/>
+          </a:ln>
+        </p:spPr>
+        <p:style>
+          <a:lnRef idx="2">
+            <a:schemeClr val="accent1">
+              <a:shade val="50000"/>
+            </a:schemeClr>
+          </a:lnRef>
+          <a:fillRef idx="1">
+            <a:schemeClr val="accent1"/>
+          </a:fillRef>
+          <a:effectRef idx="0">
+            <a:schemeClr val="accent1"/>
+          </a:effectRef>
+          <a:fontRef idx="minor">
+            <a:schemeClr val="lt1"/>
+          </a:fontRef>
+        </p:style>
+        <p:txBody>
+          <a:bodyPr rtlCol="0" anchor="ctr"/>
+          <a:lstStyle/>
+          <a:p>
+            <a:pPr algn="ctr"/>
+            <a:endParaRPr lang="zh-CN" altLang="en-US">
+              <a:solidFill>
+                <a:srgbClr val="FF0000"/>
+              </a:solidFill>
+            </a:endParaRPr>
+          </a:p>
+        </p:txBody>
+      </p:sp>
+      <p:sp>
+        <p:nvSpPr>
+          <p:cNvPr id="9" name="TextBox 2"/>
+          <p:cNvSpPr txBox="1">
+            <a:spLocks noChangeArrowheads="1"/>
+          </p:cNvSpPr>
+          <p:nvPr/>
+        </p:nvSpPr>
+        <p:spPr bwMode="auto">
+          <a:xfrm>
+            <a:off x="38100" y="4516903"/>
+            <a:ext cx="9144000" cy="2308324"/>
+          </a:xfrm>
+          <a:prstGeom prst="rect">
+            <a:avLst/>
+          </a:prstGeom>
+          <a:noFill/>
+          <a:ln>
+            <a:noFill/>
+          </a:ln>
+          <a:extLst>
+            <a:ext uri="{909E8E84-426E-40DD-AFC4-6F175D3DCCD1}">
+              <a14:hiddenFill xmlns:a14="http://schemas.microsoft.com/office/drawing/2010/main">
+                <a:solidFill>
+                  <a:srgbClr val="FFFFFF"/>
+                </a:solidFill>
+              </a14:hiddenFill>
+            </a:ext>
+            <a:ext uri="{91240B29-F687-4F45-9708-019B960494DF}">
+              <a14:hiddenLine xmlns:a14="http://schemas.microsoft.com/office/drawing/2010/main" w="9525">
+                <a:solidFill>
+                  <a:srgbClr val="000000"/>
+                </a:solidFill>
+                <a:miter lim="800000"/>
+                <a:headEnd/>
+                <a:tailEnd/>
+              </a14:hiddenLine>
+            </a:ext>
+          </a:extLst>
+        </p:spPr>
+        <p:txBody>
+          <a:bodyPr wrap="square">
+            <a:spAutoFit/>
+          </a:bodyPr>
+          <a:lstStyle>
+            <a:lvl1pPr marL="571500" indent="-571500" eaLnBrk="0" hangingPunct="0">
+              <a:defRPr>
+                <a:solidFill>
+                  <a:schemeClr val="tx1"/>
+                </a:solidFill>
+                <a:latin typeface="Arial" panose="020B0604020202020204" pitchFamily="34" charset="0"/>
+                <a:ea typeface="宋体" panose="02010600030101010101" pitchFamily="2" charset="-122"/>
+              </a:defRPr>
+            </a:lvl1pPr>
+            <a:lvl2pPr marL="742950" indent="-285750" eaLnBrk="0" hangingPunct="0">
+              <a:defRPr>
+                <a:solidFill>
+                  <a:schemeClr val="tx1"/>
+                </a:solidFill>
+                <a:latin typeface="Arial" panose="020B0604020202020204" pitchFamily="34" charset="0"/>
+                <a:ea typeface="宋体" panose="02010600030101010101" pitchFamily="2" charset="-122"/>
+              </a:defRPr>
+            </a:lvl2pPr>
+            <a:lvl3pPr marL="1143000" indent="-228600" eaLnBrk="0" hangingPunct="0">
+              <a:defRPr>
+                <a:solidFill>
+                  <a:schemeClr val="tx1"/>
+                </a:solidFill>
+                <a:latin typeface="Arial" panose="020B0604020202020204" pitchFamily="34" charset="0"/>
+                <a:ea typeface="宋体" panose="02010600030101010101" pitchFamily="2" charset="-122"/>
+              </a:defRPr>
+            </a:lvl3pPr>
+            <a:lvl4pPr marL="1600200" indent="-228600" eaLnBrk="0" hangingPunct="0">
+              <a:defRPr>
+                <a:solidFill>
+                  <a:schemeClr val="tx1"/>
+                </a:solidFill>
+                <a:latin typeface="Arial" panose="020B0604020202020204" pitchFamily="34" charset="0"/>
+                <a:ea typeface="宋体" panose="02010600030101010101" pitchFamily="2" charset="-122"/>
+              </a:defRPr>
+            </a:lvl4pPr>
+            <a:lvl5pPr marL="2057400" indent="-228600" eaLnBrk="0" hangingPunct="0">
+              <a:defRPr>
+                <a:solidFill>
+                  <a:schemeClr val="tx1"/>
+                </a:solidFill>
+                <a:latin typeface="Arial" panose="020B0604020202020204" pitchFamily="34" charset="0"/>
+                <a:ea typeface="宋体" panose="02010600030101010101" pitchFamily="2" charset="-122"/>
+              </a:defRPr>
+            </a:lvl5pPr>
+            <a:lvl6pPr marL="2514600" indent="-228600" eaLnBrk="0" fontAlgn="base" hangingPunct="0">
+              <a:spcBef>
+                <a:spcPct val="0"/>
+              </a:spcBef>
+              <a:spcAft>
+                <a:spcPct val="0"/>
+              </a:spcAft>
+              <a:defRPr>
+                <a:solidFill>
+                  <a:schemeClr val="tx1"/>
+                </a:solidFill>
+                <a:latin typeface="Arial" panose="020B0604020202020204" pitchFamily="34" charset="0"/>
+                <a:ea typeface="宋体" panose="02010600030101010101" pitchFamily="2" charset="-122"/>
+              </a:defRPr>
+            </a:lvl6pPr>
+            <a:lvl7pPr marL="2971800" indent="-228600" eaLnBrk="0" fontAlgn="base" hangingPunct="0">
+              <a:spcBef>
+                <a:spcPct val="0"/>
+              </a:spcBef>
+              <a:spcAft>
+                <a:spcPct val="0"/>
+              </a:spcAft>
+              <a:defRPr>
+                <a:solidFill>
+                  <a:schemeClr val="tx1"/>
+                </a:solidFill>
+                <a:latin typeface="Arial" panose="020B0604020202020204" pitchFamily="34" charset="0"/>
+                <a:ea typeface="宋体" panose="02010600030101010101" pitchFamily="2" charset="-122"/>
+              </a:defRPr>
+            </a:lvl7pPr>
+            <a:lvl8pPr marL="3429000" indent="-228600" eaLnBrk="0" fontAlgn="base" hangingPunct="0">
+              <a:spcBef>
+                <a:spcPct val="0"/>
+              </a:spcBef>
+              <a:spcAft>
+                <a:spcPct val="0"/>
+              </a:spcAft>
+              <a:defRPr>
+                <a:solidFill>
+                  <a:schemeClr val="tx1"/>
+                </a:solidFill>
+                <a:latin typeface="Arial" panose="020B0604020202020204" pitchFamily="34" charset="0"/>
+                <a:ea typeface="宋体" panose="02010600030101010101" pitchFamily="2" charset="-122"/>
+              </a:defRPr>
+            </a:lvl8pPr>
+            <a:lvl9pPr marL="3886200" indent="-228600" eaLnBrk="0" fontAlgn="base" hangingPunct="0">
+              <a:spcBef>
+                <a:spcPct val="0"/>
+              </a:spcBef>
+              <a:spcAft>
+                <a:spcPct val="0"/>
+              </a:spcAft>
+              <a:defRPr>
+                <a:solidFill>
+                  <a:schemeClr val="tx1"/>
+                </a:solidFill>
+                <a:latin typeface="Arial" panose="020B0604020202020204" pitchFamily="34" charset="0"/>
+                <a:ea typeface="宋体" panose="02010600030101010101" pitchFamily="2" charset="-122"/>
+              </a:defRPr>
+            </a:lvl9pPr>
+          </a:lstStyle>
+          <a:p>
+            <a:r>
+              <a:rPr lang="en-US" sz="3600" dirty="0"/>
+              <a:t>More built-in validators:</a:t>
+            </a:r>
+          </a:p>
+          <a:p>
+            <a:r>
+              <a:rPr lang="en-US" sz="3600" dirty="0">
+                <a:hlinkClick r:id="rId3"/>
+              </a:rPr>
+              <a:t>http://mongoosejs.com/docs/schematypes.html</a:t>
+            </a:r>
+            <a:endParaRPr lang="en-US" sz="3600" dirty="0"/>
+          </a:p>
+          <a:p>
+            <a:endParaRPr lang="en-US" sz="3600" dirty="0"/>
+          </a:p>
+        </p:txBody>
+      </p:sp>
+    </p:spTree>
+    <p:extLst>
+      <p:ext uri="{BB962C8B-B14F-4D97-AF65-F5344CB8AC3E}">
+        <p14:creationId xmlns:p14="http://schemas.microsoft.com/office/powerpoint/2010/main" val="1874037863"/>
+      </p:ext>
+    </p:extLst>
+  </p:cSld>
+  <p:clrMapOvr>
+    <a:masterClrMapping/>
+  </p:clrMapOvr>
+  <p:timing>
+    <p:tnLst>
+      <p:par>
+        <p:cTn id="1" dur="indefinite" restart="never" nodeType="tmRoot">
+          <p:childTnLst>
+            <p:seq concurrent="1" nextAc="seek">
+              <p:cTn id="2" dur="indefinite" nodeType="mainSeq">
+                <p:childTnLst>
+                  <p:par>
+                    <p:cTn id="3" fill="hold">
+                      <p:stCondLst>
+                        <p:cond delay="indefinite"/>
+                      </p:stCondLst>
+                      <p:childTnLst>
+                        <p:par>
+                          <p:cTn id="4" fill="hold">
+                            <p:stCondLst>
+                              <p:cond delay="0"/>
+                            </p:stCondLst>
+                            <p:childTnLst>
+                              <p:par>
+                                <p:cTn id="5" presetID="10" presetClass="entr" presetSubtype="0" fill="hold" grpId="0" nodeType="clickEffect">
+                                  <p:stCondLst>
+                                    <p:cond delay="0"/>
+                                  </p:stCondLst>
+                                  <p:childTnLst>
+                                    <p:set>
+                                      <p:cBhvr>
+                                        <p:cTn id="6" dur="1" fill="hold">
+                                          <p:stCondLst>
+                                            <p:cond delay="0"/>
+                                          </p:stCondLst>
+                                        </p:cTn>
+                                        <p:tgtEl>
+                                          <p:spTgt spid="7"/>
+                                        </p:tgtEl>
+                                        <p:attrNameLst>
+                                          <p:attrName>style.visibility</p:attrName>
+                                        </p:attrNameLst>
+                                      </p:cBhvr>
+                                      <p:to>
+                                        <p:strVal val="visible"/>
+                                      </p:to>
+                                    </p:set>
+                                    <p:animEffect transition="in" filter="fade">
+                                      <p:cBhvr>
+                                        <p:cTn id="7" dur="500"/>
+                                        <p:tgtEl>
+                                          <p:spTgt spid="7"/>
+                                        </p:tgtEl>
+                                      </p:cBhvr>
+                                    </p:animEffect>
+                                  </p:childTnLst>
+                                </p:cTn>
+                              </p:par>
+                            </p:childTnLst>
+                          </p:cTn>
+                        </p:par>
+                      </p:childTnLst>
+                    </p:cTn>
+                  </p:par>
+                </p:childTnLst>
+              </p:cTn>
+              <p:prevCondLst>
+                <p:cond evt="onPrev" delay="0">
+                  <p:tgtEl>
+                    <p:sldTgt/>
+                  </p:tgtEl>
+                </p:cond>
+              </p:prevCondLst>
+              <p:nextCondLst>
+                <p:cond evt="onNext" delay="0">
+                  <p:tgtEl>
+                    <p:sldTgt/>
+                  </p:tgtEl>
+                </p:cond>
+              </p:nextCondLst>
+            </p:seq>
+          </p:childTnLst>
+        </p:cTn>
+      </p:par>
+    </p:tnLst>
+    <p:bldLst>
+      <p:bldP spid="7" grpId="0" animBg="1"/>
+    </p:bldLst>
+  </p:timing>
+</p:sld>
+</file>
+
+<file path=ppt/slides/slide18.xml><?xml version="1.0" encoding="utf-8"?>
+<p:sld xmlns:a="http://schemas.openxmlformats.org/drawingml/2006/main" xmlns:r="http://schemas.openxmlformats.org/officeDocument/2006/relationships" xmlns:p="http://schemas.openxmlformats.org/presentationml/2006/main">
+  <p:cSld>
+    <p:spTree>
+      <p:nvGrpSpPr>
+        <p:cNvPr id="1" name=""/>
+        <p:cNvGrpSpPr/>
+        <p:nvPr/>
+      </p:nvGrpSpPr>
+      <p:grpSpPr>
+        <a:xfrm>
+          <a:off x="0" y="0"/>
+          <a:ext cx="0" cy="0"/>
+          <a:chOff x="0" y="0"/>
+          <a:chExt cx="0" cy="0"/>
+        </a:xfrm>
+      </p:grpSpPr>
+      <p:sp>
+        <p:nvSpPr>
+          <p:cNvPr id="2" name="Text Placeholder 1"/>
+          <p:cNvSpPr>
+            <a:spLocks noGrp="1"/>
+          </p:cNvSpPr>
+          <p:nvPr>
+            <p:ph type="body" sz="quarter" idx="13"/>
+          </p:nvPr>
+        </p:nvSpPr>
+        <p:spPr/>
+        <p:txBody>
+          <a:bodyPr/>
+          <a:lstStyle/>
+          <a:p>
+            <a:r>
+              <a:rPr lang="en-US" dirty="0"/>
+              <a:t>4</a:t>
+            </a:r>
+          </a:p>
+        </p:txBody>
+      </p:sp>
+      <p:sp>
+        <p:nvSpPr>
+          <p:cNvPr id="3" name="Text Placeholder 2"/>
+          <p:cNvSpPr>
+            <a:spLocks noGrp="1"/>
+          </p:cNvSpPr>
+          <p:nvPr>
+            <p:ph type="body" sz="quarter" idx="14"/>
+          </p:nvPr>
+        </p:nvSpPr>
+        <p:spPr/>
+        <p:txBody>
+          <a:bodyPr/>
+          <a:lstStyle/>
+          <a:p>
+            <a:r>
+              <a:rPr lang="en-US" altLang="zh-CN" dirty="0"/>
+              <a:t>Schema</a:t>
+            </a:r>
+            <a:endParaRPr lang="en-US" dirty="0"/>
+          </a:p>
+          <a:p>
+            <a:endParaRPr lang="en-US" dirty="0"/>
+          </a:p>
+        </p:txBody>
+      </p:sp>
+      <p:sp>
+        <p:nvSpPr>
+          <p:cNvPr id="8" name="TextBox 2"/>
+          <p:cNvSpPr txBox="1">
+            <a:spLocks noChangeArrowheads="1"/>
+          </p:cNvSpPr>
+          <p:nvPr/>
+        </p:nvSpPr>
+        <p:spPr bwMode="auto">
+          <a:xfrm>
+            <a:off x="0" y="1143000"/>
+            <a:ext cx="9144000" cy="646331"/>
+          </a:xfrm>
+          <a:prstGeom prst="rect">
+            <a:avLst/>
+          </a:prstGeom>
+          <a:noFill/>
+          <a:ln>
+            <a:noFill/>
+          </a:ln>
+          <a:extLst>
+            <a:ext uri="{909E8E84-426E-40DD-AFC4-6F175D3DCCD1}">
+              <a14:hiddenFill xmlns:a14="http://schemas.microsoft.com/office/drawing/2010/main">
+                <a:solidFill>
+                  <a:srgbClr val="FFFFFF"/>
+                </a:solidFill>
+              </a14:hiddenFill>
+            </a:ext>
+            <a:ext uri="{91240B29-F687-4F45-9708-019B960494DF}">
+              <a14:hiddenLine xmlns:a14="http://schemas.microsoft.com/office/drawing/2010/main" w="9525">
+                <a:solidFill>
+                  <a:srgbClr val="000000"/>
+                </a:solidFill>
+                <a:miter lim="800000"/>
+                <a:headEnd/>
+                <a:tailEnd/>
+              </a14:hiddenLine>
+            </a:ext>
+          </a:extLst>
+        </p:spPr>
+        <p:txBody>
+          <a:bodyPr wrap="square">
+            <a:spAutoFit/>
+          </a:bodyPr>
+          <a:lstStyle>
+            <a:lvl1pPr marL="571500" indent="-571500" eaLnBrk="0" hangingPunct="0">
+              <a:defRPr>
+                <a:solidFill>
+                  <a:schemeClr val="tx1"/>
+                </a:solidFill>
+                <a:latin typeface="Arial" panose="020B0604020202020204" pitchFamily="34" charset="0"/>
+                <a:ea typeface="宋体" panose="02010600030101010101" pitchFamily="2" charset="-122"/>
+              </a:defRPr>
+            </a:lvl1pPr>
+            <a:lvl2pPr marL="742950" indent="-285750" eaLnBrk="0" hangingPunct="0">
+              <a:defRPr>
+                <a:solidFill>
+                  <a:schemeClr val="tx1"/>
+                </a:solidFill>
+                <a:latin typeface="Arial" panose="020B0604020202020204" pitchFamily="34" charset="0"/>
+                <a:ea typeface="宋体" panose="02010600030101010101" pitchFamily="2" charset="-122"/>
+              </a:defRPr>
+            </a:lvl2pPr>
+            <a:lvl3pPr marL="1143000" indent="-228600" eaLnBrk="0" hangingPunct="0">
+              <a:defRPr>
+                <a:solidFill>
+                  <a:schemeClr val="tx1"/>
+                </a:solidFill>
+                <a:latin typeface="Arial" panose="020B0604020202020204" pitchFamily="34" charset="0"/>
+                <a:ea typeface="宋体" panose="02010600030101010101" pitchFamily="2" charset="-122"/>
+              </a:defRPr>
+            </a:lvl3pPr>
+            <a:lvl4pPr marL="1600200" indent="-228600" eaLnBrk="0" hangingPunct="0">
+              <a:defRPr>
+                <a:solidFill>
+                  <a:schemeClr val="tx1"/>
+                </a:solidFill>
+                <a:latin typeface="Arial" panose="020B0604020202020204" pitchFamily="34" charset="0"/>
+                <a:ea typeface="宋体" panose="02010600030101010101" pitchFamily="2" charset="-122"/>
+              </a:defRPr>
+            </a:lvl4pPr>
+            <a:lvl5pPr marL="2057400" indent="-228600" eaLnBrk="0" hangingPunct="0">
+              <a:defRPr>
+                <a:solidFill>
+                  <a:schemeClr val="tx1"/>
+                </a:solidFill>
+                <a:latin typeface="Arial" panose="020B0604020202020204" pitchFamily="34" charset="0"/>
+                <a:ea typeface="宋体" panose="02010600030101010101" pitchFamily="2" charset="-122"/>
+              </a:defRPr>
+            </a:lvl5pPr>
+            <a:lvl6pPr marL="2514600" indent="-228600" eaLnBrk="0" fontAlgn="base" hangingPunct="0">
+              <a:spcBef>
+                <a:spcPct val="0"/>
+              </a:spcBef>
+              <a:spcAft>
+                <a:spcPct val="0"/>
+              </a:spcAft>
+              <a:defRPr>
+                <a:solidFill>
+                  <a:schemeClr val="tx1"/>
+                </a:solidFill>
+                <a:latin typeface="Arial" panose="020B0604020202020204" pitchFamily="34" charset="0"/>
+                <a:ea typeface="宋体" panose="02010600030101010101" pitchFamily="2" charset="-122"/>
+              </a:defRPr>
+            </a:lvl6pPr>
+            <a:lvl7pPr marL="2971800" indent="-228600" eaLnBrk="0" fontAlgn="base" hangingPunct="0">
+              <a:spcBef>
+                <a:spcPct val="0"/>
+              </a:spcBef>
+              <a:spcAft>
+                <a:spcPct val="0"/>
+              </a:spcAft>
+              <a:defRPr>
+                <a:solidFill>
+                  <a:schemeClr val="tx1"/>
+                </a:solidFill>
+                <a:latin typeface="Arial" panose="020B0604020202020204" pitchFamily="34" charset="0"/>
+                <a:ea typeface="宋体" panose="02010600030101010101" pitchFamily="2" charset="-122"/>
+              </a:defRPr>
+            </a:lvl7pPr>
+            <a:lvl8pPr marL="3429000" indent="-228600" eaLnBrk="0" fontAlgn="base" hangingPunct="0">
+              <a:spcBef>
+                <a:spcPct val="0"/>
+              </a:spcBef>
+              <a:spcAft>
+                <a:spcPct val="0"/>
+              </a:spcAft>
+              <a:defRPr>
+                <a:solidFill>
+                  <a:schemeClr val="tx1"/>
+                </a:solidFill>
+                <a:latin typeface="Arial" panose="020B0604020202020204" pitchFamily="34" charset="0"/>
+                <a:ea typeface="宋体" panose="02010600030101010101" pitchFamily="2" charset="-122"/>
+              </a:defRPr>
+            </a:lvl8pPr>
+            <a:lvl9pPr marL="3886200" indent="-228600" eaLnBrk="0" fontAlgn="base" hangingPunct="0">
+              <a:spcBef>
+                <a:spcPct val="0"/>
+              </a:spcBef>
+              <a:spcAft>
+                <a:spcPct val="0"/>
+              </a:spcAft>
+              <a:defRPr>
+                <a:solidFill>
+                  <a:schemeClr val="tx1"/>
+                </a:solidFill>
+                <a:latin typeface="Arial" panose="020B0604020202020204" pitchFamily="34" charset="0"/>
+                <a:ea typeface="宋体" panose="02010600030101010101" pitchFamily="2" charset="-122"/>
+              </a:defRPr>
+            </a:lvl9pPr>
+          </a:lstStyle>
+          <a:p>
+            <a:r>
+              <a:rPr lang="en-US" sz="3600" dirty="0"/>
+              <a:t>(3)Define indexes in schema:</a:t>
+            </a:r>
+          </a:p>
+        </p:txBody>
+      </p:sp>
+      <p:sp>
+        <p:nvSpPr>
+          <p:cNvPr id="9" name="TextBox 2"/>
+          <p:cNvSpPr txBox="1">
+            <a:spLocks noChangeArrowheads="1"/>
+          </p:cNvSpPr>
+          <p:nvPr/>
+        </p:nvSpPr>
+        <p:spPr bwMode="auto">
+          <a:xfrm>
+            <a:off x="38100" y="5411723"/>
+            <a:ext cx="9144000" cy="1200329"/>
+          </a:xfrm>
+          <a:prstGeom prst="rect">
+            <a:avLst/>
+          </a:prstGeom>
+          <a:noFill/>
+          <a:ln>
+            <a:noFill/>
+          </a:ln>
+          <a:extLst>
+            <a:ext uri="{909E8E84-426E-40DD-AFC4-6F175D3DCCD1}">
+              <a14:hiddenFill xmlns:a14="http://schemas.microsoft.com/office/drawing/2010/main">
+                <a:solidFill>
+                  <a:srgbClr val="FFFFFF"/>
+                </a:solidFill>
+              </a14:hiddenFill>
+            </a:ext>
+            <a:ext uri="{91240B29-F687-4F45-9708-019B960494DF}">
+              <a14:hiddenLine xmlns:a14="http://schemas.microsoft.com/office/drawing/2010/main" w="9525">
+                <a:solidFill>
+                  <a:srgbClr val="000000"/>
+                </a:solidFill>
+                <a:miter lim="800000"/>
+                <a:headEnd/>
+                <a:tailEnd/>
+              </a14:hiddenLine>
+            </a:ext>
+          </a:extLst>
+        </p:spPr>
+        <p:txBody>
+          <a:bodyPr wrap="square">
+            <a:spAutoFit/>
+          </a:bodyPr>
+          <a:lstStyle>
+            <a:lvl1pPr marL="571500" indent="-571500" eaLnBrk="0" hangingPunct="0">
+              <a:defRPr>
+                <a:solidFill>
+                  <a:schemeClr val="tx1"/>
+                </a:solidFill>
+                <a:latin typeface="Arial" panose="020B0604020202020204" pitchFamily="34" charset="0"/>
+                <a:ea typeface="宋体" panose="02010600030101010101" pitchFamily="2" charset="-122"/>
+              </a:defRPr>
+            </a:lvl1pPr>
+            <a:lvl2pPr marL="742950" indent="-285750" eaLnBrk="0" hangingPunct="0">
+              <a:defRPr>
+                <a:solidFill>
+                  <a:schemeClr val="tx1"/>
+                </a:solidFill>
+                <a:latin typeface="Arial" panose="020B0604020202020204" pitchFamily="34" charset="0"/>
+                <a:ea typeface="宋体" panose="02010600030101010101" pitchFamily="2" charset="-122"/>
+              </a:defRPr>
+            </a:lvl2pPr>
+            <a:lvl3pPr marL="1143000" indent="-228600" eaLnBrk="0" hangingPunct="0">
+              <a:defRPr>
+                <a:solidFill>
+                  <a:schemeClr val="tx1"/>
+                </a:solidFill>
+                <a:latin typeface="Arial" panose="020B0604020202020204" pitchFamily="34" charset="0"/>
+                <a:ea typeface="宋体" panose="02010600030101010101" pitchFamily="2" charset="-122"/>
+              </a:defRPr>
+            </a:lvl3pPr>
+            <a:lvl4pPr marL="1600200" indent="-228600" eaLnBrk="0" hangingPunct="0">
+              <a:defRPr>
+                <a:solidFill>
+                  <a:schemeClr val="tx1"/>
+                </a:solidFill>
+                <a:latin typeface="Arial" panose="020B0604020202020204" pitchFamily="34" charset="0"/>
+                <a:ea typeface="宋体" panose="02010600030101010101" pitchFamily="2" charset="-122"/>
+              </a:defRPr>
+            </a:lvl4pPr>
+            <a:lvl5pPr marL="2057400" indent="-228600" eaLnBrk="0" hangingPunct="0">
+              <a:defRPr>
+                <a:solidFill>
+                  <a:schemeClr val="tx1"/>
+                </a:solidFill>
+                <a:latin typeface="Arial" panose="020B0604020202020204" pitchFamily="34" charset="0"/>
+                <a:ea typeface="宋体" panose="02010600030101010101" pitchFamily="2" charset="-122"/>
+              </a:defRPr>
+            </a:lvl5pPr>
+            <a:lvl6pPr marL="2514600" indent="-228600" eaLnBrk="0" fontAlgn="base" hangingPunct="0">
+              <a:spcBef>
+                <a:spcPct val="0"/>
+              </a:spcBef>
+              <a:spcAft>
+                <a:spcPct val="0"/>
+              </a:spcAft>
+              <a:defRPr>
+                <a:solidFill>
+                  <a:schemeClr val="tx1"/>
+                </a:solidFill>
+                <a:latin typeface="Arial" panose="020B0604020202020204" pitchFamily="34" charset="0"/>
+                <a:ea typeface="宋体" panose="02010600030101010101" pitchFamily="2" charset="-122"/>
+              </a:defRPr>
+            </a:lvl6pPr>
+            <a:lvl7pPr marL="2971800" indent="-228600" eaLnBrk="0" fontAlgn="base" hangingPunct="0">
+              <a:spcBef>
+                <a:spcPct val="0"/>
+              </a:spcBef>
+              <a:spcAft>
+                <a:spcPct val="0"/>
+              </a:spcAft>
+              <a:defRPr>
+                <a:solidFill>
+                  <a:schemeClr val="tx1"/>
+                </a:solidFill>
+                <a:latin typeface="Arial" panose="020B0604020202020204" pitchFamily="34" charset="0"/>
+                <a:ea typeface="宋体" panose="02010600030101010101" pitchFamily="2" charset="-122"/>
+              </a:defRPr>
+            </a:lvl7pPr>
+            <a:lvl8pPr marL="3429000" indent="-228600" eaLnBrk="0" fontAlgn="base" hangingPunct="0">
+              <a:spcBef>
+                <a:spcPct val="0"/>
+              </a:spcBef>
+              <a:spcAft>
+                <a:spcPct val="0"/>
+              </a:spcAft>
+              <a:defRPr>
+                <a:solidFill>
+                  <a:schemeClr val="tx1"/>
+                </a:solidFill>
+                <a:latin typeface="Arial" panose="020B0604020202020204" pitchFamily="34" charset="0"/>
+                <a:ea typeface="宋体" panose="02010600030101010101" pitchFamily="2" charset="-122"/>
+              </a:defRPr>
+            </a:lvl8pPr>
+            <a:lvl9pPr marL="3886200" indent="-228600" eaLnBrk="0" fontAlgn="base" hangingPunct="0">
+              <a:spcBef>
+                <a:spcPct val="0"/>
+              </a:spcBef>
+              <a:spcAft>
+                <a:spcPct val="0"/>
+              </a:spcAft>
+              <a:defRPr>
+                <a:solidFill>
+                  <a:schemeClr val="tx1"/>
+                </a:solidFill>
+                <a:latin typeface="Arial" panose="020B0604020202020204" pitchFamily="34" charset="0"/>
+                <a:ea typeface="宋体" panose="02010600030101010101" pitchFamily="2" charset="-122"/>
+              </a:defRPr>
+            </a:lvl9pPr>
+          </a:lstStyle>
+          <a:p>
+            <a:r>
+              <a:rPr lang="en-US" sz="3600" dirty="0"/>
+              <a:t>Will invoke </a:t>
+            </a:r>
+            <a:r>
+              <a:rPr lang="en-US" sz="3600" b="1" dirty="0">
+                <a:solidFill>
+                  <a:srgbClr val="2D75BC"/>
+                </a:solidFill>
+              </a:rPr>
+              <a:t>.ensureIndex() </a:t>
+            </a:r>
+            <a:r>
+              <a:rPr lang="en-US" sz="3600" dirty="0"/>
+              <a:t>when app starts.</a:t>
+            </a:r>
+          </a:p>
+          <a:p>
+            <a:endParaRPr lang="en-US" sz="3600" dirty="0"/>
+          </a:p>
+        </p:txBody>
+      </p:sp>
+      <p:pic>
+        <p:nvPicPr>
+          <p:cNvPr id="5" name="Picture 4"/>
+          <p:cNvPicPr>
+            <a:picLocks noChangeAspect="1"/>
+          </p:cNvPicPr>
+          <p:nvPr/>
+        </p:nvPicPr>
+        <p:blipFill>
+          <a:blip r:embed="rId2"/>
+          <a:stretch>
+            <a:fillRect/>
+          </a:stretch>
+        </p:blipFill>
+        <p:spPr>
+          <a:xfrm>
+            <a:off x="152400" y="1789331"/>
+            <a:ext cx="7086600" cy="3622392"/>
+          </a:xfrm>
+          <a:prstGeom prst="rect">
+            <a:avLst/>
+          </a:prstGeom>
+        </p:spPr>
+      </p:pic>
+      <p:sp>
+        <p:nvSpPr>
+          <p:cNvPr id="7" name="矩形 4"/>
+          <p:cNvSpPr/>
+          <p:nvPr/>
+        </p:nvSpPr>
+        <p:spPr>
+          <a:xfrm>
+            <a:off x="228600" y="4296488"/>
+            <a:ext cx="6705600" cy="961311"/>
+          </a:xfrm>
+          <a:prstGeom prst="rect">
+            <a:avLst/>
+          </a:prstGeom>
+          <a:noFill/>
+          <a:ln w="38100">
+            <a:solidFill>
+              <a:srgbClr val="FFFF00"/>
+            </a:solidFill>
+            <a:prstDash val="sysDash"/>
+          </a:ln>
+        </p:spPr>
+        <p:style>
+          <a:lnRef idx="2">
+            <a:schemeClr val="accent1">
+              <a:shade val="50000"/>
+            </a:schemeClr>
+          </a:lnRef>
+          <a:fillRef idx="1">
+            <a:schemeClr val="accent1"/>
+          </a:fillRef>
+          <a:effectRef idx="0">
+            <a:schemeClr val="accent1"/>
+          </a:effectRef>
+          <a:fontRef idx="minor">
+            <a:schemeClr val="lt1"/>
+          </a:fontRef>
+        </p:style>
+        <p:txBody>
+          <a:bodyPr rtlCol="0" anchor="ctr"/>
+          <a:lstStyle/>
+          <a:p>
+            <a:pPr algn="ctr"/>
+            <a:endParaRPr lang="zh-CN" altLang="en-US">
+              <a:solidFill>
+                <a:srgbClr val="FF0000"/>
+              </a:solidFill>
+            </a:endParaRPr>
+          </a:p>
+        </p:txBody>
+      </p:sp>
+    </p:spTree>
+    <p:extLst>
+      <p:ext uri="{BB962C8B-B14F-4D97-AF65-F5344CB8AC3E}">
+        <p14:creationId xmlns:p14="http://schemas.microsoft.com/office/powerpoint/2010/main" val="3124971438"/>
+      </p:ext>
+    </p:extLst>
+  </p:cSld>
+  <p:clrMapOvr>
+    <a:masterClrMapping/>
+  </p:clrMapOvr>
+  <p:timing>
+    <p:tnLst>
+      <p:par>
+        <p:cTn id="1" dur="indefinite" restart="never" nodeType="tmRoot">
+          <p:childTnLst>
+            <p:seq concurrent="1" nextAc="seek">
+              <p:cTn id="2" dur="indefinite" nodeType="mainSeq">
+                <p:childTnLst>
+                  <p:par>
+                    <p:cTn id="3" fill="hold">
+                      <p:stCondLst>
+                        <p:cond delay="indefinite"/>
+                      </p:stCondLst>
+                      <p:childTnLst>
+                        <p:par>
+                          <p:cTn id="4" fill="hold">
+                            <p:stCondLst>
+                              <p:cond delay="0"/>
+                            </p:stCondLst>
+                            <p:childTnLst>
+                              <p:par>
+                                <p:cTn id="5" presetID="10" presetClass="entr" presetSubtype="0" fill="hold" grpId="0" nodeType="clickEffect">
+                                  <p:stCondLst>
+                                    <p:cond delay="0"/>
+                                  </p:stCondLst>
+                                  <p:childTnLst>
+                                    <p:set>
+                                      <p:cBhvr>
+                                        <p:cTn id="6" dur="1" fill="hold">
+                                          <p:stCondLst>
+                                            <p:cond delay="0"/>
+                                          </p:stCondLst>
+                                        </p:cTn>
+                                        <p:tgtEl>
+                                          <p:spTgt spid="7"/>
+                                        </p:tgtEl>
+                                        <p:attrNameLst>
+                                          <p:attrName>style.visibility</p:attrName>
+                                        </p:attrNameLst>
+                                      </p:cBhvr>
+                                      <p:to>
+                                        <p:strVal val="visible"/>
+                                      </p:to>
+                                    </p:set>
+                                    <p:animEffect transition="in" filter="fade">
+                                      <p:cBhvr>
+                                        <p:cTn id="7" dur="500"/>
+                                        <p:tgtEl>
+                                          <p:spTgt spid="7"/>
+                                        </p:tgtEl>
+                                      </p:cBhvr>
+                                    </p:animEffect>
+                                  </p:childTnLst>
+                                </p:cTn>
+                              </p:par>
+                            </p:childTnLst>
+                          </p:cTn>
+                        </p:par>
+                      </p:childTnLst>
+                    </p:cTn>
+                  </p:par>
+                </p:childTnLst>
+              </p:cTn>
+              <p:prevCondLst>
+                <p:cond evt="onPrev" delay="0">
+                  <p:tgtEl>
+                    <p:sldTgt/>
+                  </p:tgtEl>
+                </p:cond>
+              </p:prevCondLst>
+              <p:nextCondLst>
+                <p:cond evt="onNext" delay="0">
+                  <p:tgtEl>
+                    <p:sldTgt/>
+                  </p:tgtEl>
+                </p:cond>
+              </p:nextCondLst>
+            </p:seq>
+          </p:childTnLst>
+        </p:cTn>
+      </p:par>
+    </p:tnLst>
+    <p:bldLst>
+      <p:bldP spid="7" grpId="0" animBg="1"/>
+    </p:bldLst>
+  </p:timing>
+</p:sld>
+</file>
+
+<file path=ppt/slides/slide19.xml><?xml version="1.0" encoding="utf-8"?>
+<p:sld xmlns:a="http://schemas.openxmlformats.org/drawingml/2006/main" xmlns:r="http://schemas.openxmlformats.org/officeDocument/2006/relationships" xmlns:p="http://schemas.openxmlformats.org/presentationml/2006/main">
+  <p:cSld>
+    <p:spTree>
+      <p:nvGrpSpPr>
+        <p:cNvPr id="1" name=""/>
+        <p:cNvGrpSpPr/>
+        <p:nvPr/>
+      </p:nvGrpSpPr>
+      <p:grpSpPr>
+        <a:xfrm>
+          <a:off x="0" y="0"/>
+          <a:ext cx="0" cy="0"/>
+          <a:chOff x="0" y="0"/>
+          <a:chExt cx="0" cy="0"/>
+        </a:xfrm>
+      </p:grpSpPr>
+      <p:sp>
+        <p:nvSpPr>
+          <p:cNvPr id="2" name="Text Placeholder 1"/>
+          <p:cNvSpPr>
+            <a:spLocks noGrp="1"/>
+          </p:cNvSpPr>
+          <p:nvPr>
+            <p:ph type="body" sz="quarter" idx="13"/>
+          </p:nvPr>
+        </p:nvSpPr>
+        <p:spPr/>
+        <p:txBody>
+          <a:bodyPr/>
+          <a:lstStyle/>
+          <a:p>
+            <a:r>
+              <a:rPr lang="en-US" dirty="0"/>
+              <a:t>4</a:t>
+            </a:r>
+          </a:p>
+        </p:txBody>
+      </p:sp>
+      <p:sp>
+        <p:nvSpPr>
+          <p:cNvPr id="3" name="Text Placeholder 2"/>
+          <p:cNvSpPr>
+            <a:spLocks noGrp="1"/>
+          </p:cNvSpPr>
+          <p:nvPr>
+            <p:ph type="body" sz="quarter" idx="14"/>
+          </p:nvPr>
+        </p:nvSpPr>
+        <p:spPr/>
+        <p:txBody>
+          <a:bodyPr/>
+          <a:lstStyle/>
+          <a:p>
+            <a:r>
+              <a:rPr lang="en-US" altLang="zh-CN" dirty="0"/>
+              <a:t>Schema</a:t>
+            </a:r>
+            <a:endParaRPr lang="en-US" dirty="0"/>
+          </a:p>
+          <a:p>
+            <a:endParaRPr lang="en-US" dirty="0"/>
+          </a:p>
+        </p:txBody>
+      </p:sp>
+      <p:sp>
+        <p:nvSpPr>
+          <p:cNvPr id="8" name="TextBox 2"/>
+          <p:cNvSpPr txBox="1">
+            <a:spLocks noChangeArrowheads="1"/>
+          </p:cNvSpPr>
+          <p:nvPr/>
+        </p:nvSpPr>
+        <p:spPr bwMode="auto">
+          <a:xfrm>
+            <a:off x="0" y="1143000"/>
+            <a:ext cx="9144000" cy="646331"/>
+          </a:xfrm>
+          <a:prstGeom prst="rect">
+            <a:avLst/>
+          </a:prstGeom>
+          <a:noFill/>
+          <a:ln>
+            <a:noFill/>
+          </a:ln>
+          <a:extLst>
+            <a:ext uri="{909E8E84-426E-40DD-AFC4-6F175D3DCCD1}">
+              <a14:hiddenFill xmlns:a14="http://schemas.microsoft.com/office/drawing/2010/main">
+                <a:solidFill>
+                  <a:srgbClr val="FFFFFF"/>
+                </a:solidFill>
+              </a14:hiddenFill>
+            </a:ext>
+            <a:ext uri="{91240B29-F687-4F45-9708-019B960494DF}">
+              <a14:hiddenLine xmlns:a14="http://schemas.microsoft.com/office/drawing/2010/main" w="9525">
+                <a:solidFill>
+                  <a:srgbClr val="000000"/>
+                </a:solidFill>
+                <a:miter lim="800000"/>
+                <a:headEnd/>
+                <a:tailEnd/>
+              </a14:hiddenLine>
+            </a:ext>
+          </a:extLst>
+        </p:spPr>
+        <p:txBody>
+          <a:bodyPr wrap="square">
+            <a:spAutoFit/>
+          </a:bodyPr>
+          <a:lstStyle>
+            <a:lvl1pPr marL="571500" indent="-571500" eaLnBrk="0" hangingPunct="0">
+              <a:defRPr>
+                <a:solidFill>
+                  <a:schemeClr val="tx1"/>
+                </a:solidFill>
+                <a:latin typeface="Arial" panose="020B0604020202020204" pitchFamily="34" charset="0"/>
+                <a:ea typeface="宋体" panose="02010600030101010101" pitchFamily="2" charset="-122"/>
+              </a:defRPr>
+            </a:lvl1pPr>
+            <a:lvl2pPr marL="742950" indent="-285750" eaLnBrk="0" hangingPunct="0">
+              <a:defRPr>
+                <a:solidFill>
+                  <a:schemeClr val="tx1"/>
+                </a:solidFill>
+                <a:latin typeface="Arial" panose="020B0604020202020204" pitchFamily="34" charset="0"/>
+                <a:ea typeface="宋体" panose="02010600030101010101" pitchFamily="2" charset="-122"/>
+              </a:defRPr>
+            </a:lvl2pPr>
+            <a:lvl3pPr marL="1143000" indent="-228600" eaLnBrk="0" hangingPunct="0">
+              <a:defRPr>
+                <a:solidFill>
+                  <a:schemeClr val="tx1"/>
+                </a:solidFill>
+                <a:latin typeface="Arial" panose="020B0604020202020204" pitchFamily="34" charset="0"/>
+                <a:ea typeface="宋体" panose="02010600030101010101" pitchFamily="2" charset="-122"/>
+              </a:defRPr>
+            </a:lvl3pPr>
+            <a:lvl4pPr marL="1600200" indent="-228600" eaLnBrk="0" hangingPunct="0">
+              <a:defRPr>
+                <a:solidFill>
+                  <a:schemeClr val="tx1"/>
+                </a:solidFill>
+                <a:latin typeface="Arial" panose="020B0604020202020204" pitchFamily="34" charset="0"/>
+                <a:ea typeface="宋体" panose="02010600030101010101" pitchFamily="2" charset="-122"/>
+              </a:defRPr>
+            </a:lvl4pPr>
+            <a:lvl5pPr marL="2057400" indent="-228600" eaLnBrk="0" hangingPunct="0">
+              <a:defRPr>
+                <a:solidFill>
+                  <a:schemeClr val="tx1"/>
+                </a:solidFill>
+                <a:latin typeface="Arial" panose="020B0604020202020204" pitchFamily="34" charset="0"/>
+                <a:ea typeface="宋体" panose="02010600030101010101" pitchFamily="2" charset="-122"/>
+              </a:defRPr>
+            </a:lvl5pPr>
+            <a:lvl6pPr marL="2514600" indent="-228600" eaLnBrk="0" fontAlgn="base" hangingPunct="0">
+              <a:spcBef>
+                <a:spcPct val="0"/>
+              </a:spcBef>
+              <a:spcAft>
+                <a:spcPct val="0"/>
+              </a:spcAft>
+              <a:defRPr>
+                <a:solidFill>
+                  <a:schemeClr val="tx1"/>
+                </a:solidFill>
+                <a:latin typeface="Arial" panose="020B0604020202020204" pitchFamily="34" charset="0"/>
+                <a:ea typeface="宋体" panose="02010600030101010101" pitchFamily="2" charset="-122"/>
+              </a:defRPr>
+            </a:lvl6pPr>
+            <a:lvl7pPr marL="2971800" indent="-228600" eaLnBrk="0" fontAlgn="base" hangingPunct="0">
+              <a:spcBef>
+                <a:spcPct val="0"/>
+              </a:spcBef>
+              <a:spcAft>
+                <a:spcPct val="0"/>
+              </a:spcAft>
+              <a:defRPr>
+                <a:solidFill>
+                  <a:schemeClr val="tx1"/>
+                </a:solidFill>
+                <a:latin typeface="Arial" panose="020B0604020202020204" pitchFamily="34" charset="0"/>
+                <a:ea typeface="宋体" panose="02010600030101010101" pitchFamily="2" charset="-122"/>
+              </a:defRPr>
+            </a:lvl7pPr>
+            <a:lvl8pPr marL="3429000" indent="-228600" eaLnBrk="0" fontAlgn="base" hangingPunct="0">
+              <a:spcBef>
+                <a:spcPct val="0"/>
+              </a:spcBef>
+              <a:spcAft>
+                <a:spcPct val="0"/>
+              </a:spcAft>
+              <a:defRPr>
+                <a:solidFill>
+                  <a:schemeClr val="tx1"/>
+                </a:solidFill>
+                <a:latin typeface="Arial" panose="020B0604020202020204" pitchFamily="34" charset="0"/>
+                <a:ea typeface="宋体" panose="02010600030101010101" pitchFamily="2" charset="-122"/>
+              </a:defRPr>
+            </a:lvl8pPr>
+            <a:lvl9pPr marL="3886200" indent="-228600" eaLnBrk="0" fontAlgn="base" hangingPunct="0">
+              <a:spcBef>
+                <a:spcPct val="0"/>
+              </a:spcBef>
+              <a:spcAft>
+                <a:spcPct val="0"/>
+              </a:spcAft>
+              <a:defRPr>
+                <a:solidFill>
+                  <a:schemeClr val="tx1"/>
+                </a:solidFill>
+                <a:latin typeface="Arial" panose="020B0604020202020204" pitchFamily="34" charset="0"/>
+                <a:ea typeface="宋体" panose="02010600030101010101" pitchFamily="2" charset="-122"/>
+              </a:defRPr>
+            </a:lvl9pPr>
+          </a:lstStyle>
+          <a:p>
+            <a:r>
+              <a:rPr lang="en-US" sz="3600" dirty="0"/>
+              <a:t>(4)Schema options:</a:t>
+            </a:r>
+          </a:p>
+        </p:txBody>
+      </p:sp>
+      <p:sp>
+        <p:nvSpPr>
+          <p:cNvPr id="9" name="TextBox 2"/>
+          <p:cNvSpPr txBox="1">
+            <a:spLocks noChangeArrowheads="1"/>
+          </p:cNvSpPr>
+          <p:nvPr/>
+        </p:nvSpPr>
+        <p:spPr bwMode="auto">
+          <a:xfrm>
+            <a:off x="38100" y="5411723"/>
+            <a:ext cx="9144000" cy="1754326"/>
+          </a:xfrm>
+          <a:prstGeom prst="rect">
+            <a:avLst/>
+          </a:prstGeom>
+          <a:noFill/>
+          <a:ln>
+            <a:noFill/>
+          </a:ln>
+          <a:extLst>
+            <a:ext uri="{909E8E84-426E-40DD-AFC4-6F175D3DCCD1}">
+              <a14:hiddenFill xmlns:a14="http://schemas.microsoft.com/office/drawing/2010/main">
+                <a:solidFill>
+                  <a:srgbClr val="FFFFFF"/>
+                </a:solidFill>
+              </a14:hiddenFill>
+            </a:ext>
+            <a:ext uri="{91240B29-F687-4F45-9708-019B960494DF}">
+              <a14:hiddenLine xmlns:a14="http://schemas.microsoft.com/office/drawing/2010/main" w="9525">
+                <a:solidFill>
+                  <a:srgbClr val="000000"/>
+                </a:solidFill>
+                <a:miter lim="800000"/>
+                <a:headEnd/>
+                <a:tailEnd/>
+              </a14:hiddenLine>
+            </a:ext>
+          </a:extLst>
+        </p:spPr>
+        <p:txBody>
+          <a:bodyPr wrap="square">
+            <a:spAutoFit/>
+          </a:bodyPr>
+          <a:lstStyle>
+            <a:lvl1pPr marL="571500" indent="-571500" eaLnBrk="0" hangingPunct="0">
+              <a:defRPr>
+                <a:solidFill>
+                  <a:schemeClr val="tx1"/>
+                </a:solidFill>
+                <a:latin typeface="Arial" panose="020B0604020202020204" pitchFamily="34" charset="0"/>
+                <a:ea typeface="宋体" panose="02010600030101010101" pitchFamily="2" charset="-122"/>
+              </a:defRPr>
+            </a:lvl1pPr>
+            <a:lvl2pPr marL="742950" indent="-285750" eaLnBrk="0" hangingPunct="0">
+              <a:defRPr>
+                <a:solidFill>
+                  <a:schemeClr val="tx1"/>
+                </a:solidFill>
+                <a:latin typeface="Arial" panose="020B0604020202020204" pitchFamily="34" charset="0"/>
+                <a:ea typeface="宋体" panose="02010600030101010101" pitchFamily="2" charset="-122"/>
+              </a:defRPr>
+            </a:lvl2pPr>
+            <a:lvl3pPr marL="1143000" indent="-228600" eaLnBrk="0" hangingPunct="0">
+              <a:defRPr>
+                <a:solidFill>
+                  <a:schemeClr val="tx1"/>
+                </a:solidFill>
+                <a:latin typeface="Arial" panose="020B0604020202020204" pitchFamily="34" charset="0"/>
+                <a:ea typeface="宋体" panose="02010600030101010101" pitchFamily="2" charset="-122"/>
+              </a:defRPr>
+            </a:lvl3pPr>
+            <a:lvl4pPr marL="1600200" indent="-228600" eaLnBrk="0" hangingPunct="0">
+              <a:defRPr>
+                <a:solidFill>
+                  <a:schemeClr val="tx1"/>
+                </a:solidFill>
+                <a:latin typeface="Arial" panose="020B0604020202020204" pitchFamily="34" charset="0"/>
+                <a:ea typeface="宋体" panose="02010600030101010101" pitchFamily="2" charset="-122"/>
+              </a:defRPr>
+            </a:lvl4pPr>
+            <a:lvl5pPr marL="2057400" indent="-228600" eaLnBrk="0" hangingPunct="0">
+              <a:defRPr>
+                <a:solidFill>
+                  <a:schemeClr val="tx1"/>
+                </a:solidFill>
+                <a:latin typeface="Arial" panose="020B0604020202020204" pitchFamily="34" charset="0"/>
+                <a:ea typeface="宋体" panose="02010600030101010101" pitchFamily="2" charset="-122"/>
+              </a:defRPr>
+            </a:lvl5pPr>
+            <a:lvl6pPr marL="2514600" indent="-228600" eaLnBrk="0" fontAlgn="base" hangingPunct="0">
+              <a:spcBef>
+                <a:spcPct val="0"/>
+              </a:spcBef>
+              <a:spcAft>
+                <a:spcPct val="0"/>
+              </a:spcAft>
+              <a:defRPr>
+                <a:solidFill>
+                  <a:schemeClr val="tx1"/>
+                </a:solidFill>
+                <a:latin typeface="Arial" panose="020B0604020202020204" pitchFamily="34" charset="0"/>
+                <a:ea typeface="宋体" panose="02010600030101010101" pitchFamily="2" charset="-122"/>
+              </a:defRPr>
+            </a:lvl6pPr>
+            <a:lvl7pPr marL="2971800" indent="-228600" eaLnBrk="0" fontAlgn="base" hangingPunct="0">
+              <a:spcBef>
+                <a:spcPct val="0"/>
+              </a:spcBef>
+              <a:spcAft>
+                <a:spcPct val="0"/>
+              </a:spcAft>
+              <a:defRPr>
+                <a:solidFill>
+                  <a:schemeClr val="tx1"/>
+                </a:solidFill>
+                <a:latin typeface="Arial" panose="020B0604020202020204" pitchFamily="34" charset="0"/>
+                <a:ea typeface="宋体" panose="02010600030101010101" pitchFamily="2" charset="-122"/>
+              </a:defRPr>
+            </a:lvl7pPr>
+            <a:lvl8pPr marL="3429000" indent="-228600" eaLnBrk="0" fontAlgn="base" hangingPunct="0">
+              <a:spcBef>
+                <a:spcPct val="0"/>
+              </a:spcBef>
+              <a:spcAft>
+                <a:spcPct val="0"/>
+              </a:spcAft>
+              <a:defRPr>
+                <a:solidFill>
+                  <a:schemeClr val="tx1"/>
+                </a:solidFill>
+                <a:latin typeface="Arial" panose="020B0604020202020204" pitchFamily="34" charset="0"/>
+                <a:ea typeface="宋体" panose="02010600030101010101" pitchFamily="2" charset="-122"/>
+              </a:defRPr>
+            </a:lvl8pPr>
+            <a:lvl9pPr marL="3886200" indent="-228600" eaLnBrk="0" fontAlgn="base" hangingPunct="0">
+              <a:spcBef>
+                <a:spcPct val="0"/>
+              </a:spcBef>
+              <a:spcAft>
+                <a:spcPct val="0"/>
+              </a:spcAft>
+              <a:defRPr>
+                <a:solidFill>
+                  <a:schemeClr val="tx1"/>
+                </a:solidFill>
+                <a:latin typeface="Arial" panose="020B0604020202020204" pitchFamily="34" charset="0"/>
+                <a:ea typeface="宋体" panose="02010600030101010101" pitchFamily="2" charset="-122"/>
+              </a:defRPr>
+            </a:lvl9pPr>
+          </a:lstStyle>
+          <a:p>
+            <a:r>
+              <a:rPr lang="en-US" sz="3600" dirty="0">
+                <a:hlinkClick r:id="rId2"/>
+              </a:rPr>
+              <a:t>http://mongoosejs.com/docs/guide.html#autoIndex</a:t>
+            </a:r>
+            <a:endParaRPr lang="en-US" sz="3600" dirty="0"/>
+          </a:p>
+          <a:p>
+            <a:endParaRPr lang="en-US" sz="3600" dirty="0"/>
+          </a:p>
+        </p:txBody>
+      </p:sp>
+      <p:pic>
+        <p:nvPicPr>
+          <p:cNvPr id="4" name="Picture 3"/>
+          <p:cNvPicPr>
+            <a:picLocks noChangeAspect="1"/>
+          </p:cNvPicPr>
+          <p:nvPr/>
+        </p:nvPicPr>
+        <p:blipFill>
+          <a:blip r:embed="rId3"/>
+          <a:stretch>
+            <a:fillRect/>
+          </a:stretch>
+        </p:blipFill>
+        <p:spPr>
+          <a:xfrm>
+            <a:off x="161924" y="1880858"/>
+            <a:ext cx="6391275" cy="3519425"/>
+          </a:xfrm>
+          <a:prstGeom prst="rect">
+            <a:avLst/>
+          </a:prstGeom>
+        </p:spPr>
+      </p:pic>
+      <p:sp>
+        <p:nvSpPr>
+          <p:cNvPr id="7" name="矩形 4"/>
+          <p:cNvSpPr/>
+          <p:nvPr/>
+        </p:nvSpPr>
+        <p:spPr>
+          <a:xfrm>
+            <a:off x="228600" y="3733800"/>
+            <a:ext cx="5029200" cy="1600200"/>
+          </a:xfrm>
+          <a:prstGeom prst="rect">
+            <a:avLst/>
+          </a:prstGeom>
+          <a:noFill/>
+          <a:ln w="38100">
+            <a:solidFill>
+              <a:srgbClr val="FFFF00"/>
+            </a:solidFill>
+            <a:prstDash val="sysDash"/>
+          </a:ln>
+        </p:spPr>
+        <p:style>
+          <a:lnRef idx="2">
+            <a:schemeClr val="accent1">
+              <a:shade val="50000"/>
+            </a:schemeClr>
+          </a:lnRef>
+          <a:fillRef idx="1">
+            <a:schemeClr val="accent1"/>
+          </a:fillRef>
+          <a:effectRef idx="0">
+            <a:schemeClr val="accent1"/>
+          </a:effectRef>
+          <a:fontRef idx="minor">
+            <a:schemeClr val="lt1"/>
+          </a:fontRef>
+        </p:style>
+        <p:txBody>
+          <a:bodyPr rtlCol="0" anchor="ctr"/>
+          <a:lstStyle/>
+          <a:p>
+            <a:pPr algn="ctr"/>
+            <a:endParaRPr lang="zh-CN" altLang="en-US">
+              <a:solidFill>
+                <a:srgbClr val="FF0000"/>
+              </a:solidFill>
+            </a:endParaRPr>
+          </a:p>
+        </p:txBody>
+      </p:sp>
+    </p:spTree>
+    <p:extLst>
+      <p:ext uri="{BB962C8B-B14F-4D97-AF65-F5344CB8AC3E}">
+        <p14:creationId xmlns:p14="http://schemas.microsoft.com/office/powerpoint/2010/main" val="19806006"/>
+      </p:ext>
+    </p:extLst>
+  </p:cSld>
+  <p:clrMapOvr>
+    <a:masterClrMapping/>
+  </p:clrMapOvr>
+  <p:timing>
+    <p:tnLst>
+      <p:par>
+        <p:cTn id="1" dur="indefinite" restart="never" nodeType="tmRoot">
+          <p:childTnLst>
+            <p:seq concurrent="1" nextAc="seek">
+              <p:cTn id="2" dur="indefinite" nodeType="mainSeq">
+                <p:childTnLst>
+                  <p:par>
+                    <p:cTn id="3" fill="hold">
+                      <p:stCondLst>
+                        <p:cond delay="indefinite"/>
+                      </p:stCondLst>
+                      <p:childTnLst>
+                        <p:par>
+                          <p:cTn id="4" fill="hold">
+                            <p:stCondLst>
+                              <p:cond delay="0"/>
+                            </p:stCondLst>
+                            <p:childTnLst>
+                              <p:par>
+                                <p:cTn id="5" presetID="10" presetClass="entr" presetSubtype="0" fill="hold" grpId="0" nodeType="clickEffect">
+                                  <p:stCondLst>
+                                    <p:cond delay="0"/>
+                                  </p:stCondLst>
+                                  <p:childTnLst>
+                                    <p:set>
+                                      <p:cBhvr>
+                                        <p:cTn id="6" dur="1" fill="hold">
+                                          <p:stCondLst>
+                                            <p:cond delay="0"/>
+                                          </p:stCondLst>
+                                        </p:cTn>
+                                        <p:tgtEl>
+                                          <p:spTgt spid="7"/>
+                                        </p:tgtEl>
+                                        <p:attrNameLst>
+                                          <p:attrName>style.visibility</p:attrName>
+                                        </p:attrNameLst>
+                                      </p:cBhvr>
+                                      <p:to>
+                                        <p:strVal val="visible"/>
+                                      </p:to>
+                                    </p:set>
+                                    <p:animEffect transition="in" filter="fade">
+                                      <p:cBhvr>
+                                        <p:cTn id="7" dur="500"/>
+                                        <p:tgtEl>
+                                          <p:spTgt spid="7"/>
+                                        </p:tgtEl>
+                                      </p:cBhvr>
+                                    </p:animEffect>
+                                  </p:childTnLst>
+                                </p:cTn>
+                              </p:par>
+                            </p:childTnLst>
+                          </p:cTn>
+                        </p:par>
+                      </p:childTnLst>
+                    </p:cTn>
+                  </p:par>
+                </p:childTnLst>
+              </p:cTn>
+              <p:prevCondLst>
+                <p:cond evt="onPrev" delay="0">
+                  <p:tgtEl>
+                    <p:sldTgt/>
+                  </p:tgtEl>
+                </p:cond>
+              </p:prevCondLst>
+              <p:nextCondLst>
+                <p:cond evt="onNext" delay="0">
+                  <p:tgtEl>
+                    <p:sldTgt/>
+                  </p:tgtEl>
+                </p:cond>
+              </p:nextCondLst>
+            </p:seq>
+          </p:childTnLst>
+        </p:cTn>
+      </p:par>
+    </p:tnLst>
+    <p:bldLst>
+      <p:bldP spid="7" grpId="0" animBg="1"/>
+    </p:bldLst>
+  </p:timing>
+</p:sld>
+</file>
+
+<file path=ppt/slides/slide2.xml><?xml version="1.0" encoding="utf-8"?>
+<p:sld xmlns:a="http://schemas.openxmlformats.org/drawingml/2006/main" xmlns:r="http://schemas.openxmlformats.org/officeDocument/2006/relationships" xmlns:p="http://schemas.openxmlformats.org/presentationml/2006/main">
+  <p:cSld>
+    <p:spTree>
+      <p:nvGrpSpPr>
+        <p:cNvPr id="1" name=""/>
+        <p:cNvGrpSpPr/>
+        <p:nvPr/>
+      </p:nvGrpSpPr>
+      <p:grpSpPr>
+        <a:xfrm>
+          <a:off x="0" y="0"/>
+          <a:ext cx="0" cy="0"/>
+          <a:chOff x="0" y="0"/>
+          <a:chExt cx="0" cy="0"/>
+        </a:xfrm>
+      </p:grpSpPr>
+      <p:sp>
+        <p:nvSpPr>
+          <p:cNvPr id="2" name="Text Placeholder 1"/>
+          <p:cNvSpPr>
+            <a:spLocks noGrp="1"/>
+          </p:cNvSpPr>
+          <p:nvPr>
+            <p:ph type="body" sz="quarter" idx="13"/>
+          </p:nvPr>
+        </p:nvSpPr>
+        <p:spPr/>
+        <p:txBody>
+          <a:bodyPr/>
+          <a:lstStyle/>
+          <a:p>
+            <a:r>
+              <a:rPr lang="en-US" altLang="zh-CN" dirty="0"/>
+              <a:t>Agenda</a:t>
+            </a:r>
+            <a:endParaRPr lang="en-US" dirty="0"/>
+          </a:p>
+        </p:txBody>
+      </p:sp>
+      <p:sp>
+        <p:nvSpPr>
+          <p:cNvPr id="3" name="Text Placeholder 2"/>
+          <p:cNvSpPr>
+            <a:spLocks noGrp="1"/>
+          </p:cNvSpPr>
+          <p:nvPr>
+            <p:ph type="body" sz="quarter" idx="14"/>
+          </p:nvPr>
+        </p:nvSpPr>
+        <p:spPr>
+          <a:xfrm>
+            <a:off x="1981565" y="1524000"/>
+            <a:ext cx="6019800" cy="523220"/>
+          </a:xfrm>
+        </p:spPr>
+        <p:txBody>
+          <a:bodyPr/>
+          <a:lstStyle/>
+          <a:p>
+            <a:r>
+              <a:rPr lang="en-US" altLang="zh-CN" sz="2800" dirty="0"/>
+              <a:t>Installation of mongoose</a:t>
+            </a:r>
+          </a:p>
+        </p:txBody>
+      </p:sp>
+      <p:sp>
+        <p:nvSpPr>
+          <p:cNvPr id="4" name="Text Placeholder 3"/>
+          <p:cNvSpPr>
+            <a:spLocks noGrp="1"/>
+          </p:cNvSpPr>
+          <p:nvPr>
+            <p:ph type="body" sz="quarter" idx="11"/>
+          </p:nvPr>
+        </p:nvSpPr>
+        <p:spPr>
+          <a:xfrm>
+            <a:off x="1447800" y="1581090"/>
+            <a:ext cx="381365" cy="381000"/>
+          </a:xfrm>
+        </p:spPr>
+        <p:txBody>
+          <a:bodyPr/>
+          <a:lstStyle/>
+          <a:p>
+            <a:r>
+              <a:rPr lang="en-US" dirty="0"/>
+              <a:t>1</a:t>
+            </a:r>
+          </a:p>
+        </p:txBody>
+      </p:sp>
+      <p:sp>
+        <p:nvSpPr>
+          <p:cNvPr id="17" name="Text Placeholder 4"/>
+          <p:cNvSpPr>
+            <a:spLocks noGrp="1"/>
+          </p:cNvSpPr>
+          <p:nvPr>
+            <p:ph type="body" sz="quarter" idx="15"/>
+          </p:nvPr>
+        </p:nvSpPr>
+        <p:spPr>
+          <a:xfrm>
+            <a:off x="1981565" y="2133600"/>
+            <a:ext cx="6019800" cy="523220"/>
+          </a:xfrm>
+        </p:spPr>
+        <p:txBody>
+          <a:bodyPr/>
+          <a:lstStyle/>
+          <a:p>
+            <a:r>
+              <a:rPr lang="en-US" altLang="zh-CN" sz="2800" dirty="0"/>
+              <a:t>Concepts of mongoose</a:t>
+            </a:r>
+            <a:endParaRPr lang="en-US" sz="2800" dirty="0"/>
+          </a:p>
+        </p:txBody>
+      </p:sp>
+      <p:sp>
+        <p:nvSpPr>
+          <p:cNvPr id="18" name="Text Placeholder 5"/>
+          <p:cNvSpPr>
+            <a:spLocks noGrp="1"/>
+          </p:cNvSpPr>
+          <p:nvPr>
+            <p:ph type="body" sz="quarter" idx="16"/>
+          </p:nvPr>
+        </p:nvSpPr>
+        <p:spPr>
+          <a:xfrm>
+            <a:off x="1447800" y="2209800"/>
+            <a:ext cx="381365" cy="381000"/>
+          </a:xfrm>
+        </p:spPr>
+        <p:txBody>
+          <a:bodyPr/>
+          <a:lstStyle/>
+          <a:p>
+            <a:r>
+              <a:rPr lang="en-US" dirty="0"/>
+              <a:t>2</a:t>
+            </a:r>
+          </a:p>
+        </p:txBody>
+      </p:sp>
+      <p:sp>
+        <p:nvSpPr>
+          <p:cNvPr id="19" name="Text Placeholder 6"/>
+          <p:cNvSpPr>
+            <a:spLocks noGrp="1"/>
+          </p:cNvSpPr>
+          <p:nvPr>
+            <p:ph type="body" sz="quarter" idx="17"/>
+          </p:nvPr>
+        </p:nvSpPr>
+        <p:spPr>
+          <a:xfrm>
+            <a:off x="1981565" y="2743200"/>
+            <a:ext cx="6019800" cy="523220"/>
+          </a:xfrm>
+        </p:spPr>
+        <p:txBody>
+          <a:bodyPr/>
+          <a:lstStyle/>
+          <a:p>
+            <a:r>
+              <a:rPr lang="en-US" altLang="zh-CN" sz="2800" dirty="0"/>
+              <a:t>Quick-start</a:t>
+            </a:r>
+            <a:endParaRPr lang="en-US" sz="2800" dirty="0"/>
+          </a:p>
+        </p:txBody>
+      </p:sp>
+      <p:sp>
+        <p:nvSpPr>
+          <p:cNvPr id="20" name="Text Placeholder 7"/>
+          <p:cNvSpPr>
+            <a:spLocks noGrp="1"/>
+          </p:cNvSpPr>
+          <p:nvPr>
+            <p:ph type="body" sz="quarter" idx="18"/>
+          </p:nvPr>
+        </p:nvSpPr>
+        <p:spPr>
+          <a:xfrm>
+            <a:off x="1447800" y="2819400"/>
+            <a:ext cx="381365" cy="381000"/>
+          </a:xfrm>
+        </p:spPr>
+        <p:txBody>
+          <a:bodyPr/>
+          <a:lstStyle/>
+          <a:p>
+            <a:r>
+              <a:rPr lang="en-US" dirty="0"/>
+              <a:t>3</a:t>
+            </a:r>
+          </a:p>
+        </p:txBody>
+      </p:sp>
+      <p:sp>
+        <p:nvSpPr>
+          <p:cNvPr id="10" name="Text Placeholder 6"/>
+          <p:cNvSpPr>
+            <a:spLocks noGrp="1"/>
+          </p:cNvSpPr>
+          <p:nvPr>
+            <p:ph type="body" sz="quarter" idx="17"/>
+          </p:nvPr>
+        </p:nvSpPr>
+        <p:spPr>
+          <a:xfrm>
+            <a:off x="1981200" y="3352800"/>
+            <a:ext cx="6019800" cy="523220"/>
+          </a:xfrm>
+        </p:spPr>
+        <p:txBody>
+          <a:bodyPr/>
+          <a:lstStyle/>
+          <a:p>
+            <a:r>
+              <a:rPr lang="en-US" altLang="zh-CN" sz="2800" dirty="0"/>
+              <a:t>Schema</a:t>
+            </a:r>
+            <a:endParaRPr lang="en-US" sz="2800" dirty="0"/>
+          </a:p>
+        </p:txBody>
+      </p:sp>
+      <p:sp>
+        <p:nvSpPr>
+          <p:cNvPr id="11" name="Text Placeholder 7"/>
+          <p:cNvSpPr>
+            <a:spLocks noGrp="1"/>
+          </p:cNvSpPr>
+          <p:nvPr>
+            <p:ph type="body" sz="quarter" idx="18"/>
+          </p:nvPr>
+        </p:nvSpPr>
+        <p:spPr>
+          <a:xfrm>
+            <a:off x="1447435" y="3429000"/>
+            <a:ext cx="381365" cy="381000"/>
+          </a:xfrm>
+        </p:spPr>
+        <p:txBody>
+          <a:bodyPr/>
+          <a:lstStyle/>
+          <a:p>
+            <a:r>
+              <a:rPr lang="en-US" dirty="0"/>
+              <a:t>4</a:t>
+            </a:r>
+          </a:p>
+        </p:txBody>
+      </p:sp>
+      <p:sp>
+        <p:nvSpPr>
+          <p:cNvPr id="12" name="Text Placeholder 6"/>
+          <p:cNvSpPr>
+            <a:spLocks noGrp="1"/>
+          </p:cNvSpPr>
+          <p:nvPr>
+            <p:ph type="body" sz="quarter" idx="17"/>
+          </p:nvPr>
+        </p:nvSpPr>
+        <p:spPr>
+          <a:xfrm>
+            <a:off x="1981200" y="3962400"/>
+            <a:ext cx="6019800" cy="523220"/>
+          </a:xfrm>
+        </p:spPr>
+        <p:txBody>
+          <a:bodyPr/>
+          <a:lstStyle/>
+          <a:p>
+            <a:r>
+              <a:rPr lang="en-US" altLang="zh-CN" sz="2800" dirty="0"/>
+              <a:t>Model</a:t>
+            </a:r>
+            <a:endParaRPr lang="en-US" sz="2800" dirty="0"/>
+          </a:p>
+        </p:txBody>
+      </p:sp>
+      <p:sp>
+        <p:nvSpPr>
+          <p:cNvPr id="13" name="Text Placeholder 7"/>
+          <p:cNvSpPr>
+            <a:spLocks noGrp="1"/>
+          </p:cNvSpPr>
+          <p:nvPr>
+            <p:ph type="body" sz="quarter" idx="18"/>
+          </p:nvPr>
+        </p:nvSpPr>
+        <p:spPr>
+          <a:xfrm>
+            <a:off x="1447435" y="4038600"/>
+            <a:ext cx="381365" cy="381000"/>
+          </a:xfrm>
+        </p:spPr>
+        <p:txBody>
+          <a:bodyPr/>
+          <a:lstStyle/>
+          <a:p>
+            <a:r>
+              <a:rPr lang="en-US" dirty="0"/>
+              <a:t>5</a:t>
+            </a:r>
+          </a:p>
+        </p:txBody>
+      </p:sp>
+      <p:sp>
+        <p:nvSpPr>
+          <p:cNvPr id="14" name="Text Placeholder 6"/>
+          <p:cNvSpPr>
+            <a:spLocks noGrp="1"/>
+          </p:cNvSpPr>
+          <p:nvPr>
+            <p:ph type="body" sz="quarter" idx="17"/>
+          </p:nvPr>
+        </p:nvSpPr>
+        <p:spPr>
+          <a:xfrm>
+            <a:off x="1981200" y="4572000"/>
+            <a:ext cx="6019800" cy="523220"/>
+          </a:xfrm>
+        </p:spPr>
+        <p:txBody>
+          <a:bodyPr/>
+          <a:lstStyle/>
+          <a:p>
+            <a:r>
+              <a:rPr lang="en-US" altLang="zh-CN" sz="2800" dirty="0"/>
+              <a:t>Middleware</a:t>
+            </a:r>
+            <a:endParaRPr lang="en-US" sz="2800" dirty="0"/>
+          </a:p>
+        </p:txBody>
+      </p:sp>
+      <p:sp>
+        <p:nvSpPr>
+          <p:cNvPr id="15" name="Text Placeholder 7"/>
+          <p:cNvSpPr>
+            <a:spLocks noGrp="1"/>
+          </p:cNvSpPr>
+          <p:nvPr>
+            <p:ph type="body" sz="quarter" idx="18"/>
+          </p:nvPr>
+        </p:nvSpPr>
+        <p:spPr>
+          <a:xfrm>
+            <a:off x="1447435" y="4648200"/>
+            <a:ext cx="381365" cy="381000"/>
+          </a:xfrm>
+        </p:spPr>
+        <p:txBody>
+          <a:bodyPr/>
+          <a:lstStyle/>
+          <a:p>
+            <a:r>
+              <a:rPr lang="en-US" dirty="0"/>
+              <a:t>6</a:t>
+            </a:r>
+          </a:p>
+        </p:txBody>
+      </p:sp>
+    </p:spTree>
+  </p:cSld>
+  <p:clrMapOvr>
+    <a:masterClrMapping/>
+  </p:clrMapOvr>
+</p:sld>
+</file>
+
+<file path=ppt/slides/slide20.xml><?xml version="1.0" encoding="utf-8"?>
+<p:sld xmlns:a="http://schemas.openxmlformats.org/drawingml/2006/main" xmlns:r="http://schemas.openxmlformats.org/officeDocument/2006/relationships" xmlns:p="http://schemas.openxmlformats.org/presentationml/2006/main">
+  <p:cSld>
+    <p:spTree>
+      <p:nvGrpSpPr>
+        <p:cNvPr id="1" name=""/>
+        <p:cNvGrpSpPr/>
+        <p:nvPr/>
+      </p:nvGrpSpPr>
+      <p:grpSpPr>
+        <a:xfrm>
+          <a:off x="0" y="0"/>
+          <a:ext cx="0" cy="0"/>
+          <a:chOff x="0" y="0"/>
+          <a:chExt cx="0" cy="0"/>
+        </a:xfrm>
+      </p:grpSpPr>
+      <p:sp>
+        <p:nvSpPr>
+          <p:cNvPr id="2" name="Text Placeholder 1"/>
+          <p:cNvSpPr>
+            <a:spLocks noGrp="1"/>
+          </p:cNvSpPr>
+          <p:nvPr>
+            <p:ph type="body" sz="quarter" idx="13"/>
+          </p:nvPr>
+        </p:nvSpPr>
+        <p:spPr/>
+        <p:txBody>
+          <a:bodyPr/>
+          <a:lstStyle/>
+          <a:p>
+            <a:r>
+              <a:rPr lang="en-US" dirty="0"/>
+              <a:t>4</a:t>
+            </a:r>
+          </a:p>
+        </p:txBody>
+      </p:sp>
+      <p:sp>
+        <p:nvSpPr>
+          <p:cNvPr id="3" name="Text Placeholder 2"/>
+          <p:cNvSpPr>
+            <a:spLocks noGrp="1"/>
+          </p:cNvSpPr>
+          <p:nvPr>
+            <p:ph type="body" sz="quarter" idx="14"/>
+          </p:nvPr>
+        </p:nvSpPr>
+        <p:spPr/>
+        <p:txBody>
+          <a:bodyPr/>
+          <a:lstStyle/>
+          <a:p>
+            <a:r>
+              <a:rPr lang="en-US" altLang="zh-CN" dirty="0"/>
+              <a:t>Schema</a:t>
+            </a:r>
+            <a:endParaRPr lang="en-US" dirty="0"/>
+          </a:p>
+          <a:p>
+            <a:endParaRPr lang="en-US" dirty="0"/>
+          </a:p>
+        </p:txBody>
+      </p:sp>
+      <p:sp>
+        <p:nvSpPr>
+          <p:cNvPr id="8" name="TextBox 2"/>
+          <p:cNvSpPr txBox="1">
+            <a:spLocks noChangeArrowheads="1"/>
+          </p:cNvSpPr>
+          <p:nvPr/>
+        </p:nvSpPr>
+        <p:spPr bwMode="auto">
+          <a:xfrm>
+            <a:off x="-76200" y="1000839"/>
+            <a:ext cx="9144000" cy="646331"/>
+          </a:xfrm>
+          <a:prstGeom prst="rect">
+            <a:avLst/>
+          </a:prstGeom>
+          <a:noFill/>
+          <a:ln>
+            <a:noFill/>
+          </a:ln>
+          <a:extLst>
+            <a:ext uri="{909E8E84-426E-40DD-AFC4-6F175D3DCCD1}">
+              <a14:hiddenFill xmlns:a14="http://schemas.microsoft.com/office/drawing/2010/main">
+                <a:solidFill>
+                  <a:srgbClr val="FFFFFF"/>
+                </a:solidFill>
+              </a14:hiddenFill>
+            </a:ext>
+            <a:ext uri="{91240B29-F687-4F45-9708-019B960494DF}">
+              <a14:hiddenLine xmlns:a14="http://schemas.microsoft.com/office/drawing/2010/main" w="9525">
+                <a:solidFill>
+                  <a:srgbClr val="000000"/>
+                </a:solidFill>
+                <a:miter lim="800000"/>
+                <a:headEnd/>
+                <a:tailEnd/>
+              </a14:hiddenLine>
+            </a:ext>
+          </a:extLst>
+        </p:spPr>
+        <p:txBody>
+          <a:bodyPr wrap="square">
+            <a:spAutoFit/>
+          </a:bodyPr>
+          <a:lstStyle>
+            <a:lvl1pPr marL="571500" indent="-571500" eaLnBrk="0" hangingPunct="0">
+              <a:defRPr>
+                <a:solidFill>
+                  <a:schemeClr val="tx1"/>
+                </a:solidFill>
+                <a:latin typeface="Arial" panose="020B0604020202020204" pitchFamily="34" charset="0"/>
+                <a:ea typeface="宋体" panose="02010600030101010101" pitchFamily="2" charset="-122"/>
+              </a:defRPr>
+            </a:lvl1pPr>
+            <a:lvl2pPr marL="742950" indent="-285750" eaLnBrk="0" hangingPunct="0">
+              <a:defRPr>
+                <a:solidFill>
+                  <a:schemeClr val="tx1"/>
+                </a:solidFill>
+                <a:latin typeface="Arial" panose="020B0604020202020204" pitchFamily="34" charset="0"/>
+                <a:ea typeface="宋体" panose="02010600030101010101" pitchFamily="2" charset="-122"/>
+              </a:defRPr>
+            </a:lvl2pPr>
+            <a:lvl3pPr marL="1143000" indent="-228600" eaLnBrk="0" hangingPunct="0">
+              <a:defRPr>
+                <a:solidFill>
+                  <a:schemeClr val="tx1"/>
+                </a:solidFill>
+                <a:latin typeface="Arial" panose="020B0604020202020204" pitchFamily="34" charset="0"/>
+                <a:ea typeface="宋体" panose="02010600030101010101" pitchFamily="2" charset="-122"/>
+              </a:defRPr>
+            </a:lvl3pPr>
+            <a:lvl4pPr marL="1600200" indent="-228600" eaLnBrk="0" hangingPunct="0">
+              <a:defRPr>
+                <a:solidFill>
+                  <a:schemeClr val="tx1"/>
+                </a:solidFill>
+                <a:latin typeface="Arial" panose="020B0604020202020204" pitchFamily="34" charset="0"/>
+                <a:ea typeface="宋体" panose="02010600030101010101" pitchFamily="2" charset="-122"/>
+              </a:defRPr>
+            </a:lvl4pPr>
+            <a:lvl5pPr marL="2057400" indent="-228600" eaLnBrk="0" hangingPunct="0">
+              <a:defRPr>
+                <a:solidFill>
+                  <a:schemeClr val="tx1"/>
+                </a:solidFill>
+                <a:latin typeface="Arial" panose="020B0604020202020204" pitchFamily="34" charset="0"/>
+                <a:ea typeface="宋体" panose="02010600030101010101" pitchFamily="2" charset="-122"/>
+              </a:defRPr>
+            </a:lvl5pPr>
+            <a:lvl6pPr marL="2514600" indent="-228600" eaLnBrk="0" fontAlgn="base" hangingPunct="0">
+              <a:spcBef>
+                <a:spcPct val="0"/>
+              </a:spcBef>
+              <a:spcAft>
+                <a:spcPct val="0"/>
+              </a:spcAft>
+              <a:defRPr>
+                <a:solidFill>
+                  <a:schemeClr val="tx1"/>
+                </a:solidFill>
+                <a:latin typeface="Arial" panose="020B0604020202020204" pitchFamily="34" charset="0"/>
+                <a:ea typeface="宋体" panose="02010600030101010101" pitchFamily="2" charset="-122"/>
+              </a:defRPr>
+            </a:lvl6pPr>
+            <a:lvl7pPr marL="2971800" indent="-228600" eaLnBrk="0" fontAlgn="base" hangingPunct="0">
+              <a:spcBef>
+                <a:spcPct val="0"/>
+              </a:spcBef>
+              <a:spcAft>
+                <a:spcPct val="0"/>
+              </a:spcAft>
+              <a:defRPr>
+                <a:solidFill>
+                  <a:schemeClr val="tx1"/>
+                </a:solidFill>
+                <a:latin typeface="Arial" panose="020B0604020202020204" pitchFamily="34" charset="0"/>
+                <a:ea typeface="宋体" panose="02010600030101010101" pitchFamily="2" charset="-122"/>
+              </a:defRPr>
+            </a:lvl7pPr>
+            <a:lvl8pPr marL="3429000" indent="-228600" eaLnBrk="0" fontAlgn="base" hangingPunct="0">
+              <a:spcBef>
+                <a:spcPct val="0"/>
+              </a:spcBef>
+              <a:spcAft>
+                <a:spcPct val="0"/>
+              </a:spcAft>
+              <a:defRPr>
+                <a:solidFill>
+                  <a:schemeClr val="tx1"/>
+                </a:solidFill>
+                <a:latin typeface="Arial" panose="020B0604020202020204" pitchFamily="34" charset="0"/>
+                <a:ea typeface="宋体" panose="02010600030101010101" pitchFamily="2" charset="-122"/>
+              </a:defRPr>
+            </a:lvl8pPr>
+            <a:lvl9pPr marL="3886200" indent="-228600" eaLnBrk="0" fontAlgn="base" hangingPunct="0">
+              <a:spcBef>
+                <a:spcPct val="0"/>
+              </a:spcBef>
+              <a:spcAft>
+                <a:spcPct val="0"/>
+              </a:spcAft>
+              <a:defRPr>
+                <a:solidFill>
+                  <a:schemeClr val="tx1"/>
+                </a:solidFill>
+                <a:latin typeface="Arial" panose="020B0604020202020204" pitchFamily="34" charset="0"/>
+                <a:ea typeface="宋体" panose="02010600030101010101" pitchFamily="2" charset="-122"/>
+              </a:defRPr>
+            </a:lvl9pPr>
+          </a:lstStyle>
+          <a:p>
+            <a:r>
+              <a:rPr lang="en-US" sz="3600" dirty="0"/>
+              <a:t>(5)Sub schema:</a:t>
+            </a:r>
+          </a:p>
+        </p:txBody>
+      </p:sp>
+      <p:pic>
+        <p:nvPicPr>
+          <p:cNvPr id="10" name="Picture 9"/>
+          <p:cNvPicPr>
+            <a:picLocks noChangeAspect="1"/>
+          </p:cNvPicPr>
+          <p:nvPr/>
+        </p:nvPicPr>
+        <p:blipFill>
+          <a:blip r:embed="rId2"/>
+          <a:stretch>
+            <a:fillRect/>
+          </a:stretch>
+        </p:blipFill>
+        <p:spPr>
+          <a:xfrm>
+            <a:off x="990600" y="1647169"/>
+            <a:ext cx="5791200" cy="2480117"/>
+          </a:xfrm>
+          <a:prstGeom prst="rect">
+            <a:avLst/>
+          </a:prstGeom>
+        </p:spPr>
+      </p:pic>
+      <p:pic>
+        <p:nvPicPr>
+          <p:cNvPr id="11" name="Picture 10"/>
+          <p:cNvPicPr>
+            <a:picLocks noChangeAspect="1"/>
+          </p:cNvPicPr>
+          <p:nvPr/>
+        </p:nvPicPr>
+        <p:blipFill>
+          <a:blip r:embed="rId3"/>
+          <a:stretch>
+            <a:fillRect/>
+          </a:stretch>
+        </p:blipFill>
+        <p:spPr>
+          <a:xfrm>
+            <a:off x="1000328" y="4210050"/>
+            <a:ext cx="6619672" cy="2547048"/>
+          </a:xfrm>
+          <a:prstGeom prst="rect">
+            <a:avLst/>
+          </a:prstGeom>
+        </p:spPr>
+      </p:pic>
+      <p:sp>
+        <p:nvSpPr>
+          <p:cNvPr id="7" name="矩形 4"/>
+          <p:cNvSpPr/>
+          <p:nvPr/>
+        </p:nvSpPr>
+        <p:spPr>
+          <a:xfrm>
+            <a:off x="1600200" y="6038850"/>
+            <a:ext cx="3810000" cy="356056"/>
+          </a:xfrm>
+          <a:prstGeom prst="rect">
+            <a:avLst/>
+          </a:prstGeom>
+          <a:noFill/>
+          <a:ln w="38100">
+            <a:solidFill>
+              <a:srgbClr val="FF0000"/>
+            </a:solidFill>
+            <a:prstDash val="sysDash"/>
+          </a:ln>
+        </p:spPr>
+        <p:style>
+          <a:lnRef idx="2">
+            <a:schemeClr val="accent1">
+              <a:shade val="50000"/>
+            </a:schemeClr>
+          </a:lnRef>
+          <a:fillRef idx="1">
+            <a:schemeClr val="accent1"/>
+          </a:fillRef>
+          <a:effectRef idx="0">
+            <a:schemeClr val="accent1"/>
+          </a:effectRef>
+          <a:fontRef idx="minor">
+            <a:schemeClr val="lt1"/>
+          </a:fontRef>
+        </p:style>
+        <p:txBody>
+          <a:bodyPr rtlCol="0" anchor="ctr"/>
+          <a:lstStyle/>
+          <a:p>
+            <a:pPr algn="ctr"/>
+            <a:endParaRPr lang="zh-CN" altLang="en-US">
+              <a:solidFill>
+                <a:srgbClr val="FF0000"/>
+              </a:solidFill>
+            </a:endParaRPr>
+          </a:p>
+        </p:txBody>
+      </p:sp>
+      <p:cxnSp>
+        <p:nvCxnSpPr>
+          <p:cNvPr id="13" name="Elbow Connector 12"/>
+          <p:cNvCxnSpPr>
+            <a:stCxn id="7" idx="3"/>
+            <a:endCxn id="20" idx="3"/>
+          </p:cNvCxnSpPr>
+          <p:nvPr/>
+        </p:nvCxnSpPr>
+        <p:spPr>
+          <a:xfrm flipV="1">
+            <a:off x="5410200" y="2863615"/>
+            <a:ext cx="914400" cy="3353263"/>
+          </a:xfrm>
+          <a:prstGeom prst="bentConnector3">
+            <a:avLst>
+              <a:gd name="adj1" fmla="val 125000"/>
+            </a:avLst>
+          </a:prstGeom>
+          <a:noFill/>
+          <a:ln w="38100">
+            <a:solidFill>
+              <a:srgbClr val="FF0000"/>
+            </a:solidFill>
+            <a:prstDash val="sysDash"/>
+            <a:tailEnd type="triangle"/>
+          </a:ln>
+        </p:spPr>
+        <p:style>
+          <a:lnRef idx="2">
+            <a:schemeClr val="accent1">
+              <a:shade val="50000"/>
+            </a:schemeClr>
+          </a:lnRef>
+          <a:fillRef idx="1">
+            <a:schemeClr val="accent1"/>
+          </a:fillRef>
+          <a:effectRef idx="0">
+            <a:schemeClr val="accent1"/>
+          </a:effectRef>
+          <a:fontRef idx="minor">
+            <a:schemeClr val="lt1"/>
+          </a:fontRef>
+        </p:style>
+      </p:cxnSp>
+      <p:sp>
+        <p:nvSpPr>
+          <p:cNvPr id="20" name="矩形 4"/>
+          <p:cNvSpPr/>
+          <p:nvPr/>
+        </p:nvSpPr>
+        <p:spPr>
+          <a:xfrm>
+            <a:off x="1066800" y="2057400"/>
+            <a:ext cx="5257800" cy="1612430"/>
+          </a:xfrm>
+          <a:prstGeom prst="rect">
+            <a:avLst/>
+          </a:prstGeom>
+          <a:noFill/>
+          <a:ln w="38100">
+            <a:solidFill>
+              <a:srgbClr val="FF0000"/>
+            </a:solidFill>
+            <a:prstDash val="sysDash"/>
+          </a:ln>
+        </p:spPr>
+        <p:style>
+          <a:lnRef idx="2">
+            <a:schemeClr val="accent1">
+              <a:shade val="50000"/>
+            </a:schemeClr>
+          </a:lnRef>
+          <a:fillRef idx="1">
+            <a:schemeClr val="accent1"/>
+          </a:fillRef>
+          <a:effectRef idx="0">
+            <a:schemeClr val="accent1"/>
+          </a:effectRef>
+          <a:fontRef idx="minor">
+            <a:schemeClr val="lt1"/>
+          </a:fontRef>
+        </p:style>
+        <p:txBody>
+          <a:bodyPr rtlCol="0" anchor="ctr"/>
+          <a:lstStyle/>
+          <a:p>
+            <a:pPr algn="ctr"/>
+            <a:endParaRPr lang="zh-CN" altLang="en-US">
+              <a:solidFill>
+                <a:srgbClr val="FF0000"/>
+              </a:solidFill>
+            </a:endParaRPr>
+          </a:p>
+        </p:txBody>
+      </p:sp>
+    </p:spTree>
+    <p:extLst>
+      <p:ext uri="{BB962C8B-B14F-4D97-AF65-F5344CB8AC3E}">
+        <p14:creationId xmlns:p14="http://schemas.microsoft.com/office/powerpoint/2010/main" val="2560707085"/>
+      </p:ext>
+    </p:extLst>
+  </p:cSld>
+  <p:clrMapOvr>
+    <a:masterClrMapping/>
+  </p:clrMapOvr>
+  <p:timing>
+    <p:tnLst>
+      <p:par>
+        <p:cTn id="1" dur="indefinite" restart="never" nodeType="tmRoot">
+          <p:childTnLst>
+            <p:seq concurrent="1" nextAc="seek">
+              <p:cTn id="2" dur="indefinite" nodeType="mainSeq">
+                <p:childTnLst>
+                  <p:par>
+                    <p:cTn id="3" fill="hold">
+                      <p:stCondLst>
+                        <p:cond delay="indefinite"/>
+                      </p:stCondLst>
+                      <p:childTnLst>
+                        <p:par>
+                          <p:cTn id="4" fill="hold">
+                            <p:stCondLst>
+                              <p:cond delay="0"/>
+                            </p:stCondLst>
+                            <p:childTnLst>
+                              <p:par>
+                                <p:cTn id="5" presetID="10" presetClass="entr" presetSubtype="0" fill="hold" grpId="0" nodeType="clickEffect">
+                                  <p:stCondLst>
+                                    <p:cond delay="0"/>
+                                  </p:stCondLst>
+                                  <p:childTnLst>
+                                    <p:set>
+                                      <p:cBhvr>
+                                        <p:cTn id="6" dur="1" fill="hold">
+                                          <p:stCondLst>
+                                            <p:cond delay="0"/>
+                                          </p:stCondLst>
+                                        </p:cTn>
+                                        <p:tgtEl>
+                                          <p:spTgt spid="7"/>
+                                        </p:tgtEl>
+                                        <p:attrNameLst>
+                                          <p:attrName>style.visibility</p:attrName>
+                                        </p:attrNameLst>
+                                      </p:cBhvr>
+                                      <p:to>
+                                        <p:strVal val="visible"/>
+                                      </p:to>
+                                    </p:set>
+                                    <p:animEffect transition="in" filter="fade">
+                                      <p:cBhvr>
+                                        <p:cTn id="7" dur="500"/>
+                                        <p:tgtEl>
+                                          <p:spTgt spid="7"/>
+                                        </p:tgtEl>
+                                      </p:cBhvr>
+                                    </p:animEffect>
+                                  </p:childTnLst>
+                                </p:cTn>
+                              </p:par>
+                              <p:par>
+                                <p:cTn id="8" presetID="10" presetClass="entr" presetSubtype="0" fill="hold" nodeType="withEffect">
+                                  <p:stCondLst>
+                                    <p:cond delay="0"/>
+                                  </p:stCondLst>
+                                  <p:childTnLst>
+                                    <p:set>
+                                      <p:cBhvr>
+                                        <p:cTn id="9" dur="1" fill="hold">
+                                          <p:stCondLst>
+                                            <p:cond delay="0"/>
+                                          </p:stCondLst>
+                                        </p:cTn>
+                                        <p:tgtEl>
+                                          <p:spTgt spid="13"/>
+                                        </p:tgtEl>
+                                        <p:attrNameLst>
+                                          <p:attrName>style.visibility</p:attrName>
+                                        </p:attrNameLst>
+                                      </p:cBhvr>
+                                      <p:to>
+                                        <p:strVal val="visible"/>
+                                      </p:to>
+                                    </p:set>
+                                    <p:animEffect transition="in" filter="fade">
+                                      <p:cBhvr>
+                                        <p:cTn id="10" dur="500"/>
+                                        <p:tgtEl>
+                                          <p:spTgt spid="13"/>
+                                        </p:tgtEl>
+                                      </p:cBhvr>
+                                    </p:animEffect>
+                                  </p:childTnLst>
+                                </p:cTn>
+                              </p:par>
+                              <p:par>
+                                <p:cTn id="11" presetID="10" presetClass="entr" presetSubtype="0" fill="hold" grpId="0" nodeType="withEffect">
+                                  <p:stCondLst>
+                                    <p:cond delay="0"/>
+                                  </p:stCondLst>
+                                  <p:childTnLst>
+                                    <p:set>
+                                      <p:cBhvr>
+                                        <p:cTn id="12" dur="1" fill="hold">
+                                          <p:stCondLst>
+                                            <p:cond delay="0"/>
+                                          </p:stCondLst>
+                                        </p:cTn>
+                                        <p:tgtEl>
+                                          <p:spTgt spid="20"/>
+                                        </p:tgtEl>
+                                        <p:attrNameLst>
+                                          <p:attrName>style.visibility</p:attrName>
+                                        </p:attrNameLst>
+                                      </p:cBhvr>
+                                      <p:to>
+                                        <p:strVal val="visible"/>
+                                      </p:to>
+                                    </p:set>
+                                    <p:animEffect transition="in" filter="fade">
+                                      <p:cBhvr>
+                                        <p:cTn id="13" dur="500"/>
+                                        <p:tgtEl>
+                                          <p:spTgt spid="20"/>
+                                        </p:tgtEl>
+                                      </p:cBhvr>
+                                    </p:animEffect>
+                                  </p:childTnLst>
+                                </p:cTn>
+                              </p:par>
+                            </p:childTnLst>
+                          </p:cTn>
+                        </p:par>
+                      </p:childTnLst>
+                    </p:cTn>
+                  </p:par>
+                </p:childTnLst>
+              </p:cTn>
+              <p:prevCondLst>
+                <p:cond evt="onPrev" delay="0">
+                  <p:tgtEl>
+                    <p:sldTgt/>
+                  </p:tgtEl>
+                </p:cond>
+              </p:prevCondLst>
+              <p:nextCondLst>
+                <p:cond evt="onNext" delay="0">
+                  <p:tgtEl>
+                    <p:sldTgt/>
+                  </p:tgtEl>
+                </p:cond>
+              </p:nextCondLst>
+            </p:seq>
+          </p:childTnLst>
+        </p:cTn>
+      </p:par>
+    </p:tnLst>
+    <p:bldLst>
+      <p:bldP spid="7" grpId="0" animBg="1"/>
+      <p:bldP spid="20" grpId="0" animBg="1"/>
+    </p:bldLst>
+  </p:timing>
+</p:sld>
+</file>
+
+<file path=ppt/slides/slide21.xml><?xml version="1.0" encoding="utf-8"?>
+<p:sld xmlns:a="http://schemas.openxmlformats.org/drawingml/2006/main" xmlns:r="http://schemas.openxmlformats.org/officeDocument/2006/relationships" xmlns:p="http://schemas.openxmlformats.org/presentationml/2006/main">
+  <p:cSld>
+    <p:spTree>
+      <p:nvGrpSpPr>
+        <p:cNvPr id="1" name=""/>
+        <p:cNvGrpSpPr/>
+        <p:nvPr/>
+      </p:nvGrpSpPr>
+      <p:grpSpPr>
+        <a:xfrm>
+          <a:off x="0" y="0"/>
+          <a:ext cx="0" cy="0"/>
+          <a:chOff x="0" y="0"/>
+          <a:chExt cx="0" cy="0"/>
+        </a:xfrm>
+      </p:grpSpPr>
+      <p:sp>
+        <p:nvSpPr>
+          <p:cNvPr id="2" name="Text Placeholder 1"/>
+          <p:cNvSpPr>
+            <a:spLocks noGrp="1"/>
+          </p:cNvSpPr>
+          <p:nvPr>
+            <p:ph type="body" sz="quarter" idx="13"/>
+          </p:nvPr>
+        </p:nvSpPr>
+        <p:spPr/>
+        <p:txBody>
+          <a:bodyPr/>
+          <a:lstStyle/>
+          <a:p>
+            <a:r>
+              <a:rPr lang="en-US" dirty="0"/>
+              <a:t>4</a:t>
+            </a:r>
+          </a:p>
+        </p:txBody>
+      </p:sp>
+      <p:sp>
+        <p:nvSpPr>
+          <p:cNvPr id="3" name="Text Placeholder 2"/>
+          <p:cNvSpPr>
+            <a:spLocks noGrp="1"/>
+          </p:cNvSpPr>
+          <p:nvPr>
+            <p:ph type="body" sz="quarter" idx="14"/>
+          </p:nvPr>
+        </p:nvSpPr>
+        <p:spPr/>
+        <p:txBody>
+          <a:bodyPr/>
+          <a:lstStyle/>
+          <a:p>
+            <a:r>
+              <a:rPr lang="en-US" altLang="zh-CN" dirty="0"/>
+              <a:t>Schema</a:t>
+            </a:r>
+            <a:endParaRPr lang="en-US" dirty="0"/>
+          </a:p>
+          <a:p>
+            <a:endParaRPr lang="en-US" dirty="0"/>
+          </a:p>
+        </p:txBody>
+      </p:sp>
+      <p:sp>
+        <p:nvSpPr>
+          <p:cNvPr id="8" name="TextBox 2"/>
+          <p:cNvSpPr txBox="1">
+            <a:spLocks noChangeArrowheads="1"/>
+          </p:cNvSpPr>
+          <p:nvPr/>
+        </p:nvSpPr>
+        <p:spPr bwMode="auto">
+          <a:xfrm>
+            <a:off x="-76200" y="1000839"/>
+            <a:ext cx="9144000" cy="3046988"/>
+          </a:xfrm>
+          <a:prstGeom prst="rect">
+            <a:avLst/>
+          </a:prstGeom>
+          <a:noFill/>
+          <a:ln>
+            <a:noFill/>
+          </a:ln>
+          <a:extLst>
+            <a:ext uri="{909E8E84-426E-40DD-AFC4-6F175D3DCCD1}">
+              <a14:hiddenFill xmlns:a14="http://schemas.microsoft.com/office/drawing/2010/main">
+                <a:solidFill>
+                  <a:srgbClr val="FFFFFF"/>
+                </a:solidFill>
+              </a14:hiddenFill>
+            </a:ext>
+            <a:ext uri="{91240B29-F687-4F45-9708-019B960494DF}">
+              <a14:hiddenLine xmlns:a14="http://schemas.microsoft.com/office/drawing/2010/main" w="9525">
+                <a:solidFill>
+                  <a:srgbClr val="000000"/>
+                </a:solidFill>
+                <a:miter lim="800000"/>
+                <a:headEnd/>
+                <a:tailEnd/>
+              </a14:hiddenLine>
+            </a:ext>
+          </a:extLst>
+        </p:spPr>
+        <p:txBody>
+          <a:bodyPr wrap="square">
+            <a:spAutoFit/>
+          </a:bodyPr>
+          <a:lstStyle>
+            <a:lvl1pPr marL="571500" indent="-571500" eaLnBrk="0" hangingPunct="0">
+              <a:defRPr>
+                <a:solidFill>
+                  <a:schemeClr val="tx1"/>
+                </a:solidFill>
+                <a:latin typeface="Arial" panose="020B0604020202020204" pitchFamily="34" charset="0"/>
+                <a:ea typeface="宋体" panose="02010600030101010101" pitchFamily="2" charset="-122"/>
+              </a:defRPr>
+            </a:lvl1pPr>
+            <a:lvl2pPr marL="742950" indent="-285750" eaLnBrk="0" hangingPunct="0">
+              <a:defRPr>
+                <a:solidFill>
+                  <a:schemeClr val="tx1"/>
+                </a:solidFill>
+                <a:latin typeface="Arial" panose="020B0604020202020204" pitchFamily="34" charset="0"/>
+                <a:ea typeface="宋体" panose="02010600030101010101" pitchFamily="2" charset="-122"/>
+              </a:defRPr>
+            </a:lvl2pPr>
+            <a:lvl3pPr marL="1143000" indent="-228600" eaLnBrk="0" hangingPunct="0">
+              <a:defRPr>
+                <a:solidFill>
+                  <a:schemeClr val="tx1"/>
+                </a:solidFill>
+                <a:latin typeface="Arial" panose="020B0604020202020204" pitchFamily="34" charset="0"/>
+                <a:ea typeface="宋体" panose="02010600030101010101" pitchFamily="2" charset="-122"/>
+              </a:defRPr>
+            </a:lvl3pPr>
+            <a:lvl4pPr marL="1600200" indent="-228600" eaLnBrk="0" hangingPunct="0">
+              <a:defRPr>
+                <a:solidFill>
+                  <a:schemeClr val="tx1"/>
+                </a:solidFill>
+                <a:latin typeface="Arial" panose="020B0604020202020204" pitchFamily="34" charset="0"/>
+                <a:ea typeface="宋体" panose="02010600030101010101" pitchFamily="2" charset="-122"/>
+              </a:defRPr>
+            </a:lvl4pPr>
+            <a:lvl5pPr marL="2057400" indent="-228600" eaLnBrk="0" hangingPunct="0">
+              <a:defRPr>
+                <a:solidFill>
+                  <a:schemeClr val="tx1"/>
+                </a:solidFill>
+                <a:latin typeface="Arial" panose="020B0604020202020204" pitchFamily="34" charset="0"/>
+                <a:ea typeface="宋体" panose="02010600030101010101" pitchFamily="2" charset="-122"/>
+              </a:defRPr>
+            </a:lvl5pPr>
+            <a:lvl6pPr marL="2514600" indent="-228600" eaLnBrk="0" fontAlgn="base" hangingPunct="0">
+              <a:spcBef>
+                <a:spcPct val="0"/>
+              </a:spcBef>
+              <a:spcAft>
+                <a:spcPct val="0"/>
+              </a:spcAft>
+              <a:defRPr>
+                <a:solidFill>
+                  <a:schemeClr val="tx1"/>
+                </a:solidFill>
+                <a:latin typeface="Arial" panose="020B0604020202020204" pitchFamily="34" charset="0"/>
+                <a:ea typeface="宋体" panose="02010600030101010101" pitchFamily="2" charset="-122"/>
+              </a:defRPr>
+            </a:lvl6pPr>
+            <a:lvl7pPr marL="2971800" indent="-228600" eaLnBrk="0" fontAlgn="base" hangingPunct="0">
+              <a:spcBef>
+                <a:spcPct val="0"/>
+              </a:spcBef>
+              <a:spcAft>
+                <a:spcPct val="0"/>
+              </a:spcAft>
+              <a:defRPr>
+                <a:solidFill>
+                  <a:schemeClr val="tx1"/>
+                </a:solidFill>
+                <a:latin typeface="Arial" panose="020B0604020202020204" pitchFamily="34" charset="0"/>
+                <a:ea typeface="宋体" panose="02010600030101010101" pitchFamily="2" charset="-122"/>
+              </a:defRPr>
+            </a:lvl7pPr>
+            <a:lvl8pPr marL="3429000" indent="-228600" eaLnBrk="0" fontAlgn="base" hangingPunct="0">
+              <a:spcBef>
+                <a:spcPct val="0"/>
+              </a:spcBef>
+              <a:spcAft>
+                <a:spcPct val="0"/>
+              </a:spcAft>
+              <a:defRPr>
+                <a:solidFill>
+                  <a:schemeClr val="tx1"/>
+                </a:solidFill>
+                <a:latin typeface="Arial" panose="020B0604020202020204" pitchFamily="34" charset="0"/>
+                <a:ea typeface="宋体" panose="02010600030101010101" pitchFamily="2" charset="-122"/>
+              </a:defRPr>
+            </a:lvl8pPr>
+            <a:lvl9pPr marL="3886200" indent="-228600" eaLnBrk="0" fontAlgn="base" hangingPunct="0">
+              <a:spcBef>
+                <a:spcPct val="0"/>
+              </a:spcBef>
+              <a:spcAft>
+                <a:spcPct val="0"/>
+              </a:spcAft>
+              <a:defRPr>
+                <a:solidFill>
+                  <a:schemeClr val="tx1"/>
+                </a:solidFill>
+                <a:latin typeface="Arial" panose="020B0604020202020204" pitchFamily="34" charset="0"/>
+                <a:ea typeface="宋体" panose="02010600030101010101" pitchFamily="2" charset="-122"/>
+              </a:defRPr>
+            </a:lvl9pPr>
+          </a:lstStyle>
+          <a:p>
+            <a:r>
+              <a:rPr lang="en-US" sz="3600" dirty="0"/>
+              <a:t>Reference:</a:t>
+            </a:r>
+          </a:p>
+          <a:p>
+            <a:pPr marL="742950" indent="-742950">
+              <a:buAutoNum type="arabicParenBoth"/>
+            </a:pPr>
+            <a:r>
+              <a:rPr lang="en-US" sz="2800" dirty="0">
+                <a:hlinkClick r:id="rId2"/>
+              </a:rPr>
+              <a:t>http://mongoosejs.com/docs/guide.html</a:t>
+            </a:r>
+            <a:endParaRPr lang="en-US" sz="2800" dirty="0"/>
+          </a:p>
+          <a:p>
+            <a:pPr marL="742950" indent="-742950">
+              <a:buFontTx/>
+              <a:buAutoNum type="arabicParenBoth"/>
+            </a:pPr>
+            <a:r>
+              <a:rPr lang="en-US" sz="2800" dirty="0">
+                <a:hlinkClick r:id="rId3"/>
+              </a:rPr>
+              <a:t>http://mongoosejs.com/docs/schematypes.html</a:t>
+            </a:r>
+            <a:endParaRPr lang="en-US" sz="2800" dirty="0"/>
+          </a:p>
+          <a:p>
+            <a:pPr marL="742950" indent="-742950">
+              <a:buAutoNum type="arabicParenBoth"/>
+            </a:pPr>
+            <a:r>
+              <a:rPr lang="en-US" sz="2800" dirty="0">
+                <a:hlinkClick r:id="rId4"/>
+              </a:rPr>
+              <a:t>http://mongoosejs.com/docs/subdocs.html</a:t>
+            </a:r>
+            <a:endParaRPr lang="en-US" sz="2800" dirty="0"/>
+          </a:p>
+          <a:p>
+            <a:pPr marL="0" indent="0"/>
+            <a:endParaRPr lang="en-US" sz="3600" dirty="0"/>
+          </a:p>
+          <a:p>
+            <a:pPr marL="742950" indent="-742950">
+              <a:buAutoNum type="arabicParenBoth"/>
+            </a:pPr>
+            <a:endParaRPr lang="en-US" sz="3600" dirty="0"/>
+          </a:p>
+        </p:txBody>
+      </p:sp>
+    </p:spTree>
+    <p:extLst>
+      <p:ext uri="{BB962C8B-B14F-4D97-AF65-F5344CB8AC3E}">
+        <p14:creationId xmlns:p14="http://schemas.microsoft.com/office/powerpoint/2010/main" val="1326995502"/>
+      </p:ext>
+    </p:extLst>
+  </p:cSld>
+  <p:clrMapOvr>
+    <a:masterClrMapping/>
+  </p:clrMapOvr>
+</p:sld>
+</file>
+
+<file path=ppt/slides/slide22.xml><?xml version="1.0" encoding="utf-8"?>
+<p:sld xmlns:a="http://schemas.openxmlformats.org/drawingml/2006/main" xmlns:r="http://schemas.openxmlformats.org/officeDocument/2006/relationships" xmlns:p="http://schemas.openxmlformats.org/presentationml/2006/main">
+  <p:cSld>
+    <p:spTree>
+      <p:nvGrpSpPr>
+        <p:cNvPr id="1" name=""/>
+        <p:cNvGrpSpPr/>
+        <p:nvPr/>
+      </p:nvGrpSpPr>
+      <p:grpSpPr>
+        <a:xfrm>
+          <a:off x="0" y="0"/>
+          <a:ext cx="0" cy="0"/>
+          <a:chOff x="0" y="0"/>
+          <a:chExt cx="0" cy="0"/>
+        </a:xfrm>
+      </p:grpSpPr>
+      <p:sp>
+        <p:nvSpPr>
+          <p:cNvPr id="2" name="Text Placeholder 1"/>
+          <p:cNvSpPr>
+            <a:spLocks noGrp="1"/>
+          </p:cNvSpPr>
+          <p:nvPr>
+            <p:ph type="body" sz="quarter" idx="14"/>
+          </p:nvPr>
+        </p:nvSpPr>
+        <p:spPr>
+          <a:xfrm>
+            <a:off x="1031081" y="1712742"/>
+            <a:ext cx="6019800" cy="646331"/>
+          </a:xfrm>
+        </p:spPr>
+        <p:txBody>
+          <a:bodyPr/>
+          <a:lstStyle/>
+          <a:p>
+            <a:r>
+              <a:rPr lang="en-US" altLang="zh-CN" dirty="0"/>
+              <a:t>Model</a:t>
+            </a:r>
+          </a:p>
+        </p:txBody>
+      </p:sp>
+      <p:sp>
+        <p:nvSpPr>
+          <p:cNvPr id="3" name="Text Placeholder 2"/>
+          <p:cNvSpPr>
+            <a:spLocks noGrp="1"/>
+          </p:cNvSpPr>
+          <p:nvPr>
+            <p:ph type="body" sz="quarter" idx="11"/>
+          </p:nvPr>
+        </p:nvSpPr>
+        <p:spPr/>
+        <p:txBody>
+          <a:bodyPr/>
+          <a:lstStyle/>
+          <a:p>
+            <a:r>
+              <a:rPr lang="en-US" dirty="0"/>
+              <a:t>5</a:t>
+            </a:r>
+          </a:p>
+        </p:txBody>
+      </p:sp>
+    </p:spTree>
+    <p:extLst>
+      <p:ext uri="{BB962C8B-B14F-4D97-AF65-F5344CB8AC3E}">
+        <p14:creationId xmlns:p14="http://schemas.microsoft.com/office/powerpoint/2010/main" val="362795797"/>
+      </p:ext>
+    </p:extLst>
+  </p:cSld>
+  <p:clrMapOvr>
+    <a:masterClrMapping/>
+  </p:clrMapOvr>
+</p:sld>
+</file>
+
+<file path=ppt/slides/slide23.xml><?xml version="1.0" encoding="utf-8"?>
+<p:sld xmlns:a="http://schemas.openxmlformats.org/drawingml/2006/main" xmlns:r="http://schemas.openxmlformats.org/officeDocument/2006/relationships" xmlns:p="http://schemas.openxmlformats.org/presentationml/2006/main">
+  <p:cSld>
+    <p:spTree>
+      <p:nvGrpSpPr>
+        <p:cNvPr id="1" name=""/>
+        <p:cNvGrpSpPr/>
+        <p:nvPr/>
+      </p:nvGrpSpPr>
+      <p:grpSpPr>
+        <a:xfrm>
+          <a:off x="0" y="0"/>
+          <a:ext cx="0" cy="0"/>
+          <a:chOff x="0" y="0"/>
+          <a:chExt cx="0" cy="0"/>
+        </a:xfrm>
+      </p:grpSpPr>
+      <p:sp>
+        <p:nvSpPr>
+          <p:cNvPr id="2" name="Text Placeholder 1"/>
+          <p:cNvSpPr>
+            <a:spLocks noGrp="1"/>
+          </p:cNvSpPr>
+          <p:nvPr>
+            <p:ph type="body" sz="quarter" idx="13"/>
+          </p:nvPr>
+        </p:nvSpPr>
+        <p:spPr/>
+        <p:txBody>
+          <a:bodyPr/>
+          <a:lstStyle/>
+          <a:p>
+            <a:r>
+              <a:rPr lang="en-US" dirty="0"/>
+              <a:t>5</a:t>
+            </a:r>
+          </a:p>
+        </p:txBody>
+      </p:sp>
+      <p:sp>
+        <p:nvSpPr>
+          <p:cNvPr id="3" name="Text Placeholder 2"/>
+          <p:cNvSpPr>
+            <a:spLocks noGrp="1"/>
+          </p:cNvSpPr>
+          <p:nvPr>
+            <p:ph type="body" sz="quarter" idx="14"/>
+          </p:nvPr>
+        </p:nvSpPr>
+        <p:spPr/>
+        <p:txBody>
+          <a:bodyPr/>
+          <a:lstStyle/>
+          <a:p>
+            <a:r>
+              <a:rPr lang="en-US" dirty="0"/>
+              <a:t>Model</a:t>
+            </a:r>
+          </a:p>
+          <a:p>
+            <a:endParaRPr lang="en-US" dirty="0"/>
+          </a:p>
+        </p:txBody>
+      </p:sp>
+      <p:sp>
+        <p:nvSpPr>
+          <p:cNvPr id="8" name="TextBox 2"/>
+          <p:cNvSpPr txBox="1">
+            <a:spLocks noChangeArrowheads="1"/>
+          </p:cNvSpPr>
+          <p:nvPr/>
+        </p:nvSpPr>
+        <p:spPr bwMode="auto">
+          <a:xfrm>
+            <a:off x="0" y="1143000"/>
+            <a:ext cx="9144000" cy="646331"/>
+          </a:xfrm>
+          <a:prstGeom prst="rect">
+            <a:avLst/>
+          </a:prstGeom>
+          <a:noFill/>
+          <a:ln>
+            <a:noFill/>
+          </a:ln>
+          <a:extLst>
+            <a:ext uri="{909E8E84-426E-40DD-AFC4-6F175D3DCCD1}">
+              <a14:hiddenFill xmlns:a14="http://schemas.microsoft.com/office/drawing/2010/main">
+                <a:solidFill>
+                  <a:srgbClr val="FFFFFF"/>
+                </a:solidFill>
+              </a14:hiddenFill>
+            </a:ext>
+            <a:ext uri="{91240B29-F687-4F45-9708-019B960494DF}">
+              <a14:hiddenLine xmlns:a14="http://schemas.microsoft.com/office/drawing/2010/main" w="9525">
+                <a:solidFill>
+                  <a:srgbClr val="000000"/>
+                </a:solidFill>
+                <a:miter lim="800000"/>
+                <a:headEnd/>
+                <a:tailEnd/>
+              </a14:hiddenLine>
+            </a:ext>
+          </a:extLst>
+        </p:spPr>
+        <p:txBody>
+          <a:bodyPr wrap="square">
+            <a:spAutoFit/>
+          </a:bodyPr>
+          <a:lstStyle>
+            <a:lvl1pPr marL="571500" indent="-571500" eaLnBrk="0" hangingPunct="0">
+              <a:defRPr>
+                <a:solidFill>
+                  <a:schemeClr val="tx1"/>
+                </a:solidFill>
+                <a:latin typeface="Arial" panose="020B0604020202020204" pitchFamily="34" charset="0"/>
+                <a:ea typeface="宋体" panose="02010600030101010101" pitchFamily="2" charset="-122"/>
+              </a:defRPr>
+            </a:lvl1pPr>
+            <a:lvl2pPr marL="742950" indent="-285750" eaLnBrk="0" hangingPunct="0">
+              <a:defRPr>
+                <a:solidFill>
+                  <a:schemeClr val="tx1"/>
+                </a:solidFill>
+                <a:latin typeface="Arial" panose="020B0604020202020204" pitchFamily="34" charset="0"/>
+                <a:ea typeface="宋体" panose="02010600030101010101" pitchFamily="2" charset="-122"/>
+              </a:defRPr>
+            </a:lvl2pPr>
+            <a:lvl3pPr marL="1143000" indent="-228600" eaLnBrk="0" hangingPunct="0">
+              <a:defRPr>
+                <a:solidFill>
+                  <a:schemeClr val="tx1"/>
+                </a:solidFill>
+                <a:latin typeface="Arial" panose="020B0604020202020204" pitchFamily="34" charset="0"/>
+                <a:ea typeface="宋体" panose="02010600030101010101" pitchFamily="2" charset="-122"/>
+              </a:defRPr>
+            </a:lvl3pPr>
+            <a:lvl4pPr marL="1600200" indent="-228600" eaLnBrk="0" hangingPunct="0">
+              <a:defRPr>
+                <a:solidFill>
+                  <a:schemeClr val="tx1"/>
+                </a:solidFill>
+                <a:latin typeface="Arial" panose="020B0604020202020204" pitchFamily="34" charset="0"/>
+                <a:ea typeface="宋体" panose="02010600030101010101" pitchFamily="2" charset="-122"/>
+              </a:defRPr>
+            </a:lvl4pPr>
+            <a:lvl5pPr marL="2057400" indent="-228600" eaLnBrk="0" hangingPunct="0">
+              <a:defRPr>
+                <a:solidFill>
+                  <a:schemeClr val="tx1"/>
+                </a:solidFill>
+                <a:latin typeface="Arial" panose="020B0604020202020204" pitchFamily="34" charset="0"/>
+                <a:ea typeface="宋体" panose="02010600030101010101" pitchFamily="2" charset="-122"/>
+              </a:defRPr>
+            </a:lvl5pPr>
+            <a:lvl6pPr marL="2514600" indent="-228600" eaLnBrk="0" fontAlgn="base" hangingPunct="0">
+              <a:spcBef>
+                <a:spcPct val="0"/>
+              </a:spcBef>
+              <a:spcAft>
+                <a:spcPct val="0"/>
+              </a:spcAft>
+              <a:defRPr>
+                <a:solidFill>
+                  <a:schemeClr val="tx1"/>
+                </a:solidFill>
+                <a:latin typeface="Arial" panose="020B0604020202020204" pitchFamily="34" charset="0"/>
+                <a:ea typeface="宋体" panose="02010600030101010101" pitchFamily="2" charset="-122"/>
+              </a:defRPr>
+            </a:lvl6pPr>
+            <a:lvl7pPr marL="2971800" indent="-228600" eaLnBrk="0" fontAlgn="base" hangingPunct="0">
+              <a:spcBef>
+                <a:spcPct val="0"/>
+              </a:spcBef>
+              <a:spcAft>
+                <a:spcPct val="0"/>
+              </a:spcAft>
+              <a:defRPr>
+                <a:solidFill>
+                  <a:schemeClr val="tx1"/>
+                </a:solidFill>
+                <a:latin typeface="Arial" panose="020B0604020202020204" pitchFamily="34" charset="0"/>
+                <a:ea typeface="宋体" panose="02010600030101010101" pitchFamily="2" charset="-122"/>
+              </a:defRPr>
+            </a:lvl7pPr>
+            <a:lvl8pPr marL="3429000" indent="-228600" eaLnBrk="0" fontAlgn="base" hangingPunct="0">
+              <a:spcBef>
+                <a:spcPct val="0"/>
+              </a:spcBef>
+              <a:spcAft>
+                <a:spcPct val="0"/>
+              </a:spcAft>
+              <a:defRPr>
+                <a:solidFill>
+                  <a:schemeClr val="tx1"/>
+                </a:solidFill>
+                <a:latin typeface="Arial" panose="020B0604020202020204" pitchFamily="34" charset="0"/>
+                <a:ea typeface="宋体" panose="02010600030101010101" pitchFamily="2" charset="-122"/>
+              </a:defRPr>
+            </a:lvl8pPr>
+            <a:lvl9pPr marL="3886200" indent="-228600" eaLnBrk="0" fontAlgn="base" hangingPunct="0">
+              <a:spcBef>
+                <a:spcPct val="0"/>
+              </a:spcBef>
+              <a:spcAft>
+                <a:spcPct val="0"/>
+              </a:spcAft>
+              <a:defRPr>
+                <a:solidFill>
+                  <a:schemeClr val="tx1"/>
+                </a:solidFill>
+                <a:latin typeface="Arial" panose="020B0604020202020204" pitchFamily="34" charset="0"/>
+                <a:ea typeface="宋体" panose="02010600030101010101" pitchFamily="2" charset="-122"/>
+              </a:defRPr>
+            </a:lvl9pPr>
+          </a:lstStyle>
+          <a:p>
+            <a:r>
+              <a:rPr lang="en-US" sz="3600" dirty="0"/>
+              <a:t>Create Model from Schema before use:</a:t>
+            </a:r>
+          </a:p>
+        </p:txBody>
+      </p:sp>
+      <p:pic>
+        <p:nvPicPr>
+          <p:cNvPr id="4" name="Picture 3"/>
+          <p:cNvPicPr>
+            <a:picLocks noChangeAspect="1"/>
+          </p:cNvPicPr>
+          <p:nvPr/>
+        </p:nvPicPr>
+        <p:blipFill>
+          <a:blip r:embed="rId2"/>
+          <a:stretch>
+            <a:fillRect/>
+          </a:stretch>
+        </p:blipFill>
+        <p:spPr>
+          <a:xfrm>
+            <a:off x="-1" y="1789330"/>
+            <a:ext cx="9093867" cy="4382869"/>
+          </a:xfrm>
+          <a:prstGeom prst="rect">
+            <a:avLst/>
+          </a:prstGeom>
+        </p:spPr>
+      </p:pic>
+      <p:sp>
+        <p:nvSpPr>
+          <p:cNvPr id="6" name="矩形 4"/>
+          <p:cNvSpPr/>
+          <p:nvPr/>
+        </p:nvSpPr>
+        <p:spPr>
+          <a:xfrm>
+            <a:off x="76200" y="5562600"/>
+            <a:ext cx="8915400" cy="533400"/>
+          </a:xfrm>
+          <a:prstGeom prst="rect">
+            <a:avLst/>
+          </a:prstGeom>
+          <a:noFill/>
+          <a:ln w="38100">
+            <a:solidFill>
+              <a:srgbClr val="FFFF00"/>
+            </a:solidFill>
+            <a:prstDash val="sysDash"/>
+          </a:ln>
+        </p:spPr>
+        <p:style>
+          <a:lnRef idx="2">
+            <a:schemeClr val="accent1">
+              <a:shade val="50000"/>
+            </a:schemeClr>
+          </a:lnRef>
+          <a:fillRef idx="1">
+            <a:schemeClr val="accent1"/>
+          </a:fillRef>
+          <a:effectRef idx="0">
+            <a:schemeClr val="accent1"/>
+          </a:effectRef>
+          <a:fontRef idx="minor">
+            <a:schemeClr val="lt1"/>
+          </a:fontRef>
+        </p:style>
+        <p:txBody>
+          <a:bodyPr rtlCol="0" anchor="ctr"/>
+          <a:lstStyle/>
+          <a:p>
+            <a:pPr algn="ctr"/>
+            <a:endParaRPr lang="zh-CN" altLang="en-US">
+              <a:solidFill>
+                <a:srgbClr val="FF0000"/>
+              </a:solidFill>
+            </a:endParaRPr>
+          </a:p>
+        </p:txBody>
+      </p:sp>
+      <p:sp>
+        <p:nvSpPr>
+          <p:cNvPr id="7" name="TextBox 2"/>
+          <p:cNvSpPr txBox="1">
+            <a:spLocks noChangeArrowheads="1"/>
+          </p:cNvSpPr>
+          <p:nvPr/>
+        </p:nvSpPr>
+        <p:spPr bwMode="auto">
+          <a:xfrm>
+            <a:off x="-38100" y="6211669"/>
+            <a:ext cx="9144000" cy="646331"/>
+          </a:xfrm>
+          <a:prstGeom prst="rect">
+            <a:avLst/>
+          </a:prstGeom>
+          <a:noFill/>
+          <a:ln>
+            <a:noFill/>
+          </a:ln>
+          <a:extLst>
+            <a:ext uri="{909E8E84-426E-40DD-AFC4-6F175D3DCCD1}">
+              <a14:hiddenFill xmlns:a14="http://schemas.microsoft.com/office/drawing/2010/main">
+                <a:solidFill>
+                  <a:srgbClr val="FFFFFF"/>
+                </a:solidFill>
+              </a14:hiddenFill>
+            </a:ext>
+            <a:ext uri="{91240B29-F687-4F45-9708-019B960494DF}">
+              <a14:hiddenLine xmlns:a14="http://schemas.microsoft.com/office/drawing/2010/main" w="9525">
+                <a:solidFill>
+                  <a:srgbClr val="000000"/>
+                </a:solidFill>
+                <a:miter lim="800000"/>
+                <a:headEnd/>
+                <a:tailEnd/>
+              </a14:hiddenLine>
+            </a:ext>
+          </a:extLst>
+        </p:spPr>
+        <p:txBody>
+          <a:bodyPr wrap="square">
+            <a:spAutoFit/>
+          </a:bodyPr>
+          <a:lstStyle>
+            <a:lvl1pPr marL="571500" indent="-571500" eaLnBrk="0" hangingPunct="0">
+              <a:defRPr>
+                <a:solidFill>
+                  <a:schemeClr val="tx1"/>
+                </a:solidFill>
+                <a:latin typeface="Arial" panose="020B0604020202020204" pitchFamily="34" charset="0"/>
+                <a:ea typeface="宋体" panose="02010600030101010101" pitchFamily="2" charset="-122"/>
+              </a:defRPr>
+            </a:lvl1pPr>
+            <a:lvl2pPr marL="742950" indent="-285750" eaLnBrk="0" hangingPunct="0">
+              <a:defRPr>
+                <a:solidFill>
+                  <a:schemeClr val="tx1"/>
+                </a:solidFill>
+                <a:latin typeface="Arial" panose="020B0604020202020204" pitchFamily="34" charset="0"/>
+                <a:ea typeface="宋体" panose="02010600030101010101" pitchFamily="2" charset="-122"/>
+              </a:defRPr>
+            </a:lvl2pPr>
+            <a:lvl3pPr marL="1143000" indent="-228600" eaLnBrk="0" hangingPunct="0">
+              <a:defRPr>
+                <a:solidFill>
+                  <a:schemeClr val="tx1"/>
+                </a:solidFill>
+                <a:latin typeface="Arial" panose="020B0604020202020204" pitchFamily="34" charset="0"/>
+                <a:ea typeface="宋体" panose="02010600030101010101" pitchFamily="2" charset="-122"/>
+              </a:defRPr>
+            </a:lvl3pPr>
+            <a:lvl4pPr marL="1600200" indent="-228600" eaLnBrk="0" hangingPunct="0">
+              <a:defRPr>
+                <a:solidFill>
+                  <a:schemeClr val="tx1"/>
+                </a:solidFill>
+                <a:latin typeface="Arial" panose="020B0604020202020204" pitchFamily="34" charset="0"/>
+                <a:ea typeface="宋体" panose="02010600030101010101" pitchFamily="2" charset="-122"/>
+              </a:defRPr>
+            </a:lvl4pPr>
+            <a:lvl5pPr marL="2057400" indent="-228600" eaLnBrk="0" hangingPunct="0">
+              <a:defRPr>
+                <a:solidFill>
+                  <a:schemeClr val="tx1"/>
+                </a:solidFill>
+                <a:latin typeface="Arial" panose="020B0604020202020204" pitchFamily="34" charset="0"/>
+                <a:ea typeface="宋体" panose="02010600030101010101" pitchFamily="2" charset="-122"/>
+              </a:defRPr>
+            </a:lvl5pPr>
+            <a:lvl6pPr marL="2514600" indent="-228600" eaLnBrk="0" fontAlgn="base" hangingPunct="0">
+              <a:spcBef>
+                <a:spcPct val="0"/>
+              </a:spcBef>
+              <a:spcAft>
+                <a:spcPct val="0"/>
+              </a:spcAft>
+              <a:defRPr>
+                <a:solidFill>
+                  <a:schemeClr val="tx1"/>
+                </a:solidFill>
+                <a:latin typeface="Arial" panose="020B0604020202020204" pitchFamily="34" charset="0"/>
+                <a:ea typeface="宋体" panose="02010600030101010101" pitchFamily="2" charset="-122"/>
+              </a:defRPr>
+            </a:lvl6pPr>
+            <a:lvl7pPr marL="2971800" indent="-228600" eaLnBrk="0" fontAlgn="base" hangingPunct="0">
+              <a:spcBef>
+                <a:spcPct val="0"/>
+              </a:spcBef>
+              <a:spcAft>
+                <a:spcPct val="0"/>
+              </a:spcAft>
+              <a:defRPr>
+                <a:solidFill>
+                  <a:schemeClr val="tx1"/>
+                </a:solidFill>
+                <a:latin typeface="Arial" panose="020B0604020202020204" pitchFamily="34" charset="0"/>
+                <a:ea typeface="宋体" panose="02010600030101010101" pitchFamily="2" charset="-122"/>
+              </a:defRPr>
+            </a:lvl7pPr>
+            <a:lvl8pPr marL="3429000" indent="-228600" eaLnBrk="0" fontAlgn="base" hangingPunct="0">
+              <a:spcBef>
+                <a:spcPct val="0"/>
+              </a:spcBef>
+              <a:spcAft>
+                <a:spcPct val="0"/>
+              </a:spcAft>
+              <a:defRPr>
+                <a:solidFill>
+                  <a:schemeClr val="tx1"/>
+                </a:solidFill>
+                <a:latin typeface="Arial" panose="020B0604020202020204" pitchFamily="34" charset="0"/>
+                <a:ea typeface="宋体" panose="02010600030101010101" pitchFamily="2" charset="-122"/>
+              </a:defRPr>
+            </a:lvl8pPr>
+            <a:lvl9pPr marL="3886200" indent="-228600" eaLnBrk="0" fontAlgn="base" hangingPunct="0">
+              <a:spcBef>
+                <a:spcPct val="0"/>
+              </a:spcBef>
+              <a:spcAft>
+                <a:spcPct val="0"/>
+              </a:spcAft>
+              <a:defRPr>
+                <a:solidFill>
+                  <a:schemeClr val="tx1"/>
+                </a:solidFill>
+                <a:latin typeface="Arial" panose="020B0604020202020204" pitchFamily="34" charset="0"/>
+                <a:ea typeface="宋体" panose="02010600030101010101" pitchFamily="2" charset="-122"/>
+              </a:defRPr>
+            </a:lvl9pPr>
+          </a:lstStyle>
+          <a:p>
+            <a:r>
+              <a:rPr lang="en-US" sz="3600" dirty="0"/>
+              <a:t>Model of same name will be cached.</a:t>
+            </a:r>
+          </a:p>
+        </p:txBody>
+      </p:sp>
+    </p:spTree>
+    <p:extLst>
+      <p:ext uri="{BB962C8B-B14F-4D97-AF65-F5344CB8AC3E}">
+        <p14:creationId xmlns:p14="http://schemas.microsoft.com/office/powerpoint/2010/main" val="1726464414"/>
+      </p:ext>
+    </p:extLst>
+  </p:cSld>
+  <p:clrMapOvr>
+    <a:masterClrMapping/>
+  </p:clrMapOvr>
+  <p:timing>
+    <p:tnLst>
+      <p:par>
+        <p:cTn id="1" dur="indefinite" restart="never" nodeType="tmRoot">
+          <p:childTnLst>
+            <p:seq concurrent="1" nextAc="seek">
+              <p:cTn id="2" dur="indefinite" nodeType="mainSeq">
+                <p:childTnLst>
+                  <p:par>
+                    <p:cTn id="3" fill="hold">
+                      <p:stCondLst>
+                        <p:cond delay="indefinite"/>
+                      </p:stCondLst>
+                      <p:childTnLst>
+                        <p:par>
+                          <p:cTn id="4" fill="hold">
+                            <p:stCondLst>
+                              <p:cond delay="0"/>
+                            </p:stCondLst>
+                            <p:childTnLst>
+                              <p:par>
+                                <p:cTn id="5" presetID="10" presetClass="entr" presetSubtype="0" fill="hold" grpId="0" nodeType="clickEffect">
+                                  <p:stCondLst>
+                                    <p:cond delay="0"/>
+                                  </p:stCondLst>
+                                  <p:childTnLst>
+                                    <p:set>
+                                      <p:cBhvr>
+                                        <p:cTn id="6" dur="1" fill="hold">
+                                          <p:stCondLst>
+                                            <p:cond delay="0"/>
+                                          </p:stCondLst>
+                                        </p:cTn>
+                                        <p:tgtEl>
+                                          <p:spTgt spid="6"/>
+                                        </p:tgtEl>
+                                        <p:attrNameLst>
+                                          <p:attrName>style.visibility</p:attrName>
+                                        </p:attrNameLst>
+                                      </p:cBhvr>
+                                      <p:to>
+                                        <p:strVal val="visible"/>
+                                      </p:to>
+                                    </p:set>
+                                    <p:animEffect transition="in" filter="fade">
+                                      <p:cBhvr>
+                                        <p:cTn id="7" dur="500"/>
+                                        <p:tgtEl>
+                                          <p:spTgt spid="6"/>
+                                        </p:tgtEl>
+                                      </p:cBhvr>
+                                    </p:animEffect>
+                                  </p:childTnLst>
+                                </p:cTn>
+                              </p:par>
+                            </p:childTnLst>
+                          </p:cTn>
+                        </p:par>
+                      </p:childTnLst>
+                    </p:cTn>
+                  </p:par>
+                </p:childTnLst>
+              </p:cTn>
+              <p:prevCondLst>
+                <p:cond evt="onPrev" delay="0">
+                  <p:tgtEl>
+                    <p:sldTgt/>
+                  </p:tgtEl>
+                </p:cond>
+              </p:prevCondLst>
+              <p:nextCondLst>
+                <p:cond evt="onNext" delay="0">
+                  <p:tgtEl>
+                    <p:sldTgt/>
+                  </p:tgtEl>
+                </p:cond>
+              </p:nextCondLst>
+            </p:seq>
+          </p:childTnLst>
+        </p:cTn>
+      </p:par>
+    </p:tnLst>
+    <p:bldLst>
+      <p:bldP spid="6" grpId="0" animBg="1"/>
+    </p:bldLst>
+  </p:timing>
+</p:sld>
+</file>
+
+<file path=ppt/slides/slide24.xml><?xml version="1.0" encoding="utf-8"?>
+<p:sld xmlns:a="http://schemas.openxmlformats.org/drawingml/2006/main" xmlns:r="http://schemas.openxmlformats.org/officeDocument/2006/relationships" xmlns:p="http://schemas.openxmlformats.org/presentationml/2006/main">
+  <p:cSld>
+    <p:spTree>
+      <p:nvGrpSpPr>
+        <p:cNvPr id="1" name=""/>
+        <p:cNvGrpSpPr/>
+        <p:nvPr/>
+      </p:nvGrpSpPr>
+      <p:grpSpPr>
+        <a:xfrm>
+          <a:off x="0" y="0"/>
+          <a:ext cx="0" cy="0"/>
+          <a:chOff x="0" y="0"/>
+          <a:chExt cx="0" cy="0"/>
+        </a:xfrm>
+      </p:grpSpPr>
+      <p:sp>
+        <p:nvSpPr>
+          <p:cNvPr id="2" name="Text Placeholder 1"/>
+          <p:cNvSpPr>
+            <a:spLocks noGrp="1"/>
+          </p:cNvSpPr>
+          <p:nvPr>
             <p:ph type="body" sz="quarter" idx="14"/>
           </p:nvPr>
         </p:nvSpPr>
@@ -6888,15 +11999,9 @@
               <a:rPr lang="en-US">
                 <a:hlinkClick r:id="rId2"/>
               </a:rPr>
-              <a:t>http://</a:t>
-            </a:r>
-            <a:r>
-              <a:rPr lang="en-US" smtClean="0">
-                <a:hlinkClick r:id="rId2"/>
-              </a:rPr>
-              <a:t>mongoosejs.com/docs/index.html</a:t>
-            </a:r>
-            <a:endParaRPr lang="en-US" smtClean="0"/>
+              <a:t>http://mongoosejs.com/docs/index.html</a:t>
+            </a:r>
+            <a:endParaRPr lang="en-US"/>
           </a:p>
           <a:p>
             <a:endParaRPr lang="en-US" dirty="0"/>
@@ -6935,17 +12040,10 @@
   <p:clrMapOvr>
     <a:masterClrMapping/>
   </p:clrMapOvr>
-  <p:timing>
-    <p:tnLst>
-      <p:par>
-        <p:cTn id="1" dur="indefinite" restart="never" nodeType="tmRoot"/>
-      </p:par>
-    </p:tnLst>
-  </p:timing>
 </p:sld>
 </file>
 
-<file path=ppt/slides/slide14.xml><?xml version="1.0" encoding="utf-8"?>
+<file path=ppt/slides/slide25.xml><?xml version="1.0" encoding="utf-8"?>
 <p:sld xmlns:a="http://schemas.openxmlformats.org/drawingml/2006/main" xmlns:r="http://schemas.openxmlformats.org/officeDocument/2006/relationships" xmlns:p="http://schemas.openxmlformats.org/presentationml/2006/main">
   <p:cSld>
     <p:spTree>
@@ -6967,17 +12065,10 @@
   <p:clrMapOvr>
     <a:masterClrMapping/>
   </p:clrMapOvr>
-  <p:timing>
-    <p:tnLst>
-      <p:par>
-        <p:cTn id="1" dur="indefinite" restart="never" nodeType="tmRoot"/>
-      </p:par>
-    </p:tnLst>
-  </p:timing>
 </p:sld>
 </file>
 
-<file path=ppt/slides/slide15.xml><?xml version="1.0" encoding="utf-8"?>
+<file path=ppt/slides/slide26.xml><?xml version="1.0" encoding="utf-8"?>
 <p:sld xmlns:a="http://schemas.openxmlformats.org/drawingml/2006/main" xmlns:r="http://schemas.openxmlformats.org/officeDocument/2006/relationships" xmlns:p="http://schemas.openxmlformats.org/presentationml/2006/main">
   <p:cSld>
     <p:spTree>
@@ -6999,405 +12090,6 @@
   <p:clrMapOvr>
     <a:masterClrMapping/>
   </p:clrMapOvr>
-  <p:timing>
-    <p:tnLst>
-      <p:par>
-        <p:cTn id="1" dur="indefinite" restart="never" nodeType="tmRoot"/>
-      </p:par>
-    </p:tnLst>
-  </p:timing>
-</p:sld>
-</file>
-
-<file path=ppt/slides/slide2.xml><?xml version="1.0" encoding="utf-8"?>
-<p:sld xmlns:a="http://schemas.openxmlformats.org/drawingml/2006/main" xmlns:r="http://schemas.openxmlformats.org/officeDocument/2006/relationships" xmlns:p="http://schemas.openxmlformats.org/presentationml/2006/main">
-  <p:cSld>
-    <p:spTree>
-      <p:nvGrpSpPr>
-        <p:cNvPr id="1" name=""/>
-        <p:cNvGrpSpPr/>
-        <p:nvPr/>
-      </p:nvGrpSpPr>
-      <p:grpSpPr>
-        <a:xfrm>
-          <a:off x="0" y="0"/>
-          <a:ext cx="0" cy="0"/>
-          <a:chOff x="0" y="0"/>
-          <a:chExt cx="0" cy="0"/>
-        </a:xfrm>
-      </p:grpSpPr>
-      <p:sp>
-        <p:nvSpPr>
-          <p:cNvPr id="2" name="Text Placeholder 1"/>
-          <p:cNvSpPr>
-            <a:spLocks noGrp="1"/>
-          </p:cNvSpPr>
-          <p:nvPr>
-            <p:ph type="body" sz="quarter" idx="13"/>
-          </p:nvPr>
-        </p:nvSpPr>
-        <p:spPr/>
-        <p:txBody>
-          <a:bodyPr/>
-          <a:lstStyle/>
-          <a:p>
-            <a:r>
-              <a:rPr lang="en-US" altLang="zh-CN" dirty="0"/>
-              <a:t>Agenda</a:t>
-            </a:r>
-            <a:endParaRPr lang="en-US" dirty="0"/>
-          </a:p>
-        </p:txBody>
-      </p:sp>
-      <p:sp>
-        <p:nvSpPr>
-          <p:cNvPr id="3" name="Text Placeholder 2"/>
-          <p:cNvSpPr>
-            <a:spLocks noGrp="1"/>
-          </p:cNvSpPr>
-          <p:nvPr>
-            <p:ph type="body" sz="quarter" idx="14"/>
-          </p:nvPr>
-        </p:nvSpPr>
-        <p:spPr>
-          <a:xfrm>
-            <a:off x="1981565" y="1524000"/>
-            <a:ext cx="6019800" cy="523220"/>
-          </a:xfrm>
-        </p:spPr>
-        <p:txBody>
-          <a:bodyPr/>
-          <a:lstStyle/>
-          <a:p>
-            <a:r>
-              <a:rPr lang="en-US" altLang="zh-CN" sz="2800" dirty="0" smtClean="0"/>
-              <a:t>Installation of mongoose</a:t>
-            </a:r>
-            <a:endParaRPr lang="en-US" altLang="zh-CN" sz="2800" dirty="0"/>
-          </a:p>
-        </p:txBody>
-      </p:sp>
-      <p:sp>
-        <p:nvSpPr>
-          <p:cNvPr id="4" name="Text Placeholder 3"/>
-          <p:cNvSpPr>
-            <a:spLocks noGrp="1"/>
-          </p:cNvSpPr>
-          <p:nvPr>
-            <p:ph type="body" sz="quarter" idx="11"/>
-          </p:nvPr>
-        </p:nvSpPr>
-        <p:spPr>
-          <a:xfrm>
-            <a:off x="1447800" y="1581090"/>
-            <a:ext cx="381365" cy="381000"/>
-          </a:xfrm>
-        </p:spPr>
-        <p:txBody>
-          <a:bodyPr/>
-          <a:lstStyle/>
-          <a:p>
-            <a:r>
-              <a:rPr lang="en-US" dirty="0"/>
-              <a:t>1</a:t>
-            </a:r>
-          </a:p>
-        </p:txBody>
-      </p:sp>
-      <p:sp>
-        <p:nvSpPr>
-          <p:cNvPr id="17" name="Text Placeholder 4"/>
-          <p:cNvSpPr>
-            <a:spLocks noGrp="1"/>
-          </p:cNvSpPr>
-          <p:nvPr>
-            <p:ph type="body" sz="quarter" idx="15"/>
-          </p:nvPr>
-        </p:nvSpPr>
-        <p:spPr>
-          <a:xfrm>
-            <a:off x="1981565" y="2133600"/>
-            <a:ext cx="6019800" cy="523220"/>
-          </a:xfrm>
-        </p:spPr>
-        <p:txBody>
-          <a:bodyPr/>
-          <a:lstStyle/>
-          <a:p>
-            <a:r>
-              <a:rPr lang="en-US" altLang="zh-CN" sz="2800" dirty="0" smtClean="0"/>
-              <a:t>Concepts of </a:t>
-            </a:r>
-            <a:r>
-              <a:rPr lang="en-US" altLang="zh-CN" sz="2800" dirty="0"/>
-              <a:t>mongoose</a:t>
-            </a:r>
-            <a:endParaRPr lang="en-US" sz="2800" dirty="0"/>
-          </a:p>
-        </p:txBody>
-      </p:sp>
-      <p:sp>
-        <p:nvSpPr>
-          <p:cNvPr id="18" name="Text Placeholder 5"/>
-          <p:cNvSpPr>
-            <a:spLocks noGrp="1"/>
-          </p:cNvSpPr>
-          <p:nvPr>
-            <p:ph type="body" sz="quarter" idx="16"/>
-          </p:nvPr>
-        </p:nvSpPr>
-        <p:spPr>
-          <a:xfrm>
-            <a:off x="1447800" y="2209800"/>
-            <a:ext cx="381365" cy="381000"/>
-          </a:xfrm>
-        </p:spPr>
-        <p:txBody>
-          <a:bodyPr/>
-          <a:lstStyle/>
-          <a:p>
-            <a:r>
-              <a:rPr lang="en-US" dirty="0"/>
-              <a:t>2</a:t>
-            </a:r>
-          </a:p>
-        </p:txBody>
-      </p:sp>
-      <p:sp>
-        <p:nvSpPr>
-          <p:cNvPr id="19" name="Text Placeholder 6"/>
-          <p:cNvSpPr>
-            <a:spLocks noGrp="1"/>
-          </p:cNvSpPr>
-          <p:nvPr>
-            <p:ph type="body" sz="quarter" idx="17"/>
-          </p:nvPr>
-        </p:nvSpPr>
-        <p:spPr>
-          <a:xfrm>
-            <a:off x="1981565" y="2743200"/>
-            <a:ext cx="6019800" cy="523220"/>
-          </a:xfrm>
-        </p:spPr>
-        <p:txBody>
-          <a:bodyPr/>
-          <a:lstStyle/>
-          <a:p>
-            <a:r>
-              <a:rPr lang="en-US" altLang="zh-CN" sz="2800" dirty="0" smtClean="0"/>
-              <a:t>Quick-start</a:t>
-            </a:r>
-            <a:endParaRPr lang="en-US" sz="2800" dirty="0"/>
-          </a:p>
-        </p:txBody>
-      </p:sp>
-      <p:sp>
-        <p:nvSpPr>
-          <p:cNvPr id="20" name="Text Placeholder 7"/>
-          <p:cNvSpPr>
-            <a:spLocks noGrp="1"/>
-          </p:cNvSpPr>
-          <p:nvPr>
-            <p:ph type="body" sz="quarter" idx="18"/>
-          </p:nvPr>
-        </p:nvSpPr>
-        <p:spPr>
-          <a:xfrm>
-            <a:off x="1447800" y="2819400"/>
-            <a:ext cx="381365" cy="381000"/>
-          </a:xfrm>
-        </p:spPr>
-        <p:txBody>
-          <a:bodyPr/>
-          <a:lstStyle/>
-          <a:p>
-            <a:r>
-              <a:rPr lang="en-US" dirty="0"/>
-              <a:t>3</a:t>
-            </a:r>
-          </a:p>
-        </p:txBody>
-      </p:sp>
-      <p:sp>
-        <p:nvSpPr>
-          <p:cNvPr id="10" name="Text Placeholder 6"/>
-          <p:cNvSpPr>
-            <a:spLocks noGrp="1"/>
-          </p:cNvSpPr>
-          <p:nvPr>
-            <p:ph type="body" sz="quarter" idx="17"/>
-          </p:nvPr>
-        </p:nvSpPr>
-        <p:spPr>
-          <a:xfrm>
-            <a:off x="1981200" y="3352800"/>
-            <a:ext cx="6019800" cy="523220"/>
-          </a:xfrm>
-        </p:spPr>
-        <p:txBody>
-          <a:bodyPr/>
-          <a:lstStyle/>
-          <a:p>
-            <a:r>
-              <a:rPr lang="en-US" altLang="zh-CN" sz="2800" dirty="0"/>
-              <a:t>Schema</a:t>
-            </a:r>
-            <a:endParaRPr lang="en-US" sz="2800" dirty="0"/>
-          </a:p>
-        </p:txBody>
-      </p:sp>
-      <p:sp>
-        <p:nvSpPr>
-          <p:cNvPr id="11" name="Text Placeholder 7"/>
-          <p:cNvSpPr>
-            <a:spLocks noGrp="1"/>
-          </p:cNvSpPr>
-          <p:nvPr>
-            <p:ph type="body" sz="quarter" idx="18"/>
-          </p:nvPr>
-        </p:nvSpPr>
-        <p:spPr>
-          <a:xfrm>
-            <a:off x="1447435" y="3429000"/>
-            <a:ext cx="381365" cy="381000"/>
-          </a:xfrm>
-        </p:spPr>
-        <p:txBody>
-          <a:bodyPr/>
-          <a:lstStyle/>
-          <a:p>
-            <a:r>
-              <a:rPr lang="en-US" dirty="0" smtClean="0"/>
-              <a:t>4</a:t>
-            </a:r>
-            <a:endParaRPr lang="en-US" dirty="0"/>
-          </a:p>
-        </p:txBody>
-      </p:sp>
-      <p:sp>
-        <p:nvSpPr>
-          <p:cNvPr id="12" name="Text Placeholder 6"/>
-          <p:cNvSpPr>
-            <a:spLocks noGrp="1"/>
-          </p:cNvSpPr>
-          <p:nvPr>
-            <p:ph type="body" sz="quarter" idx="17"/>
-          </p:nvPr>
-        </p:nvSpPr>
-        <p:spPr>
-          <a:xfrm>
-            <a:off x="1981200" y="3962400"/>
-            <a:ext cx="6019800" cy="523220"/>
-          </a:xfrm>
-        </p:spPr>
-        <p:txBody>
-          <a:bodyPr/>
-          <a:lstStyle/>
-          <a:p>
-            <a:r>
-              <a:rPr lang="en-US" altLang="zh-CN" sz="2800" dirty="0" smtClean="0"/>
-              <a:t>Model</a:t>
-            </a:r>
-            <a:endParaRPr lang="en-US" sz="2800" dirty="0"/>
-          </a:p>
-        </p:txBody>
-      </p:sp>
-      <p:sp>
-        <p:nvSpPr>
-          <p:cNvPr id="13" name="Text Placeholder 7"/>
-          <p:cNvSpPr>
-            <a:spLocks noGrp="1"/>
-          </p:cNvSpPr>
-          <p:nvPr>
-            <p:ph type="body" sz="quarter" idx="18"/>
-          </p:nvPr>
-        </p:nvSpPr>
-        <p:spPr>
-          <a:xfrm>
-            <a:off x="1447435" y="4038600"/>
-            <a:ext cx="381365" cy="381000"/>
-          </a:xfrm>
-        </p:spPr>
-        <p:txBody>
-          <a:bodyPr/>
-          <a:lstStyle/>
-          <a:p>
-            <a:r>
-              <a:rPr lang="en-US" dirty="0" smtClean="0"/>
-              <a:t>5</a:t>
-            </a:r>
-            <a:endParaRPr lang="en-US" dirty="0"/>
-          </a:p>
-        </p:txBody>
-      </p:sp>
-      <p:sp>
-        <p:nvSpPr>
-          <p:cNvPr id="14" name="Text Placeholder 6"/>
-          <p:cNvSpPr>
-            <a:spLocks noGrp="1"/>
-          </p:cNvSpPr>
-          <p:nvPr>
-            <p:ph type="body" sz="quarter" idx="17"/>
-          </p:nvPr>
-        </p:nvSpPr>
-        <p:spPr>
-          <a:xfrm>
-            <a:off x="1981200" y="4572000"/>
-            <a:ext cx="6019800" cy="523220"/>
-          </a:xfrm>
-        </p:spPr>
-        <p:txBody>
-          <a:bodyPr/>
-          <a:lstStyle/>
-          <a:p>
-            <a:r>
-              <a:rPr lang="en-US" altLang="zh-CN" sz="2800" dirty="0"/>
-              <a:t>Middleware</a:t>
-            </a:r>
-            <a:endParaRPr lang="en-US" sz="2800" dirty="0"/>
-          </a:p>
-        </p:txBody>
-      </p:sp>
-      <p:sp>
-        <p:nvSpPr>
-          <p:cNvPr id="15" name="Text Placeholder 7"/>
-          <p:cNvSpPr>
-            <a:spLocks noGrp="1"/>
-          </p:cNvSpPr>
-          <p:nvPr>
-            <p:ph type="body" sz="quarter" idx="18"/>
-          </p:nvPr>
-        </p:nvSpPr>
-        <p:spPr>
-          <a:xfrm>
-            <a:off x="1447435" y="4648200"/>
-            <a:ext cx="381365" cy="381000"/>
-          </a:xfrm>
-        </p:spPr>
-        <p:txBody>
-          <a:bodyPr/>
-          <a:lstStyle/>
-          <a:p>
-            <a:r>
-              <a:rPr lang="en-US" dirty="0" smtClean="0"/>
-              <a:t>6</a:t>
-            </a:r>
-            <a:endParaRPr lang="en-US" dirty="0"/>
-          </a:p>
-        </p:txBody>
-      </p:sp>
-    </p:spTree>
-  </p:cSld>
-  <p:clrMapOvr>
-    <a:masterClrMapping/>
-  </p:clrMapOvr>
-  <p:timing>
-    <p:tnLst>
-      <p:par>
-        <p:cTn id="1" dur="indefinite" restart="never" nodeType="tmRoot"/>
-      </p:par>
-    </p:tnLst>
-  </p:timing>
 </p:sld>
 </file>
 
@@ -7472,13 +12164,6 @@
   <p:clrMapOvr>
     <a:masterClrMapping/>
   </p:clrMapOvr>
-  <p:timing>
-    <p:tnLst>
-      <p:par>
-        <p:cTn id="1" dur="indefinite" restart="never" nodeType="tmRoot"/>
-      </p:par>
-    </p:tnLst>
-  </p:timing>
 </p:sld>
 </file>
 
@@ -7538,11 +12223,7 @@
           <a:p>
             <a:r>
               <a:rPr lang="en-US" altLang="zh-CN" dirty="0"/>
-              <a:t>Installation of </a:t>
-            </a:r>
-            <a:r>
-              <a:rPr lang="en-US" altLang="zh-CN" dirty="0" smtClean="0"/>
-              <a:t>mongoose</a:t>
+              <a:t>Installation of mongoose</a:t>
             </a:r>
             <a:endParaRPr lang="en-US" dirty="0"/>
           </a:p>
@@ -7705,16 +12386,12 @@
           <a:p>
             <a:pPr eaLnBrk="1" hangingPunct="1"/>
             <a:r>
-              <a:rPr lang="en-US" altLang="zh-CN" sz="2400" dirty="0" smtClean="0"/>
+              <a:rPr lang="en-US" altLang="zh-CN" sz="2400" dirty="0"/>
               <a:t>		</a:t>
             </a:r>
             <a:r>
-              <a:rPr lang="en-US" altLang="zh-CN" sz="3200" dirty="0" smtClean="0"/>
-              <a:t>Mongoose </a:t>
-            </a:r>
-            <a:r>
               <a:rPr lang="en-US" altLang="zh-CN" sz="3200" dirty="0"/>
-              <a:t>provides a straight-forward, schema-based solution to model your application data. It includes built-in type casting, validation, query building, business logic hooks and more, out of the box.</a:t>
+              <a:t>Mongoose provides a straight-forward, schema-based solution to model your application data. It includes built-in type casting, validation, query building, business logic hooks and more, out of the box.</a:t>
             </a:r>
             <a:endParaRPr lang="en-US" altLang="zh-CN" sz="3200" dirty="0">
               <a:latin typeface="微软雅黑" panose="020B0503020204020204" pitchFamily="34" charset="-122"/>
@@ -7774,11 +12451,7 @@
             </a:r>
             <a:r>
               <a:rPr lang="en-US" altLang="zh-CN" sz="4000" dirty="0"/>
-              <a:t> install </a:t>
-            </a:r>
-            <a:r>
-              <a:rPr lang="en-US" altLang="zh-CN" sz="4000" dirty="0" smtClean="0"/>
-              <a:t>mongoose --save</a:t>
+              <a:t> install mongoose --save</a:t>
             </a:r>
             <a:endParaRPr lang="zh-CN" altLang="en-US" sz="4000" dirty="0"/>
           </a:p>
@@ -7794,13 +12467,6 @@
   <p:clrMapOvr>
     <a:masterClrMapping/>
   </p:clrMapOvr>
-  <p:timing>
-    <p:tnLst>
-      <p:par>
-        <p:cTn id="1" dur="indefinite" restart="never" nodeType="tmRoot"/>
-      </p:par>
-    </p:tnLst>
-  </p:timing>
 </p:sld>
 </file>
 
@@ -7845,7 +12511,6 @@
               <a:rPr lang="en-US" altLang="zh-CN" dirty="0"/>
               <a:t>Concepts of mongoose</a:t>
             </a:r>
-            <a:endParaRPr lang="en-US" altLang="zh-CN" dirty="0"/>
           </a:p>
         </p:txBody>
       </p:sp>
@@ -7865,10 +12530,9 @@
           <a:lstStyle/>
           <a:p>
             <a:r>
-              <a:rPr lang="en-US" dirty="0" smtClean="0"/>
+              <a:rPr lang="en-US" dirty="0"/>
               <a:t>2</a:t>
             </a:r>
-            <a:endParaRPr lang="en-US" dirty="0"/>
           </a:p>
         </p:txBody>
       </p:sp>
@@ -7882,13 +12546,6 @@
   <p:clrMapOvr>
     <a:masterClrMapping/>
   </p:clrMapOvr>
-  <p:timing>
-    <p:tnLst>
-      <p:par>
-        <p:cTn id="1" dur="indefinite" restart="never" nodeType="tmRoot"/>
-      </p:par>
-    </p:tnLst>
-  </p:timing>
 </p:sld>
 </file>
 
@@ -7925,10 +12582,9 @@
           <a:lstStyle/>
           <a:p>
             <a:r>
-              <a:rPr lang="en-US" dirty="0" smtClean="0"/>
+              <a:rPr lang="en-US" dirty="0"/>
               <a:t>2</a:t>
             </a:r>
-            <a:endParaRPr lang="en-US" dirty="0"/>
           </a:p>
         </p:txBody>
       </p:sp>
@@ -7999,7 +12655,7 @@
           <a:lstStyle/>
           <a:p>
             <a:r>
-              <a:rPr lang="en-US" altLang="zh-CN" sz="4000" dirty="0" smtClean="0"/>
+              <a:rPr lang="en-US" altLang="zh-CN" sz="4000" dirty="0"/>
               <a:t>Schema</a:t>
             </a:r>
             <a:endParaRPr lang="zh-CN" altLang="en-US" sz="4000" dirty="0"/>
@@ -8048,7 +12704,7 @@
           <a:lstStyle/>
           <a:p>
             <a:r>
-              <a:rPr lang="en-US" altLang="zh-CN" sz="4000" dirty="0" smtClean="0"/>
+              <a:rPr lang="en-US" altLang="zh-CN" sz="4000" dirty="0"/>
               <a:t>Model</a:t>
             </a:r>
             <a:endParaRPr lang="zh-CN" altLang="en-US" sz="4000" dirty="0"/>
@@ -8097,7 +12753,7 @@
           <a:lstStyle/>
           <a:p>
             <a:r>
-              <a:rPr lang="en-US" altLang="zh-CN" sz="4000" dirty="0" smtClean="0"/>
+              <a:rPr lang="en-US" altLang="zh-CN" sz="4000" dirty="0"/>
               <a:t>Document</a:t>
             </a:r>
             <a:endParaRPr lang="zh-CN" altLang="en-US" sz="4000" dirty="0"/>
@@ -8149,22 +12805,14 @@
           <a:lstStyle/>
           <a:p>
             <a:r>
-              <a:rPr lang="en-US" altLang="zh-CN" sz="3200" dirty="0" smtClean="0"/>
+              <a:rPr lang="en-US" altLang="zh-CN" sz="3200" dirty="0"/>
               <a:t>Structure</a:t>
             </a:r>
           </a:p>
           <a:p>
             <a:r>
-              <a:rPr lang="en-US" altLang="zh-CN" sz="3200" dirty="0" smtClean="0"/>
-              <a:t>Definition-</a:t>
-            </a:r>
-            <a:r>
               <a:rPr lang="en-US" altLang="zh-CN" sz="3200" dirty="0"/>
-              <a:t> </a:t>
-            </a:r>
-            <a:r>
-              <a:rPr lang="en-US" altLang="zh-CN" sz="3200" dirty="0" smtClean="0"/>
-              <a:t>fields</a:t>
+              <a:t>Definition- fields</a:t>
             </a:r>
             <a:endParaRPr lang="zh-CN" altLang="en-US" sz="3200" dirty="0"/>
           </a:p>
@@ -8215,7 +12863,7 @@
           <a:lstStyle/>
           <a:p>
             <a:r>
-              <a:rPr lang="en-US" altLang="zh-CN" sz="3200" dirty="0" smtClean="0"/>
+              <a:rPr lang="en-US" altLang="zh-CN" sz="3200" dirty="0"/>
               <a:t>constructor</a:t>
             </a:r>
             <a:endParaRPr lang="zh-CN" altLang="en-US" sz="3200" dirty="0"/>
@@ -8398,7 +13046,7 @@
           <a:lstStyle/>
           <a:p>
             <a:r>
-              <a:rPr lang="en-US" altLang="zh-CN" sz="2800" dirty="0" smtClean="0"/>
+              <a:rPr lang="en-US" altLang="zh-CN" sz="2800" dirty="0"/>
               <a:t>new</a:t>
             </a:r>
             <a:endParaRPr lang="zh-CN" altLang="en-US" sz="2800" dirty="0"/>
@@ -8539,33 +13187,33 @@
           <a:lstStyle/>
           <a:p>
             <a:r>
-              <a:rPr lang="en-US" altLang="zh-CN" sz="2800" dirty="0" smtClean="0"/>
+              <a:rPr lang="en-US" altLang="zh-CN" sz="2800" dirty="0"/>
               <a:t>.</a:t>
             </a:r>
             <a:r>
-              <a:rPr lang="en-US" altLang="zh-CN" sz="2800" dirty="0" err="1" smtClean="0"/>
+              <a:rPr lang="en-US" altLang="zh-CN" sz="2800" dirty="0" err="1"/>
               <a:t>insertMany</a:t>
             </a:r>
             <a:r>
-              <a:rPr lang="en-US" altLang="zh-CN" sz="2800" dirty="0" smtClean="0"/>
+              <a:rPr lang="en-US" altLang="zh-CN" sz="2800" dirty="0"/>
               <a:t>()</a:t>
             </a:r>
           </a:p>
           <a:p>
             <a:r>
-              <a:rPr lang="en-US" altLang="zh-CN" sz="2800" dirty="0" smtClean="0"/>
+              <a:rPr lang="en-US" altLang="zh-CN" sz="2800" dirty="0"/>
               <a:t>.find()</a:t>
             </a:r>
           </a:p>
           <a:p>
             <a:r>
-              <a:rPr lang="en-US" altLang="zh-CN" sz="2800" dirty="0" smtClean="0"/>
+              <a:rPr lang="en-US" altLang="zh-CN" sz="2800" dirty="0"/>
               <a:t>.remove()</a:t>
             </a:r>
           </a:p>
           <a:p>
             <a:r>
-              <a:rPr lang="en-US" altLang="zh-CN" sz="2800" dirty="0" smtClean="0"/>
+              <a:rPr lang="en-US" altLang="zh-CN" sz="2800" dirty="0"/>
               <a:t>…</a:t>
             </a:r>
             <a:endParaRPr lang="zh-CN" altLang="en-US" sz="2800" dirty="0"/>
@@ -8595,13 +13243,13 @@
           <a:lstStyle/>
           <a:p>
             <a:r>
-              <a:rPr lang="en-US" altLang="zh-CN" sz="2800" dirty="0" smtClean="0"/>
+              <a:rPr lang="en-US" altLang="zh-CN" sz="2800" dirty="0"/>
               <a:t>.save()</a:t>
             </a:r>
           </a:p>
           <a:p>
             <a:r>
-              <a:rPr lang="en-US" altLang="zh-CN" sz="2800" dirty="0" smtClean="0"/>
+              <a:rPr lang="en-US" altLang="zh-CN" sz="2800" dirty="0"/>
               <a:t>…</a:t>
             </a:r>
             <a:endParaRPr lang="zh-CN" altLang="en-US" sz="2800" dirty="0"/>
@@ -8631,19 +13279,19 @@
           <a:lstStyle/>
           <a:p>
             <a:r>
-              <a:rPr lang="en-US" altLang="zh-CN" sz="2800" dirty="0" smtClean="0"/>
+              <a:rPr lang="en-US" altLang="zh-CN" sz="2800" dirty="0"/>
               <a:t>validators</a:t>
             </a:r>
           </a:p>
           <a:p>
             <a:r>
-              <a:rPr lang="en-US" altLang="zh-CN" sz="2800" dirty="0" smtClean="0"/>
+              <a:rPr lang="en-US" altLang="zh-CN" sz="2800" dirty="0"/>
               <a:t>hooks</a:t>
             </a:r>
           </a:p>
           <a:p>
             <a:r>
-              <a:rPr lang="en-US" altLang="zh-CN" sz="2800" dirty="0" smtClean="0"/>
+              <a:rPr lang="en-US" altLang="zh-CN" sz="2800" dirty="0"/>
               <a:t>…</a:t>
             </a:r>
             <a:endParaRPr lang="zh-CN" altLang="en-US" sz="2800" dirty="0"/>
@@ -8660,13 +13308,6 @@
   <p:clrMapOvr>
     <a:masterClrMapping/>
   </p:clrMapOvr>
-  <p:timing>
-    <p:tnLst>
-      <p:par>
-        <p:cTn id="1" dur="indefinite" restart="never" nodeType="tmRoot"/>
-      </p:par>
-    </p:tnLst>
-  </p:timing>
 </p:sld>
 </file>
 
@@ -8708,10 +13349,9 @@
           <a:lstStyle/>
           <a:p>
             <a:r>
-              <a:rPr lang="en-US" altLang="zh-CN" dirty="0" smtClean="0"/>
+              <a:rPr lang="en-US" altLang="zh-CN" dirty="0"/>
               <a:t>Quick-start</a:t>
             </a:r>
-            <a:endParaRPr lang="en-US" altLang="zh-CN" dirty="0"/>
           </a:p>
         </p:txBody>
       </p:sp>
@@ -8731,10 +13371,9 @@
           <a:lstStyle/>
           <a:p>
             <a:r>
-              <a:rPr lang="en-US" dirty="0" smtClean="0"/>
+              <a:rPr lang="en-US" dirty="0"/>
               <a:t>3</a:t>
             </a:r>
-            <a:endParaRPr lang="en-US" dirty="0"/>
           </a:p>
         </p:txBody>
       </p:sp>
@@ -8748,13 +13387,6 @@
   <p:clrMapOvr>
     <a:masterClrMapping/>
   </p:clrMapOvr>
-  <p:timing>
-    <p:tnLst>
-      <p:par>
-        <p:cTn id="1" dur="indefinite" restart="never" nodeType="tmRoot"/>
-      </p:par>
-    </p:tnLst>
-  </p:timing>
 </p:sld>
 </file>
 
@@ -8791,10 +13423,9 @@
           <a:lstStyle/>
           <a:p>
             <a:r>
-              <a:rPr lang="en-US" dirty="0" smtClean="0"/>
+              <a:rPr lang="en-US" dirty="0"/>
               <a:t>3</a:t>
             </a:r>
-            <a:endParaRPr lang="en-US" dirty="0"/>
           </a:p>
         </p:txBody>
       </p:sp>
@@ -8814,10 +13445,9 @@
           <a:lstStyle/>
           <a:p>
             <a:r>
-              <a:rPr lang="en-US" altLang="zh-CN" dirty="0" smtClean="0"/>
+              <a:rPr lang="en-US" altLang="zh-CN" dirty="0"/>
               <a:t>Quick-start</a:t>
             </a:r>
-            <a:endParaRPr lang="en-US" altLang="zh-CN" dirty="0"/>
           </a:p>
         </p:txBody>
       </p:sp>
@@ -8845,7 +13475,7 @@
         <p:spPr bwMode="auto">
           <a:xfrm>
             <a:off x="304800" y="1828800"/>
-            <a:ext cx="6771452" cy="4648200"/>
+            <a:ext cx="7239000" cy="4969144"/>
           </a:xfrm>
           <a:prstGeom prst="rect">
             <a:avLst/>
@@ -8908,14 +13538,9 @@
           <a:lstStyle/>
           <a:p>
             <a:r>
-              <a:rPr lang="en-US" altLang="zh-CN" sz="2800" dirty="0" smtClean="0"/>
-              <a:t>Step 1</a:t>
-            </a:r>
-            <a:r>
               <a:rPr lang="en-US" altLang="zh-CN" sz="2800" dirty="0"/>
-              <a:t>: Establish DB connection</a:t>
-            </a:r>
-            <a:endParaRPr lang="en-US" altLang="zh-CN" sz="2800" dirty="0" smtClean="0"/>
+              <a:t>Step 1: Establish DB connection</a:t>
+            </a:r>
           </a:p>
         </p:txBody>
       </p:sp>
@@ -8927,8 +13552,8 @@
         </p:nvSpPr>
         <p:spPr>
           <a:xfrm>
-            <a:off x="381000" y="2667000"/>
-            <a:ext cx="6477000" cy="1485900"/>
+            <a:off x="381000" y="2781300"/>
+            <a:ext cx="6934200" cy="1562100"/>
           </a:xfrm>
           <a:prstGeom prst="rect">
             <a:avLst/>
@@ -8983,9 +13608,88 @@
   <p:timing>
     <p:tnLst>
       <p:par>
-        <p:cTn id="1" dur="indefinite" restart="never" nodeType="tmRoot"/>
+        <p:cTn id="1" dur="indefinite" restart="never" nodeType="tmRoot">
+          <p:childTnLst>
+            <p:seq concurrent="1" nextAc="seek">
+              <p:cTn id="2" dur="indefinite" nodeType="mainSeq">
+                <p:childTnLst>
+                  <p:par>
+                    <p:cTn id="3" fill="hold">
+                      <p:stCondLst>
+                        <p:cond delay="indefinite"/>
+                      </p:stCondLst>
+                      <p:childTnLst>
+                        <p:par>
+                          <p:cTn id="4" fill="hold">
+                            <p:stCondLst>
+                              <p:cond delay="0"/>
+                            </p:stCondLst>
+                            <p:childTnLst>
+                              <p:par>
+                                <p:cTn id="5" presetID="10" presetClass="entr" presetSubtype="0" fill="hold" grpId="0" nodeType="clickEffect">
+                                  <p:stCondLst>
+                                    <p:cond delay="0"/>
+                                  </p:stCondLst>
+                                  <p:childTnLst>
+                                    <p:set>
+                                      <p:cBhvr>
+                                        <p:cTn id="6" dur="1" fill="hold">
+                                          <p:stCondLst>
+                                            <p:cond delay="0"/>
+                                          </p:stCondLst>
+                                        </p:cTn>
+                                        <p:tgtEl>
+                                          <p:spTgt spid="5"/>
+                                        </p:tgtEl>
+                                        <p:attrNameLst>
+                                          <p:attrName>style.visibility</p:attrName>
+                                        </p:attrNameLst>
+                                      </p:cBhvr>
+                                      <p:to>
+                                        <p:strVal val="visible"/>
+                                      </p:to>
+                                    </p:set>
+                                    <p:animEffect transition="in" filter="fade">
+                                      <p:cBhvr>
+                                        <p:cTn id="7" dur="500"/>
+                                        <p:tgtEl>
+                                          <p:spTgt spid="5"/>
+                                        </p:tgtEl>
+                                      </p:cBhvr>
+                                    </p:animEffect>
+                                  </p:childTnLst>
+                                </p:cTn>
+                              </p:par>
+                            </p:childTnLst>
+                          </p:cTn>
+                        </p:par>
+                      </p:childTnLst>
+                    </p:cTn>
+                  </p:par>
+                </p:childTnLst>
+              </p:cTn>
+              <p:prevCondLst>
+                <p:cond evt="onPrev" delay="0">
+                  <p:tgtEl>
+                    <p:sldTgt/>
+                  </p:tgtEl>
+                </p:cond>
+              </p:prevCondLst>
+              <p:nextCondLst>
+                <p:cond evt="onNext" delay="0">
+                  <p:tgtEl>
+                    <p:sldTgt/>
+                  </p:tgtEl>
+                </p:cond>
+              </p:nextCondLst>
+            </p:seq>
+          </p:childTnLst>
+        </p:cTn>
       </p:par>
     </p:tnLst>
+    <p:bldLst>
+      <p:bldP spid="5" grpId="0" animBg="1"/>
+    </p:bldLst>
   </p:timing>
 </p:sld>
 </file>
@@ -9023,10 +13727,9 @@
           <a:lstStyle/>
           <a:p>
             <a:r>
-              <a:rPr lang="en-US" dirty="0" smtClean="0"/>
+              <a:rPr lang="en-US" dirty="0"/>
               <a:t>3</a:t>
             </a:r>
-            <a:endParaRPr lang="en-US" dirty="0"/>
           </a:p>
         </p:txBody>
       </p:sp>
@@ -9046,10 +13749,9 @@
           <a:lstStyle/>
           <a:p>
             <a:r>
-              <a:rPr lang="en-US" altLang="zh-CN" dirty="0" smtClean="0"/>
+              <a:rPr lang="en-US" altLang="zh-CN" dirty="0"/>
               <a:t>Quick-start</a:t>
             </a:r>
-            <a:endParaRPr lang="en-US" altLang="zh-CN" dirty="0"/>
           </a:p>
         </p:txBody>
       </p:sp>
@@ -9076,7 +13778,7 @@
           <a:lstStyle/>
           <a:p>
             <a:r>
-              <a:rPr lang="en-US" altLang="zh-CN" sz="2800" dirty="0" smtClean="0"/>
+              <a:rPr lang="en-US" altLang="zh-CN" sz="2800" dirty="0"/>
               <a:t>Step 2: Define schema</a:t>
             </a:r>
           </a:p>
@@ -9169,7 +13871,7 @@
           <a:lstStyle/>
           <a:p>
             <a:r>
-              <a:rPr lang="en-US" altLang="zh-CN" sz="2800" dirty="0" smtClean="0"/>
+              <a:rPr lang="en-US" altLang="zh-CN" sz="2800" dirty="0"/>
               <a:t>Step 3: Compile Schema into Model</a:t>
             </a:r>
           </a:p>
@@ -9249,13 +13951,6 @@
   <p:clrMapOvr>
     <a:masterClrMapping/>
   </p:clrMapOvr>
-  <p:timing>
-    <p:tnLst>
-      <p:par>
-        <p:cTn id="1" dur="indefinite" restart="never" nodeType="tmRoot"/>
-      </p:par>
-    </p:tnLst>
-  </p:timing>
 </p:sld>
 </file>
 
@@ -10675,18 +15370,18 @@
 </file>
 
 <file path=customXml/item1.xml><?xml version="1.0" encoding="utf-8"?>
-<p:properties xmlns:p="http://schemas.microsoft.com/office/2006/metadata/properties" xmlns:xsi="http://www.w3.org/2001/XMLSchema-instance">
-  <documentManagement/>
-</p:properties>
-</file>
-
-<file path=customXml/item2.xml><?xml version="1.0" encoding="utf-8"?>
 <?mso-contentType ?>
 <FormTemplates xmlns="http://schemas.microsoft.com/sharepoint/v3/contenttype/forms">
   <Display>DocumentLibraryForm</Display>
   <Edit>DocumentLibraryForm</Edit>
   <New>DocumentLibraryForm</New>
 </FormTemplates>
+</file>
+
+<file path=customXml/item2.xml><?xml version="1.0" encoding="utf-8"?>
+<p:properties xmlns:p="http://schemas.microsoft.com/office/2006/metadata/properties" xmlns:xsi="http://www.w3.org/2001/XMLSchema-instance">
+  <documentManagement/>
+</p:properties>
 </file>
 
 <file path=customXml/item3.xml><?xml version="1.0" encoding="utf-8"?>
@@ -10739,23 +15434,23 @@
 </file>
 
 <file path=customXml/itemProps1.xml><?xml version="1.0" encoding="utf-8"?>
-<ds:datastoreItem xmlns:ds="http://schemas.openxmlformats.org/officeDocument/2006/customXml" ds:itemID="{BC974159-165D-43A7-BAC0-2BE7E1872CAD}">
+<ds:datastoreItem xmlns:ds="http://schemas.openxmlformats.org/officeDocument/2006/customXml" ds:itemID="{AF2462E9-E3C6-4B9B-800D-1AA92DB6FEE6}">
   <ds:schemaRefs>
-    <ds:schemaRef ds:uri="http://purl.org/dc/elements/1.1/"/>
-    <ds:schemaRef ds:uri="http://schemas.microsoft.com/office/2006/documentManagement/types"/>
-    <ds:schemaRef ds:uri="http://purl.org/dc/terms/"/>
-    <ds:schemaRef ds:uri="http://schemas.microsoft.com/office/2006/metadata/properties"/>
-    <ds:schemaRef ds:uri="http://schemas.openxmlformats.org/package/2006/metadata/core-properties"/>
-    <ds:schemaRef ds:uri="http://www.w3.org/XML/1998/namespace"/>
-    <ds:schemaRef ds:uri="http://purl.org/dc/dcmitype/"/>
+    <ds:schemaRef ds:uri="http://schemas.microsoft.com/sharepoint/v3/contenttype/forms"/>
   </ds:schemaRefs>
 </ds:datastoreItem>
 </file>
 
 <file path=customXml/itemProps2.xml><?xml version="1.0" encoding="utf-8"?>
-<ds:datastoreItem xmlns:ds="http://schemas.openxmlformats.org/officeDocument/2006/customXml" ds:itemID="{AF2462E9-E3C6-4B9B-800D-1AA92DB6FEE6}">
+<ds:datastoreItem xmlns:ds="http://schemas.openxmlformats.org/officeDocument/2006/customXml" ds:itemID="{BC974159-165D-43A7-BAC0-2BE7E1872CAD}">
   <ds:schemaRefs>
-    <ds:schemaRef ds:uri="http://schemas.microsoft.com/sharepoint/v3/contenttype/forms"/>
+    <ds:schemaRef ds:uri="http://schemas.microsoft.com/office/2006/metadata/properties"/>
+    <ds:schemaRef ds:uri="http://schemas.microsoft.com/office/2006/documentManagement/types"/>
+    <ds:schemaRef ds:uri="http://purl.org/dc/elements/1.1/"/>
+    <ds:schemaRef ds:uri="http://schemas.openxmlformats.org/package/2006/metadata/core-properties"/>
+    <ds:schemaRef ds:uri="http://www.w3.org/XML/1998/namespace"/>
+    <ds:schemaRef ds:uri="http://purl.org/dc/dcmitype/"/>
+    <ds:schemaRef ds:uri="http://purl.org/dc/terms/"/>
   </ds:schemaRefs>
 </ds:datastoreItem>
 </file>

--- a/db/mongodb/2017/materials/MongoDB_CH5_Using_in_nodeJS.pptx
+++ b/db/mongodb/2017/materials/MongoDB_CH5_Using_in_nodeJS.pptx
@@ -8,7 +8,7 @@
     <p:sldMasterId id="2147483652" r:id="rId7"/>
   </p:sldMasterIdLst>
   <p:notesMasterIdLst>
-    <p:notesMasterId r:id="rId34"/>
+    <p:notesMasterId r:id="rId46"/>
   </p:notesMasterIdLst>
   <p:sldIdLst>
     <p:sldId id="281" r:id="rId8"/>
@@ -34,9 +34,21 @@
     <p:sldId id="546" r:id="rId28"/>
     <p:sldId id="547" r:id="rId29"/>
     <p:sldId id="548" r:id="rId30"/>
-    <p:sldId id="462" r:id="rId31"/>
-    <p:sldId id="264" r:id="rId32"/>
-    <p:sldId id="265" r:id="rId33"/>
+    <p:sldId id="549" r:id="rId31"/>
+    <p:sldId id="550" r:id="rId32"/>
+    <p:sldId id="551" r:id="rId33"/>
+    <p:sldId id="552" r:id="rId34"/>
+    <p:sldId id="553" r:id="rId35"/>
+    <p:sldId id="555" r:id="rId36"/>
+    <p:sldId id="554" r:id="rId37"/>
+    <p:sldId id="556" r:id="rId38"/>
+    <p:sldId id="557" r:id="rId39"/>
+    <p:sldId id="558" r:id="rId40"/>
+    <p:sldId id="560" r:id="rId41"/>
+    <p:sldId id="559" r:id="rId42"/>
+    <p:sldId id="462" r:id="rId43"/>
+    <p:sldId id="264" r:id="rId44"/>
+    <p:sldId id="265" r:id="rId45"/>
   </p:sldIdLst>
   <p:sldSz cx="9144000" cy="6858000" type="screen4x3"/>
   <p:notesSz cx="6858000" cy="9144000"/>
@@ -137,7 +149,7 @@
   </p:defaultTextStyle>
   <p:extLst>
     <p:ext uri="{EFAFB233-063F-42B5-8137-9DF3F51BA10A}">
-      <p15:sldGuideLst xmlns:p15="http://schemas.microsoft.com/office/powerpoint/2012/main">
+      <p15:sldGuideLst xmlns="" xmlns:p15="http://schemas.microsoft.com/office/powerpoint/2012/main">
         <p15:guide id="1" orient="horz" pos="2160">
           <p15:clr>
             <a:srgbClr val="A4A3A4"/>
@@ -6169,7 +6181,15 @@
             </a:r>
             <a:r>
               <a:rPr lang="en-US" sz="2800" dirty="0"/>
-              <a:t> in Node.JS</a:t>
+              <a:t> </a:t>
+            </a:r>
+            <a:r>
+              <a:rPr lang="en-US" sz="2800" dirty="0" smtClean="0"/>
+              <a:t>with </a:t>
+            </a:r>
+            <a:r>
+              <a:rPr lang="en-US" sz="2800" dirty="0"/>
+              <a:t>Node.JS</a:t>
             </a:r>
           </a:p>
         </p:txBody>
@@ -6517,6 +6537,13 @@
   <p:clrMapOvr>
     <a:masterClrMapping/>
   </p:clrMapOvr>
+  <p:timing>
+    <p:tnLst>
+      <p:par>
+        <p:cTn id="1" dur="indefinite" restart="never" nodeType="tmRoot"/>
+      </p:par>
+    </p:tnLst>
+  </p:timing>
 </p:sld>
 </file>
 
@@ -6748,6 +6775,13 @@
   <p:clrMapOvr>
     <a:masterClrMapping/>
   </p:clrMapOvr>
+  <p:timing>
+    <p:tnLst>
+      <p:par>
+        <p:cTn id="1" dur="indefinite" restart="never" nodeType="tmRoot"/>
+      </p:par>
+    </p:tnLst>
+  </p:timing>
 </p:sld>
 </file>
 
@@ -10447,6 +10481,13 @@
   <p:clrMapOvr>
     <a:masterClrMapping/>
   </p:clrMapOvr>
+  <p:timing>
+    <p:tnLst>
+      <p:par>
+        <p:cTn id="1" dur="indefinite" restart="never" nodeType="tmRoot"/>
+      </p:par>
+    </p:tnLst>
+  </p:timing>
 </p:sld>
 </file>
 
@@ -11320,6 +11361,13 @@
   <p:clrMapOvr>
     <a:masterClrMapping/>
   </p:clrMapOvr>
+  <p:timing>
+    <p:tnLst>
+      <p:par>
+        <p:cTn id="1" dur="indefinite" restart="never" nodeType="tmRoot"/>
+      </p:par>
+    </p:tnLst>
+  </p:timing>
 </p:sld>
 </file>
 
@@ -11399,6 +11447,13 @@
   <p:clrMapOvr>
     <a:masterClrMapping/>
   </p:clrMapOvr>
+  <p:timing>
+    <p:tnLst>
+      <p:par>
+        <p:cTn id="1" dur="indefinite" restart="never" nodeType="tmRoot"/>
+      </p:par>
+    </p:tnLst>
+  </p:timing>
 </p:sld>
 </file>
 
@@ -11982,29 +12037,18 @@
             <a:spLocks noGrp="1"/>
           </p:cNvSpPr>
           <p:nvPr>
-            <p:ph type="body" sz="quarter" idx="14"/>
+            <p:ph type="body" sz="quarter" idx="13"/>
           </p:nvPr>
         </p:nvSpPr>
-        <p:spPr>
-          <a:xfrm>
-            <a:off x="1031080" y="1712742"/>
-            <a:ext cx="7122319" cy="1754326"/>
-          </a:xfrm>
-        </p:spPr>
+        <p:spPr/>
         <p:txBody>
           <a:bodyPr/>
           <a:lstStyle/>
           <a:p>
             <a:r>
-              <a:rPr lang="en-US">
-                <a:hlinkClick r:id="rId2"/>
-              </a:rPr>
-              <a:t>http://mongoosejs.com/docs/index.html</a:t>
-            </a:r>
-            <a:endParaRPr lang="en-US"/>
-          </a:p>
-          <a:p>
-            <a:endParaRPr lang="en-US" dirty="0"/>
+              <a:rPr lang="en-US" dirty="0"/>
+              <a:t>5</a:t>
+            </a:r>
           </a:p>
         </p:txBody>
       </p:sp>
@@ -12015,7 +12059,7 @@
             <a:spLocks noGrp="1"/>
           </p:cNvSpPr>
           <p:nvPr>
-            <p:ph type="body" sz="quarter" idx="11"/>
+            <p:ph type="body" sz="quarter" idx="14"/>
           </p:nvPr>
         </p:nvSpPr>
         <p:spPr/>
@@ -12025,21 +12069,456 @@
           <a:p>
             <a:r>
               <a:rPr lang="en-US" dirty="0"/>
-              <a:t>@</a:t>
-            </a:r>
+              <a:t>Model</a:t>
+            </a:r>
+          </a:p>
+          <a:p>
+            <a:endParaRPr lang="en-US" dirty="0"/>
+          </a:p>
+        </p:txBody>
+      </p:sp>
+      <p:sp>
+        <p:nvSpPr>
+          <p:cNvPr id="8" name="TextBox 2"/>
+          <p:cNvSpPr txBox="1">
+            <a:spLocks noChangeArrowheads="1"/>
+          </p:cNvSpPr>
+          <p:nvPr/>
+        </p:nvSpPr>
+        <p:spPr bwMode="auto">
+          <a:xfrm>
+            <a:off x="0" y="990600"/>
+            <a:ext cx="9144000" cy="646331"/>
+          </a:xfrm>
+          <a:prstGeom prst="rect">
+            <a:avLst/>
+          </a:prstGeom>
+          <a:noFill/>
+          <a:ln>
+            <a:noFill/>
+          </a:ln>
+          <a:extLst>
+            <a:ext uri="{909E8E84-426E-40DD-AFC4-6F175D3DCCD1}">
+              <a14:hiddenFill xmlns:a14="http://schemas.microsoft.com/office/drawing/2010/main">
+                <a:solidFill>
+                  <a:srgbClr val="FFFFFF"/>
+                </a:solidFill>
+              </a14:hiddenFill>
+            </a:ext>
+            <a:ext uri="{91240B29-F687-4F45-9708-019B960494DF}">
+              <a14:hiddenLine xmlns:a14="http://schemas.microsoft.com/office/drawing/2010/main" w="9525">
+                <a:solidFill>
+                  <a:srgbClr val="000000"/>
+                </a:solidFill>
+                <a:miter lim="800000"/>
+                <a:headEnd/>
+                <a:tailEnd/>
+              </a14:hiddenLine>
+            </a:ext>
+          </a:extLst>
+        </p:spPr>
+        <p:txBody>
+          <a:bodyPr wrap="square">
+            <a:spAutoFit/>
+          </a:bodyPr>
+          <a:lstStyle>
+            <a:lvl1pPr marL="571500" indent="-571500" eaLnBrk="0" hangingPunct="0">
+              <a:defRPr>
+                <a:solidFill>
+                  <a:schemeClr val="tx1"/>
+                </a:solidFill>
+                <a:latin typeface="Arial" panose="020B0604020202020204" pitchFamily="34" charset="0"/>
+                <a:ea typeface="宋体" panose="02010600030101010101" pitchFamily="2" charset="-122"/>
+              </a:defRPr>
+            </a:lvl1pPr>
+            <a:lvl2pPr marL="742950" indent="-285750" eaLnBrk="0" hangingPunct="0">
+              <a:defRPr>
+                <a:solidFill>
+                  <a:schemeClr val="tx1"/>
+                </a:solidFill>
+                <a:latin typeface="Arial" panose="020B0604020202020204" pitchFamily="34" charset="0"/>
+                <a:ea typeface="宋体" panose="02010600030101010101" pitchFamily="2" charset="-122"/>
+              </a:defRPr>
+            </a:lvl2pPr>
+            <a:lvl3pPr marL="1143000" indent="-228600" eaLnBrk="0" hangingPunct="0">
+              <a:defRPr>
+                <a:solidFill>
+                  <a:schemeClr val="tx1"/>
+                </a:solidFill>
+                <a:latin typeface="Arial" panose="020B0604020202020204" pitchFamily="34" charset="0"/>
+                <a:ea typeface="宋体" panose="02010600030101010101" pitchFamily="2" charset="-122"/>
+              </a:defRPr>
+            </a:lvl3pPr>
+            <a:lvl4pPr marL="1600200" indent="-228600" eaLnBrk="0" hangingPunct="0">
+              <a:defRPr>
+                <a:solidFill>
+                  <a:schemeClr val="tx1"/>
+                </a:solidFill>
+                <a:latin typeface="Arial" panose="020B0604020202020204" pitchFamily="34" charset="0"/>
+                <a:ea typeface="宋体" panose="02010600030101010101" pitchFamily="2" charset="-122"/>
+              </a:defRPr>
+            </a:lvl4pPr>
+            <a:lvl5pPr marL="2057400" indent="-228600" eaLnBrk="0" hangingPunct="0">
+              <a:defRPr>
+                <a:solidFill>
+                  <a:schemeClr val="tx1"/>
+                </a:solidFill>
+                <a:latin typeface="Arial" panose="020B0604020202020204" pitchFamily="34" charset="0"/>
+                <a:ea typeface="宋体" panose="02010600030101010101" pitchFamily="2" charset="-122"/>
+              </a:defRPr>
+            </a:lvl5pPr>
+            <a:lvl6pPr marL="2514600" indent="-228600" eaLnBrk="0" fontAlgn="base" hangingPunct="0">
+              <a:spcBef>
+                <a:spcPct val="0"/>
+              </a:spcBef>
+              <a:spcAft>
+                <a:spcPct val="0"/>
+              </a:spcAft>
+              <a:defRPr>
+                <a:solidFill>
+                  <a:schemeClr val="tx1"/>
+                </a:solidFill>
+                <a:latin typeface="Arial" panose="020B0604020202020204" pitchFamily="34" charset="0"/>
+                <a:ea typeface="宋体" panose="02010600030101010101" pitchFamily="2" charset="-122"/>
+              </a:defRPr>
+            </a:lvl6pPr>
+            <a:lvl7pPr marL="2971800" indent="-228600" eaLnBrk="0" fontAlgn="base" hangingPunct="0">
+              <a:spcBef>
+                <a:spcPct val="0"/>
+              </a:spcBef>
+              <a:spcAft>
+                <a:spcPct val="0"/>
+              </a:spcAft>
+              <a:defRPr>
+                <a:solidFill>
+                  <a:schemeClr val="tx1"/>
+                </a:solidFill>
+                <a:latin typeface="Arial" panose="020B0604020202020204" pitchFamily="34" charset="0"/>
+                <a:ea typeface="宋体" panose="02010600030101010101" pitchFamily="2" charset="-122"/>
+              </a:defRPr>
+            </a:lvl7pPr>
+            <a:lvl8pPr marL="3429000" indent="-228600" eaLnBrk="0" fontAlgn="base" hangingPunct="0">
+              <a:spcBef>
+                <a:spcPct val="0"/>
+              </a:spcBef>
+              <a:spcAft>
+                <a:spcPct val="0"/>
+              </a:spcAft>
+              <a:defRPr>
+                <a:solidFill>
+                  <a:schemeClr val="tx1"/>
+                </a:solidFill>
+                <a:latin typeface="Arial" panose="020B0604020202020204" pitchFamily="34" charset="0"/>
+                <a:ea typeface="宋体" panose="02010600030101010101" pitchFamily="2" charset="-122"/>
+              </a:defRPr>
+            </a:lvl8pPr>
+            <a:lvl9pPr marL="3886200" indent="-228600" eaLnBrk="0" fontAlgn="base" hangingPunct="0">
+              <a:spcBef>
+                <a:spcPct val="0"/>
+              </a:spcBef>
+              <a:spcAft>
+                <a:spcPct val="0"/>
+              </a:spcAft>
+              <a:defRPr>
+                <a:solidFill>
+                  <a:schemeClr val="tx1"/>
+                </a:solidFill>
+                <a:latin typeface="Arial" panose="020B0604020202020204" pitchFamily="34" charset="0"/>
+                <a:ea typeface="宋体" panose="02010600030101010101" pitchFamily="2" charset="-122"/>
+              </a:defRPr>
+            </a:lvl9pPr>
+          </a:lstStyle>
+          <a:p>
+            <a:r>
+              <a:rPr lang="en-US" sz="3600" dirty="0" smtClean="0"/>
+              <a:t>Insert document: (1) </a:t>
+            </a:r>
+            <a:r>
+              <a:rPr lang="en-US" sz="3600" dirty="0" err="1" smtClean="0"/>
+              <a:t>document.save</a:t>
+            </a:r>
+            <a:r>
+              <a:rPr lang="en-US" sz="3600" dirty="0" smtClean="0"/>
+              <a:t>()</a:t>
+            </a:r>
+          </a:p>
+        </p:txBody>
+      </p:sp>
+      <p:pic>
+        <p:nvPicPr>
+          <p:cNvPr id="1027" name="Picture 3"/>
+          <p:cNvPicPr>
+            <a:picLocks noChangeAspect="1" noChangeArrowheads="1"/>
+          </p:cNvPicPr>
+          <p:nvPr/>
+        </p:nvPicPr>
+        <p:blipFill>
+          <a:blip r:embed="rId2">
+            <a:extLst>
+              <a:ext uri="{28A0092B-C50C-407E-A947-70E740481C1C}">
+                <a14:useLocalDpi xmlns:a14="http://schemas.microsoft.com/office/drawing/2010/main" val="0"/>
+              </a:ext>
+            </a:extLst>
+          </a:blip>
+          <a:srcRect/>
+          <a:stretch>
+            <a:fillRect/>
+          </a:stretch>
+        </p:blipFill>
+        <p:spPr bwMode="auto">
+          <a:xfrm>
+            <a:off x="152400" y="1636931"/>
+            <a:ext cx="4648199" cy="2792119"/>
+          </a:xfrm>
+          <a:prstGeom prst="rect">
+            <a:avLst/>
+          </a:prstGeom>
+          <a:noFill/>
+          <a:ln>
+            <a:noFill/>
+          </a:ln>
+          <a:effectLst/>
+          <a:extLst>
+            <a:ext uri="{909E8E84-426E-40DD-AFC4-6F175D3DCCD1}">
+              <a14:hiddenFill xmlns:a14="http://schemas.microsoft.com/office/drawing/2010/main">
+                <a:solidFill>
+                  <a:schemeClr val="accent1"/>
+                </a:solidFill>
+              </a14:hiddenFill>
+            </a:ext>
+            <a:ext uri="{91240B29-F687-4F45-9708-019B960494DF}">
+              <a14:hiddenLine xmlns:a14="http://schemas.microsoft.com/office/drawing/2010/main" w="9525">
+                <a:solidFill>
+                  <a:schemeClr val="tx1"/>
+                </a:solidFill>
+                <a:miter lim="800000"/>
+                <a:headEnd/>
+                <a:tailEnd/>
+              </a14:hiddenLine>
+            </a:ext>
+            <a:ext uri="{AF507438-7753-43E0-B8FC-AC1667EBCBE1}">
+              <a14:hiddenEffects xmlns:a14="http://schemas.microsoft.com/office/drawing/2010/main">
+                <a:effectLst>
+                  <a:outerShdw dist="35921" dir="2700000" algn="ctr" rotWithShape="0">
+                    <a:schemeClr val="bg2"/>
+                  </a:outerShdw>
+                </a:effectLst>
+              </a14:hiddenEffects>
+            </a:ext>
+          </a:extLst>
+        </p:spPr>
+      </p:pic>
+      <p:pic>
+        <p:nvPicPr>
+          <p:cNvPr id="1028" name="Picture 4"/>
+          <p:cNvPicPr>
+            <a:picLocks noChangeAspect="1" noChangeArrowheads="1"/>
+          </p:cNvPicPr>
+          <p:nvPr/>
+        </p:nvPicPr>
+        <p:blipFill>
+          <a:blip r:embed="rId3">
+            <a:extLst>
+              <a:ext uri="{28A0092B-C50C-407E-A947-70E740481C1C}">
+                <a14:useLocalDpi xmlns:a14="http://schemas.microsoft.com/office/drawing/2010/main" val="0"/>
+              </a:ext>
+            </a:extLst>
+          </a:blip>
+          <a:srcRect/>
+          <a:stretch>
+            <a:fillRect/>
+          </a:stretch>
+        </p:blipFill>
+        <p:spPr bwMode="auto">
+          <a:xfrm>
+            <a:off x="152400" y="4495800"/>
+            <a:ext cx="7696200" cy="1676400"/>
+          </a:xfrm>
+          <a:prstGeom prst="rect">
+            <a:avLst/>
+          </a:prstGeom>
+          <a:noFill/>
+          <a:ln>
+            <a:noFill/>
+          </a:ln>
+          <a:effectLst/>
+          <a:extLst>
+            <a:ext uri="{909E8E84-426E-40DD-AFC4-6F175D3DCCD1}">
+              <a14:hiddenFill xmlns:a14="http://schemas.microsoft.com/office/drawing/2010/main">
+                <a:solidFill>
+                  <a:schemeClr val="accent1"/>
+                </a:solidFill>
+              </a14:hiddenFill>
+            </a:ext>
+            <a:ext uri="{91240B29-F687-4F45-9708-019B960494DF}">
+              <a14:hiddenLine xmlns:a14="http://schemas.microsoft.com/office/drawing/2010/main" w="9525">
+                <a:solidFill>
+                  <a:schemeClr val="tx1"/>
+                </a:solidFill>
+                <a:miter lim="800000"/>
+                <a:headEnd/>
+                <a:tailEnd/>
+              </a14:hiddenLine>
+            </a:ext>
+            <a:ext uri="{AF507438-7753-43E0-B8FC-AC1667EBCBE1}">
+              <a14:hiddenEffects xmlns:a14="http://schemas.microsoft.com/office/drawing/2010/main">
+                <a:effectLst>
+                  <a:outerShdw dist="35921" dir="2700000" algn="ctr" rotWithShape="0">
+                    <a:schemeClr val="bg2"/>
+                  </a:outerShdw>
+                </a:effectLst>
+              </a14:hiddenEffects>
+            </a:ext>
+          </a:extLst>
+        </p:spPr>
+      </p:pic>
+      <p:sp>
+        <p:nvSpPr>
+          <p:cNvPr id="11" name="矩形 4"/>
+          <p:cNvSpPr/>
+          <p:nvPr/>
+        </p:nvSpPr>
+        <p:spPr>
+          <a:xfrm>
+            <a:off x="1752600" y="4572000"/>
+            <a:ext cx="838200" cy="304800"/>
+          </a:xfrm>
+          <a:prstGeom prst="rect">
+            <a:avLst/>
+          </a:prstGeom>
+          <a:noFill/>
+          <a:ln w="38100">
+            <a:solidFill>
+              <a:srgbClr val="FFFF00"/>
+            </a:solidFill>
+            <a:prstDash val="sysDash"/>
+          </a:ln>
+        </p:spPr>
+        <p:style>
+          <a:lnRef idx="2">
+            <a:schemeClr val="accent1">
+              <a:shade val="50000"/>
+            </a:schemeClr>
+          </a:lnRef>
+          <a:fillRef idx="1">
+            <a:schemeClr val="accent1"/>
+          </a:fillRef>
+          <a:effectRef idx="0">
+            <a:schemeClr val="accent1"/>
+          </a:effectRef>
+          <a:fontRef idx="minor">
+            <a:schemeClr val="lt1"/>
+          </a:fontRef>
+        </p:style>
+        <p:txBody>
+          <a:bodyPr rtlCol="0" anchor="ctr"/>
+          <a:lstStyle/>
+          <a:p>
+            <a:pPr algn="ctr"/>
+            <a:endParaRPr lang="zh-CN" altLang="en-US">
+              <a:solidFill>
+                <a:srgbClr val="FF0000"/>
+              </a:solidFill>
+            </a:endParaRPr>
           </a:p>
         </p:txBody>
       </p:sp>
     </p:spTree>
     <p:extLst>
       <p:ext uri="{BB962C8B-B14F-4D97-AF65-F5344CB8AC3E}">
-        <p14:creationId xmlns:p14="http://schemas.microsoft.com/office/powerpoint/2010/main" val="425277737"/>
+        <p14:creationId xmlns:p14="http://schemas.microsoft.com/office/powerpoint/2010/main" val="1371355836"/>
       </p:ext>
     </p:extLst>
   </p:cSld>
   <p:clrMapOvr>
     <a:masterClrMapping/>
   </p:clrMapOvr>
+  <p:timing>
+    <p:tnLst>
+      <p:par>
+        <p:cTn id="1" dur="indefinite" restart="never" nodeType="tmRoot">
+          <p:childTnLst>
+            <p:seq concurrent="1" nextAc="seek">
+              <p:cTn id="2" dur="indefinite" nodeType="mainSeq">
+                <p:childTnLst>
+                  <p:par>
+                    <p:cTn id="3" fill="hold">
+                      <p:stCondLst>
+                        <p:cond delay="indefinite"/>
+                      </p:stCondLst>
+                      <p:childTnLst>
+                        <p:par>
+                          <p:cTn id="4" fill="hold">
+                            <p:stCondLst>
+                              <p:cond delay="0"/>
+                            </p:stCondLst>
+                            <p:childTnLst>
+                              <p:par>
+                                <p:cTn id="5" presetID="10" presetClass="entr" presetSubtype="0" fill="hold" grpId="0" nodeType="clickEffect">
+                                  <p:stCondLst>
+                                    <p:cond delay="0"/>
+                                  </p:stCondLst>
+                                  <p:childTnLst>
+                                    <p:set>
+                                      <p:cBhvr>
+                                        <p:cTn id="6" dur="1" fill="hold">
+                                          <p:stCondLst>
+                                            <p:cond delay="0"/>
+                                          </p:stCondLst>
+                                        </p:cTn>
+                                        <p:tgtEl>
+                                          <p:spTgt spid="11"/>
+                                        </p:tgtEl>
+                                        <p:attrNameLst>
+                                          <p:attrName>style.visibility</p:attrName>
+                                        </p:attrNameLst>
+                                      </p:cBhvr>
+                                      <p:to>
+                                        <p:strVal val="visible"/>
+                                      </p:to>
+                                    </p:set>
+                                    <p:animEffect transition="in" filter="fade">
+                                      <p:cBhvr>
+                                        <p:cTn id="7" dur="500"/>
+                                        <p:tgtEl>
+                                          <p:spTgt spid="11"/>
+                                        </p:tgtEl>
+                                      </p:cBhvr>
+                                    </p:animEffect>
+                                  </p:childTnLst>
+                                </p:cTn>
+                              </p:par>
+                            </p:childTnLst>
+                          </p:cTn>
+                        </p:par>
+                      </p:childTnLst>
+                    </p:cTn>
+                  </p:par>
+                </p:childTnLst>
+              </p:cTn>
+              <p:prevCondLst>
+                <p:cond evt="onPrev" delay="0">
+                  <p:tgtEl>
+                    <p:sldTgt/>
+                  </p:tgtEl>
+                </p:cond>
+              </p:prevCondLst>
+              <p:nextCondLst>
+                <p:cond evt="onNext" delay="0">
+                  <p:tgtEl>
+                    <p:sldTgt/>
+                  </p:tgtEl>
+                </p:cond>
+              </p:nextCondLst>
+            </p:seq>
+          </p:childTnLst>
+        </p:cTn>
+      </p:par>
+    </p:tnLst>
+    <p:bldLst>
+      <p:bldP spid="11" grpId="0" animBg="1"/>
+    </p:bldLst>
+  </p:timing>
 </p:sld>
 </file>
 
@@ -12060,11 +12539,495 @@
           <a:chExt cx="0" cy="0"/>
         </a:xfrm>
       </p:grpSpPr>
+      <p:sp>
+        <p:nvSpPr>
+          <p:cNvPr id="2" name="Text Placeholder 1"/>
+          <p:cNvSpPr>
+            <a:spLocks noGrp="1"/>
+          </p:cNvSpPr>
+          <p:nvPr>
+            <p:ph type="body" sz="quarter" idx="13"/>
+          </p:nvPr>
+        </p:nvSpPr>
+        <p:spPr/>
+        <p:txBody>
+          <a:bodyPr/>
+          <a:lstStyle/>
+          <a:p>
+            <a:r>
+              <a:rPr lang="en-US" dirty="0"/>
+              <a:t>5</a:t>
+            </a:r>
+          </a:p>
+        </p:txBody>
+      </p:sp>
+      <p:sp>
+        <p:nvSpPr>
+          <p:cNvPr id="3" name="Text Placeholder 2"/>
+          <p:cNvSpPr>
+            <a:spLocks noGrp="1"/>
+          </p:cNvSpPr>
+          <p:nvPr>
+            <p:ph type="body" sz="quarter" idx="14"/>
+          </p:nvPr>
+        </p:nvSpPr>
+        <p:spPr/>
+        <p:txBody>
+          <a:bodyPr/>
+          <a:lstStyle/>
+          <a:p>
+            <a:r>
+              <a:rPr lang="en-US" dirty="0"/>
+              <a:t>Model</a:t>
+            </a:r>
+          </a:p>
+          <a:p>
+            <a:endParaRPr lang="en-US" dirty="0"/>
+          </a:p>
+        </p:txBody>
+      </p:sp>
+      <p:sp>
+        <p:nvSpPr>
+          <p:cNvPr id="8" name="TextBox 2"/>
+          <p:cNvSpPr txBox="1">
+            <a:spLocks noChangeArrowheads="1"/>
+          </p:cNvSpPr>
+          <p:nvPr/>
+        </p:nvSpPr>
+        <p:spPr bwMode="auto">
+          <a:xfrm>
+            <a:off x="0" y="990600"/>
+            <a:ext cx="9144000" cy="646331"/>
+          </a:xfrm>
+          <a:prstGeom prst="rect">
+            <a:avLst/>
+          </a:prstGeom>
+          <a:noFill/>
+          <a:ln>
+            <a:noFill/>
+          </a:ln>
+          <a:extLst>
+            <a:ext uri="{909E8E84-426E-40DD-AFC4-6F175D3DCCD1}">
+              <a14:hiddenFill xmlns:a14="http://schemas.microsoft.com/office/drawing/2010/main">
+                <a:solidFill>
+                  <a:srgbClr val="FFFFFF"/>
+                </a:solidFill>
+              </a14:hiddenFill>
+            </a:ext>
+            <a:ext uri="{91240B29-F687-4F45-9708-019B960494DF}">
+              <a14:hiddenLine xmlns:a14="http://schemas.microsoft.com/office/drawing/2010/main" w="9525">
+                <a:solidFill>
+                  <a:srgbClr val="000000"/>
+                </a:solidFill>
+                <a:miter lim="800000"/>
+                <a:headEnd/>
+                <a:tailEnd/>
+              </a14:hiddenLine>
+            </a:ext>
+          </a:extLst>
+        </p:spPr>
+        <p:txBody>
+          <a:bodyPr wrap="square">
+            <a:spAutoFit/>
+          </a:bodyPr>
+          <a:lstStyle>
+            <a:lvl1pPr marL="571500" indent="-571500" eaLnBrk="0" hangingPunct="0">
+              <a:defRPr>
+                <a:solidFill>
+                  <a:schemeClr val="tx1"/>
+                </a:solidFill>
+                <a:latin typeface="Arial" panose="020B0604020202020204" pitchFamily="34" charset="0"/>
+                <a:ea typeface="宋体" panose="02010600030101010101" pitchFamily="2" charset="-122"/>
+              </a:defRPr>
+            </a:lvl1pPr>
+            <a:lvl2pPr marL="742950" indent="-285750" eaLnBrk="0" hangingPunct="0">
+              <a:defRPr>
+                <a:solidFill>
+                  <a:schemeClr val="tx1"/>
+                </a:solidFill>
+                <a:latin typeface="Arial" panose="020B0604020202020204" pitchFamily="34" charset="0"/>
+                <a:ea typeface="宋体" panose="02010600030101010101" pitchFamily="2" charset="-122"/>
+              </a:defRPr>
+            </a:lvl2pPr>
+            <a:lvl3pPr marL="1143000" indent="-228600" eaLnBrk="0" hangingPunct="0">
+              <a:defRPr>
+                <a:solidFill>
+                  <a:schemeClr val="tx1"/>
+                </a:solidFill>
+                <a:latin typeface="Arial" panose="020B0604020202020204" pitchFamily="34" charset="0"/>
+                <a:ea typeface="宋体" panose="02010600030101010101" pitchFamily="2" charset="-122"/>
+              </a:defRPr>
+            </a:lvl3pPr>
+            <a:lvl4pPr marL="1600200" indent="-228600" eaLnBrk="0" hangingPunct="0">
+              <a:defRPr>
+                <a:solidFill>
+                  <a:schemeClr val="tx1"/>
+                </a:solidFill>
+                <a:latin typeface="Arial" panose="020B0604020202020204" pitchFamily="34" charset="0"/>
+                <a:ea typeface="宋体" panose="02010600030101010101" pitchFamily="2" charset="-122"/>
+              </a:defRPr>
+            </a:lvl4pPr>
+            <a:lvl5pPr marL="2057400" indent="-228600" eaLnBrk="0" hangingPunct="0">
+              <a:defRPr>
+                <a:solidFill>
+                  <a:schemeClr val="tx1"/>
+                </a:solidFill>
+                <a:latin typeface="Arial" panose="020B0604020202020204" pitchFamily="34" charset="0"/>
+                <a:ea typeface="宋体" panose="02010600030101010101" pitchFamily="2" charset="-122"/>
+              </a:defRPr>
+            </a:lvl5pPr>
+            <a:lvl6pPr marL="2514600" indent="-228600" eaLnBrk="0" fontAlgn="base" hangingPunct="0">
+              <a:spcBef>
+                <a:spcPct val="0"/>
+              </a:spcBef>
+              <a:spcAft>
+                <a:spcPct val="0"/>
+              </a:spcAft>
+              <a:defRPr>
+                <a:solidFill>
+                  <a:schemeClr val="tx1"/>
+                </a:solidFill>
+                <a:latin typeface="Arial" panose="020B0604020202020204" pitchFamily="34" charset="0"/>
+                <a:ea typeface="宋体" panose="02010600030101010101" pitchFamily="2" charset="-122"/>
+              </a:defRPr>
+            </a:lvl6pPr>
+            <a:lvl7pPr marL="2971800" indent="-228600" eaLnBrk="0" fontAlgn="base" hangingPunct="0">
+              <a:spcBef>
+                <a:spcPct val="0"/>
+              </a:spcBef>
+              <a:spcAft>
+                <a:spcPct val="0"/>
+              </a:spcAft>
+              <a:defRPr>
+                <a:solidFill>
+                  <a:schemeClr val="tx1"/>
+                </a:solidFill>
+                <a:latin typeface="Arial" panose="020B0604020202020204" pitchFamily="34" charset="0"/>
+                <a:ea typeface="宋体" panose="02010600030101010101" pitchFamily="2" charset="-122"/>
+              </a:defRPr>
+            </a:lvl7pPr>
+            <a:lvl8pPr marL="3429000" indent="-228600" eaLnBrk="0" fontAlgn="base" hangingPunct="0">
+              <a:spcBef>
+                <a:spcPct val="0"/>
+              </a:spcBef>
+              <a:spcAft>
+                <a:spcPct val="0"/>
+              </a:spcAft>
+              <a:defRPr>
+                <a:solidFill>
+                  <a:schemeClr val="tx1"/>
+                </a:solidFill>
+                <a:latin typeface="Arial" panose="020B0604020202020204" pitchFamily="34" charset="0"/>
+                <a:ea typeface="宋体" panose="02010600030101010101" pitchFamily="2" charset="-122"/>
+              </a:defRPr>
+            </a:lvl8pPr>
+            <a:lvl9pPr marL="3886200" indent="-228600" eaLnBrk="0" fontAlgn="base" hangingPunct="0">
+              <a:spcBef>
+                <a:spcPct val="0"/>
+              </a:spcBef>
+              <a:spcAft>
+                <a:spcPct val="0"/>
+              </a:spcAft>
+              <a:defRPr>
+                <a:solidFill>
+                  <a:schemeClr val="tx1"/>
+                </a:solidFill>
+                <a:latin typeface="Arial" panose="020B0604020202020204" pitchFamily="34" charset="0"/>
+                <a:ea typeface="宋体" panose="02010600030101010101" pitchFamily="2" charset="-122"/>
+              </a:defRPr>
+            </a:lvl9pPr>
+          </a:lstStyle>
+          <a:p>
+            <a:r>
+              <a:rPr lang="en-US" sz="3600" dirty="0" smtClean="0"/>
+              <a:t>Insert document: (2) </a:t>
+            </a:r>
+            <a:r>
+              <a:rPr lang="en-US" sz="3600" dirty="0" err="1" smtClean="0"/>
+              <a:t>Model.insertMany</a:t>
+            </a:r>
+            <a:r>
+              <a:rPr lang="en-US" sz="3600" dirty="0" smtClean="0"/>
+              <a:t>()</a:t>
+            </a:r>
+          </a:p>
+        </p:txBody>
+      </p:sp>
+      <p:pic>
+        <p:nvPicPr>
+          <p:cNvPr id="2050" name="Picture 2"/>
+          <p:cNvPicPr>
+            <a:picLocks noChangeAspect="1" noChangeArrowheads="1"/>
+          </p:cNvPicPr>
+          <p:nvPr/>
+        </p:nvPicPr>
+        <p:blipFill>
+          <a:blip r:embed="rId2">
+            <a:extLst>
+              <a:ext uri="{28A0092B-C50C-407E-A947-70E740481C1C}">
+                <a14:useLocalDpi xmlns:a14="http://schemas.microsoft.com/office/drawing/2010/main" val="0"/>
+              </a:ext>
+            </a:extLst>
+          </a:blip>
+          <a:srcRect/>
+          <a:stretch>
+            <a:fillRect/>
+          </a:stretch>
+        </p:blipFill>
+        <p:spPr bwMode="auto">
+          <a:xfrm>
+            <a:off x="76200" y="1600201"/>
+            <a:ext cx="5202802" cy="2971799"/>
+          </a:xfrm>
+          <a:prstGeom prst="rect">
+            <a:avLst/>
+          </a:prstGeom>
+          <a:noFill/>
+          <a:ln>
+            <a:noFill/>
+          </a:ln>
+          <a:effectLst/>
+          <a:extLst>
+            <a:ext uri="{909E8E84-426E-40DD-AFC4-6F175D3DCCD1}">
+              <a14:hiddenFill xmlns:a14="http://schemas.microsoft.com/office/drawing/2010/main">
+                <a:solidFill>
+                  <a:schemeClr val="accent1"/>
+                </a:solidFill>
+              </a14:hiddenFill>
+            </a:ext>
+            <a:ext uri="{91240B29-F687-4F45-9708-019B960494DF}">
+              <a14:hiddenLine xmlns:a14="http://schemas.microsoft.com/office/drawing/2010/main" w="9525">
+                <a:solidFill>
+                  <a:schemeClr val="tx1"/>
+                </a:solidFill>
+                <a:miter lim="800000"/>
+                <a:headEnd/>
+                <a:tailEnd/>
+              </a14:hiddenLine>
+            </a:ext>
+            <a:ext uri="{AF507438-7753-43E0-B8FC-AC1667EBCBE1}">
+              <a14:hiddenEffects xmlns:a14="http://schemas.microsoft.com/office/drawing/2010/main">
+                <a:effectLst>
+                  <a:outerShdw dist="35921" dir="2700000" algn="ctr" rotWithShape="0">
+                    <a:schemeClr val="bg2"/>
+                  </a:outerShdw>
+                </a:effectLst>
+              </a14:hiddenEffects>
+            </a:ext>
+          </a:extLst>
+        </p:spPr>
+      </p:pic>
+      <p:pic>
+        <p:nvPicPr>
+          <p:cNvPr id="2051" name="Picture 3"/>
+          <p:cNvPicPr>
+            <a:picLocks noChangeAspect="1" noChangeArrowheads="1"/>
+          </p:cNvPicPr>
+          <p:nvPr/>
+        </p:nvPicPr>
+        <p:blipFill>
+          <a:blip r:embed="rId3">
+            <a:extLst>
+              <a:ext uri="{28A0092B-C50C-407E-A947-70E740481C1C}">
+                <a14:useLocalDpi xmlns:a14="http://schemas.microsoft.com/office/drawing/2010/main" val="0"/>
+              </a:ext>
+            </a:extLst>
+          </a:blip>
+          <a:srcRect/>
+          <a:stretch>
+            <a:fillRect/>
+          </a:stretch>
+        </p:blipFill>
+        <p:spPr bwMode="auto">
+          <a:xfrm>
+            <a:off x="76200" y="4724400"/>
+            <a:ext cx="8077200" cy="1790700"/>
+          </a:xfrm>
+          <a:prstGeom prst="rect">
+            <a:avLst/>
+          </a:prstGeom>
+          <a:noFill/>
+          <a:ln>
+            <a:noFill/>
+          </a:ln>
+          <a:effectLst/>
+          <a:extLst>
+            <a:ext uri="{909E8E84-426E-40DD-AFC4-6F175D3DCCD1}">
+              <a14:hiddenFill xmlns:a14="http://schemas.microsoft.com/office/drawing/2010/main">
+                <a:solidFill>
+                  <a:schemeClr val="accent1"/>
+                </a:solidFill>
+              </a14:hiddenFill>
+            </a:ext>
+            <a:ext uri="{91240B29-F687-4F45-9708-019B960494DF}">
+              <a14:hiddenLine xmlns:a14="http://schemas.microsoft.com/office/drawing/2010/main" w="9525">
+                <a:solidFill>
+                  <a:schemeClr val="tx1"/>
+                </a:solidFill>
+                <a:miter lim="800000"/>
+                <a:headEnd/>
+                <a:tailEnd/>
+              </a14:hiddenLine>
+            </a:ext>
+            <a:ext uri="{AF507438-7753-43E0-B8FC-AC1667EBCBE1}">
+              <a14:hiddenEffects xmlns:a14="http://schemas.microsoft.com/office/drawing/2010/main">
+                <a:effectLst>
+                  <a:outerShdw dist="35921" dir="2700000" algn="ctr" rotWithShape="0">
+                    <a:schemeClr val="bg2"/>
+                  </a:outerShdw>
+                </a:effectLst>
+              </a14:hiddenEffects>
+            </a:ext>
+          </a:extLst>
+        </p:spPr>
+      </p:pic>
+      <p:sp>
+        <p:nvSpPr>
+          <p:cNvPr id="9" name="矩形 4"/>
+          <p:cNvSpPr/>
+          <p:nvPr/>
+        </p:nvSpPr>
+        <p:spPr>
+          <a:xfrm>
+            <a:off x="2286000" y="4724400"/>
+            <a:ext cx="1828800" cy="381000"/>
+          </a:xfrm>
+          <a:prstGeom prst="rect">
+            <a:avLst/>
+          </a:prstGeom>
+          <a:noFill/>
+          <a:ln w="38100">
+            <a:solidFill>
+              <a:srgbClr val="FFFF00"/>
+            </a:solidFill>
+            <a:prstDash val="sysDash"/>
+          </a:ln>
+        </p:spPr>
+        <p:style>
+          <a:lnRef idx="2">
+            <a:schemeClr val="accent1">
+              <a:shade val="50000"/>
+            </a:schemeClr>
+          </a:lnRef>
+          <a:fillRef idx="1">
+            <a:schemeClr val="accent1"/>
+          </a:fillRef>
+          <a:effectRef idx="0">
+            <a:schemeClr val="accent1"/>
+          </a:effectRef>
+          <a:fontRef idx="minor">
+            <a:schemeClr val="lt1"/>
+          </a:fontRef>
+        </p:style>
+        <p:txBody>
+          <a:bodyPr rtlCol="0" anchor="ctr"/>
+          <a:lstStyle/>
+          <a:p>
+            <a:pPr algn="ctr"/>
+            <a:endParaRPr lang="zh-CN" altLang="en-US">
+              <a:solidFill>
+                <a:srgbClr val="FF0000"/>
+              </a:solidFill>
+            </a:endParaRPr>
+          </a:p>
+        </p:txBody>
+      </p:sp>
     </p:spTree>
+    <p:extLst>
+      <p:ext uri="{BB962C8B-B14F-4D97-AF65-F5344CB8AC3E}">
+        <p14:creationId xmlns:p14="http://schemas.microsoft.com/office/powerpoint/2010/main" val="3347854679"/>
+      </p:ext>
+    </p:extLst>
   </p:cSld>
   <p:clrMapOvr>
     <a:masterClrMapping/>
   </p:clrMapOvr>
+  <p:timing>
+    <p:tnLst>
+      <p:par>
+        <p:cTn id="1" dur="indefinite" restart="never" nodeType="tmRoot">
+          <p:childTnLst>
+            <p:seq concurrent="1" nextAc="seek">
+              <p:cTn id="2" dur="indefinite" nodeType="mainSeq">
+                <p:childTnLst>
+                  <p:par>
+                    <p:cTn id="3" fill="hold">
+                      <p:stCondLst>
+                        <p:cond delay="indefinite"/>
+                      </p:stCondLst>
+                      <p:childTnLst>
+                        <p:par>
+                          <p:cTn id="4" fill="hold">
+                            <p:stCondLst>
+                              <p:cond delay="0"/>
+                            </p:stCondLst>
+                            <p:childTnLst>
+                              <p:par>
+                                <p:cTn id="5" presetID="10" presetClass="entr" presetSubtype="0" fill="hold" grpId="0" nodeType="clickEffect">
+                                  <p:stCondLst>
+                                    <p:cond delay="0"/>
+                                  </p:stCondLst>
+                                  <p:childTnLst>
+                                    <p:set>
+                                      <p:cBhvr>
+                                        <p:cTn id="6" dur="1" fill="hold">
+                                          <p:stCondLst>
+                                            <p:cond delay="0"/>
+                                          </p:stCondLst>
+                                        </p:cTn>
+                                        <p:tgtEl>
+                                          <p:spTgt spid="9"/>
+                                        </p:tgtEl>
+                                        <p:attrNameLst>
+                                          <p:attrName>style.visibility</p:attrName>
+                                        </p:attrNameLst>
+                                      </p:cBhvr>
+                                      <p:to>
+                                        <p:strVal val="visible"/>
+                                      </p:to>
+                                    </p:set>
+                                    <p:animEffect transition="in" filter="fade">
+                                      <p:cBhvr>
+                                        <p:cTn id="7" dur="500"/>
+                                        <p:tgtEl>
+                                          <p:spTgt spid="9"/>
+                                        </p:tgtEl>
+                                      </p:cBhvr>
+                                    </p:animEffect>
+                                  </p:childTnLst>
+                                </p:cTn>
+                              </p:par>
+                            </p:childTnLst>
+                          </p:cTn>
+                        </p:par>
+                      </p:childTnLst>
+                    </p:cTn>
+                  </p:par>
+                </p:childTnLst>
+              </p:cTn>
+              <p:prevCondLst>
+                <p:cond evt="onPrev" delay="0">
+                  <p:tgtEl>
+                    <p:sldTgt/>
+                  </p:tgtEl>
+                </p:cond>
+              </p:prevCondLst>
+              <p:nextCondLst>
+                <p:cond evt="onNext" delay="0">
+                  <p:tgtEl>
+                    <p:sldTgt/>
+                  </p:tgtEl>
+                </p:cond>
+              </p:nextCondLst>
+            </p:seq>
+          </p:childTnLst>
+        </p:cTn>
+      </p:par>
+    </p:tnLst>
+    <p:bldLst>
+      <p:bldP spid="9" grpId="0" animBg="1"/>
+    </p:bldLst>
+  </p:timing>
 </p:sld>
 </file>
 
@@ -12085,11 +13048,2539 @@
           <a:chExt cx="0" cy="0"/>
         </a:xfrm>
       </p:grpSpPr>
+      <p:sp>
+        <p:nvSpPr>
+          <p:cNvPr id="2" name="Text Placeholder 1"/>
+          <p:cNvSpPr>
+            <a:spLocks noGrp="1"/>
+          </p:cNvSpPr>
+          <p:nvPr>
+            <p:ph type="body" sz="quarter" idx="13"/>
+          </p:nvPr>
+        </p:nvSpPr>
+        <p:spPr/>
+        <p:txBody>
+          <a:bodyPr/>
+          <a:lstStyle/>
+          <a:p>
+            <a:r>
+              <a:rPr lang="en-US" dirty="0"/>
+              <a:t>5</a:t>
+            </a:r>
+          </a:p>
+        </p:txBody>
+      </p:sp>
+      <p:sp>
+        <p:nvSpPr>
+          <p:cNvPr id="3" name="Text Placeholder 2"/>
+          <p:cNvSpPr>
+            <a:spLocks noGrp="1"/>
+          </p:cNvSpPr>
+          <p:nvPr>
+            <p:ph type="body" sz="quarter" idx="14"/>
+          </p:nvPr>
+        </p:nvSpPr>
+        <p:spPr/>
+        <p:txBody>
+          <a:bodyPr/>
+          <a:lstStyle/>
+          <a:p>
+            <a:r>
+              <a:rPr lang="en-US" dirty="0"/>
+              <a:t>Model</a:t>
+            </a:r>
+          </a:p>
+          <a:p>
+            <a:endParaRPr lang="en-US" dirty="0"/>
+          </a:p>
+        </p:txBody>
+      </p:sp>
+      <p:sp>
+        <p:nvSpPr>
+          <p:cNvPr id="8" name="TextBox 2"/>
+          <p:cNvSpPr txBox="1">
+            <a:spLocks noChangeArrowheads="1"/>
+          </p:cNvSpPr>
+          <p:nvPr/>
+        </p:nvSpPr>
+        <p:spPr bwMode="auto">
+          <a:xfrm>
+            <a:off x="0" y="990600"/>
+            <a:ext cx="9144000" cy="646331"/>
+          </a:xfrm>
+          <a:prstGeom prst="rect">
+            <a:avLst/>
+          </a:prstGeom>
+          <a:noFill/>
+          <a:ln>
+            <a:noFill/>
+          </a:ln>
+          <a:extLst>
+            <a:ext uri="{909E8E84-426E-40DD-AFC4-6F175D3DCCD1}">
+              <a14:hiddenFill xmlns:a14="http://schemas.microsoft.com/office/drawing/2010/main">
+                <a:solidFill>
+                  <a:srgbClr val="FFFFFF"/>
+                </a:solidFill>
+              </a14:hiddenFill>
+            </a:ext>
+            <a:ext uri="{91240B29-F687-4F45-9708-019B960494DF}">
+              <a14:hiddenLine xmlns:a14="http://schemas.microsoft.com/office/drawing/2010/main" w="9525">
+                <a:solidFill>
+                  <a:srgbClr val="000000"/>
+                </a:solidFill>
+                <a:miter lim="800000"/>
+                <a:headEnd/>
+                <a:tailEnd/>
+              </a14:hiddenLine>
+            </a:ext>
+          </a:extLst>
+        </p:spPr>
+        <p:txBody>
+          <a:bodyPr wrap="square">
+            <a:spAutoFit/>
+          </a:bodyPr>
+          <a:lstStyle>
+            <a:lvl1pPr marL="571500" indent="-571500" eaLnBrk="0" hangingPunct="0">
+              <a:defRPr>
+                <a:solidFill>
+                  <a:schemeClr val="tx1"/>
+                </a:solidFill>
+                <a:latin typeface="Arial" panose="020B0604020202020204" pitchFamily="34" charset="0"/>
+                <a:ea typeface="宋体" panose="02010600030101010101" pitchFamily="2" charset="-122"/>
+              </a:defRPr>
+            </a:lvl1pPr>
+            <a:lvl2pPr marL="742950" indent="-285750" eaLnBrk="0" hangingPunct="0">
+              <a:defRPr>
+                <a:solidFill>
+                  <a:schemeClr val="tx1"/>
+                </a:solidFill>
+                <a:latin typeface="Arial" panose="020B0604020202020204" pitchFamily="34" charset="0"/>
+                <a:ea typeface="宋体" panose="02010600030101010101" pitchFamily="2" charset="-122"/>
+              </a:defRPr>
+            </a:lvl2pPr>
+            <a:lvl3pPr marL="1143000" indent="-228600" eaLnBrk="0" hangingPunct="0">
+              <a:defRPr>
+                <a:solidFill>
+                  <a:schemeClr val="tx1"/>
+                </a:solidFill>
+                <a:latin typeface="Arial" panose="020B0604020202020204" pitchFamily="34" charset="0"/>
+                <a:ea typeface="宋体" panose="02010600030101010101" pitchFamily="2" charset="-122"/>
+              </a:defRPr>
+            </a:lvl3pPr>
+            <a:lvl4pPr marL="1600200" indent="-228600" eaLnBrk="0" hangingPunct="0">
+              <a:defRPr>
+                <a:solidFill>
+                  <a:schemeClr val="tx1"/>
+                </a:solidFill>
+                <a:latin typeface="Arial" panose="020B0604020202020204" pitchFamily="34" charset="0"/>
+                <a:ea typeface="宋体" panose="02010600030101010101" pitchFamily="2" charset="-122"/>
+              </a:defRPr>
+            </a:lvl4pPr>
+            <a:lvl5pPr marL="2057400" indent="-228600" eaLnBrk="0" hangingPunct="0">
+              <a:defRPr>
+                <a:solidFill>
+                  <a:schemeClr val="tx1"/>
+                </a:solidFill>
+                <a:latin typeface="Arial" panose="020B0604020202020204" pitchFamily="34" charset="0"/>
+                <a:ea typeface="宋体" panose="02010600030101010101" pitchFamily="2" charset="-122"/>
+              </a:defRPr>
+            </a:lvl5pPr>
+            <a:lvl6pPr marL="2514600" indent="-228600" eaLnBrk="0" fontAlgn="base" hangingPunct="0">
+              <a:spcBef>
+                <a:spcPct val="0"/>
+              </a:spcBef>
+              <a:spcAft>
+                <a:spcPct val="0"/>
+              </a:spcAft>
+              <a:defRPr>
+                <a:solidFill>
+                  <a:schemeClr val="tx1"/>
+                </a:solidFill>
+                <a:latin typeface="Arial" panose="020B0604020202020204" pitchFamily="34" charset="0"/>
+                <a:ea typeface="宋体" panose="02010600030101010101" pitchFamily="2" charset="-122"/>
+              </a:defRPr>
+            </a:lvl6pPr>
+            <a:lvl7pPr marL="2971800" indent="-228600" eaLnBrk="0" fontAlgn="base" hangingPunct="0">
+              <a:spcBef>
+                <a:spcPct val="0"/>
+              </a:spcBef>
+              <a:spcAft>
+                <a:spcPct val="0"/>
+              </a:spcAft>
+              <a:defRPr>
+                <a:solidFill>
+                  <a:schemeClr val="tx1"/>
+                </a:solidFill>
+                <a:latin typeface="Arial" panose="020B0604020202020204" pitchFamily="34" charset="0"/>
+                <a:ea typeface="宋体" panose="02010600030101010101" pitchFamily="2" charset="-122"/>
+              </a:defRPr>
+            </a:lvl7pPr>
+            <a:lvl8pPr marL="3429000" indent="-228600" eaLnBrk="0" fontAlgn="base" hangingPunct="0">
+              <a:spcBef>
+                <a:spcPct val="0"/>
+              </a:spcBef>
+              <a:spcAft>
+                <a:spcPct val="0"/>
+              </a:spcAft>
+              <a:defRPr>
+                <a:solidFill>
+                  <a:schemeClr val="tx1"/>
+                </a:solidFill>
+                <a:latin typeface="Arial" panose="020B0604020202020204" pitchFamily="34" charset="0"/>
+                <a:ea typeface="宋体" panose="02010600030101010101" pitchFamily="2" charset="-122"/>
+              </a:defRPr>
+            </a:lvl8pPr>
+            <a:lvl9pPr marL="3886200" indent="-228600" eaLnBrk="0" fontAlgn="base" hangingPunct="0">
+              <a:spcBef>
+                <a:spcPct val="0"/>
+              </a:spcBef>
+              <a:spcAft>
+                <a:spcPct val="0"/>
+              </a:spcAft>
+              <a:defRPr>
+                <a:solidFill>
+                  <a:schemeClr val="tx1"/>
+                </a:solidFill>
+                <a:latin typeface="Arial" panose="020B0604020202020204" pitchFamily="34" charset="0"/>
+                <a:ea typeface="宋体" panose="02010600030101010101" pitchFamily="2" charset="-122"/>
+              </a:defRPr>
+            </a:lvl9pPr>
+          </a:lstStyle>
+          <a:p>
+            <a:r>
+              <a:rPr lang="en-US" sz="3600" dirty="0" smtClean="0"/>
+              <a:t>Remove document: </a:t>
+            </a:r>
+            <a:r>
+              <a:rPr lang="en-US" sz="3600" dirty="0" err="1" smtClean="0"/>
+              <a:t>Model.remove</a:t>
+            </a:r>
+            <a:r>
+              <a:rPr lang="en-US" sz="3600" dirty="0" smtClean="0"/>
+              <a:t>()</a:t>
+            </a:r>
+          </a:p>
+        </p:txBody>
+      </p:sp>
+      <p:pic>
+        <p:nvPicPr>
+          <p:cNvPr id="3074" name="Picture 2"/>
+          <p:cNvPicPr>
+            <a:picLocks noChangeAspect="1" noChangeArrowheads="1"/>
+          </p:cNvPicPr>
+          <p:nvPr/>
+        </p:nvPicPr>
+        <p:blipFill>
+          <a:blip r:embed="rId2">
+            <a:extLst>
+              <a:ext uri="{28A0092B-C50C-407E-A947-70E740481C1C}">
+                <a14:useLocalDpi xmlns:a14="http://schemas.microsoft.com/office/drawing/2010/main" val="0"/>
+              </a:ext>
+            </a:extLst>
+          </a:blip>
+          <a:srcRect/>
+          <a:stretch>
+            <a:fillRect/>
+          </a:stretch>
+        </p:blipFill>
+        <p:spPr bwMode="auto">
+          <a:xfrm>
+            <a:off x="152400" y="1905000"/>
+            <a:ext cx="8806496" cy="2514600"/>
+          </a:xfrm>
+          <a:prstGeom prst="rect">
+            <a:avLst/>
+          </a:prstGeom>
+          <a:noFill/>
+          <a:ln>
+            <a:noFill/>
+          </a:ln>
+          <a:effectLst/>
+          <a:extLst>
+            <a:ext uri="{909E8E84-426E-40DD-AFC4-6F175D3DCCD1}">
+              <a14:hiddenFill xmlns:a14="http://schemas.microsoft.com/office/drawing/2010/main">
+                <a:solidFill>
+                  <a:schemeClr val="accent1"/>
+                </a:solidFill>
+              </a14:hiddenFill>
+            </a:ext>
+            <a:ext uri="{91240B29-F687-4F45-9708-019B960494DF}">
+              <a14:hiddenLine xmlns:a14="http://schemas.microsoft.com/office/drawing/2010/main" w="9525">
+                <a:solidFill>
+                  <a:schemeClr val="tx1"/>
+                </a:solidFill>
+                <a:miter lim="800000"/>
+                <a:headEnd/>
+                <a:tailEnd/>
+              </a14:hiddenLine>
+            </a:ext>
+            <a:ext uri="{AF507438-7753-43E0-B8FC-AC1667EBCBE1}">
+              <a14:hiddenEffects xmlns:a14="http://schemas.microsoft.com/office/drawing/2010/main">
+                <a:effectLst>
+                  <a:outerShdw dist="35921" dir="2700000" algn="ctr" rotWithShape="0">
+                    <a:schemeClr val="bg2"/>
+                  </a:outerShdw>
+                </a:effectLst>
+              </a14:hiddenEffects>
+            </a:ext>
+          </a:extLst>
+        </p:spPr>
+      </p:pic>
+      <p:sp>
+        <p:nvSpPr>
+          <p:cNvPr id="9" name="矩形 4"/>
+          <p:cNvSpPr/>
+          <p:nvPr/>
+        </p:nvSpPr>
+        <p:spPr>
+          <a:xfrm>
+            <a:off x="762000" y="2286000"/>
+            <a:ext cx="3429000" cy="457200"/>
+          </a:xfrm>
+          <a:prstGeom prst="rect">
+            <a:avLst/>
+          </a:prstGeom>
+          <a:noFill/>
+          <a:ln w="38100">
+            <a:solidFill>
+              <a:srgbClr val="FFFF00"/>
+            </a:solidFill>
+            <a:prstDash val="sysDash"/>
+          </a:ln>
+        </p:spPr>
+        <p:style>
+          <a:lnRef idx="2">
+            <a:schemeClr val="accent1">
+              <a:shade val="50000"/>
+            </a:schemeClr>
+          </a:lnRef>
+          <a:fillRef idx="1">
+            <a:schemeClr val="accent1"/>
+          </a:fillRef>
+          <a:effectRef idx="0">
+            <a:schemeClr val="accent1"/>
+          </a:effectRef>
+          <a:fontRef idx="minor">
+            <a:schemeClr val="lt1"/>
+          </a:fontRef>
+        </p:style>
+        <p:txBody>
+          <a:bodyPr rtlCol="0" anchor="ctr"/>
+          <a:lstStyle/>
+          <a:p>
+            <a:pPr algn="ctr"/>
+            <a:endParaRPr lang="zh-CN" altLang="en-US">
+              <a:solidFill>
+                <a:srgbClr val="FF0000"/>
+              </a:solidFill>
+            </a:endParaRPr>
+          </a:p>
+        </p:txBody>
+      </p:sp>
     </p:spTree>
+    <p:extLst>
+      <p:ext uri="{BB962C8B-B14F-4D97-AF65-F5344CB8AC3E}">
+        <p14:creationId xmlns:p14="http://schemas.microsoft.com/office/powerpoint/2010/main" val="966092551"/>
+      </p:ext>
+    </p:extLst>
   </p:cSld>
   <p:clrMapOvr>
     <a:masterClrMapping/>
   </p:clrMapOvr>
+  <p:timing>
+    <p:tnLst>
+      <p:par>
+        <p:cTn id="1" dur="indefinite" restart="never" nodeType="tmRoot">
+          <p:childTnLst>
+            <p:seq concurrent="1" nextAc="seek">
+              <p:cTn id="2" dur="indefinite" nodeType="mainSeq">
+                <p:childTnLst>
+                  <p:par>
+                    <p:cTn id="3" fill="hold">
+                      <p:stCondLst>
+                        <p:cond delay="indefinite"/>
+                      </p:stCondLst>
+                      <p:childTnLst>
+                        <p:par>
+                          <p:cTn id="4" fill="hold">
+                            <p:stCondLst>
+                              <p:cond delay="0"/>
+                            </p:stCondLst>
+                            <p:childTnLst>
+                              <p:par>
+                                <p:cTn id="5" presetID="10" presetClass="entr" presetSubtype="0" fill="hold" grpId="0" nodeType="clickEffect">
+                                  <p:stCondLst>
+                                    <p:cond delay="0"/>
+                                  </p:stCondLst>
+                                  <p:childTnLst>
+                                    <p:set>
+                                      <p:cBhvr>
+                                        <p:cTn id="6" dur="1" fill="hold">
+                                          <p:stCondLst>
+                                            <p:cond delay="0"/>
+                                          </p:stCondLst>
+                                        </p:cTn>
+                                        <p:tgtEl>
+                                          <p:spTgt spid="9"/>
+                                        </p:tgtEl>
+                                        <p:attrNameLst>
+                                          <p:attrName>style.visibility</p:attrName>
+                                        </p:attrNameLst>
+                                      </p:cBhvr>
+                                      <p:to>
+                                        <p:strVal val="visible"/>
+                                      </p:to>
+                                    </p:set>
+                                    <p:animEffect transition="in" filter="fade">
+                                      <p:cBhvr>
+                                        <p:cTn id="7" dur="500"/>
+                                        <p:tgtEl>
+                                          <p:spTgt spid="9"/>
+                                        </p:tgtEl>
+                                      </p:cBhvr>
+                                    </p:animEffect>
+                                  </p:childTnLst>
+                                </p:cTn>
+                              </p:par>
+                            </p:childTnLst>
+                          </p:cTn>
+                        </p:par>
+                      </p:childTnLst>
+                    </p:cTn>
+                  </p:par>
+                </p:childTnLst>
+              </p:cTn>
+              <p:prevCondLst>
+                <p:cond evt="onPrev" delay="0">
+                  <p:tgtEl>
+                    <p:sldTgt/>
+                  </p:tgtEl>
+                </p:cond>
+              </p:prevCondLst>
+              <p:nextCondLst>
+                <p:cond evt="onNext" delay="0">
+                  <p:tgtEl>
+                    <p:sldTgt/>
+                  </p:tgtEl>
+                </p:cond>
+              </p:nextCondLst>
+            </p:seq>
+          </p:childTnLst>
+        </p:cTn>
+      </p:par>
+    </p:tnLst>
+    <p:bldLst>
+      <p:bldP spid="9" grpId="0" animBg="1"/>
+    </p:bldLst>
+  </p:timing>
+</p:sld>
+</file>
+
+<file path=ppt/slides/slide27.xml><?xml version="1.0" encoding="utf-8"?>
+<p:sld xmlns:a="http://schemas.openxmlformats.org/drawingml/2006/main" xmlns:r="http://schemas.openxmlformats.org/officeDocument/2006/relationships" xmlns:p="http://schemas.openxmlformats.org/presentationml/2006/main">
+  <p:cSld>
+    <p:spTree>
+      <p:nvGrpSpPr>
+        <p:cNvPr id="1" name=""/>
+        <p:cNvGrpSpPr/>
+        <p:nvPr/>
+      </p:nvGrpSpPr>
+      <p:grpSpPr>
+        <a:xfrm>
+          <a:off x="0" y="0"/>
+          <a:ext cx="0" cy="0"/>
+          <a:chOff x="0" y="0"/>
+          <a:chExt cx="0" cy="0"/>
+        </a:xfrm>
+      </p:grpSpPr>
+      <p:sp>
+        <p:nvSpPr>
+          <p:cNvPr id="2" name="Text Placeholder 1"/>
+          <p:cNvSpPr>
+            <a:spLocks noGrp="1"/>
+          </p:cNvSpPr>
+          <p:nvPr>
+            <p:ph type="body" sz="quarter" idx="13"/>
+          </p:nvPr>
+        </p:nvSpPr>
+        <p:spPr/>
+        <p:txBody>
+          <a:bodyPr/>
+          <a:lstStyle/>
+          <a:p>
+            <a:r>
+              <a:rPr lang="en-US" dirty="0"/>
+              <a:t>5</a:t>
+            </a:r>
+          </a:p>
+        </p:txBody>
+      </p:sp>
+      <p:sp>
+        <p:nvSpPr>
+          <p:cNvPr id="3" name="Text Placeholder 2"/>
+          <p:cNvSpPr>
+            <a:spLocks noGrp="1"/>
+          </p:cNvSpPr>
+          <p:nvPr>
+            <p:ph type="body" sz="quarter" idx="14"/>
+          </p:nvPr>
+        </p:nvSpPr>
+        <p:spPr/>
+        <p:txBody>
+          <a:bodyPr/>
+          <a:lstStyle/>
+          <a:p>
+            <a:r>
+              <a:rPr lang="en-US" dirty="0"/>
+              <a:t>Model</a:t>
+            </a:r>
+          </a:p>
+          <a:p>
+            <a:endParaRPr lang="en-US" dirty="0"/>
+          </a:p>
+        </p:txBody>
+      </p:sp>
+      <p:sp>
+        <p:nvSpPr>
+          <p:cNvPr id="8" name="TextBox 2"/>
+          <p:cNvSpPr txBox="1">
+            <a:spLocks noChangeArrowheads="1"/>
+          </p:cNvSpPr>
+          <p:nvPr/>
+        </p:nvSpPr>
+        <p:spPr bwMode="auto">
+          <a:xfrm>
+            <a:off x="0" y="990600"/>
+            <a:ext cx="9144000" cy="646331"/>
+          </a:xfrm>
+          <a:prstGeom prst="rect">
+            <a:avLst/>
+          </a:prstGeom>
+          <a:noFill/>
+          <a:ln>
+            <a:noFill/>
+          </a:ln>
+          <a:extLst>
+            <a:ext uri="{909E8E84-426E-40DD-AFC4-6F175D3DCCD1}">
+              <a14:hiddenFill xmlns:a14="http://schemas.microsoft.com/office/drawing/2010/main">
+                <a:solidFill>
+                  <a:srgbClr val="FFFFFF"/>
+                </a:solidFill>
+              </a14:hiddenFill>
+            </a:ext>
+            <a:ext uri="{91240B29-F687-4F45-9708-019B960494DF}">
+              <a14:hiddenLine xmlns:a14="http://schemas.microsoft.com/office/drawing/2010/main" w="9525">
+                <a:solidFill>
+                  <a:srgbClr val="000000"/>
+                </a:solidFill>
+                <a:miter lim="800000"/>
+                <a:headEnd/>
+                <a:tailEnd/>
+              </a14:hiddenLine>
+            </a:ext>
+          </a:extLst>
+        </p:spPr>
+        <p:txBody>
+          <a:bodyPr wrap="square">
+            <a:spAutoFit/>
+          </a:bodyPr>
+          <a:lstStyle>
+            <a:lvl1pPr marL="571500" indent="-571500" eaLnBrk="0" hangingPunct="0">
+              <a:defRPr>
+                <a:solidFill>
+                  <a:schemeClr val="tx1"/>
+                </a:solidFill>
+                <a:latin typeface="Arial" panose="020B0604020202020204" pitchFamily="34" charset="0"/>
+                <a:ea typeface="宋体" panose="02010600030101010101" pitchFamily="2" charset="-122"/>
+              </a:defRPr>
+            </a:lvl1pPr>
+            <a:lvl2pPr marL="742950" indent="-285750" eaLnBrk="0" hangingPunct="0">
+              <a:defRPr>
+                <a:solidFill>
+                  <a:schemeClr val="tx1"/>
+                </a:solidFill>
+                <a:latin typeface="Arial" panose="020B0604020202020204" pitchFamily="34" charset="0"/>
+                <a:ea typeface="宋体" panose="02010600030101010101" pitchFamily="2" charset="-122"/>
+              </a:defRPr>
+            </a:lvl2pPr>
+            <a:lvl3pPr marL="1143000" indent="-228600" eaLnBrk="0" hangingPunct="0">
+              <a:defRPr>
+                <a:solidFill>
+                  <a:schemeClr val="tx1"/>
+                </a:solidFill>
+                <a:latin typeface="Arial" panose="020B0604020202020204" pitchFamily="34" charset="0"/>
+                <a:ea typeface="宋体" panose="02010600030101010101" pitchFamily="2" charset="-122"/>
+              </a:defRPr>
+            </a:lvl3pPr>
+            <a:lvl4pPr marL="1600200" indent="-228600" eaLnBrk="0" hangingPunct="0">
+              <a:defRPr>
+                <a:solidFill>
+                  <a:schemeClr val="tx1"/>
+                </a:solidFill>
+                <a:latin typeface="Arial" panose="020B0604020202020204" pitchFamily="34" charset="0"/>
+                <a:ea typeface="宋体" panose="02010600030101010101" pitchFamily="2" charset="-122"/>
+              </a:defRPr>
+            </a:lvl4pPr>
+            <a:lvl5pPr marL="2057400" indent="-228600" eaLnBrk="0" hangingPunct="0">
+              <a:defRPr>
+                <a:solidFill>
+                  <a:schemeClr val="tx1"/>
+                </a:solidFill>
+                <a:latin typeface="Arial" panose="020B0604020202020204" pitchFamily="34" charset="0"/>
+                <a:ea typeface="宋体" panose="02010600030101010101" pitchFamily="2" charset="-122"/>
+              </a:defRPr>
+            </a:lvl5pPr>
+            <a:lvl6pPr marL="2514600" indent="-228600" eaLnBrk="0" fontAlgn="base" hangingPunct="0">
+              <a:spcBef>
+                <a:spcPct val="0"/>
+              </a:spcBef>
+              <a:spcAft>
+                <a:spcPct val="0"/>
+              </a:spcAft>
+              <a:defRPr>
+                <a:solidFill>
+                  <a:schemeClr val="tx1"/>
+                </a:solidFill>
+                <a:latin typeface="Arial" panose="020B0604020202020204" pitchFamily="34" charset="0"/>
+                <a:ea typeface="宋体" panose="02010600030101010101" pitchFamily="2" charset="-122"/>
+              </a:defRPr>
+            </a:lvl6pPr>
+            <a:lvl7pPr marL="2971800" indent="-228600" eaLnBrk="0" fontAlgn="base" hangingPunct="0">
+              <a:spcBef>
+                <a:spcPct val="0"/>
+              </a:spcBef>
+              <a:spcAft>
+                <a:spcPct val="0"/>
+              </a:spcAft>
+              <a:defRPr>
+                <a:solidFill>
+                  <a:schemeClr val="tx1"/>
+                </a:solidFill>
+                <a:latin typeface="Arial" panose="020B0604020202020204" pitchFamily="34" charset="0"/>
+                <a:ea typeface="宋体" panose="02010600030101010101" pitchFamily="2" charset="-122"/>
+              </a:defRPr>
+            </a:lvl7pPr>
+            <a:lvl8pPr marL="3429000" indent="-228600" eaLnBrk="0" fontAlgn="base" hangingPunct="0">
+              <a:spcBef>
+                <a:spcPct val="0"/>
+              </a:spcBef>
+              <a:spcAft>
+                <a:spcPct val="0"/>
+              </a:spcAft>
+              <a:defRPr>
+                <a:solidFill>
+                  <a:schemeClr val="tx1"/>
+                </a:solidFill>
+                <a:latin typeface="Arial" panose="020B0604020202020204" pitchFamily="34" charset="0"/>
+                <a:ea typeface="宋体" panose="02010600030101010101" pitchFamily="2" charset="-122"/>
+              </a:defRPr>
+            </a:lvl8pPr>
+            <a:lvl9pPr marL="3886200" indent="-228600" eaLnBrk="0" fontAlgn="base" hangingPunct="0">
+              <a:spcBef>
+                <a:spcPct val="0"/>
+              </a:spcBef>
+              <a:spcAft>
+                <a:spcPct val="0"/>
+              </a:spcAft>
+              <a:defRPr>
+                <a:solidFill>
+                  <a:schemeClr val="tx1"/>
+                </a:solidFill>
+                <a:latin typeface="Arial" panose="020B0604020202020204" pitchFamily="34" charset="0"/>
+                <a:ea typeface="宋体" panose="02010600030101010101" pitchFamily="2" charset="-122"/>
+              </a:defRPr>
+            </a:lvl9pPr>
+          </a:lstStyle>
+          <a:p>
+            <a:r>
+              <a:rPr lang="en-US" sz="3600" dirty="0" smtClean="0"/>
+              <a:t>Update document: </a:t>
+            </a:r>
+            <a:r>
+              <a:rPr lang="en-US" sz="3600" dirty="0" err="1" smtClean="0"/>
+              <a:t>Model.updateMany</a:t>
+            </a:r>
+            <a:r>
+              <a:rPr lang="en-US" sz="3600" dirty="0"/>
+              <a:t>()</a:t>
+            </a:r>
+            <a:endParaRPr lang="en-US" sz="3600" dirty="0" smtClean="0"/>
+          </a:p>
+        </p:txBody>
+      </p:sp>
+      <p:pic>
+        <p:nvPicPr>
+          <p:cNvPr id="4098" name="Picture 2"/>
+          <p:cNvPicPr>
+            <a:picLocks noChangeAspect="1" noChangeArrowheads="1"/>
+          </p:cNvPicPr>
+          <p:nvPr/>
+        </p:nvPicPr>
+        <p:blipFill>
+          <a:blip r:embed="rId2">
+            <a:extLst>
+              <a:ext uri="{28A0092B-C50C-407E-A947-70E740481C1C}">
+                <a14:useLocalDpi xmlns:a14="http://schemas.microsoft.com/office/drawing/2010/main" val="0"/>
+              </a:ext>
+            </a:extLst>
+          </a:blip>
+          <a:srcRect/>
+          <a:stretch>
+            <a:fillRect/>
+          </a:stretch>
+        </p:blipFill>
+        <p:spPr bwMode="auto">
+          <a:xfrm>
+            <a:off x="152400" y="1616149"/>
+            <a:ext cx="8858772" cy="3239869"/>
+          </a:xfrm>
+          <a:prstGeom prst="rect">
+            <a:avLst/>
+          </a:prstGeom>
+          <a:noFill/>
+          <a:ln>
+            <a:noFill/>
+          </a:ln>
+          <a:effectLst/>
+          <a:extLst>
+            <a:ext uri="{909E8E84-426E-40DD-AFC4-6F175D3DCCD1}">
+              <a14:hiddenFill xmlns:a14="http://schemas.microsoft.com/office/drawing/2010/main">
+                <a:solidFill>
+                  <a:schemeClr val="accent1"/>
+                </a:solidFill>
+              </a14:hiddenFill>
+            </a:ext>
+            <a:ext uri="{91240B29-F687-4F45-9708-019B960494DF}">
+              <a14:hiddenLine xmlns:a14="http://schemas.microsoft.com/office/drawing/2010/main" w="9525">
+                <a:solidFill>
+                  <a:schemeClr val="tx1"/>
+                </a:solidFill>
+                <a:miter lim="800000"/>
+                <a:headEnd/>
+                <a:tailEnd/>
+              </a14:hiddenLine>
+            </a:ext>
+            <a:ext uri="{AF507438-7753-43E0-B8FC-AC1667EBCBE1}">
+              <a14:hiddenEffects xmlns:a14="http://schemas.microsoft.com/office/drawing/2010/main">
+                <a:effectLst>
+                  <a:outerShdw dist="35921" dir="2700000" algn="ctr" rotWithShape="0">
+                    <a:schemeClr val="bg2"/>
+                  </a:outerShdw>
+                </a:effectLst>
+              </a14:hiddenEffects>
+            </a:ext>
+          </a:extLst>
+        </p:spPr>
+      </p:pic>
+      <p:sp>
+        <p:nvSpPr>
+          <p:cNvPr id="9" name="矩形 4"/>
+          <p:cNvSpPr/>
+          <p:nvPr/>
+        </p:nvSpPr>
+        <p:spPr>
+          <a:xfrm>
+            <a:off x="990600" y="1981200"/>
+            <a:ext cx="3429000" cy="457200"/>
+          </a:xfrm>
+          <a:prstGeom prst="rect">
+            <a:avLst/>
+          </a:prstGeom>
+          <a:noFill/>
+          <a:ln w="38100">
+            <a:solidFill>
+              <a:srgbClr val="FFFF00"/>
+            </a:solidFill>
+            <a:prstDash val="sysDash"/>
+          </a:ln>
+        </p:spPr>
+        <p:style>
+          <a:lnRef idx="2">
+            <a:schemeClr val="accent1">
+              <a:shade val="50000"/>
+            </a:schemeClr>
+          </a:lnRef>
+          <a:fillRef idx="1">
+            <a:schemeClr val="accent1"/>
+          </a:fillRef>
+          <a:effectRef idx="0">
+            <a:schemeClr val="accent1"/>
+          </a:effectRef>
+          <a:fontRef idx="minor">
+            <a:schemeClr val="lt1"/>
+          </a:fontRef>
+        </p:style>
+        <p:txBody>
+          <a:bodyPr rtlCol="0" anchor="ctr"/>
+          <a:lstStyle/>
+          <a:p>
+            <a:pPr algn="ctr"/>
+            <a:endParaRPr lang="zh-CN" altLang="en-US">
+              <a:solidFill>
+                <a:srgbClr val="FF0000"/>
+              </a:solidFill>
+            </a:endParaRPr>
+          </a:p>
+        </p:txBody>
+      </p:sp>
+      <p:sp>
+        <p:nvSpPr>
+          <p:cNvPr id="10" name="矩形 4"/>
+          <p:cNvSpPr/>
+          <p:nvPr/>
+        </p:nvSpPr>
+        <p:spPr>
+          <a:xfrm>
+            <a:off x="990600" y="2514600"/>
+            <a:ext cx="3429000" cy="457200"/>
+          </a:xfrm>
+          <a:prstGeom prst="rect">
+            <a:avLst/>
+          </a:prstGeom>
+          <a:noFill/>
+          <a:ln w="38100">
+            <a:solidFill>
+              <a:srgbClr val="FFFF00"/>
+            </a:solidFill>
+            <a:prstDash val="sysDash"/>
+          </a:ln>
+        </p:spPr>
+        <p:style>
+          <a:lnRef idx="2">
+            <a:schemeClr val="accent1">
+              <a:shade val="50000"/>
+            </a:schemeClr>
+          </a:lnRef>
+          <a:fillRef idx="1">
+            <a:schemeClr val="accent1"/>
+          </a:fillRef>
+          <a:effectRef idx="0">
+            <a:schemeClr val="accent1"/>
+          </a:effectRef>
+          <a:fontRef idx="minor">
+            <a:schemeClr val="lt1"/>
+          </a:fontRef>
+        </p:style>
+        <p:txBody>
+          <a:bodyPr rtlCol="0" anchor="ctr"/>
+          <a:lstStyle/>
+          <a:p>
+            <a:pPr algn="ctr"/>
+            <a:endParaRPr lang="zh-CN" altLang="en-US">
+              <a:solidFill>
+                <a:srgbClr val="FF0000"/>
+              </a:solidFill>
+            </a:endParaRPr>
+          </a:p>
+        </p:txBody>
+      </p:sp>
+      <p:sp>
+        <p:nvSpPr>
+          <p:cNvPr id="11" name="TextBox 10"/>
+          <p:cNvSpPr txBox="1"/>
+          <p:nvPr/>
+        </p:nvSpPr>
+        <p:spPr>
+          <a:xfrm>
+            <a:off x="4495800" y="1981200"/>
+            <a:ext cx="1143000" cy="523220"/>
+          </a:xfrm>
+          <a:prstGeom prst="rect">
+            <a:avLst/>
+          </a:prstGeom>
+          <a:solidFill>
+            <a:schemeClr val="accent3">
+              <a:lumMod val="20000"/>
+              <a:lumOff val="80000"/>
+            </a:schemeClr>
+          </a:solidFill>
+        </p:spPr>
+        <p:style>
+          <a:lnRef idx="2">
+            <a:schemeClr val="accent1"/>
+          </a:lnRef>
+          <a:fillRef idx="1">
+            <a:schemeClr val="lt1"/>
+          </a:fillRef>
+          <a:effectRef idx="0">
+            <a:schemeClr val="accent1"/>
+          </a:effectRef>
+          <a:fontRef idx="minor">
+            <a:schemeClr val="dk1"/>
+          </a:fontRef>
+        </p:style>
+        <p:txBody>
+          <a:bodyPr wrap="square" rtlCol="0">
+            <a:spAutoFit/>
+          </a:bodyPr>
+          <a:lstStyle/>
+          <a:p>
+            <a:r>
+              <a:rPr lang="en-US" altLang="zh-CN" sz="2800" dirty="0" smtClean="0"/>
+              <a:t>Query</a:t>
+            </a:r>
+            <a:endParaRPr lang="zh-CN" altLang="en-US" sz="2800" dirty="0"/>
+          </a:p>
+        </p:txBody>
+      </p:sp>
+      <p:sp>
+        <p:nvSpPr>
+          <p:cNvPr id="12" name="TextBox 11"/>
+          <p:cNvSpPr txBox="1"/>
+          <p:nvPr/>
+        </p:nvSpPr>
+        <p:spPr>
+          <a:xfrm>
+            <a:off x="4495800" y="2514600"/>
+            <a:ext cx="1295400" cy="523220"/>
+          </a:xfrm>
+          <a:prstGeom prst="rect">
+            <a:avLst/>
+          </a:prstGeom>
+          <a:solidFill>
+            <a:schemeClr val="accent3">
+              <a:lumMod val="20000"/>
+              <a:lumOff val="80000"/>
+            </a:schemeClr>
+          </a:solidFill>
+        </p:spPr>
+        <p:style>
+          <a:lnRef idx="2">
+            <a:schemeClr val="accent1"/>
+          </a:lnRef>
+          <a:fillRef idx="1">
+            <a:schemeClr val="lt1"/>
+          </a:fillRef>
+          <a:effectRef idx="0">
+            <a:schemeClr val="accent1"/>
+          </a:effectRef>
+          <a:fontRef idx="minor">
+            <a:schemeClr val="dk1"/>
+          </a:fontRef>
+        </p:style>
+        <p:txBody>
+          <a:bodyPr wrap="square" rtlCol="0">
+            <a:spAutoFit/>
+          </a:bodyPr>
+          <a:lstStyle/>
+          <a:p>
+            <a:r>
+              <a:rPr lang="en-US" altLang="zh-CN" sz="2800" dirty="0" smtClean="0"/>
+              <a:t>Update</a:t>
+            </a:r>
+            <a:endParaRPr lang="zh-CN" altLang="en-US" sz="2800" dirty="0"/>
+          </a:p>
+        </p:txBody>
+      </p:sp>
+    </p:spTree>
+    <p:extLst>
+      <p:ext uri="{BB962C8B-B14F-4D97-AF65-F5344CB8AC3E}">
+        <p14:creationId xmlns:p14="http://schemas.microsoft.com/office/powerpoint/2010/main" val="714971945"/>
+      </p:ext>
+    </p:extLst>
+  </p:cSld>
+  <p:clrMapOvr>
+    <a:masterClrMapping/>
+  </p:clrMapOvr>
+  <p:timing>
+    <p:tnLst>
+      <p:par>
+        <p:cTn id="1" dur="indefinite" restart="never" nodeType="tmRoot">
+          <p:childTnLst>
+            <p:seq concurrent="1" nextAc="seek">
+              <p:cTn id="2" dur="indefinite" nodeType="mainSeq">
+                <p:childTnLst>
+                  <p:par>
+                    <p:cTn id="3" fill="hold">
+                      <p:stCondLst>
+                        <p:cond delay="indefinite"/>
+                      </p:stCondLst>
+                      <p:childTnLst>
+                        <p:par>
+                          <p:cTn id="4" fill="hold">
+                            <p:stCondLst>
+                              <p:cond delay="0"/>
+                            </p:stCondLst>
+                            <p:childTnLst>
+                              <p:par>
+                                <p:cTn id="5" presetID="10" presetClass="entr" presetSubtype="0" fill="hold" grpId="0" nodeType="clickEffect">
+                                  <p:stCondLst>
+                                    <p:cond delay="0"/>
+                                  </p:stCondLst>
+                                  <p:childTnLst>
+                                    <p:set>
+                                      <p:cBhvr>
+                                        <p:cTn id="6" dur="1" fill="hold">
+                                          <p:stCondLst>
+                                            <p:cond delay="0"/>
+                                          </p:stCondLst>
+                                        </p:cTn>
+                                        <p:tgtEl>
+                                          <p:spTgt spid="9"/>
+                                        </p:tgtEl>
+                                        <p:attrNameLst>
+                                          <p:attrName>style.visibility</p:attrName>
+                                        </p:attrNameLst>
+                                      </p:cBhvr>
+                                      <p:to>
+                                        <p:strVal val="visible"/>
+                                      </p:to>
+                                    </p:set>
+                                    <p:animEffect transition="in" filter="fade">
+                                      <p:cBhvr>
+                                        <p:cTn id="7" dur="500"/>
+                                        <p:tgtEl>
+                                          <p:spTgt spid="9"/>
+                                        </p:tgtEl>
+                                      </p:cBhvr>
+                                    </p:animEffect>
+                                  </p:childTnLst>
+                                </p:cTn>
+                              </p:par>
+                              <p:par>
+                                <p:cTn id="8" presetID="10" presetClass="entr" presetSubtype="0" fill="hold" grpId="0" nodeType="withEffect">
+                                  <p:stCondLst>
+                                    <p:cond delay="0"/>
+                                  </p:stCondLst>
+                                  <p:childTnLst>
+                                    <p:set>
+                                      <p:cBhvr>
+                                        <p:cTn id="9" dur="1" fill="hold">
+                                          <p:stCondLst>
+                                            <p:cond delay="0"/>
+                                          </p:stCondLst>
+                                        </p:cTn>
+                                        <p:tgtEl>
+                                          <p:spTgt spid="11"/>
+                                        </p:tgtEl>
+                                        <p:attrNameLst>
+                                          <p:attrName>style.visibility</p:attrName>
+                                        </p:attrNameLst>
+                                      </p:cBhvr>
+                                      <p:to>
+                                        <p:strVal val="visible"/>
+                                      </p:to>
+                                    </p:set>
+                                    <p:animEffect transition="in" filter="fade">
+                                      <p:cBhvr>
+                                        <p:cTn id="10" dur="500"/>
+                                        <p:tgtEl>
+                                          <p:spTgt spid="11"/>
+                                        </p:tgtEl>
+                                      </p:cBhvr>
+                                    </p:animEffect>
+                                  </p:childTnLst>
+                                </p:cTn>
+                              </p:par>
+                            </p:childTnLst>
+                          </p:cTn>
+                        </p:par>
+                      </p:childTnLst>
+                    </p:cTn>
+                  </p:par>
+                  <p:par>
+                    <p:cTn id="11" fill="hold">
+                      <p:stCondLst>
+                        <p:cond delay="indefinite"/>
+                      </p:stCondLst>
+                      <p:childTnLst>
+                        <p:par>
+                          <p:cTn id="12" fill="hold">
+                            <p:stCondLst>
+                              <p:cond delay="0"/>
+                            </p:stCondLst>
+                            <p:childTnLst>
+                              <p:par>
+                                <p:cTn id="13" presetID="10" presetClass="entr" presetSubtype="0" fill="hold" grpId="0" nodeType="clickEffect">
+                                  <p:stCondLst>
+                                    <p:cond delay="0"/>
+                                  </p:stCondLst>
+                                  <p:childTnLst>
+                                    <p:set>
+                                      <p:cBhvr>
+                                        <p:cTn id="14" dur="1" fill="hold">
+                                          <p:stCondLst>
+                                            <p:cond delay="0"/>
+                                          </p:stCondLst>
+                                        </p:cTn>
+                                        <p:tgtEl>
+                                          <p:spTgt spid="10"/>
+                                        </p:tgtEl>
+                                        <p:attrNameLst>
+                                          <p:attrName>style.visibility</p:attrName>
+                                        </p:attrNameLst>
+                                      </p:cBhvr>
+                                      <p:to>
+                                        <p:strVal val="visible"/>
+                                      </p:to>
+                                    </p:set>
+                                    <p:animEffect transition="in" filter="fade">
+                                      <p:cBhvr>
+                                        <p:cTn id="15" dur="500"/>
+                                        <p:tgtEl>
+                                          <p:spTgt spid="10"/>
+                                        </p:tgtEl>
+                                      </p:cBhvr>
+                                    </p:animEffect>
+                                  </p:childTnLst>
+                                </p:cTn>
+                              </p:par>
+                              <p:par>
+                                <p:cTn id="16" presetID="10" presetClass="entr" presetSubtype="0" fill="hold" grpId="0" nodeType="withEffect">
+                                  <p:stCondLst>
+                                    <p:cond delay="0"/>
+                                  </p:stCondLst>
+                                  <p:childTnLst>
+                                    <p:set>
+                                      <p:cBhvr>
+                                        <p:cTn id="17" dur="1" fill="hold">
+                                          <p:stCondLst>
+                                            <p:cond delay="0"/>
+                                          </p:stCondLst>
+                                        </p:cTn>
+                                        <p:tgtEl>
+                                          <p:spTgt spid="12"/>
+                                        </p:tgtEl>
+                                        <p:attrNameLst>
+                                          <p:attrName>style.visibility</p:attrName>
+                                        </p:attrNameLst>
+                                      </p:cBhvr>
+                                      <p:to>
+                                        <p:strVal val="visible"/>
+                                      </p:to>
+                                    </p:set>
+                                    <p:animEffect transition="in" filter="fade">
+                                      <p:cBhvr>
+                                        <p:cTn id="18" dur="500"/>
+                                        <p:tgtEl>
+                                          <p:spTgt spid="12"/>
+                                        </p:tgtEl>
+                                      </p:cBhvr>
+                                    </p:animEffect>
+                                  </p:childTnLst>
+                                </p:cTn>
+                              </p:par>
+                            </p:childTnLst>
+                          </p:cTn>
+                        </p:par>
+                      </p:childTnLst>
+                    </p:cTn>
+                  </p:par>
+                </p:childTnLst>
+              </p:cTn>
+              <p:prevCondLst>
+                <p:cond evt="onPrev" delay="0">
+                  <p:tgtEl>
+                    <p:sldTgt/>
+                  </p:tgtEl>
+                </p:cond>
+              </p:prevCondLst>
+              <p:nextCondLst>
+                <p:cond evt="onNext" delay="0">
+                  <p:tgtEl>
+                    <p:sldTgt/>
+                  </p:tgtEl>
+                </p:cond>
+              </p:nextCondLst>
+            </p:seq>
+          </p:childTnLst>
+        </p:cTn>
+      </p:par>
+    </p:tnLst>
+    <p:bldLst>
+      <p:bldP spid="9" grpId="0" animBg="1"/>
+      <p:bldP spid="10" grpId="0" animBg="1"/>
+      <p:bldP spid="11" grpId="0" animBg="1"/>
+      <p:bldP spid="12" grpId="0" animBg="1"/>
+    </p:bldLst>
+  </p:timing>
+</p:sld>
+</file>
+
+<file path=ppt/slides/slide28.xml><?xml version="1.0" encoding="utf-8"?>
+<p:sld xmlns:a="http://schemas.openxmlformats.org/drawingml/2006/main" xmlns:r="http://schemas.openxmlformats.org/officeDocument/2006/relationships" xmlns:p="http://schemas.openxmlformats.org/presentationml/2006/main">
+  <p:cSld>
+    <p:spTree>
+      <p:nvGrpSpPr>
+        <p:cNvPr id="1" name=""/>
+        <p:cNvGrpSpPr/>
+        <p:nvPr/>
+      </p:nvGrpSpPr>
+      <p:grpSpPr>
+        <a:xfrm>
+          <a:off x="0" y="0"/>
+          <a:ext cx="0" cy="0"/>
+          <a:chOff x="0" y="0"/>
+          <a:chExt cx="0" cy="0"/>
+        </a:xfrm>
+      </p:grpSpPr>
+      <p:sp>
+        <p:nvSpPr>
+          <p:cNvPr id="2" name="Text Placeholder 1"/>
+          <p:cNvSpPr>
+            <a:spLocks noGrp="1"/>
+          </p:cNvSpPr>
+          <p:nvPr>
+            <p:ph type="body" sz="quarter" idx="13"/>
+          </p:nvPr>
+        </p:nvSpPr>
+        <p:spPr/>
+        <p:txBody>
+          <a:bodyPr/>
+          <a:lstStyle/>
+          <a:p>
+            <a:r>
+              <a:rPr lang="en-US" dirty="0"/>
+              <a:t>5</a:t>
+            </a:r>
+          </a:p>
+        </p:txBody>
+      </p:sp>
+      <p:sp>
+        <p:nvSpPr>
+          <p:cNvPr id="3" name="Text Placeholder 2"/>
+          <p:cNvSpPr>
+            <a:spLocks noGrp="1"/>
+          </p:cNvSpPr>
+          <p:nvPr>
+            <p:ph type="body" sz="quarter" idx="14"/>
+          </p:nvPr>
+        </p:nvSpPr>
+        <p:spPr/>
+        <p:txBody>
+          <a:bodyPr/>
+          <a:lstStyle/>
+          <a:p>
+            <a:r>
+              <a:rPr lang="en-US" dirty="0"/>
+              <a:t>Model</a:t>
+            </a:r>
+          </a:p>
+          <a:p>
+            <a:endParaRPr lang="en-US" dirty="0"/>
+          </a:p>
+        </p:txBody>
+      </p:sp>
+      <p:sp>
+        <p:nvSpPr>
+          <p:cNvPr id="8" name="TextBox 2"/>
+          <p:cNvSpPr txBox="1">
+            <a:spLocks noChangeArrowheads="1"/>
+          </p:cNvSpPr>
+          <p:nvPr/>
+        </p:nvSpPr>
+        <p:spPr bwMode="auto">
+          <a:xfrm>
+            <a:off x="0" y="990600"/>
+            <a:ext cx="9144000" cy="646331"/>
+          </a:xfrm>
+          <a:prstGeom prst="rect">
+            <a:avLst/>
+          </a:prstGeom>
+          <a:noFill/>
+          <a:ln>
+            <a:noFill/>
+          </a:ln>
+          <a:extLst>
+            <a:ext uri="{909E8E84-426E-40DD-AFC4-6F175D3DCCD1}">
+              <a14:hiddenFill xmlns:a14="http://schemas.microsoft.com/office/drawing/2010/main">
+                <a:solidFill>
+                  <a:srgbClr val="FFFFFF"/>
+                </a:solidFill>
+              </a14:hiddenFill>
+            </a:ext>
+            <a:ext uri="{91240B29-F687-4F45-9708-019B960494DF}">
+              <a14:hiddenLine xmlns:a14="http://schemas.microsoft.com/office/drawing/2010/main" w="9525">
+                <a:solidFill>
+                  <a:srgbClr val="000000"/>
+                </a:solidFill>
+                <a:miter lim="800000"/>
+                <a:headEnd/>
+                <a:tailEnd/>
+              </a14:hiddenLine>
+            </a:ext>
+          </a:extLst>
+        </p:spPr>
+        <p:txBody>
+          <a:bodyPr wrap="square">
+            <a:spAutoFit/>
+          </a:bodyPr>
+          <a:lstStyle>
+            <a:lvl1pPr marL="571500" indent="-571500" eaLnBrk="0" hangingPunct="0">
+              <a:defRPr>
+                <a:solidFill>
+                  <a:schemeClr val="tx1"/>
+                </a:solidFill>
+                <a:latin typeface="Arial" panose="020B0604020202020204" pitchFamily="34" charset="0"/>
+                <a:ea typeface="宋体" panose="02010600030101010101" pitchFamily="2" charset="-122"/>
+              </a:defRPr>
+            </a:lvl1pPr>
+            <a:lvl2pPr marL="742950" indent="-285750" eaLnBrk="0" hangingPunct="0">
+              <a:defRPr>
+                <a:solidFill>
+                  <a:schemeClr val="tx1"/>
+                </a:solidFill>
+                <a:latin typeface="Arial" panose="020B0604020202020204" pitchFamily="34" charset="0"/>
+                <a:ea typeface="宋体" panose="02010600030101010101" pitchFamily="2" charset="-122"/>
+              </a:defRPr>
+            </a:lvl2pPr>
+            <a:lvl3pPr marL="1143000" indent="-228600" eaLnBrk="0" hangingPunct="0">
+              <a:defRPr>
+                <a:solidFill>
+                  <a:schemeClr val="tx1"/>
+                </a:solidFill>
+                <a:latin typeface="Arial" panose="020B0604020202020204" pitchFamily="34" charset="0"/>
+                <a:ea typeface="宋体" panose="02010600030101010101" pitchFamily="2" charset="-122"/>
+              </a:defRPr>
+            </a:lvl3pPr>
+            <a:lvl4pPr marL="1600200" indent="-228600" eaLnBrk="0" hangingPunct="0">
+              <a:defRPr>
+                <a:solidFill>
+                  <a:schemeClr val="tx1"/>
+                </a:solidFill>
+                <a:latin typeface="Arial" panose="020B0604020202020204" pitchFamily="34" charset="0"/>
+                <a:ea typeface="宋体" panose="02010600030101010101" pitchFamily="2" charset="-122"/>
+              </a:defRPr>
+            </a:lvl4pPr>
+            <a:lvl5pPr marL="2057400" indent="-228600" eaLnBrk="0" hangingPunct="0">
+              <a:defRPr>
+                <a:solidFill>
+                  <a:schemeClr val="tx1"/>
+                </a:solidFill>
+                <a:latin typeface="Arial" panose="020B0604020202020204" pitchFamily="34" charset="0"/>
+                <a:ea typeface="宋体" panose="02010600030101010101" pitchFamily="2" charset="-122"/>
+              </a:defRPr>
+            </a:lvl5pPr>
+            <a:lvl6pPr marL="2514600" indent="-228600" eaLnBrk="0" fontAlgn="base" hangingPunct="0">
+              <a:spcBef>
+                <a:spcPct val="0"/>
+              </a:spcBef>
+              <a:spcAft>
+                <a:spcPct val="0"/>
+              </a:spcAft>
+              <a:defRPr>
+                <a:solidFill>
+                  <a:schemeClr val="tx1"/>
+                </a:solidFill>
+                <a:latin typeface="Arial" panose="020B0604020202020204" pitchFamily="34" charset="0"/>
+                <a:ea typeface="宋体" panose="02010600030101010101" pitchFamily="2" charset="-122"/>
+              </a:defRPr>
+            </a:lvl6pPr>
+            <a:lvl7pPr marL="2971800" indent="-228600" eaLnBrk="0" fontAlgn="base" hangingPunct="0">
+              <a:spcBef>
+                <a:spcPct val="0"/>
+              </a:spcBef>
+              <a:spcAft>
+                <a:spcPct val="0"/>
+              </a:spcAft>
+              <a:defRPr>
+                <a:solidFill>
+                  <a:schemeClr val="tx1"/>
+                </a:solidFill>
+                <a:latin typeface="Arial" panose="020B0604020202020204" pitchFamily="34" charset="0"/>
+                <a:ea typeface="宋体" panose="02010600030101010101" pitchFamily="2" charset="-122"/>
+              </a:defRPr>
+            </a:lvl7pPr>
+            <a:lvl8pPr marL="3429000" indent="-228600" eaLnBrk="0" fontAlgn="base" hangingPunct="0">
+              <a:spcBef>
+                <a:spcPct val="0"/>
+              </a:spcBef>
+              <a:spcAft>
+                <a:spcPct val="0"/>
+              </a:spcAft>
+              <a:defRPr>
+                <a:solidFill>
+                  <a:schemeClr val="tx1"/>
+                </a:solidFill>
+                <a:latin typeface="Arial" panose="020B0604020202020204" pitchFamily="34" charset="0"/>
+                <a:ea typeface="宋体" panose="02010600030101010101" pitchFamily="2" charset="-122"/>
+              </a:defRPr>
+            </a:lvl8pPr>
+            <a:lvl9pPr marL="3886200" indent="-228600" eaLnBrk="0" fontAlgn="base" hangingPunct="0">
+              <a:spcBef>
+                <a:spcPct val="0"/>
+              </a:spcBef>
+              <a:spcAft>
+                <a:spcPct val="0"/>
+              </a:spcAft>
+              <a:defRPr>
+                <a:solidFill>
+                  <a:schemeClr val="tx1"/>
+                </a:solidFill>
+                <a:latin typeface="Arial" panose="020B0604020202020204" pitchFamily="34" charset="0"/>
+                <a:ea typeface="宋体" panose="02010600030101010101" pitchFamily="2" charset="-122"/>
+              </a:defRPr>
+            </a:lvl9pPr>
+          </a:lstStyle>
+          <a:p>
+            <a:r>
+              <a:rPr lang="en-US" sz="3600" dirty="0" smtClean="0"/>
+              <a:t>Update document: </a:t>
+            </a:r>
+            <a:r>
+              <a:rPr lang="en-US" sz="3600" dirty="0" err="1" smtClean="0"/>
+              <a:t>Model.find</a:t>
+            </a:r>
+            <a:r>
+              <a:rPr lang="en-US" sz="3600" dirty="0" smtClean="0"/>
+              <a:t>()</a:t>
+            </a:r>
+          </a:p>
+        </p:txBody>
+      </p:sp>
+      <p:pic>
+        <p:nvPicPr>
+          <p:cNvPr id="5122" name="Picture 2"/>
+          <p:cNvPicPr>
+            <a:picLocks noChangeAspect="1" noChangeArrowheads="1"/>
+          </p:cNvPicPr>
+          <p:nvPr/>
+        </p:nvPicPr>
+        <p:blipFill>
+          <a:blip r:embed="rId2">
+            <a:extLst>
+              <a:ext uri="{28A0092B-C50C-407E-A947-70E740481C1C}">
+                <a14:useLocalDpi xmlns:a14="http://schemas.microsoft.com/office/drawing/2010/main" val="0"/>
+              </a:ext>
+            </a:extLst>
+          </a:blip>
+          <a:srcRect/>
+          <a:stretch>
+            <a:fillRect/>
+          </a:stretch>
+        </p:blipFill>
+        <p:spPr bwMode="auto">
+          <a:xfrm>
+            <a:off x="152400" y="1636931"/>
+            <a:ext cx="8957170" cy="5068669"/>
+          </a:xfrm>
+          <a:prstGeom prst="rect">
+            <a:avLst/>
+          </a:prstGeom>
+          <a:noFill/>
+          <a:ln>
+            <a:noFill/>
+          </a:ln>
+          <a:effectLst/>
+          <a:extLst>
+            <a:ext uri="{909E8E84-426E-40DD-AFC4-6F175D3DCCD1}">
+              <a14:hiddenFill xmlns:a14="http://schemas.microsoft.com/office/drawing/2010/main">
+                <a:solidFill>
+                  <a:schemeClr val="accent1"/>
+                </a:solidFill>
+              </a14:hiddenFill>
+            </a:ext>
+            <a:ext uri="{91240B29-F687-4F45-9708-019B960494DF}">
+              <a14:hiddenLine xmlns:a14="http://schemas.microsoft.com/office/drawing/2010/main" w="9525">
+                <a:solidFill>
+                  <a:schemeClr val="tx1"/>
+                </a:solidFill>
+                <a:miter lim="800000"/>
+                <a:headEnd/>
+                <a:tailEnd/>
+              </a14:hiddenLine>
+            </a:ext>
+            <a:ext uri="{AF507438-7753-43E0-B8FC-AC1667EBCBE1}">
+              <a14:hiddenEffects xmlns:a14="http://schemas.microsoft.com/office/drawing/2010/main">
+                <a:effectLst>
+                  <a:outerShdw dist="35921" dir="2700000" algn="ctr" rotWithShape="0">
+                    <a:schemeClr val="bg2"/>
+                  </a:outerShdw>
+                </a:effectLst>
+              </a14:hiddenEffects>
+            </a:ext>
+          </a:extLst>
+        </p:spPr>
+      </p:pic>
+      <p:sp>
+        <p:nvSpPr>
+          <p:cNvPr id="9" name="矩形 4"/>
+          <p:cNvSpPr/>
+          <p:nvPr/>
+        </p:nvSpPr>
+        <p:spPr>
+          <a:xfrm>
+            <a:off x="1600200" y="2590800"/>
+            <a:ext cx="2895600" cy="457200"/>
+          </a:xfrm>
+          <a:prstGeom prst="rect">
+            <a:avLst/>
+          </a:prstGeom>
+          <a:noFill/>
+          <a:ln w="38100">
+            <a:solidFill>
+              <a:srgbClr val="FFFF00"/>
+            </a:solidFill>
+            <a:prstDash val="sysDash"/>
+          </a:ln>
+        </p:spPr>
+        <p:style>
+          <a:lnRef idx="2">
+            <a:schemeClr val="accent1">
+              <a:shade val="50000"/>
+            </a:schemeClr>
+          </a:lnRef>
+          <a:fillRef idx="1">
+            <a:schemeClr val="accent1"/>
+          </a:fillRef>
+          <a:effectRef idx="0">
+            <a:schemeClr val="accent1"/>
+          </a:effectRef>
+          <a:fontRef idx="minor">
+            <a:schemeClr val="lt1"/>
+          </a:fontRef>
+        </p:style>
+        <p:txBody>
+          <a:bodyPr rtlCol="0" anchor="ctr"/>
+          <a:lstStyle/>
+          <a:p>
+            <a:pPr algn="ctr"/>
+            <a:endParaRPr lang="zh-CN" altLang="en-US">
+              <a:solidFill>
+                <a:srgbClr val="FF0000"/>
+              </a:solidFill>
+            </a:endParaRPr>
+          </a:p>
+        </p:txBody>
+      </p:sp>
+      <p:sp>
+        <p:nvSpPr>
+          <p:cNvPr id="11" name="TextBox 10"/>
+          <p:cNvSpPr txBox="1"/>
+          <p:nvPr/>
+        </p:nvSpPr>
+        <p:spPr>
+          <a:xfrm>
+            <a:off x="4572000" y="2557790"/>
+            <a:ext cx="1143000" cy="523220"/>
+          </a:xfrm>
+          <a:prstGeom prst="rect">
+            <a:avLst/>
+          </a:prstGeom>
+          <a:solidFill>
+            <a:schemeClr val="accent3">
+              <a:lumMod val="20000"/>
+              <a:lumOff val="80000"/>
+            </a:schemeClr>
+          </a:solidFill>
+        </p:spPr>
+        <p:style>
+          <a:lnRef idx="2">
+            <a:schemeClr val="accent1"/>
+          </a:lnRef>
+          <a:fillRef idx="1">
+            <a:schemeClr val="lt1"/>
+          </a:fillRef>
+          <a:effectRef idx="0">
+            <a:schemeClr val="accent1"/>
+          </a:effectRef>
+          <a:fontRef idx="minor">
+            <a:schemeClr val="dk1"/>
+          </a:fontRef>
+        </p:style>
+        <p:txBody>
+          <a:bodyPr wrap="square" rtlCol="0">
+            <a:spAutoFit/>
+          </a:bodyPr>
+          <a:lstStyle/>
+          <a:p>
+            <a:r>
+              <a:rPr lang="en-US" altLang="zh-CN" sz="2800" dirty="0" smtClean="0"/>
+              <a:t>Query</a:t>
+            </a:r>
+            <a:endParaRPr lang="zh-CN" altLang="en-US" sz="2800" dirty="0"/>
+          </a:p>
+        </p:txBody>
+      </p:sp>
+      <p:sp>
+        <p:nvSpPr>
+          <p:cNvPr id="12" name="矩形 4"/>
+          <p:cNvSpPr/>
+          <p:nvPr/>
+        </p:nvSpPr>
+        <p:spPr>
+          <a:xfrm>
+            <a:off x="914400" y="3462010"/>
+            <a:ext cx="2895600" cy="457200"/>
+          </a:xfrm>
+          <a:prstGeom prst="rect">
+            <a:avLst/>
+          </a:prstGeom>
+          <a:noFill/>
+          <a:ln w="38100">
+            <a:solidFill>
+              <a:srgbClr val="FFFF00"/>
+            </a:solidFill>
+            <a:prstDash val="sysDash"/>
+          </a:ln>
+        </p:spPr>
+        <p:style>
+          <a:lnRef idx="2">
+            <a:schemeClr val="accent1">
+              <a:shade val="50000"/>
+            </a:schemeClr>
+          </a:lnRef>
+          <a:fillRef idx="1">
+            <a:schemeClr val="accent1"/>
+          </a:fillRef>
+          <a:effectRef idx="0">
+            <a:schemeClr val="accent1"/>
+          </a:effectRef>
+          <a:fontRef idx="minor">
+            <a:schemeClr val="lt1"/>
+          </a:fontRef>
+        </p:style>
+        <p:txBody>
+          <a:bodyPr rtlCol="0" anchor="ctr"/>
+          <a:lstStyle/>
+          <a:p>
+            <a:pPr algn="ctr"/>
+            <a:endParaRPr lang="zh-CN" altLang="en-US">
+              <a:solidFill>
+                <a:srgbClr val="FF0000"/>
+              </a:solidFill>
+            </a:endParaRPr>
+          </a:p>
+        </p:txBody>
+      </p:sp>
+      <p:sp>
+        <p:nvSpPr>
+          <p:cNvPr id="13" name="TextBox 12"/>
+          <p:cNvSpPr txBox="1"/>
+          <p:nvPr/>
+        </p:nvSpPr>
+        <p:spPr>
+          <a:xfrm>
+            <a:off x="3886200" y="3429000"/>
+            <a:ext cx="1143000" cy="523220"/>
+          </a:xfrm>
+          <a:prstGeom prst="rect">
+            <a:avLst/>
+          </a:prstGeom>
+          <a:solidFill>
+            <a:schemeClr val="accent3">
+              <a:lumMod val="20000"/>
+              <a:lumOff val="80000"/>
+            </a:schemeClr>
+          </a:solidFill>
+        </p:spPr>
+        <p:style>
+          <a:lnRef idx="2">
+            <a:schemeClr val="accent1"/>
+          </a:lnRef>
+          <a:fillRef idx="1">
+            <a:schemeClr val="lt1"/>
+          </a:fillRef>
+          <a:effectRef idx="0">
+            <a:schemeClr val="accent1"/>
+          </a:effectRef>
+          <a:fontRef idx="minor">
+            <a:schemeClr val="dk1"/>
+          </a:fontRef>
+        </p:style>
+        <p:txBody>
+          <a:bodyPr wrap="square" rtlCol="0">
+            <a:spAutoFit/>
+          </a:bodyPr>
+          <a:lstStyle/>
+          <a:p>
+            <a:r>
+              <a:rPr lang="en-US" altLang="zh-CN" sz="2800" dirty="0" smtClean="0"/>
+              <a:t>Limit</a:t>
+            </a:r>
+            <a:endParaRPr lang="zh-CN" altLang="en-US" sz="2800" dirty="0"/>
+          </a:p>
+        </p:txBody>
+      </p:sp>
+      <p:sp>
+        <p:nvSpPr>
+          <p:cNvPr id="14" name="矩形 4"/>
+          <p:cNvSpPr/>
+          <p:nvPr/>
+        </p:nvSpPr>
+        <p:spPr>
+          <a:xfrm>
+            <a:off x="914400" y="3886200"/>
+            <a:ext cx="2895600" cy="457200"/>
+          </a:xfrm>
+          <a:prstGeom prst="rect">
+            <a:avLst/>
+          </a:prstGeom>
+          <a:noFill/>
+          <a:ln w="38100">
+            <a:solidFill>
+              <a:srgbClr val="FFFF00"/>
+            </a:solidFill>
+            <a:prstDash val="sysDash"/>
+          </a:ln>
+        </p:spPr>
+        <p:style>
+          <a:lnRef idx="2">
+            <a:schemeClr val="accent1">
+              <a:shade val="50000"/>
+            </a:schemeClr>
+          </a:lnRef>
+          <a:fillRef idx="1">
+            <a:schemeClr val="accent1"/>
+          </a:fillRef>
+          <a:effectRef idx="0">
+            <a:schemeClr val="accent1"/>
+          </a:effectRef>
+          <a:fontRef idx="minor">
+            <a:schemeClr val="lt1"/>
+          </a:fontRef>
+        </p:style>
+        <p:txBody>
+          <a:bodyPr rtlCol="0" anchor="ctr"/>
+          <a:lstStyle/>
+          <a:p>
+            <a:pPr algn="ctr"/>
+            <a:endParaRPr lang="zh-CN" altLang="en-US">
+              <a:solidFill>
+                <a:srgbClr val="FF0000"/>
+              </a:solidFill>
+            </a:endParaRPr>
+          </a:p>
+        </p:txBody>
+      </p:sp>
+      <p:sp>
+        <p:nvSpPr>
+          <p:cNvPr id="15" name="TextBox 14"/>
+          <p:cNvSpPr txBox="1"/>
+          <p:nvPr/>
+        </p:nvSpPr>
+        <p:spPr>
+          <a:xfrm>
+            <a:off x="3886200" y="3886200"/>
+            <a:ext cx="1143000" cy="523220"/>
+          </a:xfrm>
+          <a:prstGeom prst="rect">
+            <a:avLst/>
+          </a:prstGeom>
+          <a:solidFill>
+            <a:schemeClr val="accent3">
+              <a:lumMod val="20000"/>
+              <a:lumOff val="80000"/>
+            </a:schemeClr>
+          </a:solidFill>
+        </p:spPr>
+        <p:style>
+          <a:lnRef idx="2">
+            <a:schemeClr val="accent1"/>
+          </a:lnRef>
+          <a:fillRef idx="1">
+            <a:schemeClr val="lt1"/>
+          </a:fillRef>
+          <a:effectRef idx="0">
+            <a:schemeClr val="accent1"/>
+          </a:effectRef>
+          <a:fontRef idx="minor">
+            <a:schemeClr val="dk1"/>
+          </a:fontRef>
+        </p:style>
+        <p:txBody>
+          <a:bodyPr wrap="square" rtlCol="0">
+            <a:spAutoFit/>
+          </a:bodyPr>
+          <a:lstStyle/>
+          <a:p>
+            <a:r>
+              <a:rPr lang="en-US" altLang="zh-CN" sz="2800" dirty="0" smtClean="0"/>
+              <a:t>Sort</a:t>
+            </a:r>
+            <a:endParaRPr lang="zh-CN" altLang="en-US" sz="2800" dirty="0"/>
+          </a:p>
+        </p:txBody>
+      </p:sp>
+      <p:sp>
+        <p:nvSpPr>
+          <p:cNvPr id="16" name="矩形 4"/>
+          <p:cNvSpPr/>
+          <p:nvPr/>
+        </p:nvSpPr>
+        <p:spPr>
+          <a:xfrm>
+            <a:off x="905582" y="4409420"/>
+            <a:ext cx="5190417" cy="457200"/>
+          </a:xfrm>
+          <a:prstGeom prst="rect">
+            <a:avLst/>
+          </a:prstGeom>
+          <a:noFill/>
+          <a:ln w="38100">
+            <a:solidFill>
+              <a:srgbClr val="FFFF00"/>
+            </a:solidFill>
+            <a:prstDash val="sysDash"/>
+          </a:ln>
+        </p:spPr>
+        <p:style>
+          <a:lnRef idx="2">
+            <a:schemeClr val="accent1">
+              <a:shade val="50000"/>
+            </a:schemeClr>
+          </a:lnRef>
+          <a:fillRef idx="1">
+            <a:schemeClr val="accent1"/>
+          </a:fillRef>
+          <a:effectRef idx="0">
+            <a:schemeClr val="accent1"/>
+          </a:effectRef>
+          <a:fontRef idx="minor">
+            <a:schemeClr val="lt1"/>
+          </a:fontRef>
+        </p:style>
+        <p:txBody>
+          <a:bodyPr rtlCol="0" anchor="ctr"/>
+          <a:lstStyle/>
+          <a:p>
+            <a:pPr algn="ctr"/>
+            <a:endParaRPr lang="zh-CN" altLang="en-US">
+              <a:solidFill>
+                <a:srgbClr val="FF0000"/>
+              </a:solidFill>
+            </a:endParaRPr>
+          </a:p>
+        </p:txBody>
+      </p:sp>
+      <p:sp>
+        <p:nvSpPr>
+          <p:cNvPr id="17" name="TextBox 16"/>
+          <p:cNvSpPr txBox="1"/>
+          <p:nvPr/>
+        </p:nvSpPr>
+        <p:spPr>
+          <a:xfrm>
+            <a:off x="6129376" y="4376410"/>
+            <a:ext cx="1719224" cy="523220"/>
+          </a:xfrm>
+          <a:prstGeom prst="rect">
+            <a:avLst/>
+          </a:prstGeom>
+          <a:solidFill>
+            <a:schemeClr val="accent3">
+              <a:lumMod val="20000"/>
+              <a:lumOff val="80000"/>
+            </a:schemeClr>
+          </a:solidFill>
+        </p:spPr>
+        <p:style>
+          <a:lnRef idx="2">
+            <a:schemeClr val="accent1"/>
+          </a:lnRef>
+          <a:fillRef idx="1">
+            <a:schemeClr val="lt1"/>
+          </a:fillRef>
+          <a:effectRef idx="0">
+            <a:schemeClr val="accent1"/>
+          </a:effectRef>
+          <a:fontRef idx="minor">
+            <a:schemeClr val="dk1"/>
+          </a:fontRef>
+        </p:style>
+        <p:txBody>
+          <a:bodyPr wrap="square" rtlCol="0">
+            <a:spAutoFit/>
+          </a:bodyPr>
+          <a:lstStyle/>
+          <a:p>
+            <a:r>
+              <a:rPr lang="en-US" altLang="zh-CN" sz="2800" dirty="0" smtClean="0"/>
+              <a:t>projection</a:t>
+            </a:r>
+            <a:endParaRPr lang="zh-CN" altLang="en-US" sz="2800" dirty="0"/>
+          </a:p>
+        </p:txBody>
+      </p:sp>
+    </p:spTree>
+    <p:extLst>
+      <p:ext uri="{BB962C8B-B14F-4D97-AF65-F5344CB8AC3E}">
+        <p14:creationId xmlns:p14="http://schemas.microsoft.com/office/powerpoint/2010/main" val="304095791"/>
+      </p:ext>
+    </p:extLst>
+  </p:cSld>
+  <p:clrMapOvr>
+    <a:masterClrMapping/>
+  </p:clrMapOvr>
+  <p:timing>
+    <p:tnLst>
+      <p:par>
+        <p:cTn id="1" dur="indefinite" restart="never" nodeType="tmRoot">
+          <p:childTnLst>
+            <p:seq concurrent="1" nextAc="seek">
+              <p:cTn id="2" dur="indefinite" nodeType="mainSeq">
+                <p:childTnLst>
+                  <p:par>
+                    <p:cTn id="3" fill="hold">
+                      <p:stCondLst>
+                        <p:cond delay="indefinite"/>
+                      </p:stCondLst>
+                      <p:childTnLst>
+                        <p:par>
+                          <p:cTn id="4" fill="hold">
+                            <p:stCondLst>
+                              <p:cond delay="0"/>
+                            </p:stCondLst>
+                            <p:childTnLst>
+                              <p:par>
+                                <p:cTn id="5" presetID="10" presetClass="entr" presetSubtype="0" fill="hold" grpId="0" nodeType="clickEffect">
+                                  <p:stCondLst>
+                                    <p:cond delay="0"/>
+                                  </p:stCondLst>
+                                  <p:childTnLst>
+                                    <p:set>
+                                      <p:cBhvr>
+                                        <p:cTn id="6" dur="1" fill="hold">
+                                          <p:stCondLst>
+                                            <p:cond delay="0"/>
+                                          </p:stCondLst>
+                                        </p:cTn>
+                                        <p:tgtEl>
+                                          <p:spTgt spid="9"/>
+                                        </p:tgtEl>
+                                        <p:attrNameLst>
+                                          <p:attrName>style.visibility</p:attrName>
+                                        </p:attrNameLst>
+                                      </p:cBhvr>
+                                      <p:to>
+                                        <p:strVal val="visible"/>
+                                      </p:to>
+                                    </p:set>
+                                    <p:animEffect transition="in" filter="fade">
+                                      <p:cBhvr>
+                                        <p:cTn id="7" dur="500"/>
+                                        <p:tgtEl>
+                                          <p:spTgt spid="9"/>
+                                        </p:tgtEl>
+                                      </p:cBhvr>
+                                    </p:animEffect>
+                                  </p:childTnLst>
+                                </p:cTn>
+                              </p:par>
+                              <p:par>
+                                <p:cTn id="8" presetID="10" presetClass="entr" presetSubtype="0" fill="hold" grpId="0" nodeType="withEffect">
+                                  <p:stCondLst>
+                                    <p:cond delay="0"/>
+                                  </p:stCondLst>
+                                  <p:childTnLst>
+                                    <p:set>
+                                      <p:cBhvr>
+                                        <p:cTn id="9" dur="1" fill="hold">
+                                          <p:stCondLst>
+                                            <p:cond delay="0"/>
+                                          </p:stCondLst>
+                                        </p:cTn>
+                                        <p:tgtEl>
+                                          <p:spTgt spid="11"/>
+                                        </p:tgtEl>
+                                        <p:attrNameLst>
+                                          <p:attrName>style.visibility</p:attrName>
+                                        </p:attrNameLst>
+                                      </p:cBhvr>
+                                      <p:to>
+                                        <p:strVal val="visible"/>
+                                      </p:to>
+                                    </p:set>
+                                    <p:animEffect transition="in" filter="fade">
+                                      <p:cBhvr>
+                                        <p:cTn id="10" dur="500"/>
+                                        <p:tgtEl>
+                                          <p:spTgt spid="11"/>
+                                        </p:tgtEl>
+                                      </p:cBhvr>
+                                    </p:animEffect>
+                                  </p:childTnLst>
+                                </p:cTn>
+                              </p:par>
+                            </p:childTnLst>
+                          </p:cTn>
+                        </p:par>
+                      </p:childTnLst>
+                    </p:cTn>
+                  </p:par>
+                  <p:par>
+                    <p:cTn id="11" fill="hold">
+                      <p:stCondLst>
+                        <p:cond delay="indefinite"/>
+                      </p:stCondLst>
+                      <p:childTnLst>
+                        <p:par>
+                          <p:cTn id="12" fill="hold">
+                            <p:stCondLst>
+                              <p:cond delay="0"/>
+                            </p:stCondLst>
+                            <p:childTnLst>
+                              <p:par>
+                                <p:cTn id="13" presetID="10" presetClass="entr" presetSubtype="0" fill="hold" grpId="0" nodeType="clickEffect">
+                                  <p:stCondLst>
+                                    <p:cond delay="0"/>
+                                  </p:stCondLst>
+                                  <p:childTnLst>
+                                    <p:set>
+                                      <p:cBhvr>
+                                        <p:cTn id="14" dur="1" fill="hold">
+                                          <p:stCondLst>
+                                            <p:cond delay="0"/>
+                                          </p:stCondLst>
+                                        </p:cTn>
+                                        <p:tgtEl>
+                                          <p:spTgt spid="12"/>
+                                        </p:tgtEl>
+                                        <p:attrNameLst>
+                                          <p:attrName>style.visibility</p:attrName>
+                                        </p:attrNameLst>
+                                      </p:cBhvr>
+                                      <p:to>
+                                        <p:strVal val="visible"/>
+                                      </p:to>
+                                    </p:set>
+                                    <p:animEffect transition="in" filter="fade">
+                                      <p:cBhvr>
+                                        <p:cTn id="15" dur="500"/>
+                                        <p:tgtEl>
+                                          <p:spTgt spid="12"/>
+                                        </p:tgtEl>
+                                      </p:cBhvr>
+                                    </p:animEffect>
+                                  </p:childTnLst>
+                                </p:cTn>
+                              </p:par>
+                              <p:par>
+                                <p:cTn id="16" presetID="10" presetClass="entr" presetSubtype="0" fill="hold" grpId="0" nodeType="withEffect">
+                                  <p:stCondLst>
+                                    <p:cond delay="0"/>
+                                  </p:stCondLst>
+                                  <p:childTnLst>
+                                    <p:set>
+                                      <p:cBhvr>
+                                        <p:cTn id="17" dur="1" fill="hold">
+                                          <p:stCondLst>
+                                            <p:cond delay="0"/>
+                                          </p:stCondLst>
+                                        </p:cTn>
+                                        <p:tgtEl>
+                                          <p:spTgt spid="13"/>
+                                        </p:tgtEl>
+                                        <p:attrNameLst>
+                                          <p:attrName>style.visibility</p:attrName>
+                                        </p:attrNameLst>
+                                      </p:cBhvr>
+                                      <p:to>
+                                        <p:strVal val="visible"/>
+                                      </p:to>
+                                    </p:set>
+                                    <p:animEffect transition="in" filter="fade">
+                                      <p:cBhvr>
+                                        <p:cTn id="18" dur="500"/>
+                                        <p:tgtEl>
+                                          <p:spTgt spid="13"/>
+                                        </p:tgtEl>
+                                      </p:cBhvr>
+                                    </p:animEffect>
+                                  </p:childTnLst>
+                                </p:cTn>
+                              </p:par>
+                            </p:childTnLst>
+                          </p:cTn>
+                        </p:par>
+                      </p:childTnLst>
+                    </p:cTn>
+                  </p:par>
+                  <p:par>
+                    <p:cTn id="19" fill="hold">
+                      <p:stCondLst>
+                        <p:cond delay="indefinite"/>
+                      </p:stCondLst>
+                      <p:childTnLst>
+                        <p:par>
+                          <p:cTn id="20" fill="hold">
+                            <p:stCondLst>
+                              <p:cond delay="0"/>
+                            </p:stCondLst>
+                            <p:childTnLst>
+                              <p:par>
+                                <p:cTn id="21" presetID="10" presetClass="entr" presetSubtype="0" fill="hold" grpId="0" nodeType="clickEffect">
+                                  <p:stCondLst>
+                                    <p:cond delay="0"/>
+                                  </p:stCondLst>
+                                  <p:childTnLst>
+                                    <p:set>
+                                      <p:cBhvr>
+                                        <p:cTn id="22" dur="1" fill="hold">
+                                          <p:stCondLst>
+                                            <p:cond delay="0"/>
+                                          </p:stCondLst>
+                                        </p:cTn>
+                                        <p:tgtEl>
+                                          <p:spTgt spid="14"/>
+                                        </p:tgtEl>
+                                        <p:attrNameLst>
+                                          <p:attrName>style.visibility</p:attrName>
+                                        </p:attrNameLst>
+                                      </p:cBhvr>
+                                      <p:to>
+                                        <p:strVal val="visible"/>
+                                      </p:to>
+                                    </p:set>
+                                    <p:animEffect transition="in" filter="fade">
+                                      <p:cBhvr>
+                                        <p:cTn id="23" dur="500"/>
+                                        <p:tgtEl>
+                                          <p:spTgt spid="14"/>
+                                        </p:tgtEl>
+                                      </p:cBhvr>
+                                    </p:animEffect>
+                                  </p:childTnLst>
+                                </p:cTn>
+                              </p:par>
+                              <p:par>
+                                <p:cTn id="24" presetID="10" presetClass="entr" presetSubtype="0" fill="hold" grpId="0" nodeType="withEffect">
+                                  <p:stCondLst>
+                                    <p:cond delay="0"/>
+                                  </p:stCondLst>
+                                  <p:childTnLst>
+                                    <p:set>
+                                      <p:cBhvr>
+                                        <p:cTn id="25" dur="1" fill="hold">
+                                          <p:stCondLst>
+                                            <p:cond delay="0"/>
+                                          </p:stCondLst>
+                                        </p:cTn>
+                                        <p:tgtEl>
+                                          <p:spTgt spid="15"/>
+                                        </p:tgtEl>
+                                        <p:attrNameLst>
+                                          <p:attrName>style.visibility</p:attrName>
+                                        </p:attrNameLst>
+                                      </p:cBhvr>
+                                      <p:to>
+                                        <p:strVal val="visible"/>
+                                      </p:to>
+                                    </p:set>
+                                    <p:animEffect transition="in" filter="fade">
+                                      <p:cBhvr>
+                                        <p:cTn id="26" dur="500"/>
+                                        <p:tgtEl>
+                                          <p:spTgt spid="15"/>
+                                        </p:tgtEl>
+                                      </p:cBhvr>
+                                    </p:animEffect>
+                                  </p:childTnLst>
+                                </p:cTn>
+                              </p:par>
+                            </p:childTnLst>
+                          </p:cTn>
+                        </p:par>
+                      </p:childTnLst>
+                    </p:cTn>
+                  </p:par>
+                  <p:par>
+                    <p:cTn id="27" fill="hold">
+                      <p:stCondLst>
+                        <p:cond delay="indefinite"/>
+                      </p:stCondLst>
+                      <p:childTnLst>
+                        <p:par>
+                          <p:cTn id="28" fill="hold">
+                            <p:stCondLst>
+                              <p:cond delay="0"/>
+                            </p:stCondLst>
+                            <p:childTnLst>
+                              <p:par>
+                                <p:cTn id="29" presetID="10" presetClass="entr" presetSubtype="0" fill="hold" grpId="0" nodeType="clickEffect">
+                                  <p:stCondLst>
+                                    <p:cond delay="0"/>
+                                  </p:stCondLst>
+                                  <p:childTnLst>
+                                    <p:set>
+                                      <p:cBhvr>
+                                        <p:cTn id="30" dur="1" fill="hold">
+                                          <p:stCondLst>
+                                            <p:cond delay="0"/>
+                                          </p:stCondLst>
+                                        </p:cTn>
+                                        <p:tgtEl>
+                                          <p:spTgt spid="16"/>
+                                        </p:tgtEl>
+                                        <p:attrNameLst>
+                                          <p:attrName>style.visibility</p:attrName>
+                                        </p:attrNameLst>
+                                      </p:cBhvr>
+                                      <p:to>
+                                        <p:strVal val="visible"/>
+                                      </p:to>
+                                    </p:set>
+                                    <p:animEffect transition="in" filter="fade">
+                                      <p:cBhvr>
+                                        <p:cTn id="31" dur="500"/>
+                                        <p:tgtEl>
+                                          <p:spTgt spid="16"/>
+                                        </p:tgtEl>
+                                      </p:cBhvr>
+                                    </p:animEffect>
+                                  </p:childTnLst>
+                                </p:cTn>
+                              </p:par>
+                              <p:par>
+                                <p:cTn id="32" presetID="10" presetClass="entr" presetSubtype="0" fill="hold" grpId="0" nodeType="withEffect">
+                                  <p:stCondLst>
+                                    <p:cond delay="0"/>
+                                  </p:stCondLst>
+                                  <p:childTnLst>
+                                    <p:set>
+                                      <p:cBhvr>
+                                        <p:cTn id="33" dur="1" fill="hold">
+                                          <p:stCondLst>
+                                            <p:cond delay="0"/>
+                                          </p:stCondLst>
+                                        </p:cTn>
+                                        <p:tgtEl>
+                                          <p:spTgt spid="17"/>
+                                        </p:tgtEl>
+                                        <p:attrNameLst>
+                                          <p:attrName>style.visibility</p:attrName>
+                                        </p:attrNameLst>
+                                      </p:cBhvr>
+                                      <p:to>
+                                        <p:strVal val="visible"/>
+                                      </p:to>
+                                    </p:set>
+                                    <p:animEffect transition="in" filter="fade">
+                                      <p:cBhvr>
+                                        <p:cTn id="34" dur="500"/>
+                                        <p:tgtEl>
+                                          <p:spTgt spid="17"/>
+                                        </p:tgtEl>
+                                      </p:cBhvr>
+                                    </p:animEffect>
+                                  </p:childTnLst>
+                                </p:cTn>
+                              </p:par>
+                            </p:childTnLst>
+                          </p:cTn>
+                        </p:par>
+                      </p:childTnLst>
+                    </p:cTn>
+                  </p:par>
+                </p:childTnLst>
+              </p:cTn>
+              <p:prevCondLst>
+                <p:cond evt="onPrev" delay="0">
+                  <p:tgtEl>
+                    <p:sldTgt/>
+                  </p:tgtEl>
+                </p:cond>
+              </p:prevCondLst>
+              <p:nextCondLst>
+                <p:cond evt="onNext" delay="0">
+                  <p:tgtEl>
+                    <p:sldTgt/>
+                  </p:tgtEl>
+                </p:cond>
+              </p:nextCondLst>
+            </p:seq>
+          </p:childTnLst>
+        </p:cTn>
+      </p:par>
+    </p:tnLst>
+    <p:bldLst>
+      <p:bldP spid="9" grpId="0" animBg="1"/>
+      <p:bldP spid="11" grpId="0" animBg="1"/>
+      <p:bldP spid="12" grpId="0" animBg="1"/>
+      <p:bldP spid="13" grpId="0" animBg="1"/>
+      <p:bldP spid="14" grpId="0" animBg="1"/>
+      <p:bldP spid="15" grpId="0" animBg="1"/>
+      <p:bldP spid="16" grpId="0" animBg="1"/>
+      <p:bldP spid="17" grpId="0" animBg="1"/>
+    </p:bldLst>
+  </p:timing>
+</p:sld>
+</file>
+
+<file path=ppt/slides/slide29.xml><?xml version="1.0" encoding="utf-8"?>
+<p:sld xmlns:a="http://schemas.openxmlformats.org/drawingml/2006/main" xmlns:r="http://schemas.openxmlformats.org/officeDocument/2006/relationships" xmlns:p="http://schemas.openxmlformats.org/presentationml/2006/main">
+  <p:cSld>
+    <p:spTree>
+      <p:nvGrpSpPr>
+        <p:cNvPr id="1" name=""/>
+        <p:cNvGrpSpPr/>
+        <p:nvPr/>
+      </p:nvGrpSpPr>
+      <p:grpSpPr>
+        <a:xfrm>
+          <a:off x="0" y="0"/>
+          <a:ext cx="0" cy="0"/>
+          <a:chOff x="0" y="0"/>
+          <a:chExt cx="0" cy="0"/>
+        </a:xfrm>
+      </p:grpSpPr>
+      <p:sp>
+        <p:nvSpPr>
+          <p:cNvPr id="2" name="Text Placeholder 1"/>
+          <p:cNvSpPr>
+            <a:spLocks noGrp="1"/>
+          </p:cNvSpPr>
+          <p:nvPr>
+            <p:ph type="body" sz="quarter" idx="13"/>
+          </p:nvPr>
+        </p:nvSpPr>
+        <p:spPr/>
+        <p:txBody>
+          <a:bodyPr/>
+          <a:lstStyle/>
+          <a:p>
+            <a:r>
+              <a:rPr lang="en-US" dirty="0" smtClean="0"/>
+              <a:t>5</a:t>
+            </a:r>
+            <a:endParaRPr lang="en-US" dirty="0"/>
+          </a:p>
+        </p:txBody>
+      </p:sp>
+      <p:sp>
+        <p:nvSpPr>
+          <p:cNvPr id="3" name="Text Placeholder 2"/>
+          <p:cNvSpPr>
+            <a:spLocks noGrp="1"/>
+          </p:cNvSpPr>
+          <p:nvPr>
+            <p:ph type="body" sz="quarter" idx="14"/>
+          </p:nvPr>
+        </p:nvSpPr>
+        <p:spPr/>
+        <p:txBody>
+          <a:bodyPr/>
+          <a:lstStyle/>
+          <a:p>
+            <a:r>
+              <a:rPr lang="en-US" dirty="0" smtClean="0"/>
+              <a:t>Model</a:t>
+            </a:r>
+            <a:endParaRPr lang="en-US" dirty="0"/>
+          </a:p>
+          <a:p>
+            <a:endParaRPr lang="en-US" dirty="0"/>
+          </a:p>
+        </p:txBody>
+      </p:sp>
+      <p:sp>
+        <p:nvSpPr>
+          <p:cNvPr id="8" name="TextBox 2"/>
+          <p:cNvSpPr txBox="1">
+            <a:spLocks noChangeArrowheads="1"/>
+          </p:cNvSpPr>
+          <p:nvPr/>
+        </p:nvSpPr>
+        <p:spPr bwMode="auto">
+          <a:xfrm>
+            <a:off x="-76200" y="1000839"/>
+            <a:ext cx="9144000" cy="2062103"/>
+          </a:xfrm>
+          <a:prstGeom prst="rect">
+            <a:avLst/>
+          </a:prstGeom>
+          <a:noFill/>
+          <a:ln>
+            <a:noFill/>
+          </a:ln>
+          <a:extLst>
+            <a:ext uri="{909E8E84-426E-40DD-AFC4-6F175D3DCCD1}">
+              <a14:hiddenFill xmlns:a14="http://schemas.microsoft.com/office/drawing/2010/main">
+                <a:solidFill>
+                  <a:srgbClr val="FFFFFF"/>
+                </a:solidFill>
+              </a14:hiddenFill>
+            </a:ext>
+            <a:ext uri="{91240B29-F687-4F45-9708-019B960494DF}">
+              <a14:hiddenLine xmlns:a14="http://schemas.microsoft.com/office/drawing/2010/main" w="9525">
+                <a:solidFill>
+                  <a:srgbClr val="000000"/>
+                </a:solidFill>
+                <a:miter lim="800000"/>
+                <a:headEnd/>
+                <a:tailEnd/>
+              </a14:hiddenLine>
+            </a:ext>
+          </a:extLst>
+        </p:spPr>
+        <p:txBody>
+          <a:bodyPr wrap="square">
+            <a:spAutoFit/>
+          </a:bodyPr>
+          <a:lstStyle>
+            <a:lvl1pPr marL="571500" indent="-571500" eaLnBrk="0" hangingPunct="0">
+              <a:defRPr>
+                <a:solidFill>
+                  <a:schemeClr val="tx1"/>
+                </a:solidFill>
+                <a:latin typeface="Arial" panose="020B0604020202020204" pitchFamily="34" charset="0"/>
+                <a:ea typeface="宋体" panose="02010600030101010101" pitchFamily="2" charset="-122"/>
+              </a:defRPr>
+            </a:lvl1pPr>
+            <a:lvl2pPr marL="742950" indent="-285750" eaLnBrk="0" hangingPunct="0">
+              <a:defRPr>
+                <a:solidFill>
+                  <a:schemeClr val="tx1"/>
+                </a:solidFill>
+                <a:latin typeface="Arial" panose="020B0604020202020204" pitchFamily="34" charset="0"/>
+                <a:ea typeface="宋体" panose="02010600030101010101" pitchFamily="2" charset="-122"/>
+              </a:defRPr>
+            </a:lvl2pPr>
+            <a:lvl3pPr marL="1143000" indent="-228600" eaLnBrk="0" hangingPunct="0">
+              <a:defRPr>
+                <a:solidFill>
+                  <a:schemeClr val="tx1"/>
+                </a:solidFill>
+                <a:latin typeface="Arial" panose="020B0604020202020204" pitchFamily="34" charset="0"/>
+                <a:ea typeface="宋体" panose="02010600030101010101" pitchFamily="2" charset="-122"/>
+              </a:defRPr>
+            </a:lvl3pPr>
+            <a:lvl4pPr marL="1600200" indent="-228600" eaLnBrk="0" hangingPunct="0">
+              <a:defRPr>
+                <a:solidFill>
+                  <a:schemeClr val="tx1"/>
+                </a:solidFill>
+                <a:latin typeface="Arial" panose="020B0604020202020204" pitchFamily="34" charset="0"/>
+                <a:ea typeface="宋体" panose="02010600030101010101" pitchFamily="2" charset="-122"/>
+              </a:defRPr>
+            </a:lvl4pPr>
+            <a:lvl5pPr marL="2057400" indent="-228600" eaLnBrk="0" hangingPunct="0">
+              <a:defRPr>
+                <a:solidFill>
+                  <a:schemeClr val="tx1"/>
+                </a:solidFill>
+                <a:latin typeface="Arial" panose="020B0604020202020204" pitchFamily="34" charset="0"/>
+                <a:ea typeface="宋体" panose="02010600030101010101" pitchFamily="2" charset="-122"/>
+              </a:defRPr>
+            </a:lvl5pPr>
+            <a:lvl6pPr marL="2514600" indent="-228600" eaLnBrk="0" fontAlgn="base" hangingPunct="0">
+              <a:spcBef>
+                <a:spcPct val="0"/>
+              </a:spcBef>
+              <a:spcAft>
+                <a:spcPct val="0"/>
+              </a:spcAft>
+              <a:defRPr>
+                <a:solidFill>
+                  <a:schemeClr val="tx1"/>
+                </a:solidFill>
+                <a:latin typeface="Arial" panose="020B0604020202020204" pitchFamily="34" charset="0"/>
+                <a:ea typeface="宋体" panose="02010600030101010101" pitchFamily="2" charset="-122"/>
+              </a:defRPr>
+            </a:lvl6pPr>
+            <a:lvl7pPr marL="2971800" indent="-228600" eaLnBrk="0" fontAlgn="base" hangingPunct="0">
+              <a:spcBef>
+                <a:spcPct val="0"/>
+              </a:spcBef>
+              <a:spcAft>
+                <a:spcPct val="0"/>
+              </a:spcAft>
+              <a:defRPr>
+                <a:solidFill>
+                  <a:schemeClr val="tx1"/>
+                </a:solidFill>
+                <a:latin typeface="Arial" panose="020B0604020202020204" pitchFamily="34" charset="0"/>
+                <a:ea typeface="宋体" panose="02010600030101010101" pitchFamily="2" charset="-122"/>
+              </a:defRPr>
+            </a:lvl7pPr>
+            <a:lvl8pPr marL="3429000" indent="-228600" eaLnBrk="0" fontAlgn="base" hangingPunct="0">
+              <a:spcBef>
+                <a:spcPct val="0"/>
+              </a:spcBef>
+              <a:spcAft>
+                <a:spcPct val="0"/>
+              </a:spcAft>
+              <a:defRPr>
+                <a:solidFill>
+                  <a:schemeClr val="tx1"/>
+                </a:solidFill>
+                <a:latin typeface="Arial" panose="020B0604020202020204" pitchFamily="34" charset="0"/>
+                <a:ea typeface="宋体" panose="02010600030101010101" pitchFamily="2" charset="-122"/>
+              </a:defRPr>
+            </a:lvl8pPr>
+            <a:lvl9pPr marL="3886200" indent="-228600" eaLnBrk="0" fontAlgn="base" hangingPunct="0">
+              <a:spcBef>
+                <a:spcPct val="0"/>
+              </a:spcBef>
+              <a:spcAft>
+                <a:spcPct val="0"/>
+              </a:spcAft>
+              <a:defRPr>
+                <a:solidFill>
+                  <a:schemeClr val="tx1"/>
+                </a:solidFill>
+                <a:latin typeface="Arial" panose="020B0604020202020204" pitchFamily="34" charset="0"/>
+                <a:ea typeface="宋体" panose="02010600030101010101" pitchFamily="2" charset="-122"/>
+              </a:defRPr>
+            </a:lvl9pPr>
+          </a:lstStyle>
+          <a:p>
+            <a:r>
+              <a:rPr lang="en-US" sz="3600" dirty="0"/>
+              <a:t>Reference:</a:t>
+            </a:r>
+          </a:p>
+          <a:p>
+            <a:pPr marL="742950" indent="-742950">
+              <a:buAutoNum type="arabicParenBoth"/>
+            </a:pPr>
+            <a:r>
+              <a:rPr lang="en-US" altLang="zh-CN" sz="2800" dirty="0">
+                <a:hlinkClick r:id="rId2"/>
+              </a:rPr>
+              <a:t>http://</a:t>
+            </a:r>
+            <a:r>
+              <a:rPr lang="en-US" altLang="zh-CN" sz="2800" dirty="0" smtClean="0">
+                <a:hlinkClick r:id="rId2"/>
+              </a:rPr>
+              <a:t>mongoosejs.com/docs/models.html</a:t>
+            </a:r>
+            <a:endParaRPr lang="en-US" altLang="zh-CN" sz="2800" dirty="0" smtClean="0"/>
+          </a:p>
+          <a:p>
+            <a:pPr marL="742950" indent="-742950">
+              <a:buAutoNum type="arabicParenBoth"/>
+            </a:pPr>
+            <a:r>
+              <a:rPr lang="en-US" altLang="zh-CN" sz="2800" dirty="0">
+                <a:hlinkClick r:id="rId3"/>
+              </a:rPr>
+              <a:t>http://</a:t>
+            </a:r>
+            <a:r>
+              <a:rPr lang="en-US" altLang="zh-CN" sz="2800" dirty="0" smtClean="0">
+                <a:hlinkClick r:id="rId3"/>
+              </a:rPr>
+              <a:t>mongoosejs.com/docs/queries.html</a:t>
+            </a:r>
+            <a:endParaRPr lang="en-US" sz="3600" dirty="0"/>
+          </a:p>
+          <a:p>
+            <a:pPr marL="742950" indent="-742950">
+              <a:buAutoNum type="arabicParenBoth"/>
+            </a:pPr>
+            <a:endParaRPr lang="en-US" sz="3600" dirty="0"/>
+          </a:p>
+        </p:txBody>
+      </p:sp>
+    </p:spTree>
+    <p:extLst>
+      <p:ext uri="{BB962C8B-B14F-4D97-AF65-F5344CB8AC3E}">
+        <p14:creationId xmlns:p14="http://schemas.microsoft.com/office/powerpoint/2010/main" val="2200013970"/>
+      </p:ext>
+    </p:extLst>
+  </p:cSld>
+  <p:clrMapOvr>
+    <a:masterClrMapping/>
+  </p:clrMapOvr>
+  <p:timing>
+    <p:tnLst>
+      <p:par>
+        <p:cTn id="1" dur="indefinite" restart="never" nodeType="tmRoot"/>
+      </p:par>
+    </p:tnLst>
+  </p:timing>
 </p:sld>
 </file>
 
@@ -12159,6 +15650,5267 @@
           </a:p>
         </p:txBody>
       </p:sp>
+    </p:spTree>
+  </p:cSld>
+  <p:clrMapOvr>
+    <a:masterClrMapping/>
+  </p:clrMapOvr>
+</p:sld>
+</file>
+
+<file path=ppt/slides/slide30.xml><?xml version="1.0" encoding="utf-8"?>
+<p:sld xmlns:a="http://schemas.openxmlformats.org/drawingml/2006/main" xmlns:r="http://schemas.openxmlformats.org/officeDocument/2006/relationships" xmlns:p="http://schemas.openxmlformats.org/presentationml/2006/main">
+  <p:cSld>
+    <p:spTree>
+      <p:nvGrpSpPr>
+        <p:cNvPr id="1" name=""/>
+        <p:cNvGrpSpPr/>
+        <p:nvPr/>
+      </p:nvGrpSpPr>
+      <p:grpSpPr>
+        <a:xfrm>
+          <a:off x="0" y="0"/>
+          <a:ext cx="0" cy="0"/>
+          <a:chOff x="0" y="0"/>
+          <a:chExt cx="0" cy="0"/>
+        </a:xfrm>
+      </p:grpSpPr>
+      <p:sp>
+        <p:nvSpPr>
+          <p:cNvPr id="2" name="Text Placeholder 1"/>
+          <p:cNvSpPr>
+            <a:spLocks noGrp="1"/>
+          </p:cNvSpPr>
+          <p:nvPr>
+            <p:ph type="body" sz="quarter" idx="14"/>
+          </p:nvPr>
+        </p:nvSpPr>
+        <p:spPr>
+          <a:xfrm>
+            <a:off x="1031081" y="1712742"/>
+            <a:ext cx="6019800" cy="646331"/>
+          </a:xfrm>
+        </p:spPr>
+        <p:txBody>
+          <a:bodyPr/>
+          <a:lstStyle/>
+          <a:p>
+            <a:r>
+              <a:rPr lang="en-US" altLang="zh-CN" dirty="0" smtClean="0"/>
+              <a:t>Middleware</a:t>
+            </a:r>
+            <a:endParaRPr lang="en-US" altLang="zh-CN" dirty="0"/>
+          </a:p>
+        </p:txBody>
+      </p:sp>
+      <p:sp>
+        <p:nvSpPr>
+          <p:cNvPr id="3" name="Text Placeholder 2"/>
+          <p:cNvSpPr>
+            <a:spLocks noGrp="1"/>
+          </p:cNvSpPr>
+          <p:nvPr>
+            <p:ph type="body" sz="quarter" idx="11"/>
+          </p:nvPr>
+        </p:nvSpPr>
+        <p:spPr/>
+        <p:txBody>
+          <a:bodyPr/>
+          <a:lstStyle/>
+          <a:p>
+            <a:r>
+              <a:rPr lang="en-US" dirty="0" smtClean="0"/>
+              <a:t>6</a:t>
+            </a:r>
+            <a:endParaRPr lang="en-US" dirty="0"/>
+          </a:p>
+        </p:txBody>
+      </p:sp>
+    </p:spTree>
+    <p:extLst>
+      <p:ext uri="{BB962C8B-B14F-4D97-AF65-F5344CB8AC3E}">
+        <p14:creationId xmlns:p14="http://schemas.microsoft.com/office/powerpoint/2010/main" val="2333149373"/>
+      </p:ext>
+    </p:extLst>
+  </p:cSld>
+  <p:clrMapOvr>
+    <a:masterClrMapping/>
+  </p:clrMapOvr>
+  <p:timing>
+    <p:tnLst>
+      <p:par>
+        <p:cTn id="1" dur="indefinite" restart="never" nodeType="tmRoot"/>
+      </p:par>
+    </p:tnLst>
+  </p:timing>
+</p:sld>
+</file>
+
+<file path=ppt/slides/slide31.xml><?xml version="1.0" encoding="utf-8"?>
+<p:sld xmlns:a="http://schemas.openxmlformats.org/drawingml/2006/main" xmlns:r="http://schemas.openxmlformats.org/officeDocument/2006/relationships" xmlns:p="http://schemas.openxmlformats.org/presentationml/2006/main">
+  <p:cSld>
+    <p:spTree>
+      <p:nvGrpSpPr>
+        <p:cNvPr id="1" name=""/>
+        <p:cNvGrpSpPr/>
+        <p:nvPr/>
+      </p:nvGrpSpPr>
+      <p:grpSpPr>
+        <a:xfrm>
+          <a:off x="0" y="0"/>
+          <a:ext cx="0" cy="0"/>
+          <a:chOff x="0" y="0"/>
+          <a:chExt cx="0" cy="0"/>
+        </a:xfrm>
+      </p:grpSpPr>
+      <p:sp>
+        <p:nvSpPr>
+          <p:cNvPr id="2" name="Text Placeholder 1"/>
+          <p:cNvSpPr>
+            <a:spLocks noGrp="1"/>
+          </p:cNvSpPr>
+          <p:nvPr>
+            <p:ph type="body" sz="quarter" idx="13"/>
+          </p:nvPr>
+        </p:nvSpPr>
+        <p:spPr/>
+        <p:txBody>
+          <a:bodyPr/>
+          <a:lstStyle/>
+          <a:p>
+            <a:r>
+              <a:rPr lang="en-US" dirty="0" smtClean="0"/>
+              <a:t>6</a:t>
+            </a:r>
+            <a:endParaRPr lang="en-US" dirty="0"/>
+          </a:p>
+        </p:txBody>
+      </p:sp>
+      <p:sp>
+        <p:nvSpPr>
+          <p:cNvPr id="3" name="Text Placeholder 2"/>
+          <p:cNvSpPr>
+            <a:spLocks noGrp="1"/>
+          </p:cNvSpPr>
+          <p:nvPr>
+            <p:ph type="body" sz="quarter" idx="14"/>
+          </p:nvPr>
+        </p:nvSpPr>
+        <p:spPr/>
+        <p:txBody>
+          <a:bodyPr/>
+          <a:lstStyle/>
+          <a:p>
+            <a:r>
+              <a:rPr lang="en-US" dirty="0" smtClean="0"/>
+              <a:t>Middleware</a:t>
+            </a:r>
+            <a:endParaRPr lang="en-US" dirty="0"/>
+          </a:p>
+          <a:p>
+            <a:endParaRPr lang="en-US" dirty="0"/>
+          </a:p>
+        </p:txBody>
+      </p:sp>
+      <p:sp>
+        <p:nvSpPr>
+          <p:cNvPr id="8" name="TextBox 2"/>
+          <p:cNvSpPr txBox="1">
+            <a:spLocks noChangeArrowheads="1"/>
+          </p:cNvSpPr>
+          <p:nvPr/>
+        </p:nvSpPr>
+        <p:spPr bwMode="auto">
+          <a:xfrm>
+            <a:off x="0" y="1000839"/>
+            <a:ext cx="9144000" cy="1200329"/>
+          </a:xfrm>
+          <a:prstGeom prst="rect">
+            <a:avLst/>
+          </a:prstGeom>
+          <a:noFill/>
+          <a:ln>
+            <a:noFill/>
+          </a:ln>
+          <a:extLst>
+            <a:ext uri="{909E8E84-426E-40DD-AFC4-6F175D3DCCD1}">
+              <a14:hiddenFill xmlns:a14="http://schemas.microsoft.com/office/drawing/2010/main">
+                <a:solidFill>
+                  <a:srgbClr val="FFFFFF"/>
+                </a:solidFill>
+              </a14:hiddenFill>
+            </a:ext>
+            <a:ext uri="{91240B29-F687-4F45-9708-019B960494DF}">
+              <a14:hiddenLine xmlns:a14="http://schemas.microsoft.com/office/drawing/2010/main" w="9525">
+                <a:solidFill>
+                  <a:srgbClr val="000000"/>
+                </a:solidFill>
+                <a:miter lim="800000"/>
+                <a:headEnd/>
+                <a:tailEnd/>
+              </a14:hiddenLine>
+            </a:ext>
+          </a:extLst>
+        </p:spPr>
+        <p:txBody>
+          <a:bodyPr wrap="square">
+            <a:spAutoFit/>
+          </a:bodyPr>
+          <a:lstStyle>
+            <a:lvl1pPr marL="571500" indent="-571500" eaLnBrk="0" hangingPunct="0">
+              <a:defRPr>
+                <a:solidFill>
+                  <a:schemeClr val="tx1"/>
+                </a:solidFill>
+                <a:latin typeface="Arial" panose="020B0604020202020204" pitchFamily="34" charset="0"/>
+                <a:ea typeface="宋体" panose="02010600030101010101" pitchFamily="2" charset="-122"/>
+              </a:defRPr>
+            </a:lvl1pPr>
+            <a:lvl2pPr marL="742950" indent="-285750" eaLnBrk="0" hangingPunct="0">
+              <a:defRPr>
+                <a:solidFill>
+                  <a:schemeClr val="tx1"/>
+                </a:solidFill>
+                <a:latin typeface="Arial" panose="020B0604020202020204" pitchFamily="34" charset="0"/>
+                <a:ea typeface="宋体" panose="02010600030101010101" pitchFamily="2" charset="-122"/>
+              </a:defRPr>
+            </a:lvl2pPr>
+            <a:lvl3pPr marL="1143000" indent="-228600" eaLnBrk="0" hangingPunct="0">
+              <a:defRPr>
+                <a:solidFill>
+                  <a:schemeClr val="tx1"/>
+                </a:solidFill>
+                <a:latin typeface="Arial" panose="020B0604020202020204" pitchFamily="34" charset="0"/>
+                <a:ea typeface="宋体" panose="02010600030101010101" pitchFamily="2" charset="-122"/>
+              </a:defRPr>
+            </a:lvl3pPr>
+            <a:lvl4pPr marL="1600200" indent="-228600" eaLnBrk="0" hangingPunct="0">
+              <a:defRPr>
+                <a:solidFill>
+                  <a:schemeClr val="tx1"/>
+                </a:solidFill>
+                <a:latin typeface="Arial" panose="020B0604020202020204" pitchFamily="34" charset="0"/>
+                <a:ea typeface="宋体" panose="02010600030101010101" pitchFamily="2" charset="-122"/>
+              </a:defRPr>
+            </a:lvl4pPr>
+            <a:lvl5pPr marL="2057400" indent="-228600" eaLnBrk="0" hangingPunct="0">
+              <a:defRPr>
+                <a:solidFill>
+                  <a:schemeClr val="tx1"/>
+                </a:solidFill>
+                <a:latin typeface="Arial" panose="020B0604020202020204" pitchFamily="34" charset="0"/>
+                <a:ea typeface="宋体" panose="02010600030101010101" pitchFamily="2" charset="-122"/>
+              </a:defRPr>
+            </a:lvl5pPr>
+            <a:lvl6pPr marL="2514600" indent="-228600" eaLnBrk="0" fontAlgn="base" hangingPunct="0">
+              <a:spcBef>
+                <a:spcPct val="0"/>
+              </a:spcBef>
+              <a:spcAft>
+                <a:spcPct val="0"/>
+              </a:spcAft>
+              <a:defRPr>
+                <a:solidFill>
+                  <a:schemeClr val="tx1"/>
+                </a:solidFill>
+                <a:latin typeface="Arial" panose="020B0604020202020204" pitchFamily="34" charset="0"/>
+                <a:ea typeface="宋体" panose="02010600030101010101" pitchFamily="2" charset="-122"/>
+              </a:defRPr>
+            </a:lvl6pPr>
+            <a:lvl7pPr marL="2971800" indent="-228600" eaLnBrk="0" fontAlgn="base" hangingPunct="0">
+              <a:spcBef>
+                <a:spcPct val="0"/>
+              </a:spcBef>
+              <a:spcAft>
+                <a:spcPct val="0"/>
+              </a:spcAft>
+              <a:defRPr>
+                <a:solidFill>
+                  <a:schemeClr val="tx1"/>
+                </a:solidFill>
+                <a:latin typeface="Arial" panose="020B0604020202020204" pitchFamily="34" charset="0"/>
+                <a:ea typeface="宋体" panose="02010600030101010101" pitchFamily="2" charset="-122"/>
+              </a:defRPr>
+            </a:lvl7pPr>
+            <a:lvl8pPr marL="3429000" indent="-228600" eaLnBrk="0" fontAlgn="base" hangingPunct="0">
+              <a:spcBef>
+                <a:spcPct val="0"/>
+              </a:spcBef>
+              <a:spcAft>
+                <a:spcPct val="0"/>
+              </a:spcAft>
+              <a:defRPr>
+                <a:solidFill>
+                  <a:schemeClr val="tx1"/>
+                </a:solidFill>
+                <a:latin typeface="Arial" panose="020B0604020202020204" pitchFamily="34" charset="0"/>
+                <a:ea typeface="宋体" panose="02010600030101010101" pitchFamily="2" charset="-122"/>
+              </a:defRPr>
+            </a:lvl8pPr>
+            <a:lvl9pPr marL="3886200" indent="-228600" eaLnBrk="0" fontAlgn="base" hangingPunct="0">
+              <a:spcBef>
+                <a:spcPct val="0"/>
+              </a:spcBef>
+              <a:spcAft>
+                <a:spcPct val="0"/>
+              </a:spcAft>
+              <a:defRPr>
+                <a:solidFill>
+                  <a:schemeClr val="tx1"/>
+                </a:solidFill>
+                <a:latin typeface="Arial" panose="020B0604020202020204" pitchFamily="34" charset="0"/>
+                <a:ea typeface="宋体" panose="02010600030101010101" pitchFamily="2" charset="-122"/>
+              </a:defRPr>
+            </a:lvl9pPr>
+          </a:lstStyle>
+          <a:p>
+            <a:r>
+              <a:rPr lang="en-US" sz="3600" dirty="0" smtClean="0"/>
+              <a:t>Built-in validators:</a:t>
+            </a:r>
+          </a:p>
+          <a:p>
+            <a:endParaRPr lang="en-US" sz="3600" dirty="0"/>
+          </a:p>
+        </p:txBody>
+      </p:sp>
+      <p:pic>
+        <p:nvPicPr>
+          <p:cNvPr id="5" name="Picture 3"/>
+          <p:cNvPicPr>
+            <a:picLocks noChangeAspect="1"/>
+          </p:cNvPicPr>
+          <p:nvPr/>
+        </p:nvPicPr>
+        <p:blipFill>
+          <a:blip r:embed="rId2"/>
+          <a:stretch>
+            <a:fillRect/>
+          </a:stretch>
+        </p:blipFill>
+        <p:spPr>
+          <a:xfrm>
+            <a:off x="152401" y="1789331"/>
+            <a:ext cx="8839200" cy="2477869"/>
+          </a:xfrm>
+          <a:prstGeom prst="rect">
+            <a:avLst/>
+          </a:prstGeom>
+        </p:spPr>
+      </p:pic>
+      <p:sp>
+        <p:nvSpPr>
+          <p:cNvPr id="6" name="矩形 4"/>
+          <p:cNvSpPr/>
+          <p:nvPr/>
+        </p:nvSpPr>
+        <p:spPr>
+          <a:xfrm>
+            <a:off x="5334000" y="2353382"/>
+            <a:ext cx="3352800" cy="923217"/>
+          </a:xfrm>
+          <a:prstGeom prst="rect">
+            <a:avLst/>
+          </a:prstGeom>
+          <a:noFill/>
+          <a:ln w="38100">
+            <a:solidFill>
+              <a:srgbClr val="FFFF00"/>
+            </a:solidFill>
+            <a:prstDash val="sysDash"/>
+          </a:ln>
+        </p:spPr>
+        <p:style>
+          <a:lnRef idx="2">
+            <a:schemeClr val="accent1">
+              <a:shade val="50000"/>
+            </a:schemeClr>
+          </a:lnRef>
+          <a:fillRef idx="1">
+            <a:schemeClr val="accent1"/>
+          </a:fillRef>
+          <a:effectRef idx="0">
+            <a:schemeClr val="accent1"/>
+          </a:effectRef>
+          <a:fontRef idx="minor">
+            <a:schemeClr val="lt1"/>
+          </a:fontRef>
+        </p:style>
+        <p:txBody>
+          <a:bodyPr rtlCol="0" anchor="ctr"/>
+          <a:lstStyle/>
+          <a:p>
+            <a:pPr algn="ctr"/>
+            <a:endParaRPr lang="zh-CN" altLang="en-US">
+              <a:solidFill>
+                <a:srgbClr val="FF0000"/>
+              </a:solidFill>
+            </a:endParaRPr>
+          </a:p>
+        </p:txBody>
+      </p:sp>
+    </p:spTree>
+    <p:extLst>
+      <p:ext uri="{BB962C8B-B14F-4D97-AF65-F5344CB8AC3E}">
+        <p14:creationId xmlns:p14="http://schemas.microsoft.com/office/powerpoint/2010/main" val="4158388490"/>
+      </p:ext>
+    </p:extLst>
+  </p:cSld>
+  <p:clrMapOvr>
+    <a:masterClrMapping/>
+  </p:clrMapOvr>
+  <p:timing>
+    <p:tnLst>
+      <p:par>
+        <p:cTn id="1" dur="indefinite" restart="never" nodeType="tmRoot">
+          <p:childTnLst>
+            <p:seq concurrent="1" nextAc="seek">
+              <p:cTn id="2" dur="indefinite" nodeType="mainSeq">
+                <p:childTnLst>
+                  <p:par>
+                    <p:cTn id="3" fill="hold">
+                      <p:stCondLst>
+                        <p:cond delay="indefinite"/>
+                      </p:stCondLst>
+                      <p:childTnLst>
+                        <p:par>
+                          <p:cTn id="4" fill="hold">
+                            <p:stCondLst>
+                              <p:cond delay="0"/>
+                            </p:stCondLst>
+                            <p:childTnLst>
+                              <p:par>
+                                <p:cTn id="5" presetID="10" presetClass="entr" presetSubtype="0" fill="hold" grpId="0" nodeType="clickEffect">
+                                  <p:stCondLst>
+                                    <p:cond delay="0"/>
+                                  </p:stCondLst>
+                                  <p:childTnLst>
+                                    <p:set>
+                                      <p:cBhvr>
+                                        <p:cTn id="6" dur="1" fill="hold">
+                                          <p:stCondLst>
+                                            <p:cond delay="0"/>
+                                          </p:stCondLst>
+                                        </p:cTn>
+                                        <p:tgtEl>
+                                          <p:spTgt spid="6"/>
+                                        </p:tgtEl>
+                                        <p:attrNameLst>
+                                          <p:attrName>style.visibility</p:attrName>
+                                        </p:attrNameLst>
+                                      </p:cBhvr>
+                                      <p:to>
+                                        <p:strVal val="visible"/>
+                                      </p:to>
+                                    </p:set>
+                                    <p:animEffect transition="in" filter="fade">
+                                      <p:cBhvr>
+                                        <p:cTn id="7" dur="500"/>
+                                        <p:tgtEl>
+                                          <p:spTgt spid="6"/>
+                                        </p:tgtEl>
+                                      </p:cBhvr>
+                                    </p:animEffect>
+                                  </p:childTnLst>
+                                </p:cTn>
+                              </p:par>
+                            </p:childTnLst>
+                          </p:cTn>
+                        </p:par>
+                      </p:childTnLst>
+                    </p:cTn>
+                  </p:par>
+                </p:childTnLst>
+              </p:cTn>
+              <p:prevCondLst>
+                <p:cond evt="onPrev" delay="0">
+                  <p:tgtEl>
+                    <p:sldTgt/>
+                  </p:tgtEl>
+                </p:cond>
+              </p:prevCondLst>
+              <p:nextCondLst>
+                <p:cond evt="onNext" delay="0">
+                  <p:tgtEl>
+                    <p:sldTgt/>
+                  </p:tgtEl>
+                </p:cond>
+              </p:nextCondLst>
+            </p:seq>
+          </p:childTnLst>
+        </p:cTn>
+      </p:par>
+    </p:tnLst>
+    <p:bldLst>
+      <p:bldP spid="6" grpId="0" animBg="1"/>
+    </p:bldLst>
+  </p:timing>
+</p:sld>
+</file>
+
+<file path=ppt/slides/slide32.xml><?xml version="1.0" encoding="utf-8"?>
+<p:sld xmlns:a="http://schemas.openxmlformats.org/drawingml/2006/main" xmlns:r="http://schemas.openxmlformats.org/officeDocument/2006/relationships" xmlns:p="http://schemas.openxmlformats.org/presentationml/2006/main">
+  <p:cSld>
+    <p:spTree>
+      <p:nvGrpSpPr>
+        <p:cNvPr id="1" name=""/>
+        <p:cNvGrpSpPr/>
+        <p:nvPr/>
+      </p:nvGrpSpPr>
+      <p:grpSpPr>
+        <a:xfrm>
+          <a:off x="0" y="0"/>
+          <a:ext cx="0" cy="0"/>
+          <a:chOff x="0" y="0"/>
+          <a:chExt cx="0" cy="0"/>
+        </a:xfrm>
+      </p:grpSpPr>
+      <p:sp>
+        <p:nvSpPr>
+          <p:cNvPr id="2" name="Text Placeholder 1"/>
+          <p:cNvSpPr>
+            <a:spLocks noGrp="1"/>
+          </p:cNvSpPr>
+          <p:nvPr>
+            <p:ph type="body" sz="quarter" idx="13"/>
+          </p:nvPr>
+        </p:nvSpPr>
+        <p:spPr/>
+        <p:txBody>
+          <a:bodyPr/>
+          <a:lstStyle/>
+          <a:p>
+            <a:r>
+              <a:rPr lang="en-US" dirty="0" smtClean="0"/>
+              <a:t>6</a:t>
+            </a:r>
+            <a:endParaRPr lang="en-US" dirty="0"/>
+          </a:p>
+        </p:txBody>
+      </p:sp>
+      <p:sp>
+        <p:nvSpPr>
+          <p:cNvPr id="3" name="Text Placeholder 2"/>
+          <p:cNvSpPr>
+            <a:spLocks noGrp="1"/>
+          </p:cNvSpPr>
+          <p:nvPr>
+            <p:ph type="body" sz="quarter" idx="14"/>
+          </p:nvPr>
+        </p:nvSpPr>
+        <p:spPr/>
+        <p:txBody>
+          <a:bodyPr/>
+          <a:lstStyle/>
+          <a:p>
+            <a:r>
+              <a:rPr lang="en-US" dirty="0" smtClean="0"/>
+              <a:t>Middleware</a:t>
+            </a:r>
+            <a:endParaRPr lang="en-US" dirty="0"/>
+          </a:p>
+          <a:p>
+            <a:endParaRPr lang="en-US" dirty="0"/>
+          </a:p>
+        </p:txBody>
+      </p:sp>
+      <p:sp>
+        <p:nvSpPr>
+          <p:cNvPr id="8" name="TextBox 2"/>
+          <p:cNvSpPr txBox="1">
+            <a:spLocks noChangeArrowheads="1"/>
+          </p:cNvSpPr>
+          <p:nvPr/>
+        </p:nvSpPr>
+        <p:spPr bwMode="auto">
+          <a:xfrm>
+            <a:off x="0" y="1000839"/>
+            <a:ext cx="9144000" cy="1200329"/>
+          </a:xfrm>
+          <a:prstGeom prst="rect">
+            <a:avLst/>
+          </a:prstGeom>
+          <a:noFill/>
+          <a:ln>
+            <a:noFill/>
+          </a:ln>
+          <a:extLst>
+            <a:ext uri="{909E8E84-426E-40DD-AFC4-6F175D3DCCD1}">
+              <a14:hiddenFill xmlns:a14="http://schemas.microsoft.com/office/drawing/2010/main">
+                <a:solidFill>
+                  <a:srgbClr val="FFFFFF"/>
+                </a:solidFill>
+              </a14:hiddenFill>
+            </a:ext>
+            <a:ext uri="{91240B29-F687-4F45-9708-019B960494DF}">
+              <a14:hiddenLine xmlns:a14="http://schemas.microsoft.com/office/drawing/2010/main" w="9525">
+                <a:solidFill>
+                  <a:srgbClr val="000000"/>
+                </a:solidFill>
+                <a:miter lim="800000"/>
+                <a:headEnd/>
+                <a:tailEnd/>
+              </a14:hiddenLine>
+            </a:ext>
+          </a:extLst>
+        </p:spPr>
+        <p:txBody>
+          <a:bodyPr wrap="square">
+            <a:spAutoFit/>
+          </a:bodyPr>
+          <a:lstStyle>
+            <a:lvl1pPr marL="571500" indent="-571500" eaLnBrk="0" hangingPunct="0">
+              <a:defRPr>
+                <a:solidFill>
+                  <a:schemeClr val="tx1"/>
+                </a:solidFill>
+                <a:latin typeface="Arial" panose="020B0604020202020204" pitchFamily="34" charset="0"/>
+                <a:ea typeface="宋体" panose="02010600030101010101" pitchFamily="2" charset="-122"/>
+              </a:defRPr>
+            </a:lvl1pPr>
+            <a:lvl2pPr marL="742950" indent="-285750" eaLnBrk="0" hangingPunct="0">
+              <a:defRPr>
+                <a:solidFill>
+                  <a:schemeClr val="tx1"/>
+                </a:solidFill>
+                <a:latin typeface="Arial" panose="020B0604020202020204" pitchFamily="34" charset="0"/>
+                <a:ea typeface="宋体" panose="02010600030101010101" pitchFamily="2" charset="-122"/>
+              </a:defRPr>
+            </a:lvl2pPr>
+            <a:lvl3pPr marL="1143000" indent="-228600" eaLnBrk="0" hangingPunct="0">
+              <a:defRPr>
+                <a:solidFill>
+                  <a:schemeClr val="tx1"/>
+                </a:solidFill>
+                <a:latin typeface="Arial" panose="020B0604020202020204" pitchFamily="34" charset="0"/>
+                <a:ea typeface="宋体" panose="02010600030101010101" pitchFamily="2" charset="-122"/>
+              </a:defRPr>
+            </a:lvl3pPr>
+            <a:lvl4pPr marL="1600200" indent="-228600" eaLnBrk="0" hangingPunct="0">
+              <a:defRPr>
+                <a:solidFill>
+                  <a:schemeClr val="tx1"/>
+                </a:solidFill>
+                <a:latin typeface="Arial" panose="020B0604020202020204" pitchFamily="34" charset="0"/>
+                <a:ea typeface="宋体" panose="02010600030101010101" pitchFamily="2" charset="-122"/>
+              </a:defRPr>
+            </a:lvl4pPr>
+            <a:lvl5pPr marL="2057400" indent="-228600" eaLnBrk="0" hangingPunct="0">
+              <a:defRPr>
+                <a:solidFill>
+                  <a:schemeClr val="tx1"/>
+                </a:solidFill>
+                <a:latin typeface="Arial" panose="020B0604020202020204" pitchFamily="34" charset="0"/>
+                <a:ea typeface="宋体" panose="02010600030101010101" pitchFamily="2" charset="-122"/>
+              </a:defRPr>
+            </a:lvl5pPr>
+            <a:lvl6pPr marL="2514600" indent="-228600" eaLnBrk="0" fontAlgn="base" hangingPunct="0">
+              <a:spcBef>
+                <a:spcPct val="0"/>
+              </a:spcBef>
+              <a:spcAft>
+                <a:spcPct val="0"/>
+              </a:spcAft>
+              <a:defRPr>
+                <a:solidFill>
+                  <a:schemeClr val="tx1"/>
+                </a:solidFill>
+                <a:latin typeface="Arial" panose="020B0604020202020204" pitchFamily="34" charset="0"/>
+                <a:ea typeface="宋体" panose="02010600030101010101" pitchFamily="2" charset="-122"/>
+              </a:defRPr>
+            </a:lvl6pPr>
+            <a:lvl7pPr marL="2971800" indent="-228600" eaLnBrk="0" fontAlgn="base" hangingPunct="0">
+              <a:spcBef>
+                <a:spcPct val="0"/>
+              </a:spcBef>
+              <a:spcAft>
+                <a:spcPct val="0"/>
+              </a:spcAft>
+              <a:defRPr>
+                <a:solidFill>
+                  <a:schemeClr val="tx1"/>
+                </a:solidFill>
+                <a:latin typeface="Arial" panose="020B0604020202020204" pitchFamily="34" charset="0"/>
+                <a:ea typeface="宋体" panose="02010600030101010101" pitchFamily="2" charset="-122"/>
+              </a:defRPr>
+            </a:lvl7pPr>
+            <a:lvl8pPr marL="3429000" indent="-228600" eaLnBrk="0" fontAlgn="base" hangingPunct="0">
+              <a:spcBef>
+                <a:spcPct val="0"/>
+              </a:spcBef>
+              <a:spcAft>
+                <a:spcPct val="0"/>
+              </a:spcAft>
+              <a:defRPr>
+                <a:solidFill>
+                  <a:schemeClr val="tx1"/>
+                </a:solidFill>
+                <a:latin typeface="Arial" panose="020B0604020202020204" pitchFamily="34" charset="0"/>
+                <a:ea typeface="宋体" panose="02010600030101010101" pitchFamily="2" charset="-122"/>
+              </a:defRPr>
+            </a:lvl8pPr>
+            <a:lvl9pPr marL="3886200" indent="-228600" eaLnBrk="0" fontAlgn="base" hangingPunct="0">
+              <a:spcBef>
+                <a:spcPct val="0"/>
+              </a:spcBef>
+              <a:spcAft>
+                <a:spcPct val="0"/>
+              </a:spcAft>
+              <a:defRPr>
+                <a:solidFill>
+                  <a:schemeClr val="tx1"/>
+                </a:solidFill>
+                <a:latin typeface="Arial" panose="020B0604020202020204" pitchFamily="34" charset="0"/>
+                <a:ea typeface="宋体" panose="02010600030101010101" pitchFamily="2" charset="-122"/>
+              </a:defRPr>
+            </a:lvl9pPr>
+          </a:lstStyle>
+          <a:p>
+            <a:r>
+              <a:rPr lang="en-US" sz="3600" dirty="0" smtClean="0"/>
+              <a:t>Custom validators:</a:t>
+            </a:r>
+          </a:p>
+          <a:p>
+            <a:endParaRPr lang="en-US" sz="3600" dirty="0"/>
+          </a:p>
+        </p:txBody>
+      </p:sp>
+      <p:pic>
+        <p:nvPicPr>
+          <p:cNvPr id="6146" name="Picture 2"/>
+          <p:cNvPicPr>
+            <a:picLocks noChangeAspect="1" noChangeArrowheads="1"/>
+          </p:cNvPicPr>
+          <p:nvPr/>
+        </p:nvPicPr>
+        <p:blipFill>
+          <a:blip r:embed="rId2">
+            <a:extLst>
+              <a:ext uri="{28A0092B-C50C-407E-A947-70E740481C1C}">
+                <a14:useLocalDpi xmlns:a14="http://schemas.microsoft.com/office/drawing/2010/main" val="0"/>
+              </a:ext>
+            </a:extLst>
+          </a:blip>
+          <a:srcRect/>
+          <a:stretch>
+            <a:fillRect/>
+          </a:stretch>
+        </p:blipFill>
+        <p:spPr bwMode="auto">
+          <a:xfrm>
+            <a:off x="76200" y="1601002"/>
+            <a:ext cx="7696200" cy="5211919"/>
+          </a:xfrm>
+          <a:prstGeom prst="rect">
+            <a:avLst/>
+          </a:prstGeom>
+          <a:noFill/>
+          <a:ln>
+            <a:noFill/>
+          </a:ln>
+          <a:effectLst/>
+          <a:extLst>
+            <a:ext uri="{909E8E84-426E-40DD-AFC4-6F175D3DCCD1}">
+              <a14:hiddenFill xmlns:a14="http://schemas.microsoft.com/office/drawing/2010/main">
+                <a:solidFill>
+                  <a:schemeClr val="accent1"/>
+                </a:solidFill>
+              </a14:hiddenFill>
+            </a:ext>
+            <a:ext uri="{91240B29-F687-4F45-9708-019B960494DF}">
+              <a14:hiddenLine xmlns:a14="http://schemas.microsoft.com/office/drawing/2010/main" w="9525">
+                <a:solidFill>
+                  <a:schemeClr val="tx1"/>
+                </a:solidFill>
+                <a:miter lim="800000"/>
+                <a:headEnd/>
+                <a:tailEnd/>
+              </a14:hiddenLine>
+            </a:ext>
+            <a:ext uri="{AF507438-7753-43E0-B8FC-AC1667EBCBE1}">
+              <a14:hiddenEffects xmlns:a14="http://schemas.microsoft.com/office/drawing/2010/main">
+                <a:effectLst>
+                  <a:outerShdw dist="35921" dir="2700000" algn="ctr" rotWithShape="0">
+                    <a:schemeClr val="bg2"/>
+                  </a:outerShdw>
+                </a:effectLst>
+              </a14:hiddenEffects>
+            </a:ext>
+          </a:extLst>
+        </p:spPr>
+      </p:pic>
+      <p:sp>
+        <p:nvSpPr>
+          <p:cNvPr id="7" name="矩形 4"/>
+          <p:cNvSpPr/>
+          <p:nvPr/>
+        </p:nvSpPr>
+        <p:spPr>
+          <a:xfrm>
+            <a:off x="571500" y="2895600"/>
+            <a:ext cx="7277100" cy="2667000"/>
+          </a:xfrm>
+          <a:prstGeom prst="rect">
+            <a:avLst/>
+          </a:prstGeom>
+          <a:noFill/>
+          <a:ln w="38100">
+            <a:solidFill>
+              <a:schemeClr val="accent2"/>
+            </a:solidFill>
+            <a:prstDash val="sysDash"/>
+          </a:ln>
+        </p:spPr>
+        <p:style>
+          <a:lnRef idx="2">
+            <a:schemeClr val="accent1">
+              <a:shade val="50000"/>
+            </a:schemeClr>
+          </a:lnRef>
+          <a:fillRef idx="1">
+            <a:schemeClr val="accent1"/>
+          </a:fillRef>
+          <a:effectRef idx="0">
+            <a:schemeClr val="accent1"/>
+          </a:effectRef>
+          <a:fontRef idx="minor">
+            <a:schemeClr val="lt1"/>
+          </a:fontRef>
+        </p:style>
+        <p:txBody>
+          <a:bodyPr rtlCol="0" anchor="ctr"/>
+          <a:lstStyle/>
+          <a:p>
+            <a:pPr algn="ctr"/>
+            <a:endParaRPr lang="zh-CN" altLang="en-US">
+              <a:solidFill>
+                <a:srgbClr val="FF0000"/>
+              </a:solidFill>
+            </a:endParaRPr>
+          </a:p>
+        </p:txBody>
+      </p:sp>
+    </p:spTree>
+    <p:extLst>
+      <p:ext uri="{BB962C8B-B14F-4D97-AF65-F5344CB8AC3E}">
+        <p14:creationId xmlns:p14="http://schemas.microsoft.com/office/powerpoint/2010/main" val="3849017305"/>
+      </p:ext>
+    </p:extLst>
+  </p:cSld>
+  <p:clrMapOvr>
+    <a:masterClrMapping/>
+  </p:clrMapOvr>
+  <p:timing>
+    <p:tnLst>
+      <p:par>
+        <p:cTn id="1" dur="indefinite" restart="never" nodeType="tmRoot">
+          <p:childTnLst>
+            <p:seq concurrent="1" nextAc="seek">
+              <p:cTn id="2" dur="indefinite" nodeType="mainSeq">
+                <p:childTnLst>
+                  <p:par>
+                    <p:cTn id="3" fill="hold">
+                      <p:stCondLst>
+                        <p:cond delay="indefinite"/>
+                      </p:stCondLst>
+                      <p:childTnLst>
+                        <p:par>
+                          <p:cTn id="4" fill="hold">
+                            <p:stCondLst>
+                              <p:cond delay="0"/>
+                            </p:stCondLst>
+                            <p:childTnLst>
+                              <p:par>
+                                <p:cTn id="5" presetID="10" presetClass="entr" presetSubtype="0" fill="hold" grpId="0" nodeType="clickEffect">
+                                  <p:stCondLst>
+                                    <p:cond delay="0"/>
+                                  </p:stCondLst>
+                                  <p:childTnLst>
+                                    <p:set>
+                                      <p:cBhvr>
+                                        <p:cTn id="6" dur="1" fill="hold">
+                                          <p:stCondLst>
+                                            <p:cond delay="0"/>
+                                          </p:stCondLst>
+                                        </p:cTn>
+                                        <p:tgtEl>
+                                          <p:spTgt spid="7"/>
+                                        </p:tgtEl>
+                                        <p:attrNameLst>
+                                          <p:attrName>style.visibility</p:attrName>
+                                        </p:attrNameLst>
+                                      </p:cBhvr>
+                                      <p:to>
+                                        <p:strVal val="visible"/>
+                                      </p:to>
+                                    </p:set>
+                                    <p:animEffect transition="in" filter="fade">
+                                      <p:cBhvr>
+                                        <p:cTn id="7" dur="500"/>
+                                        <p:tgtEl>
+                                          <p:spTgt spid="7"/>
+                                        </p:tgtEl>
+                                      </p:cBhvr>
+                                    </p:animEffect>
+                                  </p:childTnLst>
+                                </p:cTn>
+                              </p:par>
+                            </p:childTnLst>
+                          </p:cTn>
+                        </p:par>
+                      </p:childTnLst>
+                    </p:cTn>
+                  </p:par>
+                </p:childTnLst>
+              </p:cTn>
+              <p:prevCondLst>
+                <p:cond evt="onPrev" delay="0">
+                  <p:tgtEl>
+                    <p:sldTgt/>
+                  </p:tgtEl>
+                </p:cond>
+              </p:prevCondLst>
+              <p:nextCondLst>
+                <p:cond evt="onNext" delay="0">
+                  <p:tgtEl>
+                    <p:sldTgt/>
+                  </p:tgtEl>
+                </p:cond>
+              </p:nextCondLst>
+            </p:seq>
+          </p:childTnLst>
+        </p:cTn>
+      </p:par>
+    </p:tnLst>
+    <p:bldLst>
+      <p:bldP spid="7" grpId="0" animBg="1"/>
+    </p:bldLst>
+  </p:timing>
+</p:sld>
+</file>
+
+<file path=ppt/slides/slide33.xml><?xml version="1.0" encoding="utf-8"?>
+<p:sld xmlns:a="http://schemas.openxmlformats.org/drawingml/2006/main" xmlns:r="http://schemas.openxmlformats.org/officeDocument/2006/relationships" xmlns:p="http://schemas.openxmlformats.org/presentationml/2006/main">
+  <p:cSld>
+    <p:spTree>
+      <p:nvGrpSpPr>
+        <p:cNvPr id="1" name=""/>
+        <p:cNvGrpSpPr/>
+        <p:nvPr/>
+      </p:nvGrpSpPr>
+      <p:grpSpPr>
+        <a:xfrm>
+          <a:off x="0" y="0"/>
+          <a:ext cx="0" cy="0"/>
+          <a:chOff x="0" y="0"/>
+          <a:chExt cx="0" cy="0"/>
+        </a:xfrm>
+      </p:grpSpPr>
+      <p:sp>
+        <p:nvSpPr>
+          <p:cNvPr id="2" name="Text Placeholder 1"/>
+          <p:cNvSpPr>
+            <a:spLocks noGrp="1"/>
+          </p:cNvSpPr>
+          <p:nvPr>
+            <p:ph type="body" sz="quarter" idx="13"/>
+          </p:nvPr>
+        </p:nvSpPr>
+        <p:spPr/>
+        <p:txBody>
+          <a:bodyPr/>
+          <a:lstStyle/>
+          <a:p>
+            <a:r>
+              <a:rPr lang="en-US" dirty="0" smtClean="0"/>
+              <a:t>6</a:t>
+            </a:r>
+            <a:endParaRPr lang="en-US" dirty="0"/>
+          </a:p>
+        </p:txBody>
+      </p:sp>
+      <p:sp>
+        <p:nvSpPr>
+          <p:cNvPr id="3" name="Text Placeholder 2"/>
+          <p:cNvSpPr>
+            <a:spLocks noGrp="1"/>
+          </p:cNvSpPr>
+          <p:nvPr>
+            <p:ph type="body" sz="quarter" idx="14"/>
+          </p:nvPr>
+        </p:nvSpPr>
+        <p:spPr/>
+        <p:txBody>
+          <a:bodyPr/>
+          <a:lstStyle/>
+          <a:p>
+            <a:r>
+              <a:rPr lang="en-US" dirty="0" smtClean="0"/>
+              <a:t>Middleware</a:t>
+            </a:r>
+            <a:endParaRPr lang="en-US" dirty="0"/>
+          </a:p>
+          <a:p>
+            <a:endParaRPr lang="en-US" dirty="0"/>
+          </a:p>
+        </p:txBody>
+      </p:sp>
+      <p:sp>
+        <p:nvSpPr>
+          <p:cNvPr id="8" name="TextBox 2"/>
+          <p:cNvSpPr txBox="1">
+            <a:spLocks noChangeArrowheads="1"/>
+          </p:cNvSpPr>
+          <p:nvPr/>
+        </p:nvSpPr>
+        <p:spPr bwMode="auto">
+          <a:xfrm>
+            <a:off x="0" y="1000839"/>
+            <a:ext cx="9144000" cy="1200329"/>
+          </a:xfrm>
+          <a:prstGeom prst="rect">
+            <a:avLst/>
+          </a:prstGeom>
+          <a:noFill/>
+          <a:ln>
+            <a:noFill/>
+          </a:ln>
+          <a:extLst>
+            <a:ext uri="{909E8E84-426E-40DD-AFC4-6F175D3DCCD1}">
+              <a14:hiddenFill xmlns:a14="http://schemas.microsoft.com/office/drawing/2010/main">
+                <a:solidFill>
+                  <a:srgbClr val="FFFFFF"/>
+                </a:solidFill>
+              </a14:hiddenFill>
+            </a:ext>
+            <a:ext uri="{91240B29-F687-4F45-9708-019B960494DF}">
+              <a14:hiddenLine xmlns:a14="http://schemas.microsoft.com/office/drawing/2010/main" w="9525">
+                <a:solidFill>
+                  <a:srgbClr val="000000"/>
+                </a:solidFill>
+                <a:miter lim="800000"/>
+                <a:headEnd/>
+                <a:tailEnd/>
+              </a14:hiddenLine>
+            </a:ext>
+          </a:extLst>
+        </p:spPr>
+        <p:txBody>
+          <a:bodyPr wrap="square">
+            <a:spAutoFit/>
+          </a:bodyPr>
+          <a:lstStyle>
+            <a:lvl1pPr marL="571500" indent="-571500" eaLnBrk="0" hangingPunct="0">
+              <a:defRPr>
+                <a:solidFill>
+                  <a:schemeClr val="tx1"/>
+                </a:solidFill>
+                <a:latin typeface="Arial" panose="020B0604020202020204" pitchFamily="34" charset="0"/>
+                <a:ea typeface="宋体" panose="02010600030101010101" pitchFamily="2" charset="-122"/>
+              </a:defRPr>
+            </a:lvl1pPr>
+            <a:lvl2pPr marL="742950" indent="-285750" eaLnBrk="0" hangingPunct="0">
+              <a:defRPr>
+                <a:solidFill>
+                  <a:schemeClr val="tx1"/>
+                </a:solidFill>
+                <a:latin typeface="Arial" panose="020B0604020202020204" pitchFamily="34" charset="0"/>
+                <a:ea typeface="宋体" panose="02010600030101010101" pitchFamily="2" charset="-122"/>
+              </a:defRPr>
+            </a:lvl2pPr>
+            <a:lvl3pPr marL="1143000" indent="-228600" eaLnBrk="0" hangingPunct="0">
+              <a:defRPr>
+                <a:solidFill>
+                  <a:schemeClr val="tx1"/>
+                </a:solidFill>
+                <a:latin typeface="Arial" panose="020B0604020202020204" pitchFamily="34" charset="0"/>
+                <a:ea typeface="宋体" panose="02010600030101010101" pitchFamily="2" charset="-122"/>
+              </a:defRPr>
+            </a:lvl3pPr>
+            <a:lvl4pPr marL="1600200" indent="-228600" eaLnBrk="0" hangingPunct="0">
+              <a:defRPr>
+                <a:solidFill>
+                  <a:schemeClr val="tx1"/>
+                </a:solidFill>
+                <a:latin typeface="Arial" panose="020B0604020202020204" pitchFamily="34" charset="0"/>
+                <a:ea typeface="宋体" panose="02010600030101010101" pitchFamily="2" charset="-122"/>
+              </a:defRPr>
+            </a:lvl4pPr>
+            <a:lvl5pPr marL="2057400" indent="-228600" eaLnBrk="0" hangingPunct="0">
+              <a:defRPr>
+                <a:solidFill>
+                  <a:schemeClr val="tx1"/>
+                </a:solidFill>
+                <a:latin typeface="Arial" panose="020B0604020202020204" pitchFamily="34" charset="0"/>
+                <a:ea typeface="宋体" panose="02010600030101010101" pitchFamily="2" charset="-122"/>
+              </a:defRPr>
+            </a:lvl5pPr>
+            <a:lvl6pPr marL="2514600" indent="-228600" eaLnBrk="0" fontAlgn="base" hangingPunct="0">
+              <a:spcBef>
+                <a:spcPct val="0"/>
+              </a:spcBef>
+              <a:spcAft>
+                <a:spcPct val="0"/>
+              </a:spcAft>
+              <a:defRPr>
+                <a:solidFill>
+                  <a:schemeClr val="tx1"/>
+                </a:solidFill>
+                <a:latin typeface="Arial" panose="020B0604020202020204" pitchFamily="34" charset="0"/>
+                <a:ea typeface="宋体" panose="02010600030101010101" pitchFamily="2" charset="-122"/>
+              </a:defRPr>
+            </a:lvl6pPr>
+            <a:lvl7pPr marL="2971800" indent="-228600" eaLnBrk="0" fontAlgn="base" hangingPunct="0">
+              <a:spcBef>
+                <a:spcPct val="0"/>
+              </a:spcBef>
+              <a:spcAft>
+                <a:spcPct val="0"/>
+              </a:spcAft>
+              <a:defRPr>
+                <a:solidFill>
+                  <a:schemeClr val="tx1"/>
+                </a:solidFill>
+                <a:latin typeface="Arial" panose="020B0604020202020204" pitchFamily="34" charset="0"/>
+                <a:ea typeface="宋体" panose="02010600030101010101" pitchFamily="2" charset="-122"/>
+              </a:defRPr>
+            </a:lvl7pPr>
+            <a:lvl8pPr marL="3429000" indent="-228600" eaLnBrk="0" fontAlgn="base" hangingPunct="0">
+              <a:spcBef>
+                <a:spcPct val="0"/>
+              </a:spcBef>
+              <a:spcAft>
+                <a:spcPct val="0"/>
+              </a:spcAft>
+              <a:defRPr>
+                <a:solidFill>
+                  <a:schemeClr val="tx1"/>
+                </a:solidFill>
+                <a:latin typeface="Arial" panose="020B0604020202020204" pitchFamily="34" charset="0"/>
+                <a:ea typeface="宋体" panose="02010600030101010101" pitchFamily="2" charset="-122"/>
+              </a:defRPr>
+            </a:lvl8pPr>
+            <a:lvl9pPr marL="3886200" indent="-228600" eaLnBrk="0" fontAlgn="base" hangingPunct="0">
+              <a:spcBef>
+                <a:spcPct val="0"/>
+              </a:spcBef>
+              <a:spcAft>
+                <a:spcPct val="0"/>
+              </a:spcAft>
+              <a:defRPr>
+                <a:solidFill>
+                  <a:schemeClr val="tx1"/>
+                </a:solidFill>
+                <a:latin typeface="Arial" panose="020B0604020202020204" pitchFamily="34" charset="0"/>
+                <a:ea typeface="宋体" panose="02010600030101010101" pitchFamily="2" charset="-122"/>
+              </a:defRPr>
+            </a:lvl9pPr>
+          </a:lstStyle>
+          <a:p>
+            <a:r>
+              <a:rPr lang="en-US" sz="3600" dirty="0" smtClean="0"/>
+              <a:t>hooks:</a:t>
+            </a:r>
+          </a:p>
+          <a:p>
+            <a:endParaRPr lang="en-US" sz="3600" dirty="0"/>
+          </a:p>
+        </p:txBody>
+      </p:sp>
+      <p:pic>
+        <p:nvPicPr>
+          <p:cNvPr id="7170" name="Picture 2"/>
+          <p:cNvPicPr>
+            <a:picLocks noChangeAspect="1" noChangeArrowheads="1"/>
+          </p:cNvPicPr>
+          <p:nvPr/>
+        </p:nvPicPr>
+        <p:blipFill>
+          <a:blip r:embed="rId2">
+            <a:extLst>
+              <a:ext uri="{28A0092B-C50C-407E-A947-70E740481C1C}">
+                <a14:useLocalDpi xmlns:a14="http://schemas.microsoft.com/office/drawing/2010/main" val="0"/>
+              </a:ext>
+            </a:extLst>
+          </a:blip>
+          <a:srcRect/>
+          <a:stretch>
+            <a:fillRect/>
+          </a:stretch>
+        </p:blipFill>
+        <p:spPr bwMode="auto">
+          <a:xfrm>
+            <a:off x="76200" y="1601003"/>
+            <a:ext cx="8919308" cy="4799797"/>
+          </a:xfrm>
+          <a:prstGeom prst="rect">
+            <a:avLst/>
+          </a:prstGeom>
+          <a:noFill/>
+          <a:ln>
+            <a:noFill/>
+          </a:ln>
+          <a:effectLst/>
+          <a:extLst>
+            <a:ext uri="{909E8E84-426E-40DD-AFC4-6F175D3DCCD1}">
+              <a14:hiddenFill xmlns:a14="http://schemas.microsoft.com/office/drawing/2010/main">
+                <a:solidFill>
+                  <a:schemeClr val="accent1"/>
+                </a:solidFill>
+              </a14:hiddenFill>
+            </a:ext>
+            <a:ext uri="{91240B29-F687-4F45-9708-019B960494DF}">
+              <a14:hiddenLine xmlns:a14="http://schemas.microsoft.com/office/drawing/2010/main" w="9525">
+                <a:solidFill>
+                  <a:schemeClr val="tx1"/>
+                </a:solidFill>
+                <a:miter lim="800000"/>
+                <a:headEnd/>
+                <a:tailEnd/>
+              </a14:hiddenLine>
+            </a:ext>
+            <a:ext uri="{AF507438-7753-43E0-B8FC-AC1667EBCBE1}">
+              <a14:hiddenEffects xmlns:a14="http://schemas.microsoft.com/office/drawing/2010/main">
+                <a:effectLst>
+                  <a:outerShdw dist="35921" dir="2700000" algn="ctr" rotWithShape="0">
+                    <a:schemeClr val="bg2"/>
+                  </a:outerShdw>
+                </a:effectLst>
+              </a14:hiddenEffects>
+            </a:ext>
+          </a:extLst>
+        </p:spPr>
+      </p:pic>
+      <p:sp>
+        <p:nvSpPr>
+          <p:cNvPr id="4" name="任意多边形 3"/>
+          <p:cNvSpPr/>
+          <p:nvPr/>
+        </p:nvSpPr>
+        <p:spPr>
+          <a:xfrm>
+            <a:off x="581891" y="1609646"/>
+            <a:ext cx="8486539" cy="1168974"/>
+          </a:xfrm>
+          <a:custGeom>
+            <a:avLst/>
+            <a:gdLst>
+              <a:gd name="connsiteX0" fmla="*/ 2644959 w 8486539"/>
+              <a:gd name="connsiteY0" fmla="*/ 0 h 1168974"/>
+              <a:gd name="connsiteX1" fmla="*/ 2644959 w 8486539"/>
+              <a:gd name="connsiteY1" fmla="*/ 0 h 1168974"/>
+              <a:gd name="connsiteX2" fmla="*/ 2637402 w 8486539"/>
+              <a:gd name="connsiteY2" fmla="*/ 75571 h 1168974"/>
+              <a:gd name="connsiteX3" fmla="*/ 2622288 w 8486539"/>
+              <a:gd name="connsiteY3" fmla="*/ 120913 h 1168974"/>
+              <a:gd name="connsiteX4" fmla="*/ 2614730 w 8486539"/>
+              <a:gd name="connsiteY4" fmla="*/ 158698 h 1168974"/>
+              <a:gd name="connsiteX5" fmla="*/ 2607173 w 8486539"/>
+              <a:gd name="connsiteY5" fmla="*/ 279610 h 1168974"/>
+              <a:gd name="connsiteX6" fmla="*/ 2599616 w 8486539"/>
+              <a:gd name="connsiteY6" fmla="*/ 302281 h 1168974"/>
+              <a:gd name="connsiteX7" fmla="*/ 2531603 w 8486539"/>
+              <a:gd name="connsiteY7" fmla="*/ 355180 h 1168974"/>
+              <a:gd name="connsiteX8" fmla="*/ 2508932 w 8486539"/>
+              <a:gd name="connsiteY8" fmla="*/ 370294 h 1168974"/>
+              <a:gd name="connsiteX9" fmla="*/ 2478704 w 8486539"/>
+              <a:gd name="connsiteY9" fmla="*/ 377852 h 1168974"/>
+              <a:gd name="connsiteX10" fmla="*/ 2335121 w 8486539"/>
+              <a:gd name="connsiteY10" fmla="*/ 392966 h 1168974"/>
+              <a:gd name="connsiteX11" fmla="*/ 2146195 w 8486539"/>
+              <a:gd name="connsiteY11" fmla="*/ 377852 h 1168974"/>
+              <a:gd name="connsiteX12" fmla="*/ 2093296 w 8486539"/>
+              <a:gd name="connsiteY12" fmla="*/ 385409 h 1168974"/>
+              <a:gd name="connsiteX13" fmla="*/ 2032840 w 8486539"/>
+              <a:gd name="connsiteY13" fmla="*/ 377852 h 1168974"/>
+              <a:gd name="connsiteX14" fmla="*/ 1934598 w 8486539"/>
+              <a:gd name="connsiteY14" fmla="*/ 362737 h 1168974"/>
+              <a:gd name="connsiteX15" fmla="*/ 1828800 w 8486539"/>
+              <a:gd name="connsiteY15" fmla="*/ 355180 h 1168974"/>
+              <a:gd name="connsiteX16" fmla="*/ 1345150 w 8486539"/>
+              <a:gd name="connsiteY16" fmla="*/ 362737 h 1168974"/>
+              <a:gd name="connsiteX17" fmla="*/ 1027755 w 8486539"/>
+              <a:gd name="connsiteY17" fmla="*/ 355180 h 1168974"/>
+              <a:gd name="connsiteX18" fmla="*/ 642347 w 8486539"/>
+              <a:gd name="connsiteY18" fmla="*/ 362737 h 1168974"/>
+              <a:gd name="connsiteX19" fmla="*/ 158697 w 8486539"/>
+              <a:gd name="connsiteY19" fmla="*/ 370294 h 1168974"/>
+              <a:gd name="connsiteX20" fmla="*/ 113355 w 8486539"/>
+              <a:gd name="connsiteY20" fmla="*/ 385409 h 1168974"/>
+              <a:gd name="connsiteX21" fmla="*/ 90684 w 8486539"/>
+              <a:gd name="connsiteY21" fmla="*/ 400523 h 1168974"/>
+              <a:gd name="connsiteX22" fmla="*/ 52899 w 8486539"/>
+              <a:gd name="connsiteY22" fmla="*/ 445865 h 1168974"/>
+              <a:gd name="connsiteX23" fmla="*/ 45342 w 8486539"/>
+              <a:gd name="connsiteY23" fmla="*/ 468536 h 1168974"/>
+              <a:gd name="connsiteX24" fmla="*/ 22671 w 8486539"/>
+              <a:gd name="connsiteY24" fmla="*/ 513878 h 1168974"/>
+              <a:gd name="connsiteX25" fmla="*/ 7557 w 8486539"/>
+              <a:gd name="connsiteY25" fmla="*/ 612119 h 1168974"/>
+              <a:gd name="connsiteX26" fmla="*/ 0 w 8486539"/>
+              <a:gd name="connsiteY26" fmla="*/ 665018 h 1168974"/>
+              <a:gd name="connsiteX27" fmla="*/ 7557 w 8486539"/>
+              <a:gd name="connsiteY27" fmla="*/ 725475 h 1168974"/>
+              <a:gd name="connsiteX28" fmla="*/ 30228 w 8486539"/>
+              <a:gd name="connsiteY28" fmla="*/ 967299 h 1168974"/>
+              <a:gd name="connsiteX29" fmla="*/ 52899 w 8486539"/>
+              <a:gd name="connsiteY29" fmla="*/ 1042870 h 1168974"/>
+              <a:gd name="connsiteX30" fmla="*/ 105798 w 8486539"/>
+              <a:gd name="connsiteY30" fmla="*/ 1073098 h 1168974"/>
+              <a:gd name="connsiteX31" fmla="*/ 136026 w 8486539"/>
+              <a:gd name="connsiteY31" fmla="*/ 1080655 h 1168974"/>
+              <a:gd name="connsiteX32" fmla="*/ 158697 w 8486539"/>
+              <a:gd name="connsiteY32" fmla="*/ 1088212 h 1168974"/>
+              <a:gd name="connsiteX33" fmla="*/ 279610 w 8486539"/>
+              <a:gd name="connsiteY33" fmla="*/ 1103326 h 1168974"/>
+              <a:gd name="connsiteX34" fmla="*/ 423193 w 8486539"/>
+              <a:gd name="connsiteY34" fmla="*/ 1118440 h 1168974"/>
+              <a:gd name="connsiteX35" fmla="*/ 483649 w 8486539"/>
+              <a:gd name="connsiteY35" fmla="*/ 1125997 h 1168974"/>
+              <a:gd name="connsiteX36" fmla="*/ 6823993 w 8486539"/>
+              <a:gd name="connsiteY36" fmla="*/ 1133554 h 1168974"/>
+              <a:gd name="connsiteX37" fmla="*/ 6907121 w 8486539"/>
+              <a:gd name="connsiteY37" fmla="*/ 1141111 h 1168974"/>
+              <a:gd name="connsiteX38" fmla="*/ 6944906 w 8486539"/>
+              <a:gd name="connsiteY38" fmla="*/ 1148668 h 1168974"/>
+              <a:gd name="connsiteX39" fmla="*/ 7020476 w 8486539"/>
+              <a:gd name="connsiteY39" fmla="*/ 1156225 h 1168974"/>
+              <a:gd name="connsiteX40" fmla="*/ 8033117 w 8486539"/>
+              <a:gd name="connsiteY40" fmla="*/ 1141111 h 1168974"/>
+              <a:gd name="connsiteX41" fmla="*/ 8123802 w 8486539"/>
+              <a:gd name="connsiteY41" fmla="*/ 1125997 h 1168974"/>
+              <a:gd name="connsiteX42" fmla="*/ 8184258 w 8486539"/>
+              <a:gd name="connsiteY42" fmla="*/ 1110883 h 1168974"/>
+              <a:gd name="connsiteX43" fmla="*/ 8206929 w 8486539"/>
+              <a:gd name="connsiteY43" fmla="*/ 1103326 h 1168974"/>
+              <a:gd name="connsiteX44" fmla="*/ 8252271 w 8486539"/>
+              <a:gd name="connsiteY44" fmla="*/ 1095769 h 1168974"/>
+              <a:gd name="connsiteX45" fmla="*/ 8297613 w 8486539"/>
+              <a:gd name="connsiteY45" fmla="*/ 1080655 h 1168974"/>
+              <a:gd name="connsiteX46" fmla="*/ 8342955 w 8486539"/>
+              <a:gd name="connsiteY46" fmla="*/ 1065541 h 1168974"/>
+              <a:gd name="connsiteX47" fmla="*/ 8365626 w 8486539"/>
+              <a:gd name="connsiteY47" fmla="*/ 1057984 h 1168974"/>
+              <a:gd name="connsiteX48" fmla="*/ 8388297 w 8486539"/>
+              <a:gd name="connsiteY48" fmla="*/ 1050427 h 1168974"/>
+              <a:gd name="connsiteX49" fmla="*/ 8433640 w 8486539"/>
+              <a:gd name="connsiteY49" fmla="*/ 1020199 h 1168974"/>
+              <a:gd name="connsiteX50" fmla="*/ 8463868 w 8486539"/>
+              <a:gd name="connsiteY50" fmla="*/ 974856 h 1168974"/>
+              <a:gd name="connsiteX51" fmla="*/ 8478982 w 8486539"/>
+              <a:gd name="connsiteY51" fmla="*/ 952185 h 1168974"/>
+              <a:gd name="connsiteX52" fmla="*/ 8486539 w 8486539"/>
+              <a:gd name="connsiteY52" fmla="*/ 929514 h 1168974"/>
+              <a:gd name="connsiteX53" fmla="*/ 8478982 w 8486539"/>
+              <a:gd name="connsiteY53" fmla="*/ 876615 h 1168974"/>
+              <a:gd name="connsiteX54" fmla="*/ 8471425 w 8486539"/>
+              <a:gd name="connsiteY54" fmla="*/ 853944 h 1168974"/>
+              <a:gd name="connsiteX55" fmla="*/ 8463868 w 8486539"/>
+              <a:gd name="connsiteY55" fmla="*/ 816159 h 1168974"/>
+              <a:gd name="connsiteX56" fmla="*/ 8471425 w 8486539"/>
+              <a:gd name="connsiteY56" fmla="*/ 581891 h 1168974"/>
+              <a:gd name="connsiteX57" fmla="*/ 8471425 w 8486539"/>
+              <a:gd name="connsiteY57" fmla="*/ 302281 h 1168974"/>
+              <a:gd name="connsiteX58" fmla="*/ 8463868 w 8486539"/>
+              <a:gd name="connsiteY58" fmla="*/ 272053 h 1168974"/>
+              <a:gd name="connsiteX59" fmla="*/ 8426083 w 8486539"/>
+              <a:gd name="connsiteY59" fmla="*/ 219154 h 1168974"/>
+              <a:gd name="connsiteX60" fmla="*/ 8388297 w 8486539"/>
+              <a:gd name="connsiteY60" fmla="*/ 211597 h 1168974"/>
+              <a:gd name="connsiteX61" fmla="*/ 8320284 w 8486539"/>
+              <a:gd name="connsiteY61" fmla="*/ 204040 h 1168974"/>
+              <a:gd name="connsiteX62" fmla="*/ 8222043 w 8486539"/>
+              <a:gd name="connsiteY62" fmla="*/ 188926 h 1168974"/>
+              <a:gd name="connsiteX63" fmla="*/ 8161587 w 8486539"/>
+              <a:gd name="connsiteY63" fmla="*/ 173812 h 1168974"/>
+              <a:gd name="connsiteX64" fmla="*/ 8078459 w 8486539"/>
+              <a:gd name="connsiteY64" fmla="*/ 158698 h 1168974"/>
+              <a:gd name="connsiteX65" fmla="*/ 7980218 w 8486539"/>
+              <a:gd name="connsiteY65" fmla="*/ 143584 h 1168974"/>
+              <a:gd name="connsiteX66" fmla="*/ 7889534 w 8486539"/>
+              <a:gd name="connsiteY66" fmla="*/ 128470 h 1168974"/>
+              <a:gd name="connsiteX67" fmla="*/ 7504126 w 8486539"/>
+              <a:gd name="connsiteY67" fmla="*/ 113356 h 1168974"/>
+              <a:gd name="connsiteX68" fmla="*/ 7451226 w 8486539"/>
+              <a:gd name="connsiteY68" fmla="*/ 120913 h 1168974"/>
+              <a:gd name="connsiteX69" fmla="*/ 7398327 w 8486539"/>
+              <a:gd name="connsiteY69" fmla="*/ 113356 h 1168974"/>
+              <a:gd name="connsiteX70" fmla="*/ 7330314 w 8486539"/>
+              <a:gd name="connsiteY70" fmla="*/ 105799 h 1168974"/>
+              <a:gd name="connsiteX71" fmla="*/ 7012919 w 8486539"/>
+              <a:gd name="connsiteY71" fmla="*/ 98242 h 1168974"/>
+              <a:gd name="connsiteX72" fmla="*/ 6960020 w 8486539"/>
+              <a:gd name="connsiteY72" fmla="*/ 105799 h 1168974"/>
+              <a:gd name="connsiteX73" fmla="*/ 6892007 w 8486539"/>
+              <a:gd name="connsiteY73" fmla="*/ 105799 h 1168974"/>
+              <a:gd name="connsiteX74" fmla="*/ 6242102 w 8486539"/>
+              <a:gd name="connsiteY74" fmla="*/ 98242 h 1168974"/>
+              <a:gd name="connsiteX75" fmla="*/ 6219431 w 8486539"/>
+              <a:gd name="connsiteY75" fmla="*/ 105799 h 1168974"/>
+              <a:gd name="connsiteX76" fmla="*/ 6007835 w 8486539"/>
+              <a:gd name="connsiteY76" fmla="*/ 98242 h 1168974"/>
+              <a:gd name="connsiteX77" fmla="*/ 5902036 w 8486539"/>
+              <a:gd name="connsiteY77" fmla="*/ 98242 h 1168974"/>
+              <a:gd name="connsiteX78" fmla="*/ 5864251 w 8486539"/>
+              <a:gd name="connsiteY78" fmla="*/ 105799 h 1168974"/>
+              <a:gd name="connsiteX79" fmla="*/ 5781124 w 8486539"/>
+              <a:gd name="connsiteY79" fmla="*/ 98242 h 1168974"/>
+              <a:gd name="connsiteX80" fmla="*/ 5743339 w 8486539"/>
+              <a:gd name="connsiteY80" fmla="*/ 105799 h 1168974"/>
+              <a:gd name="connsiteX81" fmla="*/ 5713111 w 8486539"/>
+              <a:gd name="connsiteY81" fmla="*/ 98242 h 1168974"/>
+              <a:gd name="connsiteX82" fmla="*/ 5645097 w 8486539"/>
+              <a:gd name="connsiteY82" fmla="*/ 83128 h 1168974"/>
+              <a:gd name="connsiteX83" fmla="*/ 5622426 w 8486539"/>
+              <a:gd name="connsiteY83" fmla="*/ 75571 h 1168974"/>
+              <a:gd name="connsiteX84" fmla="*/ 5569527 w 8486539"/>
+              <a:gd name="connsiteY84" fmla="*/ 68014 h 1168974"/>
+              <a:gd name="connsiteX85" fmla="*/ 5524185 w 8486539"/>
+              <a:gd name="connsiteY85" fmla="*/ 60456 h 1168974"/>
+              <a:gd name="connsiteX86" fmla="*/ 5493957 w 8486539"/>
+              <a:gd name="connsiteY86" fmla="*/ 52899 h 1168974"/>
+              <a:gd name="connsiteX87" fmla="*/ 5456172 w 8486539"/>
+              <a:gd name="connsiteY87" fmla="*/ 45342 h 1168974"/>
+              <a:gd name="connsiteX88" fmla="*/ 5433501 w 8486539"/>
+              <a:gd name="connsiteY88" fmla="*/ 37785 h 1168974"/>
+              <a:gd name="connsiteX89" fmla="*/ 5229461 w 8486539"/>
+              <a:gd name="connsiteY89" fmla="*/ 30228 h 1168974"/>
+              <a:gd name="connsiteX90" fmla="*/ 5131220 w 8486539"/>
+              <a:gd name="connsiteY90" fmla="*/ 22671 h 1168974"/>
+              <a:gd name="connsiteX91" fmla="*/ 5108549 w 8486539"/>
+              <a:gd name="connsiteY91" fmla="*/ 30228 h 1168974"/>
+              <a:gd name="connsiteX92" fmla="*/ 4783597 w 8486539"/>
+              <a:gd name="connsiteY92" fmla="*/ 22671 h 1168974"/>
+              <a:gd name="connsiteX93" fmla="*/ 3053038 w 8486539"/>
+              <a:gd name="connsiteY93" fmla="*/ 22671 h 1168974"/>
+              <a:gd name="connsiteX94" fmla="*/ 2901897 w 8486539"/>
+              <a:gd name="connsiteY94" fmla="*/ 15114 h 1168974"/>
+              <a:gd name="connsiteX95" fmla="*/ 2811213 w 8486539"/>
+              <a:gd name="connsiteY95" fmla="*/ 22671 h 1168974"/>
+              <a:gd name="connsiteX96" fmla="*/ 2743200 w 8486539"/>
+              <a:gd name="connsiteY96" fmla="*/ 15114 h 1168974"/>
+              <a:gd name="connsiteX97" fmla="*/ 2735643 w 8486539"/>
+              <a:gd name="connsiteY97" fmla="*/ 15114 h 1168974"/>
+              <a:gd name="connsiteX98" fmla="*/ 2644959 w 8486539"/>
+              <a:gd name="connsiteY98" fmla="*/ 0 h 1168974"/>
+            </a:gdLst>
+            <a:ahLst/>
+            <a:cxnLst>
+              <a:cxn ang="0">
+                <a:pos x="connsiteX0" y="connsiteY0"/>
+              </a:cxn>
+              <a:cxn ang="0">
+                <a:pos x="connsiteX1" y="connsiteY1"/>
+              </a:cxn>
+              <a:cxn ang="0">
+                <a:pos x="connsiteX2" y="connsiteY2"/>
+              </a:cxn>
+              <a:cxn ang="0">
+                <a:pos x="connsiteX3" y="connsiteY3"/>
+              </a:cxn>
+              <a:cxn ang="0">
+                <a:pos x="connsiteX4" y="connsiteY4"/>
+              </a:cxn>
+              <a:cxn ang="0">
+                <a:pos x="connsiteX5" y="connsiteY5"/>
+              </a:cxn>
+              <a:cxn ang="0">
+                <a:pos x="connsiteX6" y="connsiteY6"/>
+              </a:cxn>
+              <a:cxn ang="0">
+                <a:pos x="connsiteX7" y="connsiteY7"/>
+              </a:cxn>
+              <a:cxn ang="0">
+                <a:pos x="connsiteX8" y="connsiteY8"/>
+              </a:cxn>
+              <a:cxn ang="0">
+                <a:pos x="connsiteX9" y="connsiteY9"/>
+              </a:cxn>
+              <a:cxn ang="0">
+                <a:pos x="connsiteX10" y="connsiteY10"/>
+              </a:cxn>
+              <a:cxn ang="0">
+                <a:pos x="connsiteX11" y="connsiteY11"/>
+              </a:cxn>
+              <a:cxn ang="0">
+                <a:pos x="connsiteX12" y="connsiteY12"/>
+              </a:cxn>
+              <a:cxn ang="0">
+                <a:pos x="connsiteX13" y="connsiteY13"/>
+              </a:cxn>
+              <a:cxn ang="0">
+                <a:pos x="connsiteX14" y="connsiteY14"/>
+              </a:cxn>
+              <a:cxn ang="0">
+                <a:pos x="connsiteX15" y="connsiteY15"/>
+              </a:cxn>
+              <a:cxn ang="0">
+                <a:pos x="connsiteX16" y="connsiteY16"/>
+              </a:cxn>
+              <a:cxn ang="0">
+                <a:pos x="connsiteX17" y="connsiteY17"/>
+              </a:cxn>
+              <a:cxn ang="0">
+                <a:pos x="connsiteX18" y="connsiteY18"/>
+              </a:cxn>
+              <a:cxn ang="0">
+                <a:pos x="connsiteX19" y="connsiteY19"/>
+              </a:cxn>
+              <a:cxn ang="0">
+                <a:pos x="connsiteX20" y="connsiteY20"/>
+              </a:cxn>
+              <a:cxn ang="0">
+                <a:pos x="connsiteX21" y="connsiteY21"/>
+              </a:cxn>
+              <a:cxn ang="0">
+                <a:pos x="connsiteX22" y="connsiteY22"/>
+              </a:cxn>
+              <a:cxn ang="0">
+                <a:pos x="connsiteX23" y="connsiteY23"/>
+              </a:cxn>
+              <a:cxn ang="0">
+                <a:pos x="connsiteX24" y="connsiteY24"/>
+              </a:cxn>
+              <a:cxn ang="0">
+                <a:pos x="connsiteX25" y="connsiteY25"/>
+              </a:cxn>
+              <a:cxn ang="0">
+                <a:pos x="connsiteX26" y="connsiteY26"/>
+              </a:cxn>
+              <a:cxn ang="0">
+                <a:pos x="connsiteX27" y="connsiteY27"/>
+              </a:cxn>
+              <a:cxn ang="0">
+                <a:pos x="connsiteX28" y="connsiteY28"/>
+              </a:cxn>
+              <a:cxn ang="0">
+                <a:pos x="connsiteX29" y="connsiteY29"/>
+              </a:cxn>
+              <a:cxn ang="0">
+                <a:pos x="connsiteX30" y="connsiteY30"/>
+              </a:cxn>
+              <a:cxn ang="0">
+                <a:pos x="connsiteX31" y="connsiteY31"/>
+              </a:cxn>
+              <a:cxn ang="0">
+                <a:pos x="connsiteX32" y="connsiteY32"/>
+              </a:cxn>
+              <a:cxn ang="0">
+                <a:pos x="connsiteX33" y="connsiteY33"/>
+              </a:cxn>
+              <a:cxn ang="0">
+                <a:pos x="connsiteX34" y="connsiteY34"/>
+              </a:cxn>
+              <a:cxn ang="0">
+                <a:pos x="connsiteX35" y="connsiteY35"/>
+              </a:cxn>
+              <a:cxn ang="0">
+                <a:pos x="connsiteX36" y="connsiteY36"/>
+              </a:cxn>
+              <a:cxn ang="0">
+                <a:pos x="connsiteX37" y="connsiteY37"/>
+              </a:cxn>
+              <a:cxn ang="0">
+                <a:pos x="connsiteX38" y="connsiteY38"/>
+              </a:cxn>
+              <a:cxn ang="0">
+                <a:pos x="connsiteX39" y="connsiteY39"/>
+              </a:cxn>
+              <a:cxn ang="0">
+                <a:pos x="connsiteX40" y="connsiteY40"/>
+              </a:cxn>
+              <a:cxn ang="0">
+                <a:pos x="connsiteX41" y="connsiteY41"/>
+              </a:cxn>
+              <a:cxn ang="0">
+                <a:pos x="connsiteX42" y="connsiteY42"/>
+              </a:cxn>
+              <a:cxn ang="0">
+                <a:pos x="connsiteX43" y="connsiteY43"/>
+              </a:cxn>
+              <a:cxn ang="0">
+                <a:pos x="connsiteX44" y="connsiteY44"/>
+              </a:cxn>
+              <a:cxn ang="0">
+                <a:pos x="connsiteX45" y="connsiteY45"/>
+              </a:cxn>
+              <a:cxn ang="0">
+                <a:pos x="connsiteX46" y="connsiteY46"/>
+              </a:cxn>
+              <a:cxn ang="0">
+                <a:pos x="connsiteX47" y="connsiteY47"/>
+              </a:cxn>
+              <a:cxn ang="0">
+                <a:pos x="connsiteX48" y="connsiteY48"/>
+              </a:cxn>
+              <a:cxn ang="0">
+                <a:pos x="connsiteX49" y="connsiteY49"/>
+              </a:cxn>
+              <a:cxn ang="0">
+                <a:pos x="connsiteX50" y="connsiteY50"/>
+              </a:cxn>
+              <a:cxn ang="0">
+                <a:pos x="connsiteX51" y="connsiteY51"/>
+              </a:cxn>
+              <a:cxn ang="0">
+                <a:pos x="connsiteX52" y="connsiteY52"/>
+              </a:cxn>
+              <a:cxn ang="0">
+                <a:pos x="connsiteX53" y="connsiteY53"/>
+              </a:cxn>
+              <a:cxn ang="0">
+                <a:pos x="connsiteX54" y="connsiteY54"/>
+              </a:cxn>
+              <a:cxn ang="0">
+                <a:pos x="connsiteX55" y="connsiteY55"/>
+              </a:cxn>
+              <a:cxn ang="0">
+                <a:pos x="connsiteX56" y="connsiteY56"/>
+              </a:cxn>
+              <a:cxn ang="0">
+                <a:pos x="connsiteX57" y="connsiteY57"/>
+              </a:cxn>
+              <a:cxn ang="0">
+                <a:pos x="connsiteX58" y="connsiteY58"/>
+              </a:cxn>
+              <a:cxn ang="0">
+                <a:pos x="connsiteX59" y="connsiteY59"/>
+              </a:cxn>
+              <a:cxn ang="0">
+                <a:pos x="connsiteX60" y="connsiteY60"/>
+              </a:cxn>
+              <a:cxn ang="0">
+                <a:pos x="connsiteX61" y="connsiteY61"/>
+              </a:cxn>
+              <a:cxn ang="0">
+                <a:pos x="connsiteX62" y="connsiteY62"/>
+              </a:cxn>
+              <a:cxn ang="0">
+                <a:pos x="connsiteX63" y="connsiteY63"/>
+              </a:cxn>
+              <a:cxn ang="0">
+                <a:pos x="connsiteX64" y="connsiteY64"/>
+              </a:cxn>
+              <a:cxn ang="0">
+                <a:pos x="connsiteX65" y="connsiteY65"/>
+              </a:cxn>
+              <a:cxn ang="0">
+                <a:pos x="connsiteX66" y="connsiteY66"/>
+              </a:cxn>
+              <a:cxn ang="0">
+                <a:pos x="connsiteX67" y="connsiteY67"/>
+              </a:cxn>
+              <a:cxn ang="0">
+                <a:pos x="connsiteX68" y="connsiteY68"/>
+              </a:cxn>
+              <a:cxn ang="0">
+                <a:pos x="connsiteX69" y="connsiteY69"/>
+              </a:cxn>
+              <a:cxn ang="0">
+                <a:pos x="connsiteX70" y="connsiteY70"/>
+              </a:cxn>
+              <a:cxn ang="0">
+                <a:pos x="connsiteX71" y="connsiteY71"/>
+              </a:cxn>
+              <a:cxn ang="0">
+                <a:pos x="connsiteX72" y="connsiteY72"/>
+              </a:cxn>
+              <a:cxn ang="0">
+                <a:pos x="connsiteX73" y="connsiteY73"/>
+              </a:cxn>
+              <a:cxn ang="0">
+                <a:pos x="connsiteX74" y="connsiteY74"/>
+              </a:cxn>
+              <a:cxn ang="0">
+                <a:pos x="connsiteX75" y="connsiteY75"/>
+              </a:cxn>
+              <a:cxn ang="0">
+                <a:pos x="connsiteX76" y="connsiteY76"/>
+              </a:cxn>
+              <a:cxn ang="0">
+                <a:pos x="connsiteX77" y="connsiteY77"/>
+              </a:cxn>
+              <a:cxn ang="0">
+                <a:pos x="connsiteX78" y="connsiteY78"/>
+              </a:cxn>
+              <a:cxn ang="0">
+                <a:pos x="connsiteX79" y="connsiteY79"/>
+              </a:cxn>
+              <a:cxn ang="0">
+                <a:pos x="connsiteX80" y="connsiteY80"/>
+              </a:cxn>
+              <a:cxn ang="0">
+                <a:pos x="connsiteX81" y="connsiteY81"/>
+              </a:cxn>
+              <a:cxn ang="0">
+                <a:pos x="connsiteX82" y="connsiteY82"/>
+              </a:cxn>
+              <a:cxn ang="0">
+                <a:pos x="connsiteX83" y="connsiteY83"/>
+              </a:cxn>
+              <a:cxn ang="0">
+                <a:pos x="connsiteX84" y="connsiteY84"/>
+              </a:cxn>
+              <a:cxn ang="0">
+                <a:pos x="connsiteX85" y="connsiteY85"/>
+              </a:cxn>
+              <a:cxn ang="0">
+                <a:pos x="connsiteX86" y="connsiteY86"/>
+              </a:cxn>
+              <a:cxn ang="0">
+                <a:pos x="connsiteX87" y="connsiteY87"/>
+              </a:cxn>
+              <a:cxn ang="0">
+                <a:pos x="connsiteX88" y="connsiteY88"/>
+              </a:cxn>
+              <a:cxn ang="0">
+                <a:pos x="connsiteX89" y="connsiteY89"/>
+              </a:cxn>
+              <a:cxn ang="0">
+                <a:pos x="connsiteX90" y="connsiteY90"/>
+              </a:cxn>
+              <a:cxn ang="0">
+                <a:pos x="connsiteX91" y="connsiteY91"/>
+              </a:cxn>
+              <a:cxn ang="0">
+                <a:pos x="connsiteX92" y="connsiteY92"/>
+              </a:cxn>
+              <a:cxn ang="0">
+                <a:pos x="connsiteX93" y="connsiteY93"/>
+              </a:cxn>
+              <a:cxn ang="0">
+                <a:pos x="connsiteX94" y="connsiteY94"/>
+              </a:cxn>
+              <a:cxn ang="0">
+                <a:pos x="connsiteX95" y="connsiteY95"/>
+              </a:cxn>
+              <a:cxn ang="0">
+                <a:pos x="connsiteX96" y="connsiteY96"/>
+              </a:cxn>
+              <a:cxn ang="0">
+                <a:pos x="connsiteX97" y="connsiteY97"/>
+              </a:cxn>
+              <a:cxn ang="0">
+                <a:pos x="connsiteX98" y="connsiteY98"/>
+              </a:cxn>
+            </a:cxnLst>
+            <a:rect l="l" t="t" r="r" b="b"/>
+            <a:pathLst>
+              <a:path w="8486539" h="1168974">
+                <a:moveTo>
+                  <a:pt x="2644959" y="0"/>
+                </a:moveTo>
+                <a:lnTo>
+                  <a:pt x="2644959" y="0"/>
+                </a:lnTo>
+                <a:cubicBezTo>
+                  <a:pt x="2642440" y="25190"/>
+                  <a:pt x="2642067" y="50689"/>
+                  <a:pt x="2637402" y="75571"/>
+                </a:cubicBezTo>
+                <a:cubicBezTo>
+                  <a:pt x="2634466" y="91230"/>
+                  <a:pt x="2625413" y="105291"/>
+                  <a:pt x="2622288" y="120913"/>
+                </a:cubicBezTo>
+                <a:lnTo>
+                  <a:pt x="2614730" y="158698"/>
+                </a:lnTo>
+                <a:cubicBezTo>
+                  <a:pt x="2612211" y="199002"/>
+                  <a:pt x="2611400" y="239449"/>
+                  <a:pt x="2607173" y="279610"/>
+                </a:cubicBezTo>
+                <a:cubicBezTo>
+                  <a:pt x="2606339" y="287532"/>
+                  <a:pt x="2604035" y="295653"/>
+                  <a:pt x="2599616" y="302281"/>
+                </a:cubicBezTo>
+                <a:cubicBezTo>
+                  <a:pt x="2585410" y="323590"/>
+                  <a:pt x="2549619" y="343170"/>
+                  <a:pt x="2531603" y="355180"/>
+                </a:cubicBezTo>
+                <a:cubicBezTo>
+                  <a:pt x="2524046" y="360218"/>
+                  <a:pt x="2517743" y="368091"/>
+                  <a:pt x="2508932" y="370294"/>
+                </a:cubicBezTo>
+                <a:cubicBezTo>
+                  <a:pt x="2498856" y="372813"/>
+                  <a:pt x="2488949" y="376144"/>
+                  <a:pt x="2478704" y="377852"/>
+                </a:cubicBezTo>
+                <a:cubicBezTo>
+                  <a:pt x="2439081" y="384456"/>
+                  <a:pt x="2372109" y="389603"/>
+                  <a:pt x="2335121" y="392966"/>
+                </a:cubicBezTo>
+                <a:cubicBezTo>
+                  <a:pt x="2263232" y="369004"/>
+                  <a:pt x="2296650" y="377852"/>
+                  <a:pt x="2146195" y="377852"/>
+                </a:cubicBezTo>
+                <a:cubicBezTo>
+                  <a:pt x="2128383" y="377852"/>
+                  <a:pt x="2110929" y="382890"/>
+                  <a:pt x="2093296" y="385409"/>
+                </a:cubicBezTo>
+                <a:lnTo>
+                  <a:pt x="2032840" y="377852"/>
+                </a:lnTo>
+                <a:cubicBezTo>
+                  <a:pt x="1997009" y="372733"/>
+                  <a:pt x="1971185" y="366222"/>
+                  <a:pt x="1934598" y="362737"/>
+                </a:cubicBezTo>
+                <a:cubicBezTo>
+                  <a:pt x="1899401" y="359385"/>
+                  <a:pt x="1864066" y="357699"/>
+                  <a:pt x="1828800" y="355180"/>
+                </a:cubicBezTo>
+                <a:lnTo>
+                  <a:pt x="1345150" y="362737"/>
+                </a:lnTo>
+                <a:cubicBezTo>
+                  <a:pt x="1239322" y="362737"/>
+                  <a:pt x="1133583" y="355180"/>
+                  <a:pt x="1027755" y="355180"/>
+                </a:cubicBezTo>
+                <a:cubicBezTo>
+                  <a:pt x="899261" y="355180"/>
+                  <a:pt x="770822" y="360503"/>
+                  <a:pt x="642347" y="362737"/>
+                </a:cubicBezTo>
+                <a:lnTo>
+                  <a:pt x="158697" y="370294"/>
+                </a:lnTo>
+                <a:cubicBezTo>
+                  <a:pt x="143583" y="375332"/>
+                  <a:pt x="126611" y="376572"/>
+                  <a:pt x="113355" y="385409"/>
+                </a:cubicBezTo>
+                <a:cubicBezTo>
+                  <a:pt x="105798" y="390447"/>
+                  <a:pt x="97661" y="394709"/>
+                  <a:pt x="90684" y="400523"/>
+                </a:cubicBezTo>
+                <a:cubicBezTo>
+                  <a:pt x="76359" y="412461"/>
+                  <a:pt x="61391" y="428881"/>
+                  <a:pt x="52899" y="445865"/>
+                </a:cubicBezTo>
+                <a:cubicBezTo>
+                  <a:pt x="49337" y="452990"/>
+                  <a:pt x="48904" y="461411"/>
+                  <a:pt x="45342" y="468536"/>
+                </a:cubicBezTo>
+                <a:cubicBezTo>
+                  <a:pt x="16043" y="527134"/>
+                  <a:pt x="41666" y="456894"/>
+                  <a:pt x="22671" y="513878"/>
+                </a:cubicBezTo>
+                <a:cubicBezTo>
+                  <a:pt x="758" y="667268"/>
+                  <a:pt x="28528" y="475810"/>
+                  <a:pt x="7557" y="612119"/>
+                </a:cubicBezTo>
+                <a:cubicBezTo>
+                  <a:pt x="4849" y="629724"/>
+                  <a:pt x="2519" y="647385"/>
+                  <a:pt x="0" y="665018"/>
+                </a:cubicBezTo>
+                <a:cubicBezTo>
+                  <a:pt x="2519" y="685170"/>
+                  <a:pt x="6461" y="705195"/>
+                  <a:pt x="7557" y="725475"/>
+                </a:cubicBezTo>
+                <a:cubicBezTo>
+                  <a:pt x="20288" y="960996"/>
+                  <a:pt x="-26035" y="882904"/>
+                  <a:pt x="30228" y="967299"/>
+                </a:cubicBezTo>
+                <a:cubicBezTo>
+                  <a:pt x="33253" y="979399"/>
+                  <a:pt x="47379" y="1039190"/>
+                  <a:pt x="52899" y="1042870"/>
+                </a:cubicBezTo>
+                <a:cubicBezTo>
+                  <a:pt x="71692" y="1055399"/>
+                  <a:pt x="83883" y="1064880"/>
+                  <a:pt x="105798" y="1073098"/>
+                </a:cubicBezTo>
+                <a:cubicBezTo>
+                  <a:pt x="115523" y="1076745"/>
+                  <a:pt x="126040" y="1077802"/>
+                  <a:pt x="136026" y="1080655"/>
+                </a:cubicBezTo>
+                <a:cubicBezTo>
+                  <a:pt x="143685" y="1082843"/>
+                  <a:pt x="150886" y="1086650"/>
+                  <a:pt x="158697" y="1088212"/>
+                </a:cubicBezTo>
+                <a:cubicBezTo>
+                  <a:pt x="187114" y="1093895"/>
+                  <a:pt x="254164" y="1100332"/>
+                  <a:pt x="279610" y="1103326"/>
+                </a:cubicBezTo>
+                <a:cubicBezTo>
+                  <a:pt x="507404" y="1130125"/>
+                  <a:pt x="128410" y="1087410"/>
+                  <a:pt x="423193" y="1118440"/>
+                </a:cubicBezTo>
+                <a:cubicBezTo>
+                  <a:pt x="443390" y="1120566"/>
+                  <a:pt x="463340" y="1125949"/>
+                  <a:pt x="483649" y="1125997"/>
+                </a:cubicBezTo>
+                <a:lnTo>
+                  <a:pt x="6823993" y="1133554"/>
+                </a:lnTo>
+                <a:cubicBezTo>
+                  <a:pt x="6851702" y="1136073"/>
+                  <a:pt x="6879512" y="1137660"/>
+                  <a:pt x="6907121" y="1141111"/>
+                </a:cubicBezTo>
+                <a:cubicBezTo>
+                  <a:pt x="6919866" y="1142704"/>
+                  <a:pt x="6932174" y="1146970"/>
+                  <a:pt x="6944906" y="1148668"/>
+                </a:cubicBezTo>
+                <a:cubicBezTo>
+                  <a:pt x="6970000" y="1152014"/>
+                  <a:pt x="6995286" y="1153706"/>
+                  <a:pt x="7020476" y="1156225"/>
+                </a:cubicBezTo>
+                <a:cubicBezTo>
+                  <a:pt x="7358023" y="1151187"/>
+                  <a:pt x="7700126" y="1196609"/>
+                  <a:pt x="8033117" y="1141111"/>
+                </a:cubicBezTo>
+                <a:lnTo>
+                  <a:pt x="8123802" y="1125997"/>
+                </a:lnTo>
+                <a:cubicBezTo>
+                  <a:pt x="8175625" y="1108723"/>
+                  <a:pt x="8111304" y="1129121"/>
+                  <a:pt x="8184258" y="1110883"/>
+                </a:cubicBezTo>
+                <a:cubicBezTo>
+                  <a:pt x="8191986" y="1108951"/>
+                  <a:pt x="8199153" y="1105054"/>
+                  <a:pt x="8206929" y="1103326"/>
+                </a:cubicBezTo>
+                <a:cubicBezTo>
+                  <a:pt x="8221887" y="1100002"/>
+                  <a:pt x="8237406" y="1099485"/>
+                  <a:pt x="8252271" y="1095769"/>
+                </a:cubicBezTo>
+                <a:cubicBezTo>
+                  <a:pt x="8267727" y="1091905"/>
+                  <a:pt x="8282499" y="1085693"/>
+                  <a:pt x="8297613" y="1080655"/>
+                </a:cubicBezTo>
+                <a:lnTo>
+                  <a:pt x="8342955" y="1065541"/>
+                </a:lnTo>
+                <a:lnTo>
+                  <a:pt x="8365626" y="1057984"/>
+                </a:lnTo>
+                <a:cubicBezTo>
+                  <a:pt x="8373183" y="1055465"/>
+                  <a:pt x="8381669" y="1054846"/>
+                  <a:pt x="8388297" y="1050427"/>
+                </a:cubicBezTo>
+                <a:lnTo>
+                  <a:pt x="8433640" y="1020199"/>
+                </a:lnTo>
+                <a:lnTo>
+                  <a:pt x="8463868" y="974856"/>
+                </a:lnTo>
+                <a:cubicBezTo>
+                  <a:pt x="8468906" y="967299"/>
+                  <a:pt x="8476110" y="960801"/>
+                  <a:pt x="8478982" y="952185"/>
+                </a:cubicBezTo>
+                <a:lnTo>
+                  <a:pt x="8486539" y="929514"/>
+                </a:lnTo>
+                <a:cubicBezTo>
+                  <a:pt x="8484020" y="911881"/>
+                  <a:pt x="8482475" y="894081"/>
+                  <a:pt x="8478982" y="876615"/>
+                </a:cubicBezTo>
+                <a:cubicBezTo>
+                  <a:pt x="8477420" y="868804"/>
+                  <a:pt x="8473357" y="861672"/>
+                  <a:pt x="8471425" y="853944"/>
+                </a:cubicBezTo>
+                <a:cubicBezTo>
+                  <a:pt x="8468310" y="841483"/>
+                  <a:pt x="8466387" y="828754"/>
+                  <a:pt x="8463868" y="816159"/>
+                </a:cubicBezTo>
+                <a:cubicBezTo>
+                  <a:pt x="8466387" y="738070"/>
+                  <a:pt x="8471425" y="660021"/>
+                  <a:pt x="8471425" y="581891"/>
+                </a:cubicBezTo>
+                <a:cubicBezTo>
+                  <a:pt x="8471425" y="293616"/>
+                  <a:pt x="8436048" y="408411"/>
+                  <a:pt x="8471425" y="302281"/>
+                </a:cubicBezTo>
+                <a:cubicBezTo>
+                  <a:pt x="8468906" y="292205"/>
+                  <a:pt x="8466852" y="282001"/>
+                  <a:pt x="8463868" y="272053"/>
+                </a:cubicBezTo>
+                <a:cubicBezTo>
+                  <a:pt x="8450184" y="226439"/>
+                  <a:pt x="8461894" y="228107"/>
+                  <a:pt x="8426083" y="219154"/>
+                </a:cubicBezTo>
+                <a:cubicBezTo>
+                  <a:pt x="8413622" y="216039"/>
+                  <a:pt x="8401013" y="213414"/>
+                  <a:pt x="8388297" y="211597"/>
+                </a:cubicBezTo>
+                <a:cubicBezTo>
+                  <a:pt x="8365716" y="208371"/>
+                  <a:pt x="8342955" y="206559"/>
+                  <a:pt x="8320284" y="204040"/>
+                </a:cubicBezTo>
+                <a:cubicBezTo>
+                  <a:pt x="8236222" y="183024"/>
+                  <a:pt x="8370010" y="215038"/>
+                  <a:pt x="8222043" y="188926"/>
+                </a:cubicBezTo>
+                <a:cubicBezTo>
+                  <a:pt x="8201587" y="185316"/>
+                  <a:pt x="8182150" y="176750"/>
+                  <a:pt x="8161587" y="173812"/>
+                </a:cubicBezTo>
+                <a:cubicBezTo>
+                  <a:pt x="8027120" y="154602"/>
+                  <a:pt x="8167536" y="176513"/>
+                  <a:pt x="8078459" y="158698"/>
+                </a:cubicBezTo>
+                <a:cubicBezTo>
+                  <a:pt x="8044438" y="151894"/>
+                  <a:pt x="8014701" y="149029"/>
+                  <a:pt x="7980218" y="143584"/>
+                </a:cubicBezTo>
+                <a:cubicBezTo>
+                  <a:pt x="7949948" y="138805"/>
+                  <a:pt x="7920089" y="130820"/>
+                  <a:pt x="7889534" y="128470"/>
+                </a:cubicBezTo>
+                <a:cubicBezTo>
+                  <a:pt x="7695819" y="113569"/>
+                  <a:pt x="7824125" y="121777"/>
+                  <a:pt x="7504126" y="113356"/>
+                </a:cubicBezTo>
+                <a:cubicBezTo>
+                  <a:pt x="7486493" y="115875"/>
+                  <a:pt x="7469038" y="120913"/>
+                  <a:pt x="7451226" y="120913"/>
+                </a:cubicBezTo>
+                <a:cubicBezTo>
+                  <a:pt x="7433414" y="120913"/>
+                  <a:pt x="7416001" y="115565"/>
+                  <a:pt x="7398327" y="113356"/>
+                </a:cubicBezTo>
+                <a:cubicBezTo>
+                  <a:pt x="7375693" y="110527"/>
+                  <a:pt x="7353107" y="106693"/>
+                  <a:pt x="7330314" y="105799"/>
+                </a:cubicBezTo>
+                <a:cubicBezTo>
+                  <a:pt x="7224567" y="101652"/>
+                  <a:pt x="7118717" y="100761"/>
+                  <a:pt x="7012919" y="98242"/>
+                </a:cubicBezTo>
+                <a:cubicBezTo>
+                  <a:pt x="6995286" y="100761"/>
+                  <a:pt x="6977832" y="105799"/>
+                  <a:pt x="6960020" y="105799"/>
+                </a:cubicBezTo>
+                <a:cubicBezTo>
+                  <a:pt x="6880221" y="105799"/>
+                  <a:pt x="6943043" y="88787"/>
+                  <a:pt x="6892007" y="105799"/>
+                </a:cubicBezTo>
+                <a:lnTo>
+                  <a:pt x="6242102" y="98242"/>
+                </a:lnTo>
+                <a:cubicBezTo>
+                  <a:pt x="6234136" y="98242"/>
+                  <a:pt x="6227397" y="105799"/>
+                  <a:pt x="6219431" y="105799"/>
+                </a:cubicBezTo>
+                <a:cubicBezTo>
+                  <a:pt x="6148854" y="105799"/>
+                  <a:pt x="6078367" y="100761"/>
+                  <a:pt x="6007835" y="98242"/>
+                </a:cubicBezTo>
+                <a:cubicBezTo>
+                  <a:pt x="5938950" y="115463"/>
+                  <a:pt x="6022303" y="98242"/>
+                  <a:pt x="5902036" y="98242"/>
+                </a:cubicBezTo>
+                <a:cubicBezTo>
+                  <a:pt x="5889192" y="98242"/>
+                  <a:pt x="5876846" y="103280"/>
+                  <a:pt x="5864251" y="105799"/>
+                </a:cubicBezTo>
+                <a:cubicBezTo>
+                  <a:pt x="5836542" y="103280"/>
+                  <a:pt x="5808947" y="98242"/>
+                  <a:pt x="5781124" y="98242"/>
+                </a:cubicBezTo>
+                <a:cubicBezTo>
+                  <a:pt x="5768280" y="98242"/>
+                  <a:pt x="5756183" y="105799"/>
+                  <a:pt x="5743339" y="105799"/>
+                </a:cubicBezTo>
+                <a:cubicBezTo>
+                  <a:pt x="5732953" y="105799"/>
+                  <a:pt x="5723250" y="100495"/>
+                  <a:pt x="5713111" y="98242"/>
+                </a:cubicBezTo>
+                <a:cubicBezTo>
+                  <a:pt x="5678051" y="90451"/>
+                  <a:pt x="5677347" y="92342"/>
+                  <a:pt x="5645097" y="83128"/>
+                </a:cubicBezTo>
+                <a:cubicBezTo>
+                  <a:pt x="5637438" y="80940"/>
+                  <a:pt x="5630237" y="77133"/>
+                  <a:pt x="5622426" y="75571"/>
+                </a:cubicBezTo>
+                <a:cubicBezTo>
+                  <a:pt x="5604960" y="72078"/>
+                  <a:pt x="5587132" y="70723"/>
+                  <a:pt x="5569527" y="68014"/>
+                </a:cubicBezTo>
+                <a:cubicBezTo>
+                  <a:pt x="5554383" y="65684"/>
+                  <a:pt x="5539210" y="63461"/>
+                  <a:pt x="5524185" y="60456"/>
+                </a:cubicBezTo>
+                <a:cubicBezTo>
+                  <a:pt x="5514001" y="58419"/>
+                  <a:pt x="5504096" y="55152"/>
+                  <a:pt x="5493957" y="52899"/>
+                </a:cubicBezTo>
+                <a:cubicBezTo>
+                  <a:pt x="5481418" y="50113"/>
+                  <a:pt x="5468633" y="48457"/>
+                  <a:pt x="5456172" y="45342"/>
+                </a:cubicBezTo>
+                <a:cubicBezTo>
+                  <a:pt x="5448444" y="43410"/>
+                  <a:pt x="5441449" y="38315"/>
+                  <a:pt x="5433501" y="37785"/>
+                </a:cubicBezTo>
+                <a:cubicBezTo>
+                  <a:pt x="5365592" y="33258"/>
+                  <a:pt x="5297474" y="32747"/>
+                  <a:pt x="5229461" y="30228"/>
+                </a:cubicBezTo>
+                <a:cubicBezTo>
+                  <a:pt x="5196714" y="27709"/>
+                  <a:pt x="5164064" y="22671"/>
+                  <a:pt x="5131220" y="22671"/>
+                </a:cubicBezTo>
+                <a:cubicBezTo>
+                  <a:pt x="5123254" y="22671"/>
+                  <a:pt x="5116515" y="30228"/>
+                  <a:pt x="5108549" y="30228"/>
+                </a:cubicBezTo>
+                <a:cubicBezTo>
+                  <a:pt x="5000202" y="30228"/>
+                  <a:pt x="4891914" y="25190"/>
+                  <a:pt x="4783597" y="22671"/>
+                </a:cubicBezTo>
+                <a:cubicBezTo>
+                  <a:pt x="4223967" y="162578"/>
+                  <a:pt x="3629872" y="27380"/>
+                  <a:pt x="3053038" y="22671"/>
+                </a:cubicBezTo>
+                <a:cubicBezTo>
+                  <a:pt x="3002596" y="22259"/>
+                  <a:pt x="2952277" y="17633"/>
+                  <a:pt x="2901897" y="15114"/>
+                </a:cubicBezTo>
+                <a:cubicBezTo>
+                  <a:pt x="2871669" y="17633"/>
+                  <a:pt x="2841546" y="22671"/>
+                  <a:pt x="2811213" y="22671"/>
+                </a:cubicBezTo>
+                <a:cubicBezTo>
+                  <a:pt x="2788402" y="22671"/>
+                  <a:pt x="2765897" y="17384"/>
+                  <a:pt x="2743200" y="15114"/>
+                </a:cubicBezTo>
+                <a:cubicBezTo>
+                  <a:pt x="2740694" y="14863"/>
+                  <a:pt x="2738162" y="15114"/>
+                  <a:pt x="2735643" y="15114"/>
+                </a:cubicBezTo>
+                <a:lnTo>
+                  <a:pt x="2644959" y="0"/>
+                </a:lnTo>
+                <a:close/>
+              </a:path>
+            </a:pathLst>
+          </a:custGeom>
+          <a:noFill/>
+          <a:ln w="38100">
+            <a:solidFill>
+              <a:srgbClr val="FFFF00"/>
+            </a:solidFill>
+            <a:prstDash val="sysDash"/>
+          </a:ln>
+        </p:spPr>
+        <p:style>
+          <a:lnRef idx="2">
+            <a:schemeClr val="accent1">
+              <a:shade val="50000"/>
+            </a:schemeClr>
+          </a:lnRef>
+          <a:fillRef idx="1">
+            <a:schemeClr val="accent1"/>
+          </a:fillRef>
+          <a:effectRef idx="0">
+            <a:schemeClr val="accent1"/>
+          </a:effectRef>
+          <a:fontRef idx="minor">
+            <a:schemeClr val="lt1"/>
+          </a:fontRef>
+        </p:style>
+        <p:txBody>
+          <a:bodyPr rtlCol="0" anchor="ctr"/>
+          <a:lstStyle/>
+          <a:p>
+            <a:pPr algn="ctr"/>
+            <a:endParaRPr lang="zh-CN" altLang="en-US"/>
+          </a:p>
+        </p:txBody>
+      </p:sp>
+      <p:sp>
+        <p:nvSpPr>
+          <p:cNvPr id="9" name="任意多边形 8"/>
+          <p:cNvSpPr/>
+          <p:nvPr/>
+        </p:nvSpPr>
+        <p:spPr>
+          <a:xfrm>
+            <a:off x="581891" y="3416414"/>
+            <a:ext cx="8486539" cy="1168974"/>
+          </a:xfrm>
+          <a:custGeom>
+            <a:avLst/>
+            <a:gdLst>
+              <a:gd name="connsiteX0" fmla="*/ 2644959 w 8486539"/>
+              <a:gd name="connsiteY0" fmla="*/ 0 h 1168974"/>
+              <a:gd name="connsiteX1" fmla="*/ 2644959 w 8486539"/>
+              <a:gd name="connsiteY1" fmla="*/ 0 h 1168974"/>
+              <a:gd name="connsiteX2" fmla="*/ 2637402 w 8486539"/>
+              <a:gd name="connsiteY2" fmla="*/ 75571 h 1168974"/>
+              <a:gd name="connsiteX3" fmla="*/ 2622288 w 8486539"/>
+              <a:gd name="connsiteY3" fmla="*/ 120913 h 1168974"/>
+              <a:gd name="connsiteX4" fmla="*/ 2614730 w 8486539"/>
+              <a:gd name="connsiteY4" fmla="*/ 158698 h 1168974"/>
+              <a:gd name="connsiteX5" fmla="*/ 2607173 w 8486539"/>
+              <a:gd name="connsiteY5" fmla="*/ 279610 h 1168974"/>
+              <a:gd name="connsiteX6" fmla="*/ 2599616 w 8486539"/>
+              <a:gd name="connsiteY6" fmla="*/ 302281 h 1168974"/>
+              <a:gd name="connsiteX7" fmla="*/ 2531603 w 8486539"/>
+              <a:gd name="connsiteY7" fmla="*/ 355180 h 1168974"/>
+              <a:gd name="connsiteX8" fmla="*/ 2508932 w 8486539"/>
+              <a:gd name="connsiteY8" fmla="*/ 370294 h 1168974"/>
+              <a:gd name="connsiteX9" fmla="*/ 2478704 w 8486539"/>
+              <a:gd name="connsiteY9" fmla="*/ 377852 h 1168974"/>
+              <a:gd name="connsiteX10" fmla="*/ 2335121 w 8486539"/>
+              <a:gd name="connsiteY10" fmla="*/ 392966 h 1168974"/>
+              <a:gd name="connsiteX11" fmla="*/ 2146195 w 8486539"/>
+              <a:gd name="connsiteY11" fmla="*/ 377852 h 1168974"/>
+              <a:gd name="connsiteX12" fmla="*/ 2093296 w 8486539"/>
+              <a:gd name="connsiteY12" fmla="*/ 385409 h 1168974"/>
+              <a:gd name="connsiteX13" fmla="*/ 2032840 w 8486539"/>
+              <a:gd name="connsiteY13" fmla="*/ 377852 h 1168974"/>
+              <a:gd name="connsiteX14" fmla="*/ 1934598 w 8486539"/>
+              <a:gd name="connsiteY14" fmla="*/ 362737 h 1168974"/>
+              <a:gd name="connsiteX15" fmla="*/ 1828800 w 8486539"/>
+              <a:gd name="connsiteY15" fmla="*/ 355180 h 1168974"/>
+              <a:gd name="connsiteX16" fmla="*/ 1345150 w 8486539"/>
+              <a:gd name="connsiteY16" fmla="*/ 362737 h 1168974"/>
+              <a:gd name="connsiteX17" fmla="*/ 1027755 w 8486539"/>
+              <a:gd name="connsiteY17" fmla="*/ 355180 h 1168974"/>
+              <a:gd name="connsiteX18" fmla="*/ 642347 w 8486539"/>
+              <a:gd name="connsiteY18" fmla="*/ 362737 h 1168974"/>
+              <a:gd name="connsiteX19" fmla="*/ 158697 w 8486539"/>
+              <a:gd name="connsiteY19" fmla="*/ 370294 h 1168974"/>
+              <a:gd name="connsiteX20" fmla="*/ 113355 w 8486539"/>
+              <a:gd name="connsiteY20" fmla="*/ 385409 h 1168974"/>
+              <a:gd name="connsiteX21" fmla="*/ 90684 w 8486539"/>
+              <a:gd name="connsiteY21" fmla="*/ 400523 h 1168974"/>
+              <a:gd name="connsiteX22" fmla="*/ 52899 w 8486539"/>
+              <a:gd name="connsiteY22" fmla="*/ 445865 h 1168974"/>
+              <a:gd name="connsiteX23" fmla="*/ 45342 w 8486539"/>
+              <a:gd name="connsiteY23" fmla="*/ 468536 h 1168974"/>
+              <a:gd name="connsiteX24" fmla="*/ 22671 w 8486539"/>
+              <a:gd name="connsiteY24" fmla="*/ 513878 h 1168974"/>
+              <a:gd name="connsiteX25" fmla="*/ 7557 w 8486539"/>
+              <a:gd name="connsiteY25" fmla="*/ 612119 h 1168974"/>
+              <a:gd name="connsiteX26" fmla="*/ 0 w 8486539"/>
+              <a:gd name="connsiteY26" fmla="*/ 665018 h 1168974"/>
+              <a:gd name="connsiteX27" fmla="*/ 7557 w 8486539"/>
+              <a:gd name="connsiteY27" fmla="*/ 725475 h 1168974"/>
+              <a:gd name="connsiteX28" fmla="*/ 30228 w 8486539"/>
+              <a:gd name="connsiteY28" fmla="*/ 967299 h 1168974"/>
+              <a:gd name="connsiteX29" fmla="*/ 52899 w 8486539"/>
+              <a:gd name="connsiteY29" fmla="*/ 1042870 h 1168974"/>
+              <a:gd name="connsiteX30" fmla="*/ 105798 w 8486539"/>
+              <a:gd name="connsiteY30" fmla="*/ 1073098 h 1168974"/>
+              <a:gd name="connsiteX31" fmla="*/ 136026 w 8486539"/>
+              <a:gd name="connsiteY31" fmla="*/ 1080655 h 1168974"/>
+              <a:gd name="connsiteX32" fmla="*/ 158697 w 8486539"/>
+              <a:gd name="connsiteY32" fmla="*/ 1088212 h 1168974"/>
+              <a:gd name="connsiteX33" fmla="*/ 279610 w 8486539"/>
+              <a:gd name="connsiteY33" fmla="*/ 1103326 h 1168974"/>
+              <a:gd name="connsiteX34" fmla="*/ 423193 w 8486539"/>
+              <a:gd name="connsiteY34" fmla="*/ 1118440 h 1168974"/>
+              <a:gd name="connsiteX35" fmla="*/ 483649 w 8486539"/>
+              <a:gd name="connsiteY35" fmla="*/ 1125997 h 1168974"/>
+              <a:gd name="connsiteX36" fmla="*/ 6823993 w 8486539"/>
+              <a:gd name="connsiteY36" fmla="*/ 1133554 h 1168974"/>
+              <a:gd name="connsiteX37" fmla="*/ 6907121 w 8486539"/>
+              <a:gd name="connsiteY37" fmla="*/ 1141111 h 1168974"/>
+              <a:gd name="connsiteX38" fmla="*/ 6944906 w 8486539"/>
+              <a:gd name="connsiteY38" fmla="*/ 1148668 h 1168974"/>
+              <a:gd name="connsiteX39" fmla="*/ 7020476 w 8486539"/>
+              <a:gd name="connsiteY39" fmla="*/ 1156225 h 1168974"/>
+              <a:gd name="connsiteX40" fmla="*/ 8033117 w 8486539"/>
+              <a:gd name="connsiteY40" fmla="*/ 1141111 h 1168974"/>
+              <a:gd name="connsiteX41" fmla="*/ 8123802 w 8486539"/>
+              <a:gd name="connsiteY41" fmla="*/ 1125997 h 1168974"/>
+              <a:gd name="connsiteX42" fmla="*/ 8184258 w 8486539"/>
+              <a:gd name="connsiteY42" fmla="*/ 1110883 h 1168974"/>
+              <a:gd name="connsiteX43" fmla="*/ 8206929 w 8486539"/>
+              <a:gd name="connsiteY43" fmla="*/ 1103326 h 1168974"/>
+              <a:gd name="connsiteX44" fmla="*/ 8252271 w 8486539"/>
+              <a:gd name="connsiteY44" fmla="*/ 1095769 h 1168974"/>
+              <a:gd name="connsiteX45" fmla="*/ 8297613 w 8486539"/>
+              <a:gd name="connsiteY45" fmla="*/ 1080655 h 1168974"/>
+              <a:gd name="connsiteX46" fmla="*/ 8342955 w 8486539"/>
+              <a:gd name="connsiteY46" fmla="*/ 1065541 h 1168974"/>
+              <a:gd name="connsiteX47" fmla="*/ 8365626 w 8486539"/>
+              <a:gd name="connsiteY47" fmla="*/ 1057984 h 1168974"/>
+              <a:gd name="connsiteX48" fmla="*/ 8388297 w 8486539"/>
+              <a:gd name="connsiteY48" fmla="*/ 1050427 h 1168974"/>
+              <a:gd name="connsiteX49" fmla="*/ 8433640 w 8486539"/>
+              <a:gd name="connsiteY49" fmla="*/ 1020199 h 1168974"/>
+              <a:gd name="connsiteX50" fmla="*/ 8463868 w 8486539"/>
+              <a:gd name="connsiteY50" fmla="*/ 974856 h 1168974"/>
+              <a:gd name="connsiteX51" fmla="*/ 8478982 w 8486539"/>
+              <a:gd name="connsiteY51" fmla="*/ 952185 h 1168974"/>
+              <a:gd name="connsiteX52" fmla="*/ 8486539 w 8486539"/>
+              <a:gd name="connsiteY52" fmla="*/ 929514 h 1168974"/>
+              <a:gd name="connsiteX53" fmla="*/ 8478982 w 8486539"/>
+              <a:gd name="connsiteY53" fmla="*/ 876615 h 1168974"/>
+              <a:gd name="connsiteX54" fmla="*/ 8471425 w 8486539"/>
+              <a:gd name="connsiteY54" fmla="*/ 853944 h 1168974"/>
+              <a:gd name="connsiteX55" fmla="*/ 8463868 w 8486539"/>
+              <a:gd name="connsiteY55" fmla="*/ 816159 h 1168974"/>
+              <a:gd name="connsiteX56" fmla="*/ 8471425 w 8486539"/>
+              <a:gd name="connsiteY56" fmla="*/ 581891 h 1168974"/>
+              <a:gd name="connsiteX57" fmla="*/ 8471425 w 8486539"/>
+              <a:gd name="connsiteY57" fmla="*/ 302281 h 1168974"/>
+              <a:gd name="connsiteX58" fmla="*/ 8463868 w 8486539"/>
+              <a:gd name="connsiteY58" fmla="*/ 272053 h 1168974"/>
+              <a:gd name="connsiteX59" fmla="*/ 8426083 w 8486539"/>
+              <a:gd name="connsiteY59" fmla="*/ 219154 h 1168974"/>
+              <a:gd name="connsiteX60" fmla="*/ 8388297 w 8486539"/>
+              <a:gd name="connsiteY60" fmla="*/ 211597 h 1168974"/>
+              <a:gd name="connsiteX61" fmla="*/ 8320284 w 8486539"/>
+              <a:gd name="connsiteY61" fmla="*/ 204040 h 1168974"/>
+              <a:gd name="connsiteX62" fmla="*/ 8222043 w 8486539"/>
+              <a:gd name="connsiteY62" fmla="*/ 188926 h 1168974"/>
+              <a:gd name="connsiteX63" fmla="*/ 8161587 w 8486539"/>
+              <a:gd name="connsiteY63" fmla="*/ 173812 h 1168974"/>
+              <a:gd name="connsiteX64" fmla="*/ 8078459 w 8486539"/>
+              <a:gd name="connsiteY64" fmla="*/ 158698 h 1168974"/>
+              <a:gd name="connsiteX65" fmla="*/ 7980218 w 8486539"/>
+              <a:gd name="connsiteY65" fmla="*/ 143584 h 1168974"/>
+              <a:gd name="connsiteX66" fmla="*/ 7889534 w 8486539"/>
+              <a:gd name="connsiteY66" fmla="*/ 128470 h 1168974"/>
+              <a:gd name="connsiteX67" fmla="*/ 7504126 w 8486539"/>
+              <a:gd name="connsiteY67" fmla="*/ 113356 h 1168974"/>
+              <a:gd name="connsiteX68" fmla="*/ 7451226 w 8486539"/>
+              <a:gd name="connsiteY68" fmla="*/ 120913 h 1168974"/>
+              <a:gd name="connsiteX69" fmla="*/ 7398327 w 8486539"/>
+              <a:gd name="connsiteY69" fmla="*/ 113356 h 1168974"/>
+              <a:gd name="connsiteX70" fmla="*/ 7330314 w 8486539"/>
+              <a:gd name="connsiteY70" fmla="*/ 105799 h 1168974"/>
+              <a:gd name="connsiteX71" fmla="*/ 7012919 w 8486539"/>
+              <a:gd name="connsiteY71" fmla="*/ 98242 h 1168974"/>
+              <a:gd name="connsiteX72" fmla="*/ 6960020 w 8486539"/>
+              <a:gd name="connsiteY72" fmla="*/ 105799 h 1168974"/>
+              <a:gd name="connsiteX73" fmla="*/ 6892007 w 8486539"/>
+              <a:gd name="connsiteY73" fmla="*/ 105799 h 1168974"/>
+              <a:gd name="connsiteX74" fmla="*/ 6242102 w 8486539"/>
+              <a:gd name="connsiteY74" fmla="*/ 98242 h 1168974"/>
+              <a:gd name="connsiteX75" fmla="*/ 6219431 w 8486539"/>
+              <a:gd name="connsiteY75" fmla="*/ 105799 h 1168974"/>
+              <a:gd name="connsiteX76" fmla="*/ 6007835 w 8486539"/>
+              <a:gd name="connsiteY76" fmla="*/ 98242 h 1168974"/>
+              <a:gd name="connsiteX77" fmla="*/ 5902036 w 8486539"/>
+              <a:gd name="connsiteY77" fmla="*/ 98242 h 1168974"/>
+              <a:gd name="connsiteX78" fmla="*/ 5864251 w 8486539"/>
+              <a:gd name="connsiteY78" fmla="*/ 105799 h 1168974"/>
+              <a:gd name="connsiteX79" fmla="*/ 5781124 w 8486539"/>
+              <a:gd name="connsiteY79" fmla="*/ 98242 h 1168974"/>
+              <a:gd name="connsiteX80" fmla="*/ 5743339 w 8486539"/>
+              <a:gd name="connsiteY80" fmla="*/ 105799 h 1168974"/>
+              <a:gd name="connsiteX81" fmla="*/ 5713111 w 8486539"/>
+              <a:gd name="connsiteY81" fmla="*/ 98242 h 1168974"/>
+              <a:gd name="connsiteX82" fmla="*/ 5645097 w 8486539"/>
+              <a:gd name="connsiteY82" fmla="*/ 83128 h 1168974"/>
+              <a:gd name="connsiteX83" fmla="*/ 5622426 w 8486539"/>
+              <a:gd name="connsiteY83" fmla="*/ 75571 h 1168974"/>
+              <a:gd name="connsiteX84" fmla="*/ 5569527 w 8486539"/>
+              <a:gd name="connsiteY84" fmla="*/ 68014 h 1168974"/>
+              <a:gd name="connsiteX85" fmla="*/ 5524185 w 8486539"/>
+              <a:gd name="connsiteY85" fmla="*/ 60456 h 1168974"/>
+              <a:gd name="connsiteX86" fmla="*/ 5493957 w 8486539"/>
+              <a:gd name="connsiteY86" fmla="*/ 52899 h 1168974"/>
+              <a:gd name="connsiteX87" fmla="*/ 5456172 w 8486539"/>
+              <a:gd name="connsiteY87" fmla="*/ 45342 h 1168974"/>
+              <a:gd name="connsiteX88" fmla="*/ 5433501 w 8486539"/>
+              <a:gd name="connsiteY88" fmla="*/ 37785 h 1168974"/>
+              <a:gd name="connsiteX89" fmla="*/ 5229461 w 8486539"/>
+              <a:gd name="connsiteY89" fmla="*/ 30228 h 1168974"/>
+              <a:gd name="connsiteX90" fmla="*/ 5131220 w 8486539"/>
+              <a:gd name="connsiteY90" fmla="*/ 22671 h 1168974"/>
+              <a:gd name="connsiteX91" fmla="*/ 5108549 w 8486539"/>
+              <a:gd name="connsiteY91" fmla="*/ 30228 h 1168974"/>
+              <a:gd name="connsiteX92" fmla="*/ 4783597 w 8486539"/>
+              <a:gd name="connsiteY92" fmla="*/ 22671 h 1168974"/>
+              <a:gd name="connsiteX93" fmla="*/ 3053038 w 8486539"/>
+              <a:gd name="connsiteY93" fmla="*/ 22671 h 1168974"/>
+              <a:gd name="connsiteX94" fmla="*/ 2901897 w 8486539"/>
+              <a:gd name="connsiteY94" fmla="*/ 15114 h 1168974"/>
+              <a:gd name="connsiteX95" fmla="*/ 2811213 w 8486539"/>
+              <a:gd name="connsiteY95" fmla="*/ 22671 h 1168974"/>
+              <a:gd name="connsiteX96" fmla="*/ 2743200 w 8486539"/>
+              <a:gd name="connsiteY96" fmla="*/ 15114 h 1168974"/>
+              <a:gd name="connsiteX97" fmla="*/ 2735643 w 8486539"/>
+              <a:gd name="connsiteY97" fmla="*/ 15114 h 1168974"/>
+              <a:gd name="connsiteX98" fmla="*/ 2644959 w 8486539"/>
+              <a:gd name="connsiteY98" fmla="*/ 0 h 1168974"/>
+            </a:gdLst>
+            <a:ahLst/>
+            <a:cxnLst>
+              <a:cxn ang="0">
+                <a:pos x="connsiteX0" y="connsiteY0"/>
+              </a:cxn>
+              <a:cxn ang="0">
+                <a:pos x="connsiteX1" y="connsiteY1"/>
+              </a:cxn>
+              <a:cxn ang="0">
+                <a:pos x="connsiteX2" y="connsiteY2"/>
+              </a:cxn>
+              <a:cxn ang="0">
+                <a:pos x="connsiteX3" y="connsiteY3"/>
+              </a:cxn>
+              <a:cxn ang="0">
+                <a:pos x="connsiteX4" y="connsiteY4"/>
+              </a:cxn>
+              <a:cxn ang="0">
+                <a:pos x="connsiteX5" y="connsiteY5"/>
+              </a:cxn>
+              <a:cxn ang="0">
+                <a:pos x="connsiteX6" y="connsiteY6"/>
+              </a:cxn>
+              <a:cxn ang="0">
+                <a:pos x="connsiteX7" y="connsiteY7"/>
+              </a:cxn>
+              <a:cxn ang="0">
+                <a:pos x="connsiteX8" y="connsiteY8"/>
+              </a:cxn>
+              <a:cxn ang="0">
+                <a:pos x="connsiteX9" y="connsiteY9"/>
+              </a:cxn>
+              <a:cxn ang="0">
+                <a:pos x="connsiteX10" y="connsiteY10"/>
+              </a:cxn>
+              <a:cxn ang="0">
+                <a:pos x="connsiteX11" y="connsiteY11"/>
+              </a:cxn>
+              <a:cxn ang="0">
+                <a:pos x="connsiteX12" y="connsiteY12"/>
+              </a:cxn>
+              <a:cxn ang="0">
+                <a:pos x="connsiteX13" y="connsiteY13"/>
+              </a:cxn>
+              <a:cxn ang="0">
+                <a:pos x="connsiteX14" y="connsiteY14"/>
+              </a:cxn>
+              <a:cxn ang="0">
+                <a:pos x="connsiteX15" y="connsiteY15"/>
+              </a:cxn>
+              <a:cxn ang="0">
+                <a:pos x="connsiteX16" y="connsiteY16"/>
+              </a:cxn>
+              <a:cxn ang="0">
+                <a:pos x="connsiteX17" y="connsiteY17"/>
+              </a:cxn>
+              <a:cxn ang="0">
+                <a:pos x="connsiteX18" y="connsiteY18"/>
+              </a:cxn>
+              <a:cxn ang="0">
+                <a:pos x="connsiteX19" y="connsiteY19"/>
+              </a:cxn>
+              <a:cxn ang="0">
+                <a:pos x="connsiteX20" y="connsiteY20"/>
+              </a:cxn>
+              <a:cxn ang="0">
+                <a:pos x="connsiteX21" y="connsiteY21"/>
+              </a:cxn>
+              <a:cxn ang="0">
+                <a:pos x="connsiteX22" y="connsiteY22"/>
+              </a:cxn>
+              <a:cxn ang="0">
+                <a:pos x="connsiteX23" y="connsiteY23"/>
+              </a:cxn>
+              <a:cxn ang="0">
+                <a:pos x="connsiteX24" y="connsiteY24"/>
+              </a:cxn>
+              <a:cxn ang="0">
+                <a:pos x="connsiteX25" y="connsiteY25"/>
+              </a:cxn>
+              <a:cxn ang="0">
+                <a:pos x="connsiteX26" y="connsiteY26"/>
+              </a:cxn>
+              <a:cxn ang="0">
+                <a:pos x="connsiteX27" y="connsiteY27"/>
+              </a:cxn>
+              <a:cxn ang="0">
+                <a:pos x="connsiteX28" y="connsiteY28"/>
+              </a:cxn>
+              <a:cxn ang="0">
+                <a:pos x="connsiteX29" y="connsiteY29"/>
+              </a:cxn>
+              <a:cxn ang="0">
+                <a:pos x="connsiteX30" y="connsiteY30"/>
+              </a:cxn>
+              <a:cxn ang="0">
+                <a:pos x="connsiteX31" y="connsiteY31"/>
+              </a:cxn>
+              <a:cxn ang="0">
+                <a:pos x="connsiteX32" y="connsiteY32"/>
+              </a:cxn>
+              <a:cxn ang="0">
+                <a:pos x="connsiteX33" y="connsiteY33"/>
+              </a:cxn>
+              <a:cxn ang="0">
+                <a:pos x="connsiteX34" y="connsiteY34"/>
+              </a:cxn>
+              <a:cxn ang="0">
+                <a:pos x="connsiteX35" y="connsiteY35"/>
+              </a:cxn>
+              <a:cxn ang="0">
+                <a:pos x="connsiteX36" y="connsiteY36"/>
+              </a:cxn>
+              <a:cxn ang="0">
+                <a:pos x="connsiteX37" y="connsiteY37"/>
+              </a:cxn>
+              <a:cxn ang="0">
+                <a:pos x="connsiteX38" y="connsiteY38"/>
+              </a:cxn>
+              <a:cxn ang="0">
+                <a:pos x="connsiteX39" y="connsiteY39"/>
+              </a:cxn>
+              <a:cxn ang="0">
+                <a:pos x="connsiteX40" y="connsiteY40"/>
+              </a:cxn>
+              <a:cxn ang="0">
+                <a:pos x="connsiteX41" y="connsiteY41"/>
+              </a:cxn>
+              <a:cxn ang="0">
+                <a:pos x="connsiteX42" y="connsiteY42"/>
+              </a:cxn>
+              <a:cxn ang="0">
+                <a:pos x="connsiteX43" y="connsiteY43"/>
+              </a:cxn>
+              <a:cxn ang="0">
+                <a:pos x="connsiteX44" y="connsiteY44"/>
+              </a:cxn>
+              <a:cxn ang="0">
+                <a:pos x="connsiteX45" y="connsiteY45"/>
+              </a:cxn>
+              <a:cxn ang="0">
+                <a:pos x="connsiteX46" y="connsiteY46"/>
+              </a:cxn>
+              <a:cxn ang="0">
+                <a:pos x="connsiteX47" y="connsiteY47"/>
+              </a:cxn>
+              <a:cxn ang="0">
+                <a:pos x="connsiteX48" y="connsiteY48"/>
+              </a:cxn>
+              <a:cxn ang="0">
+                <a:pos x="connsiteX49" y="connsiteY49"/>
+              </a:cxn>
+              <a:cxn ang="0">
+                <a:pos x="connsiteX50" y="connsiteY50"/>
+              </a:cxn>
+              <a:cxn ang="0">
+                <a:pos x="connsiteX51" y="connsiteY51"/>
+              </a:cxn>
+              <a:cxn ang="0">
+                <a:pos x="connsiteX52" y="connsiteY52"/>
+              </a:cxn>
+              <a:cxn ang="0">
+                <a:pos x="connsiteX53" y="connsiteY53"/>
+              </a:cxn>
+              <a:cxn ang="0">
+                <a:pos x="connsiteX54" y="connsiteY54"/>
+              </a:cxn>
+              <a:cxn ang="0">
+                <a:pos x="connsiteX55" y="connsiteY55"/>
+              </a:cxn>
+              <a:cxn ang="0">
+                <a:pos x="connsiteX56" y="connsiteY56"/>
+              </a:cxn>
+              <a:cxn ang="0">
+                <a:pos x="connsiteX57" y="connsiteY57"/>
+              </a:cxn>
+              <a:cxn ang="0">
+                <a:pos x="connsiteX58" y="connsiteY58"/>
+              </a:cxn>
+              <a:cxn ang="0">
+                <a:pos x="connsiteX59" y="connsiteY59"/>
+              </a:cxn>
+              <a:cxn ang="0">
+                <a:pos x="connsiteX60" y="connsiteY60"/>
+              </a:cxn>
+              <a:cxn ang="0">
+                <a:pos x="connsiteX61" y="connsiteY61"/>
+              </a:cxn>
+              <a:cxn ang="0">
+                <a:pos x="connsiteX62" y="connsiteY62"/>
+              </a:cxn>
+              <a:cxn ang="0">
+                <a:pos x="connsiteX63" y="connsiteY63"/>
+              </a:cxn>
+              <a:cxn ang="0">
+                <a:pos x="connsiteX64" y="connsiteY64"/>
+              </a:cxn>
+              <a:cxn ang="0">
+                <a:pos x="connsiteX65" y="connsiteY65"/>
+              </a:cxn>
+              <a:cxn ang="0">
+                <a:pos x="connsiteX66" y="connsiteY66"/>
+              </a:cxn>
+              <a:cxn ang="0">
+                <a:pos x="connsiteX67" y="connsiteY67"/>
+              </a:cxn>
+              <a:cxn ang="0">
+                <a:pos x="connsiteX68" y="connsiteY68"/>
+              </a:cxn>
+              <a:cxn ang="0">
+                <a:pos x="connsiteX69" y="connsiteY69"/>
+              </a:cxn>
+              <a:cxn ang="0">
+                <a:pos x="connsiteX70" y="connsiteY70"/>
+              </a:cxn>
+              <a:cxn ang="0">
+                <a:pos x="connsiteX71" y="connsiteY71"/>
+              </a:cxn>
+              <a:cxn ang="0">
+                <a:pos x="connsiteX72" y="connsiteY72"/>
+              </a:cxn>
+              <a:cxn ang="0">
+                <a:pos x="connsiteX73" y="connsiteY73"/>
+              </a:cxn>
+              <a:cxn ang="0">
+                <a:pos x="connsiteX74" y="connsiteY74"/>
+              </a:cxn>
+              <a:cxn ang="0">
+                <a:pos x="connsiteX75" y="connsiteY75"/>
+              </a:cxn>
+              <a:cxn ang="0">
+                <a:pos x="connsiteX76" y="connsiteY76"/>
+              </a:cxn>
+              <a:cxn ang="0">
+                <a:pos x="connsiteX77" y="connsiteY77"/>
+              </a:cxn>
+              <a:cxn ang="0">
+                <a:pos x="connsiteX78" y="connsiteY78"/>
+              </a:cxn>
+              <a:cxn ang="0">
+                <a:pos x="connsiteX79" y="connsiteY79"/>
+              </a:cxn>
+              <a:cxn ang="0">
+                <a:pos x="connsiteX80" y="connsiteY80"/>
+              </a:cxn>
+              <a:cxn ang="0">
+                <a:pos x="connsiteX81" y="connsiteY81"/>
+              </a:cxn>
+              <a:cxn ang="0">
+                <a:pos x="connsiteX82" y="connsiteY82"/>
+              </a:cxn>
+              <a:cxn ang="0">
+                <a:pos x="connsiteX83" y="connsiteY83"/>
+              </a:cxn>
+              <a:cxn ang="0">
+                <a:pos x="connsiteX84" y="connsiteY84"/>
+              </a:cxn>
+              <a:cxn ang="0">
+                <a:pos x="connsiteX85" y="connsiteY85"/>
+              </a:cxn>
+              <a:cxn ang="0">
+                <a:pos x="connsiteX86" y="connsiteY86"/>
+              </a:cxn>
+              <a:cxn ang="0">
+                <a:pos x="connsiteX87" y="connsiteY87"/>
+              </a:cxn>
+              <a:cxn ang="0">
+                <a:pos x="connsiteX88" y="connsiteY88"/>
+              </a:cxn>
+              <a:cxn ang="0">
+                <a:pos x="connsiteX89" y="connsiteY89"/>
+              </a:cxn>
+              <a:cxn ang="0">
+                <a:pos x="connsiteX90" y="connsiteY90"/>
+              </a:cxn>
+              <a:cxn ang="0">
+                <a:pos x="connsiteX91" y="connsiteY91"/>
+              </a:cxn>
+              <a:cxn ang="0">
+                <a:pos x="connsiteX92" y="connsiteY92"/>
+              </a:cxn>
+              <a:cxn ang="0">
+                <a:pos x="connsiteX93" y="connsiteY93"/>
+              </a:cxn>
+              <a:cxn ang="0">
+                <a:pos x="connsiteX94" y="connsiteY94"/>
+              </a:cxn>
+              <a:cxn ang="0">
+                <a:pos x="connsiteX95" y="connsiteY95"/>
+              </a:cxn>
+              <a:cxn ang="0">
+                <a:pos x="connsiteX96" y="connsiteY96"/>
+              </a:cxn>
+              <a:cxn ang="0">
+                <a:pos x="connsiteX97" y="connsiteY97"/>
+              </a:cxn>
+              <a:cxn ang="0">
+                <a:pos x="connsiteX98" y="connsiteY98"/>
+              </a:cxn>
+            </a:cxnLst>
+            <a:rect l="l" t="t" r="r" b="b"/>
+            <a:pathLst>
+              <a:path w="8486539" h="1168974">
+                <a:moveTo>
+                  <a:pt x="2644959" y="0"/>
+                </a:moveTo>
+                <a:lnTo>
+                  <a:pt x="2644959" y="0"/>
+                </a:lnTo>
+                <a:cubicBezTo>
+                  <a:pt x="2642440" y="25190"/>
+                  <a:pt x="2642067" y="50689"/>
+                  <a:pt x="2637402" y="75571"/>
+                </a:cubicBezTo>
+                <a:cubicBezTo>
+                  <a:pt x="2634466" y="91230"/>
+                  <a:pt x="2625413" y="105291"/>
+                  <a:pt x="2622288" y="120913"/>
+                </a:cubicBezTo>
+                <a:lnTo>
+                  <a:pt x="2614730" y="158698"/>
+                </a:lnTo>
+                <a:cubicBezTo>
+                  <a:pt x="2612211" y="199002"/>
+                  <a:pt x="2611400" y="239449"/>
+                  <a:pt x="2607173" y="279610"/>
+                </a:cubicBezTo>
+                <a:cubicBezTo>
+                  <a:pt x="2606339" y="287532"/>
+                  <a:pt x="2604035" y="295653"/>
+                  <a:pt x="2599616" y="302281"/>
+                </a:cubicBezTo>
+                <a:cubicBezTo>
+                  <a:pt x="2585410" y="323590"/>
+                  <a:pt x="2549619" y="343170"/>
+                  <a:pt x="2531603" y="355180"/>
+                </a:cubicBezTo>
+                <a:cubicBezTo>
+                  <a:pt x="2524046" y="360218"/>
+                  <a:pt x="2517743" y="368091"/>
+                  <a:pt x="2508932" y="370294"/>
+                </a:cubicBezTo>
+                <a:cubicBezTo>
+                  <a:pt x="2498856" y="372813"/>
+                  <a:pt x="2488949" y="376144"/>
+                  <a:pt x="2478704" y="377852"/>
+                </a:cubicBezTo>
+                <a:cubicBezTo>
+                  <a:pt x="2439081" y="384456"/>
+                  <a:pt x="2372109" y="389603"/>
+                  <a:pt x="2335121" y="392966"/>
+                </a:cubicBezTo>
+                <a:cubicBezTo>
+                  <a:pt x="2263232" y="369004"/>
+                  <a:pt x="2296650" y="377852"/>
+                  <a:pt x="2146195" y="377852"/>
+                </a:cubicBezTo>
+                <a:cubicBezTo>
+                  <a:pt x="2128383" y="377852"/>
+                  <a:pt x="2110929" y="382890"/>
+                  <a:pt x="2093296" y="385409"/>
+                </a:cubicBezTo>
+                <a:lnTo>
+                  <a:pt x="2032840" y="377852"/>
+                </a:lnTo>
+                <a:cubicBezTo>
+                  <a:pt x="1997009" y="372733"/>
+                  <a:pt x="1971185" y="366222"/>
+                  <a:pt x="1934598" y="362737"/>
+                </a:cubicBezTo>
+                <a:cubicBezTo>
+                  <a:pt x="1899401" y="359385"/>
+                  <a:pt x="1864066" y="357699"/>
+                  <a:pt x="1828800" y="355180"/>
+                </a:cubicBezTo>
+                <a:lnTo>
+                  <a:pt x="1345150" y="362737"/>
+                </a:lnTo>
+                <a:cubicBezTo>
+                  <a:pt x="1239322" y="362737"/>
+                  <a:pt x="1133583" y="355180"/>
+                  <a:pt x="1027755" y="355180"/>
+                </a:cubicBezTo>
+                <a:cubicBezTo>
+                  <a:pt x="899261" y="355180"/>
+                  <a:pt x="770822" y="360503"/>
+                  <a:pt x="642347" y="362737"/>
+                </a:cubicBezTo>
+                <a:lnTo>
+                  <a:pt x="158697" y="370294"/>
+                </a:lnTo>
+                <a:cubicBezTo>
+                  <a:pt x="143583" y="375332"/>
+                  <a:pt x="126611" y="376572"/>
+                  <a:pt x="113355" y="385409"/>
+                </a:cubicBezTo>
+                <a:cubicBezTo>
+                  <a:pt x="105798" y="390447"/>
+                  <a:pt x="97661" y="394709"/>
+                  <a:pt x="90684" y="400523"/>
+                </a:cubicBezTo>
+                <a:cubicBezTo>
+                  <a:pt x="76359" y="412461"/>
+                  <a:pt x="61391" y="428881"/>
+                  <a:pt x="52899" y="445865"/>
+                </a:cubicBezTo>
+                <a:cubicBezTo>
+                  <a:pt x="49337" y="452990"/>
+                  <a:pt x="48904" y="461411"/>
+                  <a:pt x="45342" y="468536"/>
+                </a:cubicBezTo>
+                <a:cubicBezTo>
+                  <a:pt x="16043" y="527134"/>
+                  <a:pt x="41666" y="456894"/>
+                  <a:pt x="22671" y="513878"/>
+                </a:cubicBezTo>
+                <a:cubicBezTo>
+                  <a:pt x="758" y="667268"/>
+                  <a:pt x="28528" y="475810"/>
+                  <a:pt x="7557" y="612119"/>
+                </a:cubicBezTo>
+                <a:cubicBezTo>
+                  <a:pt x="4849" y="629724"/>
+                  <a:pt x="2519" y="647385"/>
+                  <a:pt x="0" y="665018"/>
+                </a:cubicBezTo>
+                <a:cubicBezTo>
+                  <a:pt x="2519" y="685170"/>
+                  <a:pt x="6461" y="705195"/>
+                  <a:pt x="7557" y="725475"/>
+                </a:cubicBezTo>
+                <a:cubicBezTo>
+                  <a:pt x="20288" y="960996"/>
+                  <a:pt x="-26035" y="882904"/>
+                  <a:pt x="30228" y="967299"/>
+                </a:cubicBezTo>
+                <a:cubicBezTo>
+                  <a:pt x="33253" y="979399"/>
+                  <a:pt x="47379" y="1039190"/>
+                  <a:pt x="52899" y="1042870"/>
+                </a:cubicBezTo>
+                <a:cubicBezTo>
+                  <a:pt x="71692" y="1055399"/>
+                  <a:pt x="83883" y="1064880"/>
+                  <a:pt x="105798" y="1073098"/>
+                </a:cubicBezTo>
+                <a:cubicBezTo>
+                  <a:pt x="115523" y="1076745"/>
+                  <a:pt x="126040" y="1077802"/>
+                  <a:pt x="136026" y="1080655"/>
+                </a:cubicBezTo>
+                <a:cubicBezTo>
+                  <a:pt x="143685" y="1082843"/>
+                  <a:pt x="150886" y="1086650"/>
+                  <a:pt x="158697" y="1088212"/>
+                </a:cubicBezTo>
+                <a:cubicBezTo>
+                  <a:pt x="187114" y="1093895"/>
+                  <a:pt x="254164" y="1100332"/>
+                  <a:pt x="279610" y="1103326"/>
+                </a:cubicBezTo>
+                <a:cubicBezTo>
+                  <a:pt x="507404" y="1130125"/>
+                  <a:pt x="128410" y="1087410"/>
+                  <a:pt x="423193" y="1118440"/>
+                </a:cubicBezTo>
+                <a:cubicBezTo>
+                  <a:pt x="443390" y="1120566"/>
+                  <a:pt x="463340" y="1125949"/>
+                  <a:pt x="483649" y="1125997"/>
+                </a:cubicBezTo>
+                <a:lnTo>
+                  <a:pt x="6823993" y="1133554"/>
+                </a:lnTo>
+                <a:cubicBezTo>
+                  <a:pt x="6851702" y="1136073"/>
+                  <a:pt x="6879512" y="1137660"/>
+                  <a:pt x="6907121" y="1141111"/>
+                </a:cubicBezTo>
+                <a:cubicBezTo>
+                  <a:pt x="6919866" y="1142704"/>
+                  <a:pt x="6932174" y="1146970"/>
+                  <a:pt x="6944906" y="1148668"/>
+                </a:cubicBezTo>
+                <a:cubicBezTo>
+                  <a:pt x="6970000" y="1152014"/>
+                  <a:pt x="6995286" y="1153706"/>
+                  <a:pt x="7020476" y="1156225"/>
+                </a:cubicBezTo>
+                <a:cubicBezTo>
+                  <a:pt x="7358023" y="1151187"/>
+                  <a:pt x="7700126" y="1196609"/>
+                  <a:pt x="8033117" y="1141111"/>
+                </a:cubicBezTo>
+                <a:lnTo>
+                  <a:pt x="8123802" y="1125997"/>
+                </a:lnTo>
+                <a:cubicBezTo>
+                  <a:pt x="8175625" y="1108723"/>
+                  <a:pt x="8111304" y="1129121"/>
+                  <a:pt x="8184258" y="1110883"/>
+                </a:cubicBezTo>
+                <a:cubicBezTo>
+                  <a:pt x="8191986" y="1108951"/>
+                  <a:pt x="8199153" y="1105054"/>
+                  <a:pt x="8206929" y="1103326"/>
+                </a:cubicBezTo>
+                <a:cubicBezTo>
+                  <a:pt x="8221887" y="1100002"/>
+                  <a:pt x="8237406" y="1099485"/>
+                  <a:pt x="8252271" y="1095769"/>
+                </a:cubicBezTo>
+                <a:cubicBezTo>
+                  <a:pt x="8267727" y="1091905"/>
+                  <a:pt x="8282499" y="1085693"/>
+                  <a:pt x="8297613" y="1080655"/>
+                </a:cubicBezTo>
+                <a:lnTo>
+                  <a:pt x="8342955" y="1065541"/>
+                </a:lnTo>
+                <a:lnTo>
+                  <a:pt x="8365626" y="1057984"/>
+                </a:lnTo>
+                <a:cubicBezTo>
+                  <a:pt x="8373183" y="1055465"/>
+                  <a:pt x="8381669" y="1054846"/>
+                  <a:pt x="8388297" y="1050427"/>
+                </a:cubicBezTo>
+                <a:lnTo>
+                  <a:pt x="8433640" y="1020199"/>
+                </a:lnTo>
+                <a:lnTo>
+                  <a:pt x="8463868" y="974856"/>
+                </a:lnTo>
+                <a:cubicBezTo>
+                  <a:pt x="8468906" y="967299"/>
+                  <a:pt x="8476110" y="960801"/>
+                  <a:pt x="8478982" y="952185"/>
+                </a:cubicBezTo>
+                <a:lnTo>
+                  <a:pt x="8486539" y="929514"/>
+                </a:lnTo>
+                <a:cubicBezTo>
+                  <a:pt x="8484020" y="911881"/>
+                  <a:pt x="8482475" y="894081"/>
+                  <a:pt x="8478982" y="876615"/>
+                </a:cubicBezTo>
+                <a:cubicBezTo>
+                  <a:pt x="8477420" y="868804"/>
+                  <a:pt x="8473357" y="861672"/>
+                  <a:pt x="8471425" y="853944"/>
+                </a:cubicBezTo>
+                <a:cubicBezTo>
+                  <a:pt x="8468310" y="841483"/>
+                  <a:pt x="8466387" y="828754"/>
+                  <a:pt x="8463868" y="816159"/>
+                </a:cubicBezTo>
+                <a:cubicBezTo>
+                  <a:pt x="8466387" y="738070"/>
+                  <a:pt x="8471425" y="660021"/>
+                  <a:pt x="8471425" y="581891"/>
+                </a:cubicBezTo>
+                <a:cubicBezTo>
+                  <a:pt x="8471425" y="293616"/>
+                  <a:pt x="8436048" y="408411"/>
+                  <a:pt x="8471425" y="302281"/>
+                </a:cubicBezTo>
+                <a:cubicBezTo>
+                  <a:pt x="8468906" y="292205"/>
+                  <a:pt x="8466852" y="282001"/>
+                  <a:pt x="8463868" y="272053"/>
+                </a:cubicBezTo>
+                <a:cubicBezTo>
+                  <a:pt x="8450184" y="226439"/>
+                  <a:pt x="8461894" y="228107"/>
+                  <a:pt x="8426083" y="219154"/>
+                </a:cubicBezTo>
+                <a:cubicBezTo>
+                  <a:pt x="8413622" y="216039"/>
+                  <a:pt x="8401013" y="213414"/>
+                  <a:pt x="8388297" y="211597"/>
+                </a:cubicBezTo>
+                <a:cubicBezTo>
+                  <a:pt x="8365716" y="208371"/>
+                  <a:pt x="8342955" y="206559"/>
+                  <a:pt x="8320284" y="204040"/>
+                </a:cubicBezTo>
+                <a:cubicBezTo>
+                  <a:pt x="8236222" y="183024"/>
+                  <a:pt x="8370010" y="215038"/>
+                  <a:pt x="8222043" y="188926"/>
+                </a:cubicBezTo>
+                <a:cubicBezTo>
+                  <a:pt x="8201587" y="185316"/>
+                  <a:pt x="8182150" y="176750"/>
+                  <a:pt x="8161587" y="173812"/>
+                </a:cubicBezTo>
+                <a:cubicBezTo>
+                  <a:pt x="8027120" y="154602"/>
+                  <a:pt x="8167536" y="176513"/>
+                  <a:pt x="8078459" y="158698"/>
+                </a:cubicBezTo>
+                <a:cubicBezTo>
+                  <a:pt x="8044438" y="151894"/>
+                  <a:pt x="8014701" y="149029"/>
+                  <a:pt x="7980218" y="143584"/>
+                </a:cubicBezTo>
+                <a:cubicBezTo>
+                  <a:pt x="7949948" y="138805"/>
+                  <a:pt x="7920089" y="130820"/>
+                  <a:pt x="7889534" y="128470"/>
+                </a:cubicBezTo>
+                <a:cubicBezTo>
+                  <a:pt x="7695819" y="113569"/>
+                  <a:pt x="7824125" y="121777"/>
+                  <a:pt x="7504126" y="113356"/>
+                </a:cubicBezTo>
+                <a:cubicBezTo>
+                  <a:pt x="7486493" y="115875"/>
+                  <a:pt x="7469038" y="120913"/>
+                  <a:pt x="7451226" y="120913"/>
+                </a:cubicBezTo>
+                <a:cubicBezTo>
+                  <a:pt x="7433414" y="120913"/>
+                  <a:pt x="7416001" y="115565"/>
+                  <a:pt x="7398327" y="113356"/>
+                </a:cubicBezTo>
+                <a:cubicBezTo>
+                  <a:pt x="7375693" y="110527"/>
+                  <a:pt x="7353107" y="106693"/>
+                  <a:pt x="7330314" y="105799"/>
+                </a:cubicBezTo>
+                <a:cubicBezTo>
+                  <a:pt x="7224567" y="101652"/>
+                  <a:pt x="7118717" y="100761"/>
+                  <a:pt x="7012919" y="98242"/>
+                </a:cubicBezTo>
+                <a:cubicBezTo>
+                  <a:pt x="6995286" y="100761"/>
+                  <a:pt x="6977832" y="105799"/>
+                  <a:pt x="6960020" y="105799"/>
+                </a:cubicBezTo>
+                <a:cubicBezTo>
+                  <a:pt x="6880221" y="105799"/>
+                  <a:pt x="6943043" y="88787"/>
+                  <a:pt x="6892007" y="105799"/>
+                </a:cubicBezTo>
+                <a:lnTo>
+                  <a:pt x="6242102" y="98242"/>
+                </a:lnTo>
+                <a:cubicBezTo>
+                  <a:pt x="6234136" y="98242"/>
+                  <a:pt x="6227397" y="105799"/>
+                  <a:pt x="6219431" y="105799"/>
+                </a:cubicBezTo>
+                <a:cubicBezTo>
+                  <a:pt x="6148854" y="105799"/>
+                  <a:pt x="6078367" y="100761"/>
+                  <a:pt x="6007835" y="98242"/>
+                </a:cubicBezTo>
+                <a:cubicBezTo>
+                  <a:pt x="5938950" y="115463"/>
+                  <a:pt x="6022303" y="98242"/>
+                  <a:pt x="5902036" y="98242"/>
+                </a:cubicBezTo>
+                <a:cubicBezTo>
+                  <a:pt x="5889192" y="98242"/>
+                  <a:pt x="5876846" y="103280"/>
+                  <a:pt x="5864251" y="105799"/>
+                </a:cubicBezTo>
+                <a:cubicBezTo>
+                  <a:pt x="5836542" y="103280"/>
+                  <a:pt x="5808947" y="98242"/>
+                  <a:pt x="5781124" y="98242"/>
+                </a:cubicBezTo>
+                <a:cubicBezTo>
+                  <a:pt x="5768280" y="98242"/>
+                  <a:pt x="5756183" y="105799"/>
+                  <a:pt x="5743339" y="105799"/>
+                </a:cubicBezTo>
+                <a:cubicBezTo>
+                  <a:pt x="5732953" y="105799"/>
+                  <a:pt x="5723250" y="100495"/>
+                  <a:pt x="5713111" y="98242"/>
+                </a:cubicBezTo>
+                <a:cubicBezTo>
+                  <a:pt x="5678051" y="90451"/>
+                  <a:pt x="5677347" y="92342"/>
+                  <a:pt x="5645097" y="83128"/>
+                </a:cubicBezTo>
+                <a:cubicBezTo>
+                  <a:pt x="5637438" y="80940"/>
+                  <a:pt x="5630237" y="77133"/>
+                  <a:pt x="5622426" y="75571"/>
+                </a:cubicBezTo>
+                <a:cubicBezTo>
+                  <a:pt x="5604960" y="72078"/>
+                  <a:pt x="5587132" y="70723"/>
+                  <a:pt x="5569527" y="68014"/>
+                </a:cubicBezTo>
+                <a:cubicBezTo>
+                  <a:pt x="5554383" y="65684"/>
+                  <a:pt x="5539210" y="63461"/>
+                  <a:pt x="5524185" y="60456"/>
+                </a:cubicBezTo>
+                <a:cubicBezTo>
+                  <a:pt x="5514001" y="58419"/>
+                  <a:pt x="5504096" y="55152"/>
+                  <a:pt x="5493957" y="52899"/>
+                </a:cubicBezTo>
+                <a:cubicBezTo>
+                  <a:pt x="5481418" y="50113"/>
+                  <a:pt x="5468633" y="48457"/>
+                  <a:pt x="5456172" y="45342"/>
+                </a:cubicBezTo>
+                <a:cubicBezTo>
+                  <a:pt x="5448444" y="43410"/>
+                  <a:pt x="5441449" y="38315"/>
+                  <a:pt x="5433501" y="37785"/>
+                </a:cubicBezTo>
+                <a:cubicBezTo>
+                  <a:pt x="5365592" y="33258"/>
+                  <a:pt x="5297474" y="32747"/>
+                  <a:pt x="5229461" y="30228"/>
+                </a:cubicBezTo>
+                <a:cubicBezTo>
+                  <a:pt x="5196714" y="27709"/>
+                  <a:pt x="5164064" y="22671"/>
+                  <a:pt x="5131220" y="22671"/>
+                </a:cubicBezTo>
+                <a:cubicBezTo>
+                  <a:pt x="5123254" y="22671"/>
+                  <a:pt x="5116515" y="30228"/>
+                  <a:pt x="5108549" y="30228"/>
+                </a:cubicBezTo>
+                <a:cubicBezTo>
+                  <a:pt x="5000202" y="30228"/>
+                  <a:pt x="4891914" y="25190"/>
+                  <a:pt x="4783597" y="22671"/>
+                </a:cubicBezTo>
+                <a:cubicBezTo>
+                  <a:pt x="4223967" y="162578"/>
+                  <a:pt x="3629872" y="27380"/>
+                  <a:pt x="3053038" y="22671"/>
+                </a:cubicBezTo>
+                <a:cubicBezTo>
+                  <a:pt x="3002596" y="22259"/>
+                  <a:pt x="2952277" y="17633"/>
+                  <a:pt x="2901897" y="15114"/>
+                </a:cubicBezTo>
+                <a:cubicBezTo>
+                  <a:pt x="2871669" y="17633"/>
+                  <a:pt x="2841546" y="22671"/>
+                  <a:pt x="2811213" y="22671"/>
+                </a:cubicBezTo>
+                <a:cubicBezTo>
+                  <a:pt x="2788402" y="22671"/>
+                  <a:pt x="2765897" y="17384"/>
+                  <a:pt x="2743200" y="15114"/>
+                </a:cubicBezTo>
+                <a:cubicBezTo>
+                  <a:pt x="2740694" y="14863"/>
+                  <a:pt x="2738162" y="15114"/>
+                  <a:pt x="2735643" y="15114"/>
+                </a:cubicBezTo>
+                <a:lnTo>
+                  <a:pt x="2644959" y="0"/>
+                </a:lnTo>
+                <a:close/>
+              </a:path>
+            </a:pathLst>
+          </a:custGeom>
+          <a:noFill/>
+          <a:ln w="38100">
+            <a:solidFill>
+              <a:srgbClr val="FFFF00"/>
+            </a:solidFill>
+            <a:prstDash val="sysDash"/>
+          </a:ln>
+        </p:spPr>
+        <p:style>
+          <a:lnRef idx="2">
+            <a:schemeClr val="accent1">
+              <a:shade val="50000"/>
+            </a:schemeClr>
+          </a:lnRef>
+          <a:fillRef idx="1">
+            <a:schemeClr val="accent1"/>
+          </a:fillRef>
+          <a:effectRef idx="0">
+            <a:schemeClr val="accent1"/>
+          </a:effectRef>
+          <a:fontRef idx="minor">
+            <a:schemeClr val="lt1"/>
+          </a:fontRef>
+        </p:style>
+        <p:txBody>
+          <a:bodyPr rtlCol="0" anchor="ctr"/>
+          <a:lstStyle/>
+          <a:p>
+            <a:pPr algn="ctr"/>
+            <a:endParaRPr lang="zh-CN" altLang="en-US"/>
+          </a:p>
+        </p:txBody>
+      </p:sp>
+      <p:sp>
+        <p:nvSpPr>
+          <p:cNvPr id="10" name="任意多边形 9"/>
+          <p:cNvSpPr/>
+          <p:nvPr/>
+        </p:nvSpPr>
+        <p:spPr>
+          <a:xfrm>
+            <a:off x="677613" y="5202857"/>
+            <a:ext cx="8486539" cy="1168974"/>
+          </a:xfrm>
+          <a:custGeom>
+            <a:avLst/>
+            <a:gdLst>
+              <a:gd name="connsiteX0" fmla="*/ 2644959 w 8486539"/>
+              <a:gd name="connsiteY0" fmla="*/ 0 h 1168974"/>
+              <a:gd name="connsiteX1" fmla="*/ 2644959 w 8486539"/>
+              <a:gd name="connsiteY1" fmla="*/ 0 h 1168974"/>
+              <a:gd name="connsiteX2" fmla="*/ 2637402 w 8486539"/>
+              <a:gd name="connsiteY2" fmla="*/ 75571 h 1168974"/>
+              <a:gd name="connsiteX3" fmla="*/ 2622288 w 8486539"/>
+              <a:gd name="connsiteY3" fmla="*/ 120913 h 1168974"/>
+              <a:gd name="connsiteX4" fmla="*/ 2614730 w 8486539"/>
+              <a:gd name="connsiteY4" fmla="*/ 158698 h 1168974"/>
+              <a:gd name="connsiteX5" fmla="*/ 2607173 w 8486539"/>
+              <a:gd name="connsiteY5" fmla="*/ 279610 h 1168974"/>
+              <a:gd name="connsiteX6" fmla="*/ 2599616 w 8486539"/>
+              <a:gd name="connsiteY6" fmla="*/ 302281 h 1168974"/>
+              <a:gd name="connsiteX7" fmla="*/ 2531603 w 8486539"/>
+              <a:gd name="connsiteY7" fmla="*/ 355180 h 1168974"/>
+              <a:gd name="connsiteX8" fmla="*/ 2508932 w 8486539"/>
+              <a:gd name="connsiteY8" fmla="*/ 370294 h 1168974"/>
+              <a:gd name="connsiteX9" fmla="*/ 2478704 w 8486539"/>
+              <a:gd name="connsiteY9" fmla="*/ 377852 h 1168974"/>
+              <a:gd name="connsiteX10" fmla="*/ 2335121 w 8486539"/>
+              <a:gd name="connsiteY10" fmla="*/ 392966 h 1168974"/>
+              <a:gd name="connsiteX11" fmla="*/ 2146195 w 8486539"/>
+              <a:gd name="connsiteY11" fmla="*/ 377852 h 1168974"/>
+              <a:gd name="connsiteX12" fmla="*/ 2093296 w 8486539"/>
+              <a:gd name="connsiteY12" fmla="*/ 385409 h 1168974"/>
+              <a:gd name="connsiteX13" fmla="*/ 2032840 w 8486539"/>
+              <a:gd name="connsiteY13" fmla="*/ 377852 h 1168974"/>
+              <a:gd name="connsiteX14" fmla="*/ 1934598 w 8486539"/>
+              <a:gd name="connsiteY14" fmla="*/ 362737 h 1168974"/>
+              <a:gd name="connsiteX15" fmla="*/ 1828800 w 8486539"/>
+              <a:gd name="connsiteY15" fmla="*/ 355180 h 1168974"/>
+              <a:gd name="connsiteX16" fmla="*/ 1345150 w 8486539"/>
+              <a:gd name="connsiteY16" fmla="*/ 362737 h 1168974"/>
+              <a:gd name="connsiteX17" fmla="*/ 1027755 w 8486539"/>
+              <a:gd name="connsiteY17" fmla="*/ 355180 h 1168974"/>
+              <a:gd name="connsiteX18" fmla="*/ 642347 w 8486539"/>
+              <a:gd name="connsiteY18" fmla="*/ 362737 h 1168974"/>
+              <a:gd name="connsiteX19" fmla="*/ 158697 w 8486539"/>
+              <a:gd name="connsiteY19" fmla="*/ 370294 h 1168974"/>
+              <a:gd name="connsiteX20" fmla="*/ 113355 w 8486539"/>
+              <a:gd name="connsiteY20" fmla="*/ 385409 h 1168974"/>
+              <a:gd name="connsiteX21" fmla="*/ 90684 w 8486539"/>
+              <a:gd name="connsiteY21" fmla="*/ 400523 h 1168974"/>
+              <a:gd name="connsiteX22" fmla="*/ 52899 w 8486539"/>
+              <a:gd name="connsiteY22" fmla="*/ 445865 h 1168974"/>
+              <a:gd name="connsiteX23" fmla="*/ 45342 w 8486539"/>
+              <a:gd name="connsiteY23" fmla="*/ 468536 h 1168974"/>
+              <a:gd name="connsiteX24" fmla="*/ 22671 w 8486539"/>
+              <a:gd name="connsiteY24" fmla="*/ 513878 h 1168974"/>
+              <a:gd name="connsiteX25" fmla="*/ 7557 w 8486539"/>
+              <a:gd name="connsiteY25" fmla="*/ 612119 h 1168974"/>
+              <a:gd name="connsiteX26" fmla="*/ 0 w 8486539"/>
+              <a:gd name="connsiteY26" fmla="*/ 665018 h 1168974"/>
+              <a:gd name="connsiteX27" fmla="*/ 7557 w 8486539"/>
+              <a:gd name="connsiteY27" fmla="*/ 725475 h 1168974"/>
+              <a:gd name="connsiteX28" fmla="*/ 30228 w 8486539"/>
+              <a:gd name="connsiteY28" fmla="*/ 967299 h 1168974"/>
+              <a:gd name="connsiteX29" fmla="*/ 52899 w 8486539"/>
+              <a:gd name="connsiteY29" fmla="*/ 1042870 h 1168974"/>
+              <a:gd name="connsiteX30" fmla="*/ 105798 w 8486539"/>
+              <a:gd name="connsiteY30" fmla="*/ 1073098 h 1168974"/>
+              <a:gd name="connsiteX31" fmla="*/ 136026 w 8486539"/>
+              <a:gd name="connsiteY31" fmla="*/ 1080655 h 1168974"/>
+              <a:gd name="connsiteX32" fmla="*/ 158697 w 8486539"/>
+              <a:gd name="connsiteY32" fmla="*/ 1088212 h 1168974"/>
+              <a:gd name="connsiteX33" fmla="*/ 279610 w 8486539"/>
+              <a:gd name="connsiteY33" fmla="*/ 1103326 h 1168974"/>
+              <a:gd name="connsiteX34" fmla="*/ 423193 w 8486539"/>
+              <a:gd name="connsiteY34" fmla="*/ 1118440 h 1168974"/>
+              <a:gd name="connsiteX35" fmla="*/ 483649 w 8486539"/>
+              <a:gd name="connsiteY35" fmla="*/ 1125997 h 1168974"/>
+              <a:gd name="connsiteX36" fmla="*/ 6823993 w 8486539"/>
+              <a:gd name="connsiteY36" fmla="*/ 1133554 h 1168974"/>
+              <a:gd name="connsiteX37" fmla="*/ 6907121 w 8486539"/>
+              <a:gd name="connsiteY37" fmla="*/ 1141111 h 1168974"/>
+              <a:gd name="connsiteX38" fmla="*/ 6944906 w 8486539"/>
+              <a:gd name="connsiteY38" fmla="*/ 1148668 h 1168974"/>
+              <a:gd name="connsiteX39" fmla="*/ 7020476 w 8486539"/>
+              <a:gd name="connsiteY39" fmla="*/ 1156225 h 1168974"/>
+              <a:gd name="connsiteX40" fmla="*/ 8033117 w 8486539"/>
+              <a:gd name="connsiteY40" fmla="*/ 1141111 h 1168974"/>
+              <a:gd name="connsiteX41" fmla="*/ 8123802 w 8486539"/>
+              <a:gd name="connsiteY41" fmla="*/ 1125997 h 1168974"/>
+              <a:gd name="connsiteX42" fmla="*/ 8184258 w 8486539"/>
+              <a:gd name="connsiteY42" fmla="*/ 1110883 h 1168974"/>
+              <a:gd name="connsiteX43" fmla="*/ 8206929 w 8486539"/>
+              <a:gd name="connsiteY43" fmla="*/ 1103326 h 1168974"/>
+              <a:gd name="connsiteX44" fmla="*/ 8252271 w 8486539"/>
+              <a:gd name="connsiteY44" fmla="*/ 1095769 h 1168974"/>
+              <a:gd name="connsiteX45" fmla="*/ 8297613 w 8486539"/>
+              <a:gd name="connsiteY45" fmla="*/ 1080655 h 1168974"/>
+              <a:gd name="connsiteX46" fmla="*/ 8342955 w 8486539"/>
+              <a:gd name="connsiteY46" fmla="*/ 1065541 h 1168974"/>
+              <a:gd name="connsiteX47" fmla="*/ 8365626 w 8486539"/>
+              <a:gd name="connsiteY47" fmla="*/ 1057984 h 1168974"/>
+              <a:gd name="connsiteX48" fmla="*/ 8388297 w 8486539"/>
+              <a:gd name="connsiteY48" fmla="*/ 1050427 h 1168974"/>
+              <a:gd name="connsiteX49" fmla="*/ 8433640 w 8486539"/>
+              <a:gd name="connsiteY49" fmla="*/ 1020199 h 1168974"/>
+              <a:gd name="connsiteX50" fmla="*/ 8463868 w 8486539"/>
+              <a:gd name="connsiteY50" fmla="*/ 974856 h 1168974"/>
+              <a:gd name="connsiteX51" fmla="*/ 8478982 w 8486539"/>
+              <a:gd name="connsiteY51" fmla="*/ 952185 h 1168974"/>
+              <a:gd name="connsiteX52" fmla="*/ 8486539 w 8486539"/>
+              <a:gd name="connsiteY52" fmla="*/ 929514 h 1168974"/>
+              <a:gd name="connsiteX53" fmla="*/ 8478982 w 8486539"/>
+              <a:gd name="connsiteY53" fmla="*/ 876615 h 1168974"/>
+              <a:gd name="connsiteX54" fmla="*/ 8471425 w 8486539"/>
+              <a:gd name="connsiteY54" fmla="*/ 853944 h 1168974"/>
+              <a:gd name="connsiteX55" fmla="*/ 8463868 w 8486539"/>
+              <a:gd name="connsiteY55" fmla="*/ 816159 h 1168974"/>
+              <a:gd name="connsiteX56" fmla="*/ 8471425 w 8486539"/>
+              <a:gd name="connsiteY56" fmla="*/ 581891 h 1168974"/>
+              <a:gd name="connsiteX57" fmla="*/ 8471425 w 8486539"/>
+              <a:gd name="connsiteY57" fmla="*/ 302281 h 1168974"/>
+              <a:gd name="connsiteX58" fmla="*/ 8463868 w 8486539"/>
+              <a:gd name="connsiteY58" fmla="*/ 272053 h 1168974"/>
+              <a:gd name="connsiteX59" fmla="*/ 8426083 w 8486539"/>
+              <a:gd name="connsiteY59" fmla="*/ 219154 h 1168974"/>
+              <a:gd name="connsiteX60" fmla="*/ 8388297 w 8486539"/>
+              <a:gd name="connsiteY60" fmla="*/ 211597 h 1168974"/>
+              <a:gd name="connsiteX61" fmla="*/ 8320284 w 8486539"/>
+              <a:gd name="connsiteY61" fmla="*/ 204040 h 1168974"/>
+              <a:gd name="connsiteX62" fmla="*/ 8222043 w 8486539"/>
+              <a:gd name="connsiteY62" fmla="*/ 188926 h 1168974"/>
+              <a:gd name="connsiteX63" fmla="*/ 8161587 w 8486539"/>
+              <a:gd name="connsiteY63" fmla="*/ 173812 h 1168974"/>
+              <a:gd name="connsiteX64" fmla="*/ 8078459 w 8486539"/>
+              <a:gd name="connsiteY64" fmla="*/ 158698 h 1168974"/>
+              <a:gd name="connsiteX65" fmla="*/ 7980218 w 8486539"/>
+              <a:gd name="connsiteY65" fmla="*/ 143584 h 1168974"/>
+              <a:gd name="connsiteX66" fmla="*/ 7889534 w 8486539"/>
+              <a:gd name="connsiteY66" fmla="*/ 128470 h 1168974"/>
+              <a:gd name="connsiteX67" fmla="*/ 7504126 w 8486539"/>
+              <a:gd name="connsiteY67" fmla="*/ 113356 h 1168974"/>
+              <a:gd name="connsiteX68" fmla="*/ 7451226 w 8486539"/>
+              <a:gd name="connsiteY68" fmla="*/ 120913 h 1168974"/>
+              <a:gd name="connsiteX69" fmla="*/ 7398327 w 8486539"/>
+              <a:gd name="connsiteY69" fmla="*/ 113356 h 1168974"/>
+              <a:gd name="connsiteX70" fmla="*/ 7330314 w 8486539"/>
+              <a:gd name="connsiteY70" fmla="*/ 105799 h 1168974"/>
+              <a:gd name="connsiteX71" fmla="*/ 7012919 w 8486539"/>
+              <a:gd name="connsiteY71" fmla="*/ 98242 h 1168974"/>
+              <a:gd name="connsiteX72" fmla="*/ 6960020 w 8486539"/>
+              <a:gd name="connsiteY72" fmla="*/ 105799 h 1168974"/>
+              <a:gd name="connsiteX73" fmla="*/ 6892007 w 8486539"/>
+              <a:gd name="connsiteY73" fmla="*/ 105799 h 1168974"/>
+              <a:gd name="connsiteX74" fmla="*/ 6242102 w 8486539"/>
+              <a:gd name="connsiteY74" fmla="*/ 98242 h 1168974"/>
+              <a:gd name="connsiteX75" fmla="*/ 6219431 w 8486539"/>
+              <a:gd name="connsiteY75" fmla="*/ 105799 h 1168974"/>
+              <a:gd name="connsiteX76" fmla="*/ 6007835 w 8486539"/>
+              <a:gd name="connsiteY76" fmla="*/ 98242 h 1168974"/>
+              <a:gd name="connsiteX77" fmla="*/ 5902036 w 8486539"/>
+              <a:gd name="connsiteY77" fmla="*/ 98242 h 1168974"/>
+              <a:gd name="connsiteX78" fmla="*/ 5864251 w 8486539"/>
+              <a:gd name="connsiteY78" fmla="*/ 105799 h 1168974"/>
+              <a:gd name="connsiteX79" fmla="*/ 5781124 w 8486539"/>
+              <a:gd name="connsiteY79" fmla="*/ 98242 h 1168974"/>
+              <a:gd name="connsiteX80" fmla="*/ 5743339 w 8486539"/>
+              <a:gd name="connsiteY80" fmla="*/ 105799 h 1168974"/>
+              <a:gd name="connsiteX81" fmla="*/ 5713111 w 8486539"/>
+              <a:gd name="connsiteY81" fmla="*/ 98242 h 1168974"/>
+              <a:gd name="connsiteX82" fmla="*/ 5645097 w 8486539"/>
+              <a:gd name="connsiteY82" fmla="*/ 83128 h 1168974"/>
+              <a:gd name="connsiteX83" fmla="*/ 5622426 w 8486539"/>
+              <a:gd name="connsiteY83" fmla="*/ 75571 h 1168974"/>
+              <a:gd name="connsiteX84" fmla="*/ 5569527 w 8486539"/>
+              <a:gd name="connsiteY84" fmla="*/ 68014 h 1168974"/>
+              <a:gd name="connsiteX85" fmla="*/ 5524185 w 8486539"/>
+              <a:gd name="connsiteY85" fmla="*/ 60456 h 1168974"/>
+              <a:gd name="connsiteX86" fmla="*/ 5493957 w 8486539"/>
+              <a:gd name="connsiteY86" fmla="*/ 52899 h 1168974"/>
+              <a:gd name="connsiteX87" fmla="*/ 5456172 w 8486539"/>
+              <a:gd name="connsiteY87" fmla="*/ 45342 h 1168974"/>
+              <a:gd name="connsiteX88" fmla="*/ 5433501 w 8486539"/>
+              <a:gd name="connsiteY88" fmla="*/ 37785 h 1168974"/>
+              <a:gd name="connsiteX89" fmla="*/ 5229461 w 8486539"/>
+              <a:gd name="connsiteY89" fmla="*/ 30228 h 1168974"/>
+              <a:gd name="connsiteX90" fmla="*/ 5131220 w 8486539"/>
+              <a:gd name="connsiteY90" fmla="*/ 22671 h 1168974"/>
+              <a:gd name="connsiteX91" fmla="*/ 5108549 w 8486539"/>
+              <a:gd name="connsiteY91" fmla="*/ 30228 h 1168974"/>
+              <a:gd name="connsiteX92" fmla="*/ 4783597 w 8486539"/>
+              <a:gd name="connsiteY92" fmla="*/ 22671 h 1168974"/>
+              <a:gd name="connsiteX93" fmla="*/ 3053038 w 8486539"/>
+              <a:gd name="connsiteY93" fmla="*/ 22671 h 1168974"/>
+              <a:gd name="connsiteX94" fmla="*/ 2901897 w 8486539"/>
+              <a:gd name="connsiteY94" fmla="*/ 15114 h 1168974"/>
+              <a:gd name="connsiteX95" fmla="*/ 2811213 w 8486539"/>
+              <a:gd name="connsiteY95" fmla="*/ 22671 h 1168974"/>
+              <a:gd name="connsiteX96" fmla="*/ 2743200 w 8486539"/>
+              <a:gd name="connsiteY96" fmla="*/ 15114 h 1168974"/>
+              <a:gd name="connsiteX97" fmla="*/ 2735643 w 8486539"/>
+              <a:gd name="connsiteY97" fmla="*/ 15114 h 1168974"/>
+              <a:gd name="connsiteX98" fmla="*/ 2644959 w 8486539"/>
+              <a:gd name="connsiteY98" fmla="*/ 0 h 1168974"/>
+            </a:gdLst>
+            <a:ahLst/>
+            <a:cxnLst>
+              <a:cxn ang="0">
+                <a:pos x="connsiteX0" y="connsiteY0"/>
+              </a:cxn>
+              <a:cxn ang="0">
+                <a:pos x="connsiteX1" y="connsiteY1"/>
+              </a:cxn>
+              <a:cxn ang="0">
+                <a:pos x="connsiteX2" y="connsiteY2"/>
+              </a:cxn>
+              <a:cxn ang="0">
+                <a:pos x="connsiteX3" y="connsiteY3"/>
+              </a:cxn>
+              <a:cxn ang="0">
+                <a:pos x="connsiteX4" y="connsiteY4"/>
+              </a:cxn>
+              <a:cxn ang="0">
+                <a:pos x="connsiteX5" y="connsiteY5"/>
+              </a:cxn>
+              <a:cxn ang="0">
+                <a:pos x="connsiteX6" y="connsiteY6"/>
+              </a:cxn>
+              <a:cxn ang="0">
+                <a:pos x="connsiteX7" y="connsiteY7"/>
+              </a:cxn>
+              <a:cxn ang="0">
+                <a:pos x="connsiteX8" y="connsiteY8"/>
+              </a:cxn>
+              <a:cxn ang="0">
+                <a:pos x="connsiteX9" y="connsiteY9"/>
+              </a:cxn>
+              <a:cxn ang="0">
+                <a:pos x="connsiteX10" y="connsiteY10"/>
+              </a:cxn>
+              <a:cxn ang="0">
+                <a:pos x="connsiteX11" y="connsiteY11"/>
+              </a:cxn>
+              <a:cxn ang="0">
+                <a:pos x="connsiteX12" y="connsiteY12"/>
+              </a:cxn>
+              <a:cxn ang="0">
+                <a:pos x="connsiteX13" y="connsiteY13"/>
+              </a:cxn>
+              <a:cxn ang="0">
+                <a:pos x="connsiteX14" y="connsiteY14"/>
+              </a:cxn>
+              <a:cxn ang="0">
+                <a:pos x="connsiteX15" y="connsiteY15"/>
+              </a:cxn>
+              <a:cxn ang="0">
+                <a:pos x="connsiteX16" y="connsiteY16"/>
+              </a:cxn>
+              <a:cxn ang="0">
+                <a:pos x="connsiteX17" y="connsiteY17"/>
+              </a:cxn>
+              <a:cxn ang="0">
+                <a:pos x="connsiteX18" y="connsiteY18"/>
+              </a:cxn>
+              <a:cxn ang="0">
+                <a:pos x="connsiteX19" y="connsiteY19"/>
+              </a:cxn>
+              <a:cxn ang="0">
+                <a:pos x="connsiteX20" y="connsiteY20"/>
+              </a:cxn>
+              <a:cxn ang="0">
+                <a:pos x="connsiteX21" y="connsiteY21"/>
+              </a:cxn>
+              <a:cxn ang="0">
+                <a:pos x="connsiteX22" y="connsiteY22"/>
+              </a:cxn>
+              <a:cxn ang="0">
+                <a:pos x="connsiteX23" y="connsiteY23"/>
+              </a:cxn>
+              <a:cxn ang="0">
+                <a:pos x="connsiteX24" y="connsiteY24"/>
+              </a:cxn>
+              <a:cxn ang="0">
+                <a:pos x="connsiteX25" y="connsiteY25"/>
+              </a:cxn>
+              <a:cxn ang="0">
+                <a:pos x="connsiteX26" y="connsiteY26"/>
+              </a:cxn>
+              <a:cxn ang="0">
+                <a:pos x="connsiteX27" y="connsiteY27"/>
+              </a:cxn>
+              <a:cxn ang="0">
+                <a:pos x="connsiteX28" y="connsiteY28"/>
+              </a:cxn>
+              <a:cxn ang="0">
+                <a:pos x="connsiteX29" y="connsiteY29"/>
+              </a:cxn>
+              <a:cxn ang="0">
+                <a:pos x="connsiteX30" y="connsiteY30"/>
+              </a:cxn>
+              <a:cxn ang="0">
+                <a:pos x="connsiteX31" y="connsiteY31"/>
+              </a:cxn>
+              <a:cxn ang="0">
+                <a:pos x="connsiteX32" y="connsiteY32"/>
+              </a:cxn>
+              <a:cxn ang="0">
+                <a:pos x="connsiteX33" y="connsiteY33"/>
+              </a:cxn>
+              <a:cxn ang="0">
+                <a:pos x="connsiteX34" y="connsiteY34"/>
+              </a:cxn>
+              <a:cxn ang="0">
+                <a:pos x="connsiteX35" y="connsiteY35"/>
+              </a:cxn>
+              <a:cxn ang="0">
+                <a:pos x="connsiteX36" y="connsiteY36"/>
+              </a:cxn>
+              <a:cxn ang="0">
+                <a:pos x="connsiteX37" y="connsiteY37"/>
+              </a:cxn>
+              <a:cxn ang="0">
+                <a:pos x="connsiteX38" y="connsiteY38"/>
+              </a:cxn>
+              <a:cxn ang="0">
+                <a:pos x="connsiteX39" y="connsiteY39"/>
+              </a:cxn>
+              <a:cxn ang="0">
+                <a:pos x="connsiteX40" y="connsiteY40"/>
+              </a:cxn>
+              <a:cxn ang="0">
+                <a:pos x="connsiteX41" y="connsiteY41"/>
+              </a:cxn>
+              <a:cxn ang="0">
+                <a:pos x="connsiteX42" y="connsiteY42"/>
+              </a:cxn>
+              <a:cxn ang="0">
+                <a:pos x="connsiteX43" y="connsiteY43"/>
+              </a:cxn>
+              <a:cxn ang="0">
+                <a:pos x="connsiteX44" y="connsiteY44"/>
+              </a:cxn>
+              <a:cxn ang="0">
+                <a:pos x="connsiteX45" y="connsiteY45"/>
+              </a:cxn>
+              <a:cxn ang="0">
+                <a:pos x="connsiteX46" y="connsiteY46"/>
+              </a:cxn>
+              <a:cxn ang="0">
+                <a:pos x="connsiteX47" y="connsiteY47"/>
+              </a:cxn>
+              <a:cxn ang="0">
+                <a:pos x="connsiteX48" y="connsiteY48"/>
+              </a:cxn>
+              <a:cxn ang="0">
+                <a:pos x="connsiteX49" y="connsiteY49"/>
+              </a:cxn>
+              <a:cxn ang="0">
+                <a:pos x="connsiteX50" y="connsiteY50"/>
+              </a:cxn>
+              <a:cxn ang="0">
+                <a:pos x="connsiteX51" y="connsiteY51"/>
+              </a:cxn>
+              <a:cxn ang="0">
+                <a:pos x="connsiteX52" y="connsiteY52"/>
+              </a:cxn>
+              <a:cxn ang="0">
+                <a:pos x="connsiteX53" y="connsiteY53"/>
+              </a:cxn>
+              <a:cxn ang="0">
+                <a:pos x="connsiteX54" y="connsiteY54"/>
+              </a:cxn>
+              <a:cxn ang="0">
+                <a:pos x="connsiteX55" y="connsiteY55"/>
+              </a:cxn>
+              <a:cxn ang="0">
+                <a:pos x="connsiteX56" y="connsiteY56"/>
+              </a:cxn>
+              <a:cxn ang="0">
+                <a:pos x="connsiteX57" y="connsiteY57"/>
+              </a:cxn>
+              <a:cxn ang="0">
+                <a:pos x="connsiteX58" y="connsiteY58"/>
+              </a:cxn>
+              <a:cxn ang="0">
+                <a:pos x="connsiteX59" y="connsiteY59"/>
+              </a:cxn>
+              <a:cxn ang="0">
+                <a:pos x="connsiteX60" y="connsiteY60"/>
+              </a:cxn>
+              <a:cxn ang="0">
+                <a:pos x="connsiteX61" y="connsiteY61"/>
+              </a:cxn>
+              <a:cxn ang="0">
+                <a:pos x="connsiteX62" y="connsiteY62"/>
+              </a:cxn>
+              <a:cxn ang="0">
+                <a:pos x="connsiteX63" y="connsiteY63"/>
+              </a:cxn>
+              <a:cxn ang="0">
+                <a:pos x="connsiteX64" y="connsiteY64"/>
+              </a:cxn>
+              <a:cxn ang="0">
+                <a:pos x="connsiteX65" y="connsiteY65"/>
+              </a:cxn>
+              <a:cxn ang="0">
+                <a:pos x="connsiteX66" y="connsiteY66"/>
+              </a:cxn>
+              <a:cxn ang="0">
+                <a:pos x="connsiteX67" y="connsiteY67"/>
+              </a:cxn>
+              <a:cxn ang="0">
+                <a:pos x="connsiteX68" y="connsiteY68"/>
+              </a:cxn>
+              <a:cxn ang="0">
+                <a:pos x="connsiteX69" y="connsiteY69"/>
+              </a:cxn>
+              <a:cxn ang="0">
+                <a:pos x="connsiteX70" y="connsiteY70"/>
+              </a:cxn>
+              <a:cxn ang="0">
+                <a:pos x="connsiteX71" y="connsiteY71"/>
+              </a:cxn>
+              <a:cxn ang="0">
+                <a:pos x="connsiteX72" y="connsiteY72"/>
+              </a:cxn>
+              <a:cxn ang="0">
+                <a:pos x="connsiteX73" y="connsiteY73"/>
+              </a:cxn>
+              <a:cxn ang="0">
+                <a:pos x="connsiteX74" y="connsiteY74"/>
+              </a:cxn>
+              <a:cxn ang="0">
+                <a:pos x="connsiteX75" y="connsiteY75"/>
+              </a:cxn>
+              <a:cxn ang="0">
+                <a:pos x="connsiteX76" y="connsiteY76"/>
+              </a:cxn>
+              <a:cxn ang="0">
+                <a:pos x="connsiteX77" y="connsiteY77"/>
+              </a:cxn>
+              <a:cxn ang="0">
+                <a:pos x="connsiteX78" y="connsiteY78"/>
+              </a:cxn>
+              <a:cxn ang="0">
+                <a:pos x="connsiteX79" y="connsiteY79"/>
+              </a:cxn>
+              <a:cxn ang="0">
+                <a:pos x="connsiteX80" y="connsiteY80"/>
+              </a:cxn>
+              <a:cxn ang="0">
+                <a:pos x="connsiteX81" y="connsiteY81"/>
+              </a:cxn>
+              <a:cxn ang="0">
+                <a:pos x="connsiteX82" y="connsiteY82"/>
+              </a:cxn>
+              <a:cxn ang="0">
+                <a:pos x="connsiteX83" y="connsiteY83"/>
+              </a:cxn>
+              <a:cxn ang="0">
+                <a:pos x="connsiteX84" y="connsiteY84"/>
+              </a:cxn>
+              <a:cxn ang="0">
+                <a:pos x="connsiteX85" y="connsiteY85"/>
+              </a:cxn>
+              <a:cxn ang="0">
+                <a:pos x="connsiteX86" y="connsiteY86"/>
+              </a:cxn>
+              <a:cxn ang="0">
+                <a:pos x="connsiteX87" y="connsiteY87"/>
+              </a:cxn>
+              <a:cxn ang="0">
+                <a:pos x="connsiteX88" y="connsiteY88"/>
+              </a:cxn>
+              <a:cxn ang="0">
+                <a:pos x="connsiteX89" y="connsiteY89"/>
+              </a:cxn>
+              <a:cxn ang="0">
+                <a:pos x="connsiteX90" y="connsiteY90"/>
+              </a:cxn>
+              <a:cxn ang="0">
+                <a:pos x="connsiteX91" y="connsiteY91"/>
+              </a:cxn>
+              <a:cxn ang="0">
+                <a:pos x="connsiteX92" y="connsiteY92"/>
+              </a:cxn>
+              <a:cxn ang="0">
+                <a:pos x="connsiteX93" y="connsiteY93"/>
+              </a:cxn>
+              <a:cxn ang="0">
+                <a:pos x="connsiteX94" y="connsiteY94"/>
+              </a:cxn>
+              <a:cxn ang="0">
+                <a:pos x="connsiteX95" y="connsiteY95"/>
+              </a:cxn>
+              <a:cxn ang="0">
+                <a:pos x="connsiteX96" y="connsiteY96"/>
+              </a:cxn>
+              <a:cxn ang="0">
+                <a:pos x="connsiteX97" y="connsiteY97"/>
+              </a:cxn>
+              <a:cxn ang="0">
+                <a:pos x="connsiteX98" y="connsiteY98"/>
+              </a:cxn>
+            </a:cxnLst>
+            <a:rect l="l" t="t" r="r" b="b"/>
+            <a:pathLst>
+              <a:path w="8486539" h="1168974">
+                <a:moveTo>
+                  <a:pt x="2644959" y="0"/>
+                </a:moveTo>
+                <a:lnTo>
+                  <a:pt x="2644959" y="0"/>
+                </a:lnTo>
+                <a:cubicBezTo>
+                  <a:pt x="2642440" y="25190"/>
+                  <a:pt x="2642067" y="50689"/>
+                  <a:pt x="2637402" y="75571"/>
+                </a:cubicBezTo>
+                <a:cubicBezTo>
+                  <a:pt x="2634466" y="91230"/>
+                  <a:pt x="2625413" y="105291"/>
+                  <a:pt x="2622288" y="120913"/>
+                </a:cubicBezTo>
+                <a:lnTo>
+                  <a:pt x="2614730" y="158698"/>
+                </a:lnTo>
+                <a:cubicBezTo>
+                  <a:pt x="2612211" y="199002"/>
+                  <a:pt x="2611400" y="239449"/>
+                  <a:pt x="2607173" y="279610"/>
+                </a:cubicBezTo>
+                <a:cubicBezTo>
+                  <a:pt x="2606339" y="287532"/>
+                  <a:pt x="2604035" y="295653"/>
+                  <a:pt x="2599616" y="302281"/>
+                </a:cubicBezTo>
+                <a:cubicBezTo>
+                  <a:pt x="2585410" y="323590"/>
+                  <a:pt x="2549619" y="343170"/>
+                  <a:pt x="2531603" y="355180"/>
+                </a:cubicBezTo>
+                <a:cubicBezTo>
+                  <a:pt x="2524046" y="360218"/>
+                  <a:pt x="2517743" y="368091"/>
+                  <a:pt x="2508932" y="370294"/>
+                </a:cubicBezTo>
+                <a:cubicBezTo>
+                  <a:pt x="2498856" y="372813"/>
+                  <a:pt x="2488949" y="376144"/>
+                  <a:pt x="2478704" y="377852"/>
+                </a:cubicBezTo>
+                <a:cubicBezTo>
+                  <a:pt x="2439081" y="384456"/>
+                  <a:pt x="2372109" y="389603"/>
+                  <a:pt x="2335121" y="392966"/>
+                </a:cubicBezTo>
+                <a:cubicBezTo>
+                  <a:pt x="2263232" y="369004"/>
+                  <a:pt x="2296650" y="377852"/>
+                  <a:pt x="2146195" y="377852"/>
+                </a:cubicBezTo>
+                <a:cubicBezTo>
+                  <a:pt x="2128383" y="377852"/>
+                  <a:pt x="2110929" y="382890"/>
+                  <a:pt x="2093296" y="385409"/>
+                </a:cubicBezTo>
+                <a:lnTo>
+                  <a:pt x="2032840" y="377852"/>
+                </a:lnTo>
+                <a:cubicBezTo>
+                  <a:pt x="1997009" y="372733"/>
+                  <a:pt x="1971185" y="366222"/>
+                  <a:pt x="1934598" y="362737"/>
+                </a:cubicBezTo>
+                <a:cubicBezTo>
+                  <a:pt x="1899401" y="359385"/>
+                  <a:pt x="1864066" y="357699"/>
+                  <a:pt x="1828800" y="355180"/>
+                </a:cubicBezTo>
+                <a:lnTo>
+                  <a:pt x="1345150" y="362737"/>
+                </a:lnTo>
+                <a:cubicBezTo>
+                  <a:pt x="1239322" y="362737"/>
+                  <a:pt x="1133583" y="355180"/>
+                  <a:pt x="1027755" y="355180"/>
+                </a:cubicBezTo>
+                <a:cubicBezTo>
+                  <a:pt x="899261" y="355180"/>
+                  <a:pt x="770822" y="360503"/>
+                  <a:pt x="642347" y="362737"/>
+                </a:cubicBezTo>
+                <a:lnTo>
+                  <a:pt x="158697" y="370294"/>
+                </a:lnTo>
+                <a:cubicBezTo>
+                  <a:pt x="143583" y="375332"/>
+                  <a:pt x="126611" y="376572"/>
+                  <a:pt x="113355" y="385409"/>
+                </a:cubicBezTo>
+                <a:cubicBezTo>
+                  <a:pt x="105798" y="390447"/>
+                  <a:pt x="97661" y="394709"/>
+                  <a:pt x="90684" y="400523"/>
+                </a:cubicBezTo>
+                <a:cubicBezTo>
+                  <a:pt x="76359" y="412461"/>
+                  <a:pt x="61391" y="428881"/>
+                  <a:pt x="52899" y="445865"/>
+                </a:cubicBezTo>
+                <a:cubicBezTo>
+                  <a:pt x="49337" y="452990"/>
+                  <a:pt x="48904" y="461411"/>
+                  <a:pt x="45342" y="468536"/>
+                </a:cubicBezTo>
+                <a:cubicBezTo>
+                  <a:pt x="16043" y="527134"/>
+                  <a:pt x="41666" y="456894"/>
+                  <a:pt x="22671" y="513878"/>
+                </a:cubicBezTo>
+                <a:cubicBezTo>
+                  <a:pt x="758" y="667268"/>
+                  <a:pt x="28528" y="475810"/>
+                  <a:pt x="7557" y="612119"/>
+                </a:cubicBezTo>
+                <a:cubicBezTo>
+                  <a:pt x="4849" y="629724"/>
+                  <a:pt x="2519" y="647385"/>
+                  <a:pt x="0" y="665018"/>
+                </a:cubicBezTo>
+                <a:cubicBezTo>
+                  <a:pt x="2519" y="685170"/>
+                  <a:pt x="6461" y="705195"/>
+                  <a:pt x="7557" y="725475"/>
+                </a:cubicBezTo>
+                <a:cubicBezTo>
+                  <a:pt x="20288" y="960996"/>
+                  <a:pt x="-26035" y="882904"/>
+                  <a:pt x="30228" y="967299"/>
+                </a:cubicBezTo>
+                <a:cubicBezTo>
+                  <a:pt x="33253" y="979399"/>
+                  <a:pt x="47379" y="1039190"/>
+                  <a:pt x="52899" y="1042870"/>
+                </a:cubicBezTo>
+                <a:cubicBezTo>
+                  <a:pt x="71692" y="1055399"/>
+                  <a:pt x="83883" y="1064880"/>
+                  <a:pt x="105798" y="1073098"/>
+                </a:cubicBezTo>
+                <a:cubicBezTo>
+                  <a:pt x="115523" y="1076745"/>
+                  <a:pt x="126040" y="1077802"/>
+                  <a:pt x="136026" y="1080655"/>
+                </a:cubicBezTo>
+                <a:cubicBezTo>
+                  <a:pt x="143685" y="1082843"/>
+                  <a:pt x="150886" y="1086650"/>
+                  <a:pt x="158697" y="1088212"/>
+                </a:cubicBezTo>
+                <a:cubicBezTo>
+                  <a:pt x="187114" y="1093895"/>
+                  <a:pt x="254164" y="1100332"/>
+                  <a:pt x="279610" y="1103326"/>
+                </a:cubicBezTo>
+                <a:cubicBezTo>
+                  <a:pt x="507404" y="1130125"/>
+                  <a:pt x="128410" y="1087410"/>
+                  <a:pt x="423193" y="1118440"/>
+                </a:cubicBezTo>
+                <a:cubicBezTo>
+                  <a:pt x="443390" y="1120566"/>
+                  <a:pt x="463340" y="1125949"/>
+                  <a:pt x="483649" y="1125997"/>
+                </a:cubicBezTo>
+                <a:lnTo>
+                  <a:pt x="6823993" y="1133554"/>
+                </a:lnTo>
+                <a:cubicBezTo>
+                  <a:pt x="6851702" y="1136073"/>
+                  <a:pt x="6879512" y="1137660"/>
+                  <a:pt x="6907121" y="1141111"/>
+                </a:cubicBezTo>
+                <a:cubicBezTo>
+                  <a:pt x="6919866" y="1142704"/>
+                  <a:pt x="6932174" y="1146970"/>
+                  <a:pt x="6944906" y="1148668"/>
+                </a:cubicBezTo>
+                <a:cubicBezTo>
+                  <a:pt x="6970000" y="1152014"/>
+                  <a:pt x="6995286" y="1153706"/>
+                  <a:pt x="7020476" y="1156225"/>
+                </a:cubicBezTo>
+                <a:cubicBezTo>
+                  <a:pt x="7358023" y="1151187"/>
+                  <a:pt x="7700126" y="1196609"/>
+                  <a:pt x="8033117" y="1141111"/>
+                </a:cubicBezTo>
+                <a:lnTo>
+                  <a:pt x="8123802" y="1125997"/>
+                </a:lnTo>
+                <a:cubicBezTo>
+                  <a:pt x="8175625" y="1108723"/>
+                  <a:pt x="8111304" y="1129121"/>
+                  <a:pt x="8184258" y="1110883"/>
+                </a:cubicBezTo>
+                <a:cubicBezTo>
+                  <a:pt x="8191986" y="1108951"/>
+                  <a:pt x="8199153" y="1105054"/>
+                  <a:pt x="8206929" y="1103326"/>
+                </a:cubicBezTo>
+                <a:cubicBezTo>
+                  <a:pt x="8221887" y="1100002"/>
+                  <a:pt x="8237406" y="1099485"/>
+                  <a:pt x="8252271" y="1095769"/>
+                </a:cubicBezTo>
+                <a:cubicBezTo>
+                  <a:pt x="8267727" y="1091905"/>
+                  <a:pt x="8282499" y="1085693"/>
+                  <a:pt x="8297613" y="1080655"/>
+                </a:cubicBezTo>
+                <a:lnTo>
+                  <a:pt x="8342955" y="1065541"/>
+                </a:lnTo>
+                <a:lnTo>
+                  <a:pt x="8365626" y="1057984"/>
+                </a:lnTo>
+                <a:cubicBezTo>
+                  <a:pt x="8373183" y="1055465"/>
+                  <a:pt x="8381669" y="1054846"/>
+                  <a:pt x="8388297" y="1050427"/>
+                </a:cubicBezTo>
+                <a:lnTo>
+                  <a:pt x="8433640" y="1020199"/>
+                </a:lnTo>
+                <a:lnTo>
+                  <a:pt x="8463868" y="974856"/>
+                </a:lnTo>
+                <a:cubicBezTo>
+                  <a:pt x="8468906" y="967299"/>
+                  <a:pt x="8476110" y="960801"/>
+                  <a:pt x="8478982" y="952185"/>
+                </a:cubicBezTo>
+                <a:lnTo>
+                  <a:pt x="8486539" y="929514"/>
+                </a:lnTo>
+                <a:cubicBezTo>
+                  <a:pt x="8484020" y="911881"/>
+                  <a:pt x="8482475" y="894081"/>
+                  <a:pt x="8478982" y="876615"/>
+                </a:cubicBezTo>
+                <a:cubicBezTo>
+                  <a:pt x="8477420" y="868804"/>
+                  <a:pt x="8473357" y="861672"/>
+                  <a:pt x="8471425" y="853944"/>
+                </a:cubicBezTo>
+                <a:cubicBezTo>
+                  <a:pt x="8468310" y="841483"/>
+                  <a:pt x="8466387" y="828754"/>
+                  <a:pt x="8463868" y="816159"/>
+                </a:cubicBezTo>
+                <a:cubicBezTo>
+                  <a:pt x="8466387" y="738070"/>
+                  <a:pt x="8471425" y="660021"/>
+                  <a:pt x="8471425" y="581891"/>
+                </a:cubicBezTo>
+                <a:cubicBezTo>
+                  <a:pt x="8471425" y="293616"/>
+                  <a:pt x="8436048" y="408411"/>
+                  <a:pt x="8471425" y="302281"/>
+                </a:cubicBezTo>
+                <a:cubicBezTo>
+                  <a:pt x="8468906" y="292205"/>
+                  <a:pt x="8466852" y="282001"/>
+                  <a:pt x="8463868" y="272053"/>
+                </a:cubicBezTo>
+                <a:cubicBezTo>
+                  <a:pt x="8450184" y="226439"/>
+                  <a:pt x="8461894" y="228107"/>
+                  <a:pt x="8426083" y="219154"/>
+                </a:cubicBezTo>
+                <a:cubicBezTo>
+                  <a:pt x="8413622" y="216039"/>
+                  <a:pt x="8401013" y="213414"/>
+                  <a:pt x="8388297" y="211597"/>
+                </a:cubicBezTo>
+                <a:cubicBezTo>
+                  <a:pt x="8365716" y="208371"/>
+                  <a:pt x="8342955" y="206559"/>
+                  <a:pt x="8320284" y="204040"/>
+                </a:cubicBezTo>
+                <a:cubicBezTo>
+                  <a:pt x="8236222" y="183024"/>
+                  <a:pt x="8370010" y="215038"/>
+                  <a:pt x="8222043" y="188926"/>
+                </a:cubicBezTo>
+                <a:cubicBezTo>
+                  <a:pt x="8201587" y="185316"/>
+                  <a:pt x="8182150" y="176750"/>
+                  <a:pt x="8161587" y="173812"/>
+                </a:cubicBezTo>
+                <a:cubicBezTo>
+                  <a:pt x="8027120" y="154602"/>
+                  <a:pt x="8167536" y="176513"/>
+                  <a:pt x="8078459" y="158698"/>
+                </a:cubicBezTo>
+                <a:cubicBezTo>
+                  <a:pt x="8044438" y="151894"/>
+                  <a:pt x="8014701" y="149029"/>
+                  <a:pt x="7980218" y="143584"/>
+                </a:cubicBezTo>
+                <a:cubicBezTo>
+                  <a:pt x="7949948" y="138805"/>
+                  <a:pt x="7920089" y="130820"/>
+                  <a:pt x="7889534" y="128470"/>
+                </a:cubicBezTo>
+                <a:cubicBezTo>
+                  <a:pt x="7695819" y="113569"/>
+                  <a:pt x="7824125" y="121777"/>
+                  <a:pt x="7504126" y="113356"/>
+                </a:cubicBezTo>
+                <a:cubicBezTo>
+                  <a:pt x="7486493" y="115875"/>
+                  <a:pt x="7469038" y="120913"/>
+                  <a:pt x="7451226" y="120913"/>
+                </a:cubicBezTo>
+                <a:cubicBezTo>
+                  <a:pt x="7433414" y="120913"/>
+                  <a:pt x="7416001" y="115565"/>
+                  <a:pt x="7398327" y="113356"/>
+                </a:cubicBezTo>
+                <a:cubicBezTo>
+                  <a:pt x="7375693" y="110527"/>
+                  <a:pt x="7353107" y="106693"/>
+                  <a:pt x="7330314" y="105799"/>
+                </a:cubicBezTo>
+                <a:cubicBezTo>
+                  <a:pt x="7224567" y="101652"/>
+                  <a:pt x="7118717" y="100761"/>
+                  <a:pt x="7012919" y="98242"/>
+                </a:cubicBezTo>
+                <a:cubicBezTo>
+                  <a:pt x="6995286" y="100761"/>
+                  <a:pt x="6977832" y="105799"/>
+                  <a:pt x="6960020" y="105799"/>
+                </a:cubicBezTo>
+                <a:cubicBezTo>
+                  <a:pt x="6880221" y="105799"/>
+                  <a:pt x="6943043" y="88787"/>
+                  <a:pt x="6892007" y="105799"/>
+                </a:cubicBezTo>
+                <a:lnTo>
+                  <a:pt x="6242102" y="98242"/>
+                </a:lnTo>
+                <a:cubicBezTo>
+                  <a:pt x="6234136" y="98242"/>
+                  <a:pt x="6227397" y="105799"/>
+                  <a:pt x="6219431" y="105799"/>
+                </a:cubicBezTo>
+                <a:cubicBezTo>
+                  <a:pt x="6148854" y="105799"/>
+                  <a:pt x="6078367" y="100761"/>
+                  <a:pt x="6007835" y="98242"/>
+                </a:cubicBezTo>
+                <a:cubicBezTo>
+                  <a:pt x="5938950" y="115463"/>
+                  <a:pt x="6022303" y="98242"/>
+                  <a:pt x="5902036" y="98242"/>
+                </a:cubicBezTo>
+                <a:cubicBezTo>
+                  <a:pt x="5889192" y="98242"/>
+                  <a:pt x="5876846" y="103280"/>
+                  <a:pt x="5864251" y="105799"/>
+                </a:cubicBezTo>
+                <a:cubicBezTo>
+                  <a:pt x="5836542" y="103280"/>
+                  <a:pt x="5808947" y="98242"/>
+                  <a:pt x="5781124" y="98242"/>
+                </a:cubicBezTo>
+                <a:cubicBezTo>
+                  <a:pt x="5768280" y="98242"/>
+                  <a:pt x="5756183" y="105799"/>
+                  <a:pt x="5743339" y="105799"/>
+                </a:cubicBezTo>
+                <a:cubicBezTo>
+                  <a:pt x="5732953" y="105799"/>
+                  <a:pt x="5723250" y="100495"/>
+                  <a:pt x="5713111" y="98242"/>
+                </a:cubicBezTo>
+                <a:cubicBezTo>
+                  <a:pt x="5678051" y="90451"/>
+                  <a:pt x="5677347" y="92342"/>
+                  <a:pt x="5645097" y="83128"/>
+                </a:cubicBezTo>
+                <a:cubicBezTo>
+                  <a:pt x="5637438" y="80940"/>
+                  <a:pt x="5630237" y="77133"/>
+                  <a:pt x="5622426" y="75571"/>
+                </a:cubicBezTo>
+                <a:cubicBezTo>
+                  <a:pt x="5604960" y="72078"/>
+                  <a:pt x="5587132" y="70723"/>
+                  <a:pt x="5569527" y="68014"/>
+                </a:cubicBezTo>
+                <a:cubicBezTo>
+                  <a:pt x="5554383" y="65684"/>
+                  <a:pt x="5539210" y="63461"/>
+                  <a:pt x="5524185" y="60456"/>
+                </a:cubicBezTo>
+                <a:cubicBezTo>
+                  <a:pt x="5514001" y="58419"/>
+                  <a:pt x="5504096" y="55152"/>
+                  <a:pt x="5493957" y="52899"/>
+                </a:cubicBezTo>
+                <a:cubicBezTo>
+                  <a:pt x="5481418" y="50113"/>
+                  <a:pt x="5468633" y="48457"/>
+                  <a:pt x="5456172" y="45342"/>
+                </a:cubicBezTo>
+                <a:cubicBezTo>
+                  <a:pt x="5448444" y="43410"/>
+                  <a:pt x="5441449" y="38315"/>
+                  <a:pt x="5433501" y="37785"/>
+                </a:cubicBezTo>
+                <a:cubicBezTo>
+                  <a:pt x="5365592" y="33258"/>
+                  <a:pt x="5297474" y="32747"/>
+                  <a:pt x="5229461" y="30228"/>
+                </a:cubicBezTo>
+                <a:cubicBezTo>
+                  <a:pt x="5196714" y="27709"/>
+                  <a:pt x="5164064" y="22671"/>
+                  <a:pt x="5131220" y="22671"/>
+                </a:cubicBezTo>
+                <a:cubicBezTo>
+                  <a:pt x="5123254" y="22671"/>
+                  <a:pt x="5116515" y="30228"/>
+                  <a:pt x="5108549" y="30228"/>
+                </a:cubicBezTo>
+                <a:cubicBezTo>
+                  <a:pt x="5000202" y="30228"/>
+                  <a:pt x="4891914" y="25190"/>
+                  <a:pt x="4783597" y="22671"/>
+                </a:cubicBezTo>
+                <a:cubicBezTo>
+                  <a:pt x="4223967" y="162578"/>
+                  <a:pt x="3629872" y="27380"/>
+                  <a:pt x="3053038" y="22671"/>
+                </a:cubicBezTo>
+                <a:cubicBezTo>
+                  <a:pt x="3002596" y="22259"/>
+                  <a:pt x="2952277" y="17633"/>
+                  <a:pt x="2901897" y="15114"/>
+                </a:cubicBezTo>
+                <a:cubicBezTo>
+                  <a:pt x="2871669" y="17633"/>
+                  <a:pt x="2841546" y="22671"/>
+                  <a:pt x="2811213" y="22671"/>
+                </a:cubicBezTo>
+                <a:cubicBezTo>
+                  <a:pt x="2788402" y="22671"/>
+                  <a:pt x="2765897" y="17384"/>
+                  <a:pt x="2743200" y="15114"/>
+                </a:cubicBezTo>
+                <a:cubicBezTo>
+                  <a:pt x="2740694" y="14863"/>
+                  <a:pt x="2738162" y="15114"/>
+                  <a:pt x="2735643" y="15114"/>
+                </a:cubicBezTo>
+                <a:lnTo>
+                  <a:pt x="2644959" y="0"/>
+                </a:lnTo>
+                <a:close/>
+              </a:path>
+            </a:pathLst>
+          </a:custGeom>
+          <a:noFill/>
+          <a:ln w="38100">
+            <a:solidFill>
+              <a:srgbClr val="FFFF00"/>
+            </a:solidFill>
+            <a:prstDash val="sysDash"/>
+          </a:ln>
+        </p:spPr>
+        <p:style>
+          <a:lnRef idx="2">
+            <a:schemeClr val="accent1">
+              <a:shade val="50000"/>
+            </a:schemeClr>
+          </a:lnRef>
+          <a:fillRef idx="1">
+            <a:schemeClr val="accent1"/>
+          </a:fillRef>
+          <a:effectRef idx="0">
+            <a:schemeClr val="accent1"/>
+          </a:effectRef>
+          <a:fontRef idx="minor">
+            <a:schemeClr val="lt1"/>
+          </a:fontRef>
+        </p:style>
+        <p:txBody>
+          <a:bodyPr rtlCol="0" anchor="ctr"/>
+          <a:lstStyle/>
+          <a:p>
+            <a:pPr algn="ctr"/>
+            <a:endParaRPr lang="zh-CN" altLang="en-US"/>
+          </a:p>
+        </p:txBody>
+      </p:sp>
+    </p:spTree>
+    <p:extLst>
+      <p:ext uri="{BB962C8B-B14F-4D97-AF65-F5344CB8AC3E}">
+        <p14:creationId xmlns:p14="http://schemas.microsoft.com/office/powerpoint/2010/main" val="870391583"/>
+      </p:ext>
+    </p:extLst>
+  </p:cSld>
+  <p:clrMapOvr>
+    <a:masterClrMapping/>
+  </p:clrMapOvr>
+  <p:timing>
+    <p:tnLst>
+      <p:par>
+        <p:cTn id="1" dur="indefinite" restart="never" nodeType="tmRoot">
+          <p:childTnLst>
+            <p:seq concurrent="1" nextAc="seek">
+              <p:cTn id="2" dur="indefinite" nodeType="mainSeq">
+                <p:childTnLst>
+                  <p:par>
+                    <p:cTn id="3" fill="hold">
+                      <p:stCondLst>
+                        <p:cond delay="indefinite"/>
+                      </p:stCondLst>
+                      <p:childTnLst>
+                        <p:par>
+                          <p:cTn id="4" fill="hold">
+                            <p:stCondLst>
+                              <p:cond delay="0"/>
+                            </p:stCondLst>
+                            <p:childTnLst>
+                              <p:par>
+                                <p:cTn id="5" presetID="10" presetClass="entr" presetSubtype="0" fill="hold" grpId="0" nodeType="clickEffect">
+                                  <p:stCondLst>
+                                    <p:cond delay="0"/>
+                                  </p:stCondLst>
+                                  <p:childTnLst>
+                                    <p:set>
+                                      <p:cBhvr>
+                                        <p:cTn id="6" dur="1" fill="hold">
+                                          <p:stCondLst>
+                                            <p:cond delay="0"/>
+                                          </p:stCondLst>
+                                        </p:cTn>
+                                        <p:tgtEl>
+                                          <p:spTgt spid="4"/>
+                                        </p:tgtEl>
+                                        <p:attrNameLst>
+                                          <p:attrName>style.visibility</p:attrName>
+                                        </p:attrNameLst>
+                                      </p:cBhvr>
+                                      <p:to>
+                                        <p:strVal val="visible"/>
+                                      </p:to>
+                                    </p:set>
+                                    <p:animEffect transition="in" filter="fade">
+                                      <p:cBhvr>
+                                        <p:cTn id="7" dur="500"/>
+                                        <p:tgtEl>
+                                          <p:spTgt spid="4"/>
+                                        </p:tgtEl>
+                                      </p:cBhvr>
+                                    </p:animEffect>
+                                  </p:childTnLst>
+                                </p:cTn>
+                              </p:par>
+                            </p:childTnLst>
+                          </p:cTn>
+                        </p:par>
+                      </p:childTnLst>
+                    </p:cTn>
+                  </p:par>
+                  <p:par>
+                    <p:cTn id="8" fill="hold">
+                      <p:stCondLst>
+                        <p:cond delay="indefinite"/>
+                      </p:stCondLst>
+                      <p:childTnLst>
+                        <p:par>
+                          <p:cTn id="9" fill="hold">
+                            <p:stCondLst>
+                              <p:cond delay="0"/>
+                            </p:stCondLst>
+                            <p:childTnLst>
+                              <p:par>
+                                <p:cTn id="10" presetID="10" presetClass="entr" presetSubtype="0" fill="hold" grpId="0" nodeType="clickEffect">
+                                  <p:stCondLst>
+                                    <p:cond delay="0"/>
+                                  </p:stCondLst>
+                                  <p:childTnLst>
+                                    <p:set>
+                                      <p:cBhvr>
+                                        <p:cTn id="11" dur="1" fill="hold">
+                                          <p:stCondLst>
+                                            <p:cond delay="0"/>
+                                          </p:stCondLst>
+                                        </p:cTn>
+                                        <p:tgtEl>
+                                          <p:spTgt spid="9"/>
+                                        </p:tgtEl>
+                                        <p:attrNameLst>
+                                          <p:attrName>style.visibility</p:attrName>
+                                        </p:attrNameLst>
+                                      </p:cBhvr>
+                                      <p:to>
+                                        <p:strVal val="visible"/>
+                                      </p:to>
+                                    </p:set>
+                                    <p:animEffect transition="in" filter="fade">
+                                      <p:cBhvr>
+                                        <p:cTn id="12" dur="500"/>
+                                        <p:tgtEl>
+                                          <p:spTgt spid="9"/>
+                                        </p:tgtEl>
+                                      </p:cBhvr>
+                                    </p:animEffect>
+                                  </p:childTnLst>
+                                </p:cTn>
+                              </p:par>
+                            </p:childTnLst>
+                          </p:cTn>
+                        </p:par>
+                      </p:childTnLst>
+                    </p:cTn>
+                  </p:par>
+                  <p:par>
+                    <p:cTn id="13" fill="hold">
+                      <p:stCondLst>
+                        <p:cond delay="indefinite"/>
+                      </p:stCondLst>
+                      <p:childTnLst>
+                        <p:par>
+                          <p:cTn id="14" fill="hold">
+                            <p:stCondLst>
+                              <p:cond delay="0"/>
+                            </p:stCondLst>
+                            <p:childTnLst>
+                              <p:par>
+                                <p:cTn id="15" presetID="10" presetClass="entr" presetSubtype="0" fill="hold" grpId="0" nodeType="clickEffect">
+                                  <p:stCondLst>
+                                    <p:cond delay="0"/>
+                                  </p:stCondLst>
+                                  <p:childTnLst>
+                                    <p:set>
+                                      <p:cBhvr>
+                                        <p:cTn id="16" dur="1" fill="hold">
+                                          <p:stCondLst>
+                                            <p:cond delay="0"/>
+                                          </p:stCondLst>
+                                        </p:cTn>
+                                        <p:tgtEl>
+                                          <p:spTgt spid="10"/>
+                                        </p:tgtEl>
+                                        <p:attrNameLst>
+                                          <p:attrName>style.visibility</p:attrName>
+                                        </p:attrNameLst>
+                                      </p:cBhvr>
+                                      <p:to>
+                                        <p:strVal val="visible"/>
+                                      </p:to>
+                                    </p:set>
+                                    <p:animEffect transition="in" filter="fade">
+                                      <p:cBhvr>
+                                        <p:cTn id="17" dur="500"/>
+                                        <p:tgtEl>
+                                          <p:spTgt spid="10"/>
+                                        </p:tgtEl>
+                                      </p:cBhvr>
+                                    </p:animEffect>
+                                  </p:childTnLst>
+                                </p:cTn>
+                              </p:par>
+                            </p:childTnLst>
+                          </p:cTn>
+                        </p:par>
+                      </p:childTnLst>
+                    </p:cTn>
+                  </p:par>
+                </p:childTnLst>
+              </p:cTn>
+              <p:prevCondLst>
+                <p:cond evt="onPrev" delay="0">
+                  <p:tgtEl>
+                    <p:sldTgt/>
+                  </p:tgtEl>
+                </p:cond>
+              </p:prevCondLst>
+              <p:nextCondLst>
+                <p:cond evt="onNext" delay="0">
+                  <p:tgtEl>
+                    <p:sldTgt/>
+                  </p:tgtEl>
+                </p:cond>
+              </p:nextCondLst>
+            </p:seq>
+          </p:childTnLst>
+        </p:cTn>
+      </p:par>
+    </p:tnLst>
+    <p:bldLst>
+      <p:bldP spid="4" grpId="0" animBg="1"/>
+      <p:bldP spid="9" grpId="0" animBg="1"/>
+      <p:bldP spid="10" grpId="0" animBg="1"/>
+    </p:bldLst>
+  </p:timing>
+</p:sld>
+</file>
+
+<file path=ppt/slides/slide34.xml><?xml version="1.0" encoding="utf-8"?>
+<p:sld xmlns:a="http://schemas.openxmlformats.org/drawingml/2006/main" xmlns:r="http://schemas.openxmlformats.org/officeDocument/2006/relationships" xmlns:p="http://schemas.openxmlformats.org/presentationml/2006/main">
+  <p:cSld>
+    <p:spTree>
+      <p:nvGrpSpPr>
+        <p:cNvPr id="1" name=""/>
+        <p:cNvGrpSpPr/>
+        <p:nvPr/>
+      </p:nvGrpSpPr>
+      <p:grpSpPr>
+        <a:xfrm>
+          <a:off x="0" y="0"/>
+          <a:ext cx="0" cy="0"/>
+          <a:chOff x="0" y="0"/>
+          <a:chExt cx="0" cy="0"/>
+        </a:xfrm>
+      </p:grpSpPr>
+      <p:sp>
+        <p:nvSpPr>
+          <p:cNvPr id="2" name="Text Placeholder 1"/>
+          <p:cNvSpPr>
+            <a:spLocks noGrp="1"/>
+          </p:cNvSpPr>
+          <p:nvPr>
+            <p:ph type="body" sz="quarter" idx="13"/>
+          </p:nvPr>
+        </p:nvSpPr>
+        <p:spPr/>
+        <p:txBody>
+          <a:bodyPr/>
+          <a:lstStyle/>
+          <a:p>
+            <a:r>
+              <a:rPr lang="en-US" dirty="0" smtClean="0"/>
+              <a:t>6</a:t>
+            </a:r>
+            <a:endParaRPr lang="en-US" dirty="0"/>
+          </a:p>
+        </p:txBody>
+      </p:sp>
+      <p:sp>
+        <p:nvSpPr>
+          <p:cNvPr id="3" name="Text Placeholder 2"/>
+          <p:cNvSpPr>
+            <a:spLocks noGrp="1"/>
+          </p:cNvSpPr>
+          <p:nvPr>
+            <p:ph type="body" sz="quarter" idx="14"/>
+          </p:nvPr>
+        </p:nvSpPr>
+        <p:spPr/>
+        <p:txBody>
+          <a:bodyPr/>
+          <a:lstStyle/>
+          <a:p>
+            <a:r>
+              <a:rPr lang="en-US" dirty="0" smtClean="0"/>
+              <a:t>Middleware</a:t>
+            </a:r>
+            <a:endParaRPr lang="en-US" dirty="0"/>
+          </a:p>
+          <a:p>
+            <a:endParaRPr lang="en-US" dirty="0"/>
+          </a:p>
+        </p:txBody>
+      </p:sp>
+      <p:sp>
+        <p:nvSpPr>
+          <p:cNvPr id="8" name="TextBox 2"/>
+          <p:cNvSpPr txBox="1">
+            <a:spLocks noChangeArrowheads="1"/>
+          </p:cNvSpPr>
+          <p:nvPr/>
+        </p:nvSpPr>
+        <p:spPr bwMode="auto">
+          <a:xfrm>
+            <a:off x="0" y="1000839"/>
+            <a:ext cx="9144000" cy="3970318"/>
+          </a:xfrm>
+          <a:prstGeom prst="rect">
+            <a:avLst/>
+          </a:prstGeom>
+          <a:noFill/>
+          <a:ln>
+            <a:noFill/>
+          </a:ln>
+          <a:extLst>
+            <a:ext uri="{909E8E84-426E-40DD-AFC4-6F175D3DCCD1}">
+              <a14:hiddenFill xmlns:a14="http://schemas.microsoft.com/office/drawing/2010/main">
+                <a:solidFill>
+                  <a:srgbClr val="FFFFFF"/>
+                </a:solidFill>
+              </a14:hiddenFill>
+            </a:ext>
+            <a:ext uri="{91240B29-F687-4F45-9708-019B960494DF}">
+              <a14:hiddenLine xmlns:a14="http://schemas.microsoft.com/office/drawing/2010/main" w="9525">
+                <a:solidFill>
+                  <a:srgbClr val="000000"/>
+                </a:solidFill>
+                <a:miter lim="800000"/>
+                <a:headEnd/>
+                <a:tailEnd/>
+              </a14:hiddenLine>
+            </a:ext>
+          </a:extLst>
+        </p:spPr>
+        <p:txBody>
+          <a:bodyPr wrap="square">
+            <a:spAutoFit/>
+          </a:bodyPr>
+          <a:lstStyle>
+            <a:lvl1pPr marL="571500" indent="-571500" eaLnBrk="0" hangingPunct="0">
+              <a:defRPr>
+                <a:solidFill>
+                  <a:schemeClr val="tx1"/>
+                </a:solidFill>
+                <a:latin typeface="Arial" panose="020B0604020202020204" pitchFamily="34" charset="0"/>
+                <a:ea typeface="宋体" panose="02010600030101010101" pitchFamily="2" charset="-122"/>
+              </a:defRPr>
+            </a:lvl1pPr>
+            <a:lvl2pPr marL="742950" indent="-285750" eaLnBrk="0" hangingPunct="0">
+              <a:defRPr>
+                <a:solidFill>
+                  <a:schemeClr val="tx1"/>
+                </a:solidFill>
+                <a:latin typeface="Arial" panose="020B0604020202020204" pitchFamily="34" charset="0"/>
+                <a:ea typeface="宋体" panose="02010600030101010101" pitchFamily="2" charset="-122"/>
+              </a:defRPr>
+            </a:lvl2pPr>
+            <a:lvl3pPr marL="1143000" indent="-228600" eaLnBrk="0" hangingPunct="0">
+              <a:defRPr>
+                <a:solidFill>
+                  <a:schemeClr val="tx1"/>
+                </a:solidFill>
+                <a:latin typeface="Arial" panose="020B0604020202020204" pitchFamily="34" charset="0"/>
+                <a:ea typeface="宋体" panose="02010600030101010101" pitchFamily="2" charset="-122"/>
+              </a:defRPr>
+            </a:lvl3pPr>
+            <a:lvl4pPr marL="1600200" indent="-228600" eaLnBrk="0" hangingPunct="0">
+              <a:defRPr>
+                <a:solidFill>
+                  <a:schemeClr val="tx1"/>
+                </a:solidFill>
+                <a:latin typeface="Arial" panose="020B0604020202020204" pitchFamily="34" charset="0"/>
+                <a:ea typeface="宋体" panose="02010600030101010101" pitchFamily="2" charset="-122"/>
+              </a:defRPr>
+            </a:lvl4pPr>
+            <a:lvl5pPr marL="2057400" indent="-228600" eaLnBrk="0" hangingPunct="0">
+              <a:defRPr>
+                <a:solidFill>
+                  <a:schemeClr val="tx1"/>
+                </a:solidFill>
+                <a:latin typeface="Arial" panose="020B0604020202020204" pitchFamily="34" charset="0"/>
+                <a:ea typeface="宋体" panose="02010600030101010101" pitchFamily="2" charset="-122"/>
+              </a:defRPr>
+            </a:lvl5pPr>
+            <a:lvl6pPr marL="2514600" indent="-228600" eaLnBrk="0" fontAlgn="base" hangingPunct="0">
+              <a:spcBef>
+                <a:spcPct val="0"/>
+              </a:spcBef>
+              <a:spcAft>
+                <a:spcPct val="0"/>
+              </a:spcAft>
+              <a:defRPr>
+                <a:solidFill>
+                  <a:schemeClr val="tx1"/>
+                </a:solidFill>
+                <a:latin typeface="Arial" panose="020B0604020202020204" pitchFamily="34" charset="0"/>
+                <a:ea typeface="宋体" panose="02010600030101010101" pitchFamily="2" charset="-122"/>
+              </a:defRPr>
+            </a:lvl6pPr>
+            <a:lvl7pPr marL="2971800" indent="-228600" eaLnBrk="0" fontAlgn="base" hangingPunct="0">
+              <a:spcBef>
+                <a:spcPct val="0"/>
+              </a:spcBef>
+              <a:spcAft>
+                <a:spcPct val="0"/>
+              </a:spcAft>
+              <a:defRPr>
+                <a:solidFill>
+                  <a:schemeClr val="tx1"/>
+                </a:solidFill>
+                <a:latin typeface="Arial" panose="020B0604020202020204" pitchFamily="34" charset="0"/>
+                <a:ea typeface="宋体" panose="02010600030101010101" pitchFamily="2" charset="-122"/>
+              </a:defRPr>
+            </a:lvl7pPr>
+            <a:lvl8pPr marL="3429000" indent="-228600" eaLnBrk="0" fontAlgn="base" hangingPunct="0">
+              <a:spcBef>
+                <a:spcPct val="0"/>
+              </a:spcBef>
+              <a:spcAft>
+                <a:spcPct val="0"/>
+              </a:spcAft>
+              <a:defRPr>
+                <a:solidFill>
+                  <a:schemeClr val="tx1"/>
+                </a:solidFill>
+                <a:latin typeface="Arial" panose="020B0604020202020204" pitchFamily="34" charset="0"/>
+                <a:ea typeface="宋体" panose="02010600030101010101" pitchFamily="2" charset="-122"/>
+              </a:defRPr>
+            </a:lvl8pPr>
+            <a:lvl9pPr marL="3886200" indent="-228600" eaLnBrk="0" fontAlgn="base" hangingPunct="0">
+              <a:spcBef>
+                <a:spcPct val="0"/>
+              </a:spcBef>
+              <a:spcAft>
+                <a:spcPct val="0"/>
+              </a:spcAft>
+              <a:defRPr>
+                <a:solidFill>
+                  <a:schemeClr val="tx1"/>
+                </a:solidFill>
+                <a:latin typeface="Arial" panose="020B0604020202020204" pitchFamily="34" charset="0"/>
+                <a:ea typeface="宋体" panose="02010600030101010101" pitchFamily="2" charset="-122"/>
+              </a:defRPr>
+            </a:lvl9pPr>
+          </a:lstStyle>
+          <a:p>
+            <a:r>
+              <a:rPr lang="en-US" sz="3600" dirty="0" smtClean="0"/>
+              <a:t>hooks:</a:t>
+            </a:r>
+          </a:p>
+          <a:p>
+            <a:endParaRPr lang="en-US" sz="3600" dirty="0"/>
+          </a:p>
+          <a:p>
+            <a:r>
+              <a:rPr lang="en-US" sz="3600" dirty="0" smtClean="0"/>
+              <a:t>Be careful:</a:t>
+            </a:r>
+          </a:p>
+          <a:p>
+            <a:endParaRPr lang="en-US" sz="3600" dirty="0" smtClean="0"/>
+          </a:p>
+          <a:p>
+            <a:r>
+              <a:rPr lang="en-US" sz="3600" b="1" dirty="0" err="1" smtClean="0">
+                <a:solidFill>
+                  <a:srgbClr val="FF0000"/>
+                </a:solidFill>
+              </a:rPr>
+              <a:t>Model.insertMany</a:t>
+            </a:r>
+            <a:r>
+              <a:rPr lang="en-US" sz="3600" b="1" dirty="0" smtClean="0">
+                <a:solidFill>
+                  <a:srgbClr val="FF0000"/>
+                </a:solidFill>
+              </a:rPr>
+              <a:t>() </a:t>
+            </a:r>
+            <a:r>
+              <a:rPr lang="en-US" sz="3600" dirty="0" smtClean="0"/>
+              <a:t>will </a:t>
+            </a:r>
+            <a:r>
+              <a:rPr lang="en-US" sz="3600" b="1" dirty="0" smtClean="0">
+                <a:solidFill>
+                  <a:srgbClr val="FF0000"/>
+                </a:solidFill>
+              </a:rPr>
+              <a:t>NOT trigger </a:t>
+            </a:r>
+            <a:r>
+              <a:rPr lang="en-US" sz="3600" dirty="0" smtClean="0"/>
+              <a:t>‘pre’ &amp; ‘post’ hooks on ‘save’</a:t>
+            </a:r>
+          </a:p>
+          <a:p>
+            <a:endParaRPr lang="en-US" sz="3600" dirty="0"/>
+          </a:p>
+        </p:txBody>
+      </p:sp>
+    </p:spTree>
+    <p:extLst>
+      <p:ext uri="{BB962C8B-B14F-4D97-AF65-F5344CB8AC3E}">
+        <p14:creationId xmlns:p14="http://schemas.microsoft.com/office/powerpoint/2010/main" val="4041021596"/>
+      </p:ext>
+    </p:extLst>
+  </p:cSld>
+  <p:clrMapOvr>
+    <a:masterClrMapping/>
+  </p:clrMapOvr>
+  <p:timing>
+    <p:tnLst>
+      <p:par>
+        <p:cTn id="1" dur="indefinite" restart="never" nodeType="tmRoot"/>
+      </p:par>
+    </p:tnLst>
+  </p:timing>
+</p:sld>
+</file>
+
+<file path=ppt/slides/slide35.xml><?xml version="1.0" encoding="utf-8"?>
+<p:sld xmlns:a="http://schemas.openxmlformats.org/drawingml/2006/main" xmlns:r="http://schemas.openxmlformats.org/officeDocument/2006/relationships" xmlns:p="http://schemas.openxmlformats.org/presentationml/2006/main">
+  <p:cSld>
+    <p:spTree>
+      <p:nvGrpSpPr>
+        <p:cNvPr id="1" name=""/>
+        <p:cNvGrpSpPr/>
+        <p:nvPr/>
+      </p:nvGrpSpPr>
+      <p:grpSpPr>
+        <a:xfrm>
+          <a:off x="0" y="0"/>
+          <a:ext cx="0" cy="0"/>
+          <a:chOff x="0" y="0"/>
+          <a:chExt cx="0" cy="0"/>
+        </a:xfrm>
+      </p:grpSpPr>
+      <p:sp>
+        <p:nvSpPr>
+          <p:cNvPr id="2" name="Text Placeholder 1"/>
+          <p:cNvSpPr>
+            <a:spLocks noGrp="1"/>
+          </p:cNvSpPr>
+          <p:nvPr>
+            <p:ph type="body" sz="quarter" idx="13"/>
+          </p:nvPr>
+        </p:nvSpPr>
+        <p:spPr/>
+        <p:txBody>
+          <a:bodyPr/>
+          <a:lstStyle/>
+          <a:p>
+            <a:r>
+              <a:rPr lang="en-US" dirty="0" smtClean="0"/>
+              <a:t>6</a:t>
+            </a:r>
+            <a:endParaRPr lang="en-US" dirty="0"/>
+          </a:p>
+        </p:txBody>
+      </p:sp>
+      <p:sp>
+        <p:nvSpPr>
+          <p:cNvPr id="3" name="Text Placeholder 2"/>
+          <p:cNvSpPr>
+            <a:spLocks noGrp="1"/>
+          </p:cNvSpPr>
+          <p:nvPr>
+            <p:ph type="body" sz="quarter" idx="14"/>
+          </p:nvPr>
+        </p:nvSpPr>
+        <p:spPr/>
+        <p:txBody>
+          <a:bodyPr/>
+          <a:lstStyle/>
+          <a:p>
+            <a:r>
+              <a:rPr lang="en-US" dirty="0" smtClean="0"/>
+              <a:t>Middleware</a:t>
+            </a:r>
+            <a:endParaRPr lang="en-US" dirty="0"/>
+          </a:p>
+          <a:p>
+            <a:endParaRPr lang="en-US" dirty="0"/>
+          </a:p>
+        </p:txBody>
+      </p:sp>
+      <p:sp>
+        <p:nvSpPr>
+          <p:cNvPr id="8" name="TextBox 2"/>
+          <p:cNvSpPr txBox="1">
+            <a:spLocks noChangeArrowheads="1"/>
+          </p:cNvSpPr>
+          <p:nvPr/>
+        </p:nvSpPr>
+        <p:spPr bwMode="auto">
+          <a:xfrm>
+            <a:off x="-76200" y="1000839"/>
+            <a:ext cx="9144000" cy="2062103"/>
+          </a:xfrm>
+          <a:prstGeom prst="rect">
+            <a:avLst/>
+          </a:prstGeom>
+          <a:noFill/>
+          <a:ln>
+            <a:noFill/>
+          </a:ln>
+          <a:extLst>
+            <a:ext uri="{909E8E84-426E-40DD-AFC4-6F175D3DCCD1}">
+              <a14:hiddenFill xmlns:a14="http://schemas.microsoft.com/office/drawing/2010/main">
+                <a:solidFill>
+                  <a:srgbClr val="FFFFFF"/>
+                </a:solidFill>
+              </a14:hiddenFill>
+            </a:ext>
+            <a:ext uri="{91240B29-F687-4F45-9708-019B960494DF}">
+              <a14:hiddenLine xmlns:a14="http://schemas.microsoft.com/office/drawing/2010/main" w="9525">
+                <a:solidFill>
+                  <a:srgbClr val="000000"/>
+                </a:solidFill>
+                <a:miter lim="800000"/>
+                <a:headEnd/>
+                <a:tailEnd/>
+              </a14:hiddenLine>
+            </a:ext>
+          </a:extLst>
+        </p:spPr>
+        <p:txBody>
+          <a:bodyPr wrap="square">
+            <a:spAutoFit/>
+          </a:bodyPr>
+          <a:lstStyle>
+            <a:lvl1pPr marL="571500" indent="-571500" eaLnBrk="0" hangingPunct="0">
+              <a:defRPr>
+                <a:solidFill>
+                  <a:schemeClr val="tx1"/>
+                </a:solidFill>
+                <a:latin typeface="Arial" panose="020B0604020202020204" pitchFamily="34" charset="0"/>
+                <a:ea typeface="宋体" panose="02010600030101010101" pitchFamily="2" charset="-122"/>
+              </a:defRPr>
+            </a:lvl1pPr>
+            <a:lvl2pPr marL="742950" indent="-285750" eaLnBrk="0" hangingPunct="0">
+              <a:defRPr>
+                <a:solidFill>
+                  <a:schemeClr val="tx1"/>
+                </a:solidFill>
+                <a:latin typeface="Arial" panose="020B0604020202020204" pitchFamily="34" charset="0"/>
+                <a:ea typeface="宋体" panose="02010600030101010101" pitchFamily="2" charset="-122"/>
+              </a:defRPr>
+            </a:lvl2pPr>
+            <a:lvl3pPr marL="1143000" indent="-228600" eaLnBrk="0" hangingPunct="0">
+              <a:defRPr>
+                <a:solidFill>
+                  <a:schemeClr val="tx1"/>
+                </a:solidFill>
+                <a:latin typeface="Arial" panose="020B0604020202020204" pitchFamily="34" charset="0"/>
+                <a:ea typeface="宋体" panose="02010600030101010101" pitchFamily="2" charset="-122"/>
+              </a:defRPr>
+            </a:lvl3pPr>
+            <a:lvl4pPr marL="1600200" indent="-228600" eaLnBrk="0" hangingPunct="0">
+              <a:defRPr>
+                <a:solidFill>
+                  <a:schemeClr val="tx1"/>
+                </a:solidFill>
+                <a:latin typeface="Arial" panose="020B0604020202020204" pitchFamily="34" charset="0"/>
+                <a:ea typeface="宋体" panose="02010600030101010101" pitchFamily="2" charset="-122"/>
+              </a:defRPr>
+            </a:lvl4pPr>
+            <a:lvl5pPr marL="2057400" indent="-228600" eaLnBrk="0" hangingPunct="0">
+              <a:defRPr>
+                <a:solidFill>
+                  <a:schemeClr val="tx1"/>
+                </a:solidFill>
+                <a:latin typeface="Arial" panose="020B0604020202020204" pitchFamily="34" charset="0"/>
+                <a:ea typeface="宋体" panose="02010600030101010101" pitchFamily="2" charset="-122"/>
+              </a:defRPr>
+            </a:lvl5pPr>
+            <a:lvl6pPr marL="2514600" indent="-228600" eaLnBrk="0" fontAlgn="base" hangingPunct="0">
+              <a:spcBef>
+                <a:spcPct val="0"/>
+              </a:spcBef>
+              <a:spcAft>
+                <a:spcPct val="0"/>
+              </a:spcAft>
+              <a:defRPr>
+                <a:solidFill>
+                  <a:schemeClr val="tx1"/>
+                </a:solidFill>
+                <a:latin typeface="Arial" panose="020B0604020202020204" pitchFamily="34" charset="0"/>
+                <a:ea typeface="宋体" panose="02010600030101010101" pitchFamily="2" charset="-122"/>
+              </a:defRPr>
+            </a:lvl6pPr>
+            <a:lvl7pPr marL="2971800" indent="-228600" eaLnBrk="0" fontAlgn="base" hangingPunct="0">
+              <a:spcBef>
+                <a:spcPct val="0"/>
+              </a:spcBef>
+              <a:spcAft>
+                <a:spcPct val="0"/>
+              </a:spcAft>
+              <a:defRPr>
+                <a:solidFill>
+                  <a:schemeClr val="tx1"/>
+                </a:solidFill>
+                <a:latin typeface="Arial" panose="020B0604020202020204" pitchFamily="34" charset="0"/>
+                <a:ea typeface="宋体" panose="02010600030101010101" pitchFamily="2" charset="-122"/>
+              </a:defRPr>
+            </a:lvl7pPr>
+            <a:lvl8pPr marL="3429000" indent="-228600" eaLnBrk="0" fontAlgn="base" hangingPunct="0">
+              <a:spcBef>
+                <a:spcPct val="0"/>
+              </a:spcBef>
+              <a:spcAft>
+                <a:spcPct val="0"/>
+              </a:spcAft>
+              <a:defRPr>
+                <a:solidFill>
+                  <a:schemeClr val="tx1"/>
+                </a:solidFill>
+                <a:latin typeface="Arial" panose="020B0604020202020204" pitchFamily="34" charset="0"/>
+                <a:ea typeface="宋体" panose="02010600030101010101" pitchFamily="2" charset="-122"/>
+              </a:defRPr>
+            </a:lvl8pPr>
+            <a:lvl9pPr marL="3886200" indent="-228600" eaLnBrk="0" fontAlgn="base" hangingPunct="0">
+              <a:spcBef>
+                <a:spcPct val="0"/>
+              </a:spcBef>
+              <a:spcAft>
+                <a:spcPct val="0"/>
+              </a:spcAft>
+              <a:defRPr>
+                <a:solidFill>
+                  <a:schemeClr val="tx1"/>
+                </a:solidFill>
+                <a:latin typeface="Arial" panose="020B0604020202020204" pitchFamily="34" charset="0"/>
+                <a:ea typeface="宋体" panose="02010600030101010101" pitchFamily="2" charset="-122"/>
+              </a:defRPr>
+            </a:lvl9pPr>
+          </a:lstStyle>
+          <a:p>
+            <a:r>
+              <a:rPr lang="en-US" sz="3600" dirty="0"/>
+              <a:t>Reference:</a:t>
+            </a:r>
+          </a:p>
+          <a:p>
+            <a:pPr marL="742950" indent="-742950">
+              <a:buAutoNum type="arabicParenBoth"/>
+            </a:pPr>
+            <a:r>
+              <a:rPr lang="en-US" altLang="zh-CN" sz="2800" dirty="0">
+                <a:hlinkClick r:id="rId2"/>
+              </a:rPr>
+              <a:t>http://</a:t>
+            </a:r>
+            <a:r>
+              <a:rPr lang="en-US" altLang="zh-CN" sz="2800" dirty="0" smtClean="0">
+                <a:hlinkClick r:id="rId2"/>
+              </a:rPr>
+              <a:t>mongoosejs.com/docs/middleware.html</a:t>
+            </a:r>
+            <a:endParaRPr lang="en-US" altLang="zh-CN" sz="2800" dirty="0" smtClean="0"/>
+          </a:p>
+          <a:p>
+            <a:pPr marL="742950" indent="-742950">
+              <a:buAutoNum type="arabicParenBoth"/>
+            </a:pPr>
+            <a:r>
+              <a:rPr lang="en-US" altLang="zh-CN" sz="2800" dirty="0">
+                <a:hlinkClick r:id="rId3"/>
+              </a:rPr>
+              <a:t>http://</a:t>
+            </a:r>
+            <a:r>
+              <a:rPr lang="en-US" altLang="zh-CN" sz="2800" dirty="0" smtClean="0">
+                <a:hlinkClick r:id="rId3"/>
+              </a:rPr>
+              <a:t>mongoosejs.com/docs/validation.html</a:t>
+            </a:r>
+            <a:endParaRPr lang="en-US" sz="3600" dirty="0"/>
+          </a:p>
+          <a:p>
+            <a:pPr marL="742950" indent="-742950">
+              <a:buAutoNum type="arabicParenBoth"/>
+            </a:pPr>
+            <a:endParaRPr lang="en-US" sz="3600" dirty="0"/>
+          </a:p>
+        </p:txBody>
+      </p:sp>
+    </p:spTree>
+    <p:extLst>
+      <p:ext uri="{BB962C8B-B14F-4D97-AF65-F5344CB8AC3E}">
+        <p14:creationId xmlns:p14="http://schemas.microsoft.com/office/powerpoint/2010/main" val="1289518775"/>
+      </p:ext>
+    </p:extLst>
+  </p:cSld>
+  <p:clrMapOvr>
+    <a:masterClrMapping/>
+  </p:clrMapOvr>
+  <p:timing>
+    <p:tnLst>
+      <p:par>
+        <p:cTn id="1" dur="indefinite" restart="never" nodeType="tmRoot"/>
+      </p:par>
+    </p:tnLst>
+  </p:timing>
+</p:sld>
+</file>
+
+<file path=ppt/slides/slide36.xml><?xml version="1.0" encoding="utf-8"?>
+<p:sld xmlns:a="http://schemas.openxmlformats.org/drawingml/2006/main" xmlns:r="http://schemas.openxmlformats.org/officeDocument/2006/relationships" xmlns:p="http://schemas.openxmlformats.org/presentationml/2006/main">
+  <p:cSld>
+    <p:spTree>
+      <p:nvGrpSpPr>
+        <p:cNvPr id="1" name=""/>
+        <p:cNvGrpSpPr/>
+        <p:nvPr/>
+      </p:nvGrpSpPr>
+      <p:grpSpPr>
+        <a:xfrm>
+          <a:off x="0" y="0"/>
+          <a:ext cx="0" cy="0"/>
+          <a:chOff x="0" y="0"/>
+          <a:chExt cx="0" cy="0"/>
+        </a:xfrm>
+      </p:grpSpPr>
+      <p:sp>
+        <p:nvSpPr>
+          <p:cNvPr id="2" name="Text Placeholder 1"/>
+          <p:cNvSpPr>
+            <a:spLocks noGrp="1"/>
+          </p:cNvSpPr>
+          <p:nvPr>
+            <p:ph type="body" sz="quarter" idx="14"/>
+          </p:nvPr>
+        </p:nvSpPr>
+        <p:spPr>
+          <a:xfrm>
+            <a:off x="1031080" y="1712742"/>
+            <a:ext cx="7122319" cy="3970318"/>
+          </a:xfrm>
+        </p:spPr>
+        <p:txBody>
+          <a:bodyPr/>
+          <a:lstStyle/>
+          <a:p>
+            <a:r>
+              <a:rPr lang="en-US" dirty="0">
+                <a:hlinkClick r:id="rId2"/>
+              </a:rPr>
+              <a:t>http://</a:t>
+            </a:r>
+            <a:r>
+              <a:rPr lang="en-US" dirty="0" smtClean="0">
+                <a:hlinkClick r:id="rId2"/>
+              </a:rPr>
+              <a:t>mongoosejs.com/docs/index.html</a:t>
+            </a:r>
+            <a:endParaRPr lang="en-US" dirty="0" smtClean="0"/>
+          </a:p>
+          <a:p>
+            <a:endParaRPr lang="en-US" dirty="0"/>
+          </a:p>
+          <a:p>
+            <a:r>
+              <a:rPr lang="en-US" dirty="0" smtClean="0"/>
+              <a:t>Sample code:</a:t>
+            </a:r>
+          </a:p>
+          <a:p>
+            <a:r>
+              <a:rPr lang="en-US" b="0" u="sng" dirty="0"/>
+              <a:t>\</a:t>
+            </a:r>
+            <a:r>
+              <a:rPr lang="en-US" b="0" u="sng" dirty="0" err="1" smtClean="0"/>
+              <a:t>db</a:t>
+            </a:r>
+            <a:r>
+              <a:rPr lang="en-US" b="0" u="sng" dirty="0" smtClean="0"/>
+              <a:t>\</a:t>
+            </a:r>
+            <a:r>
+              <a:rPr lang="en-US" b="0" u="sng" dirty="0" err="1" smtClean="0"/>
+              <a:t>mongodb</a:t>
+            </a:r>
+            <a:r>
+              <a:rPr lang="en-US" b="0" u="sng" dirty="0" smtClean="0"/>
+              <a:t>\2017\materials\</a:t>
+            </a:r>
+            <a:r>
+              <a:rPr lang="en-US" b="0" u="sng" dirty="0" err="1" smtClean="0"/>
+              <a:t>sample_code</a:t>
+            </a:r>
+            <a:r>
+              <a:rPr lang="en-US" b="0" u="sng" dirty="0" smtClean="0"/>
+              <a:t>\CH5_mongoose</a:t>
+            </a:r>
+            <a:endParaRPr lang="en-US" b="0" u="sng" dirty="0"/>
+          </a:p>
+          <a:p>
+            <a:endParaRPr lang="en-US" dirty="0"/>
+          </a:p>
+        </p:txBody>
+      </p:sp>
+      <p:sp>
+        <p:nvSpPr>
+          <p:cNvPr id="3" name="Text Placeholder 2"/>
+          <p:cNvSpPr>
+            <a:spLocks noGrp="1"/>
+          </p:cNvSpPr>
+          <p:nvPr>
+            <p:ph type="body" sz="quarter" idx="11"/>
+          </p:nvPr>
+        </p:nvSpPr>
+        <p:spPr/>
+        <p:txBody>
+          <a:bodyPr/>
+          <a:lstStyle/>
+          <a:p>
+            <a:r>
+              <a:rPr lang="en-US" dirty="0"/>
+              <a:t>@</a:t>
+            </a:r>
+          </a:p>
+        </p:txBody>
+      </p:sp>
+    </p:spTree>
+    <p:extLst>
+      <p:ext uri="{BB962C8B-B14F-4D97-AF65-F5344CB8AC3E}">
+        <p14:creationId xmlns:p14="http://schemas.microsoft.com/office/powerpoint/2010/main" val="425277737"/>
+      </p:ext>
+    </p:extLst>
+  </p:cSld>
+  <p:clrMapOvr>
+    <a:masterClrMapping/>
+  </p:clrMapOvr>
+  <p:timing>
+    <p:tnLst>
+      <p:par>
+        <p:cTn id="1" dur="indefinite" restart="never" nodeType="tmRoot"/>
+      </p:par>
+    </p:tnLst>
+  </p:timing>
+</p:sld>
+</file>
+
+<file path=ppt/slides/slide37.xml><?xml version="1.0" encoding="utf-8"?>
+<p:sld xmlns:a="http://schemas.openxmlformats.org/drawingml/2006/main" xmlns:r="http://schemas.openxmlformats.org/officeDocument/2006/relationships" xmlns:p="http://schemas.openxmlformats.org/presentationml/2006/main">
+  <p:cSld>
+    <p:spTree>
+      <p:nvGrpSpPr>
+        <p:cNvPr id="1" name=""/>
+        <p:cNvGrpSpPr/>
+        <p:nvPr/>
+      </p:nvGrpSpPr>
+      <p:grpSpPr>
+        <a:xfrm>
+          <a:off x="0" y="0"/>
+          <a:ext cx="0" cy="0"/>
+          <a:chOff x="0" y="0"/>
+          <a:chExt cx="0" cy="0"/>
+        </a:xfrm>
+      </p:grpSpPr>
+    </p:spTree>
+  </p:cSld>
+  <p:clrMapOvr>
+    <a:masterClrMapping/>
+  </p:clrMapOvr>
+  <p:timing>
+    <p:tnLst>
+      <p:par>
+        <p:cTn id="1" dur="indefinite" restart="never" nodeType="tmRoot"/>
+      </p:par>
+    </p:tnLst>
+  </p:timing>
+</p:sld>
+</file>
+
+<file path=ppt/slides/slide38.xml><?xml version="1.0" encoding="utf-8"?>
+<p:sld xmlns:a="http://schemas.openxmlformats.org/drawingml/2006/main" xmlns:r="http://schemas.openxmlformats.org/officeDocument/2006/relationships" xmlns:p="http://schemas.openxmlformats.org/presentationml/2006/main">
+  <p:cSld>
+    <p:spTree>
+      <p:nvGrpSpPr>
+        <p:cNvPr id="1" name=""/>
+        <p:cNvGrpSpPr/>
+        <p:nvPr/>
+      </p:nvGrpSpPr>
+      <p:grpSpPr>
+        <a:xfrm>
+          <a:off x="0" y="0"/>
+          <a:ext cx="0" cy="0"/>
+          <a:chOff x="0" y="0"/>
+          <a:chExt cx="0" cy="0"/>
+        </a:xfrm>
+      </p:grpSpPr>
     </p:spTree>
   </p:cSld>
   <p:clrMapOvr>
@@ -12467,6 +21219,13 @@
   <p:clrMapOvr>
     <a:masterClrMapping/>
   </p:clrMapOvr>
+  <p:timing>
+    <p:tnLst>
+      <p:par>
+        <p:cTn id="1" dur="indefinite" restart="never" nodeType="tmRoot"/>
+      </p:par>
+    </p:tnLst>
+  </p:timing>
 </p:sld>
 </file>
 
@@ -15379,12 +24138,6 @@
 </file>
 
 <file path=customXml/item2.xml><?xml version="1.0" encoding="utf-8"?>
-<p:properties xmlns:p="http://schemas.microsoft.com/office/2006/metadata/properties" xmlns:xsi="http://www.w3.org/2001/XMLSchema-instance">
-  <documentManagement/>
-</p:properties>
-</file>
-
-<file path=customXml/item3.xml><?xml version="1.0" encoding="utf-8"?>
 <ct:contentTypeSchema xmlns:ct="http://schemas.microsoft.com/office/2006/metadata/contentType" xmlns:ma="http://schemas.microsoft.com/office/2006/metadata/properties/metaAttributes" ct:_="" ma:_="" ma:contentTypeName="Document" ma:contentTypeID="0x010100EF3E94E2ACCF6D4EAE5CDD73AD546E17" ma:contentTypeVersion="0" ma:contentTypeDescription="Create a new document." ma:contentTypeScope="" ma:versionID="bb1449a0cfc4203701bc69f953314dcb">
   <xsd:schema xmlns:xsd="http://www.w3.org/2001/XMLSchema" xmlns:p="http://schemas.microsoft.com/office/2006/metadata/properties" targetNamespace="http://schemas.microsoft.com/office/2006/metadata/properties" ma:root="true" ma:fieldsID="4aeb20c0e3442673af7ee10786458764">
     <xsd:element name="properties">
@@ -15433,6 +24186,12 @@
 </ct:contentTypeSchema>
 </file>
 
+<file path=customXml/item3.xml><?xml version="1.0" encoding="utf-8"?>
+<p:properties xmlns:p="http://schemas.microsoft.com/office/2006/metadata/properties" xmlns:xsi="http://www.w3.org/2001/XMLSchema-instance">
+  <documentManagement/>
+</p:properties>
+</file>
+
 <file path=customXml/itemProps1.xml><?xml version="1.0" encoding="utf-8"?>
 <ds:datastoreItem xmlns:ds="http://schemas.openxmlformats.org/officeDocument/2006/customXml" ds:itemID="{AF2462E9-E3C6-4B9B-800D-1AA92DB6FEE6}">
   <ds:schemaRefs>
@@ -15442,20 +24201,6 @@
 </file>
 
 <file path=customXml/itemProps2.xml><?xml version="1.0" encoding="utf-8"?>
-<ds:datastoreItem xmlns:ds="http://schemas.openxmlformats.org/officeDocument/2006/customXml" ds:itemID="{BC974159-165D-43A7-BAC0-2BE7E1872CAD}">
-  <ds:schemaRefs>
-    <ds:schemaRef ds:uri="http://schemas.microsoft.com/office/2006/metadata/properties"/>
-    <ds:schemaRef ds:uri="http://schemas.microsoft.com/office/2006/documentManagement/types"/>
-    <ds:schemaRef ds:uri="http://purl.org/dc/elements/1.1/"/>
-    <ds:schemaRef ds:uri="http://schemas.openxmlformats.org/package/2006/metadata/core-properties"/>
-    <ds:schemaRef ds:uri="http://www.w3.org/XML/1998/namespace"/>
-    <ds:schemaRef ds:uri="http://purl.org/dc/dcmitype/"/>
-    <ds:schemaRef ds:uri="http://purl.org/dc/terms/"/>
-  </ds:schemaRefs>
-</ds:datastoreItem>
-</file>
-
-<file path=customXml/itemProps3.xml><?xml version="1.0" encoding="utf-8"?>
 <ds:datastoreItem xmlns:ds="http://schemas.openxmlformats.org/officeDocument/2006/customXml" ds:itemID="{1FBAA56A-8348-4CD3-A624-434B0E404A2E}">
   <ds:schemaRefs>
     <ds:schemaRef ds:uri="http://schemas.microsoft.com/office/2006/metadata/contentType"/>
@@ -15468,4 +24213,18 @@
     <ds:schemaRef ds:uri="http://schemas.microsoft.com/office/internal/2005/internalDocumentation"/>
   </ds:schemaRefs>
 </ds:datastoreItem>
+</file>
+
+<file path=customXml/itemProps3.xml><?xml version="1.0" encoding="utf-8"?>
+<ds:datastoreItem xmlns:ds="http://schemas.openxmlformats.org/officeDocument/2006/customXml" ds:itemID="{BC974159-165D-43A7-BAC0-2BE7E1872CAD}">
+  <ds:schemaRefs>
+    <ds:schemaRef ds:uri="http://schemas.microsoft.com/office/2006/metadata/properties"/>
+    <ds:schemaRef ds:uri="http://schemas.microsoft.com/office/2006/documentManagement/types"/>
+    <ds:schemaRef ds:uri="http://purl.org/dc/elements/1.1/"/>
+    <ds:schemaRef ds:uri="http://schemas.openxmlformats.org/package/2006/metadata/core-properties"/>
+    <ds:schemaRef ds:uri="http://www.w3.org/XML/1998/namespace"/>
+    <ds:schemaRef ds:uri="http://purl.org/dc/dcmitype/"/>
+    <ds:schemaRef ds:uri="http://purl.org/dc/terms/"/>
+  </ds:schemaRefs>
+</ds:datastoreItem>
 </file>